--- a/535 Code Supporting Documentation.pptx
+++ b/535 Code Supporting Documentation.pptx
@@ -105,13 +105,18 @@
       </a:defRPr>
     </a:lvl9pPr>
   </p:defaultTextStyle>
+  <p:extLst>
+    <p:ext uri="{EFAFB233-063F-42B5-8137-9DF3F51BA10A}">
+      <p15:sldGuideLst xmlns:p15="http://schemas.microsoft.com/office/powerpoint/2012/main"/>
+    </p:ext>
+  </p:extLst>
 </p:presentation>
 </file>
 
 <file path=ppt/revisionInfo.xml><?xml version="1.0" encoding="utf-8"?>
 <p1510:revInfo xmlns:a="http://schemas.openxmlformats.org/drawingml/2006/main" xmlns:r="http://schemas.openxmlformats.org/officeDocument/2006/relationships" xmlns:p1510="http://schemas.microsoft.com/office/powerpoint/2015/10/main">
   <p1510:revLst>
-    <p1510:client id="{4CA665DE-1876-46DF-97D7-821D40E87081}" v="35" dt="2024-11-04T01:40:39.735"/>
+    <p1510:client id="{844A3182-6AF6-4B61-96B2-5299EFEE2796}" v="42" dt="2024-11-07T22:23:13.118"/>
   </p1510:revLst>
 </p1510:revInfo>
 </file>
@@ -228,7 +233,3723 @@
       </pc:sldMasterChg>
     </pc:docChg>
   </pc:docChgLst>
+  <pc:docChgLst>
+    <pc:chgData name="Andy Cai" userId="560e248f8e6bbfc4" providerId="LiveId" clId="{844A3182-6AF6-4B61-96B2-5299EFEE2796}"/>
+    <pc:docChg chg="custSel modSld">
+      <pc:chgData name="Andy Cai" userId="560e248f8e6bbfc4" providerId="LiveId" clId="{844A3182-6AF6-4B61-96B2-5299EFEE2796}" dt="2024-11-07T22:23:13.118" v="151"/>
+      <pc:docMkLst>
+        <pc:docMk/>
+      </pc:docMkLst>
+      <pc:sldChg chg="addSp delSp modSp mod">
+        <pc:chgData name="Andy Cai" userId="560e248f8e6bbfc4" providerId="LiveId" clId="{844A3182-6AF6-4B61-96B2-5299EFEE2796}" dt="2024-11-07T22:23:13.118" v="151"/>
+        <pc:sldMkLst>
+          <pc:docMk/>
+          <pc:sldMk cId="2987476754" sldId="257"/>
+        </pc:sldMkLst>
+        <pc:spChg chg="del">
+          <ac:chgData name="Andy Cai" userId="560e248f8e6bbfc4" providerId="LiveId" clId="{844A3182-6AF6-4B61-96B2-5299EFEE2796}" dt="2024-11-07T22:21:24.688" v="25" actId="478"/>
+          <ac:spMkLst>
+            <pc:docMk/>
+            <pc:sldMk cId="2987476754" sldId="257"/>
+            <ac:spMk id="3" creationId="{6199B0D6-BA64-4E0C-59D0-EC141D11F5DF}"/>
+          </ac:spMkLst>
+        </pc:spChg>
+        <pc:grpChg chg="del mod">
+          <ac:chgData name="Andy Cai" userId="560e248f8e6bbfc4" providerId="LiveId" clId="{844A3182-6AF6-4B61-96B2-5299EFEE2796}" dt="2024-11-07T22:21:16.876" v="19"/>
+          <ac:grpSpMkLst>
+            <pc:docMk/>
+            <pc:sldMk cId="2987476754" sldId="257"/>
+            <ac:grpSpMk id="20" creationId="{321A9263-131E-DAE2-F373-2A5C730EBB5A}"/>
+          </ac:grpSpMkLst>
+        </pc:grpChg>
+        <pc:grpChg chg="del mod">
+          <ac:chgData name="Andy Cai" userId="560e248f8e6bbfc4" providerId="LiveId" clId="{844A3182-6AF6-4B61-96B2-5299EFEE2796}" dt="2024-11-07T22:21:19.625" v="24"/>
+          <ac:grpSpMkLst>
+            <pc:docMk/>
+            <pc:sldMk cId="2987476754" sldId="257"/>
+            <ac:grpSpMk id="23" creationId="{24D6ED86-6ACB-6E66-0874-F52B434EE41D}"/>
+          </ac:grpSpMkLst>
+        </pc:grpChg>
+        <pc:grpChg chg="del mod">
+          <ac:chgData name="Andy Cai" userId="560e248f8e6bbfc4" providerId="LiveId" clId="{844A3182-6AF6-4B61-96B2-5299EFEE2796}" dt="2024-11-07T22:21:40.853" v="50"/>
+          <ac:grpSpMkLst>
+            <pc:docMk/>
+            <pc:sldMk cId="2987476754" sldId="257"/>
+            <ac:grpSpMk id="28" creationId="{838D267A-9BC8-26A9-725F-0FE0B10DA4DD}"/>
+          </ac:grpSpMkLst>
+        </pc:grpChg>
+        <pc:grpChg chg="del mod">
+          <ac:chgData name="Andy Cai" userId="560e248f8e6bbfc4" providerId="LiveId" clId="{844A3182-6AF6-4B61-96B2-5299EFEE2796}" dt="2024-11-07T22:21:50.464" v="58"/>
+          <ac:grpSpMkLst>
+            <pc:docMk/>
+            <pc:sldMk cId="2987476754" sldId="257"/>
+            <ac:grpSpMk id="47" creationId="{C32A20DA-FB96-1BCE-6045-3634C4CE764D}"/>
+          </ac:grpSpMkLst>
+        </pc:grpChg>
+        <pc:grpChg chg="mod">
+          <ac:chgData name="Andy Cai" userId="560e248f8e6bbfc4" providerId="LiveId" clId="{844A3182-6AF6-4B61-96B2-5299EFEE2796}" dt="2024-11-07T22:21:50.464" v="58"/>
+          <ac:grpSpMkLst>
+            <pc:docMk/>
+            <pc:sldMk cId="2987476754" sldId="257"/>
+            <ac:grpSpMk id="53" creationId="{AD3BEB48-87C5-B1A9-CA1D-A7704D68827A}"/>
+          </ac:grpSpMkLst>
+        </pc:grpChg>
+        <pc:grpChg chg="del mod">
+          <ac:chgData name="Andy Cai" userId="560e248f8e6bbfc4" providerId="LiveId" clId="{844A3182-6AF6-4B61-96B2-5299EFEE2796}" dt="2024-11-07T22:21:58.747" v="65"/>
+          <ac:grpSpMkLst>
+            <pc:docMk/>
+            <pc:sldMk cId="2987476754" sldId="257"/>
+            <ac:grpSpMk id="54" creationId="{D1FB3777-4D75-19B4-E2FD-10C6CD349D83}"/>
+          </ac:grpSpMkLst>
+        </pc:grpChg>
+        <pc:grpChg chg="del mod">
+          <ac:chgData name="Andy Cai" userId="560e248f8e6bbfc4" providerId="LiveId" clId="{844A3182-6AF6-4B61-96B2-5299EFEE2796}" dt="2024-11-07T22:23:03.403" v="135"/>
+          <ac:grpSpMkLst>
+            <pc:docMk/>
+            <pc:sldMk cId="2987476754" sldId="257"/>
+            <ac:grpSpMk id="58" creationId="{167962A0-7D19-1747-61B2-621E548C5F58}"/>
+          </ac:grpSpMkLst>
+        </pc:grpChg>
+        <pc:grpChg chg="del mod">
+          <ac:chgData name="Andy Cai" userId="560e248f8e6bbfc4" providerId="LiveId" clId="{844A3182-6AF6-4B61-96B2-5299EFEE2796}" dt="2024-11-07T22:22:09.318" v="76"/>
+          <ac:grpSpMkLst>
+            <pc:docMk/>
+            <pc:sldMk cId="2987476754" sldId="257"/>
+            <ac:grpSpMk id="65" creationId="{16B07490-4D42-DF10-E030-70AE7C05EBB7}"/>
+          </ac:grpSpMkLst>
+        </pc:grpChg>
+        <pc:grpChg chg="del mod">
+          <ac:chgData name="Andy Cai" userId="560e248f8e6bbfc4" providerId="LiveId" clId="{844A3182-6AF6-4B61-96B2-5299EFEE2796}" dt="2024-11-07T22:22:11.881" v="80"/>
+          <ac:grpSpMkLst>
+            <pc:docMk/>
+            <pc:sldMk cId="2987476754" sldId="257"/>
+            <ac:grpSpMk id="68" creationId="{8EA09524-FDC5-DB48-ECF5-DFDF0E9879D7}"/>
+          </ac:grpSpMkLst>
+        </pc:grpChg>
+        <pc:grpChg chg="del mod">
+          <ac:chgData name="Andy Cai" userId="560e248f8e6bbfc4" providerId="LiveId" clId="{844A3182-6AF6-4B61-96B2-5299EFEE2796}" dt="2024-11-07T22:22:18.819" v="84"/>
+          <ac:grpSpMkLst>
+            <pc:docMk/>
+            <pc:sldMk cId="2987476754" sldId="257"/>
+            <ac:grpSpMk id="72" creationId="{354D9446-D4BD-EB0E-BB62-938C304B74F4}"/>
+          </ac:grpSpMkLst>
+        </pc:grpChg>
+        <pc:grpChg chg="del mod">
+          <ac:chgData name="Andy Cai" userId="560e248f8e6bbfc4" providerId="LiveId" clId="{844A3182-6AF6-4B61-96B2-5299EFEE2796}" dt="2024-11-07T22:22:25.558" v="86"/>
+          <ac:grpSpMkLst>
+            <pc:docMk/>
+            <pc:sldMk cId="2987476754" sldId="257"/>
+            <ac:grpSpMk id="75" creationId="{AB087B98-EA1A-2276-5678-56DF763E02B7}"/>
+          </ac:grpSpMkLst>
+        </pc:grpChg>
+        <pc:grpChg chg="del mod">
+          <ac:chgData name="Andy Cai" userId="560e248f8e6bbfc4" providerId="LiveId" clId="{844A3182-6AF6-4B61-96B2-5299EFEE2796}" dt="2024-11-07T22:23:08.340" v="143"/>
+          <ac:grpSpMkLst>
+            <pc:docMk/>
+            <pc:sldMk cId="2987476754" sldId="257"/>
+            <ac:grpSpMk id="77" creationId="{7633A99A-69C8-3288-04B0-77EF8757774C}"/>
+          </ac:grpSpMkLst>
+        </pc:grpChg>
+        <pc:grpChg chg="mod">
+          <ac:chgData name="Andy Cai" userId="560e248f8e6bbfc4" providerId="LiveId" clId="{844A3182-6AF6-4B61-96B2-5299EFEE2796}" dt="2024-11-07T22:22:27.432" v="89"/>
+          <ac:grpSpMkLst>
+            <pc:docMk/>
+            <pc:sldMk cId="2987476754" sldId="257"/>
+            <ac:grpSpMk id="80" creationId="{6781624D-DEAB-E2E3-565A-1147566915EE}"/>
+          </ac:grpSpMkLst>
+        </pc:grpChg>
+        <pc:grpChg chg="del mod">
+          <ac:chgData name="Andy Cai" userId="560e248f8e6bbfc4" providerId="LiveId" clId="{844A3182-6AF6-4B61-96B2-5299EFEE2796}" dt="2024-11-07T22:22:47.468" v="114"/>
+          <ac:grpSpMkLst>
+            <pc:docMk/>
+            <pc:sldMk cId="2987476754" sldId="257"/>
+            <ac:grpSpMk id="102" creationId="{4914DC03-48E2-897D-169B-90A09DB3E31B}"/>
+          </ac:grpSpMkLst>
+        </pc:grpChg>
+        <pc:grpChg chg="mod">
+          <ac:chgData name="Andy Cai" userId="560e248f8e6bbfc4" providerId="LiveId" clId="{844A3182-6AF6-4B61-96B2-5299EFEE2796}" dt="2024-11-07T22:22:40.054" v="111"/>
+          <ac:grpSpMkLst>
+            <pc:docMk/>
+            <pc:sldMk cId="2987476754" sldId="257"/>
+            <ac:grpSpMk id="103" creationId="{308EC627-A401-19D5-868D-BA1BEF925FAF}"/>
+          </ac:grpSpMkLst>
+        </pc:grpChg>
+        <pc:grpChg chg="del mod">
+          <ac:chgData name="Andy Cai" userId="560e248f8e6bbfc4" providerId="LiveId" clId="{844A3182-6AF6-4B61-96B2-5299EFEE2796}" dt="2024-11-07T22:23:13.118" v="151"/>
+          <ac:grpSpMkLst>
+            <pc:docMk/>
+            <pc:sldMk cId="2987476754" sldId="257"/>
+            <ac:grpSpMk id="104" creationId="{4136719F-8884-C761-8BEF-C8BEE1482F02}"/>
+          </ac:grpSpMkLst>
+        </pc:grpChg>
+        <pc:grpChg chg="mod">
+          <ac:chgData name="Andy Cai" userId="560e248f8e6bbfc4" providerId="LiveId" clId="{844A3182-6AF6-4B61-96B2-5299EFEE2796}" dt="2024-11-07T22:22:40.054" v="111"/>
+          <ac:grpSpMkLst>
+            <pc:docMk/>
+            <pc:sldMk cId="2987476754" sldId="257"/>
+            <ac:grpSpMk id="105" creationId="{6E76583C-4AE5-10CA-E352-DCE899D0125E}"/>
+          </ac:grpSpMkLst>
+        </pc:grpChg>
+        <pc:grpChg chg="del mod">
+          <ac:chgData name="Andy Cai" userId="560e248f8e6bbfc4" providerId="LiveId" clId="{844A3182-6AF6-4B61-96B2-5299EFEE2796}" dt="2024-11-07T22:22:52.902" v="126"/>
+          <ac:grpSpMkLst>
+            <pc:docMk/>
+            <pc:sldMk cId="2987476754" sldId="257"/>
+            <ac:grpSpMk id="108" creationId="{7E9C3E84-95AA-58FE-52E1-7555BEA29807}"/>
+          </ac:grpSpMkLst>
+        </pc:grpChg>
+        <pc:grpChg chg="mod">
+          <ac:chgData name="Andy Cai" userId="560e248f8e6bbfc4" providerId="LiveId" clId="{844A3182-6AF6-4B61-96B2-5299EFEE2796}" dt="2024-11-07T22:22:52.902" v="126"/>
+          <ac:grpSpMkLst>
+            <pc:docMk/>
+            <pc:sldMk cId="2987476754" sldId="257"/>
+            <ac:grpSpMk id="119" creationId="{818A9C6D-5F66-B07F-9C6D-41A4052C10AA}"/>
+          </ac:grpSpMkLst>
+        </pc:grpChg>
+        <pc:grpChg chg="del mod">
+          <ac:chgData name="Andy Cai" userId="560e248f8e6bbfc4" providerId="LiveId" clId="{844A3182-6AF6-4B61-96B2-5299EFEE2796}" dt="2024-11-07T22:23:08.340" v="143"/>
+          <ac:grpSpMkLst>
+            <pc:docMk/>
+            <pc:sldMk cId="2987476754" sldId="257"/>
+            <ac:grpSpMk id="124" creationId="{2AB6390B-C69C-E668-666C-512CB8DC0C93}"/>
+          </ac:grpSpMkLst>
+        </pc:grpChg>
+        <pc:grpChg chg="mod">
+          <ac:chgData name="Andy Cai" userId="560e248f8e6bbfc4" providerId="LiveId" clId="{844A3182-6AF6-4B61-96B2-5299EFEE2796}" dt="2024-11-07T22:23:08.340" v="143"/>
+          <ac:grpSpMkLst>
+            <pc:docMk/>
+            <pc:sldMk cId="2987476754" sldId="257"/>
+            <ac:grpSpMk id="130" creationId="{CDD5CD16-C5B3-0EF9-B542-606D4307BB79}"/>
+          </ac:grpSpMkLst>
+        </pc:grpChg>
+        <pc:grpChg chg="mod">
+          <ac:chgData name="Andy Cai" userId="560e248f8e6bbfc4" providerId="LiveId" clId="{844A3182-6AF6-4B61-96B2-5299EFEE2796}" dt="2024-11-07T22:23:08.340" v="143"/>
+          <ac:grpSpMkLst>
+            <pc:docMk/>
+            <pc:sldMk cId="2987476754" sldId="257"/>
+            <ac:grpSpMk id="131" creationId="{592CAD23-C770-DBE9-CF61-F6F5367C23D9}"/>
+          </ac:grpSpMkLst>
+        </pc:grpChg>
+        <pc:grpChg chg="mod">
+          <ac:chgData name="Andy Cai" userId="560e248f8e6bbfc4" providerId="LiveId" clId="{844A3182-6AF6-4B61-96B2-5299EFEE2796}" dt="2024-11-07T22:23:13.118" v="151"/>
+          <ac:grpSpMkLst>
+            <pc:docMk/>
+            <pc:sldMk cId="2987476754" sldId="257"/>
+            <ac:grpSpMk id="135" creationId="{5C8F52CF-BFAD-ECB5-A1E0-F933F177CF51}"/>
+          </ac:grpSpMkLst>
+        </pc:grpChg>
+        <pc:inkChg chg="add mod">
+          <ac:chgData name="Andy Cai" userId="560e248f8e6bbfc4" providerId="LiveId" clId="{844A3182-6AF6-4B61-96B2-5299EFEE2796}" dt="2024-11-07T22:23:08.340" v="143"/>
+          <ac:inkMkLst>
+            <pc:docMk/>
+            <pc:sldMk cId="2987476754" sldId="257"/>
+            <ac:inkMk id="4" creationId="{EAD2D98C-FC84-52C5-4CCF-9CB718EF65C1}"/>
+          </ac:inkMkLst>
+        </pc:inkChg>
+        <pc:inkChg chg="add mod">
+          <ac:chgData name="Andy Cai" userId="560e248f8e6bbfc4" providerId="LiveId" clId="{844A3182-6AF6-4B61-96B2-5299EFEE2796}" dt="2024-11-07T22:23:08.340" v="143"/>
+          <ac:inkMkLst>
+            <pc:docMk/>
+            <pc:sldMk cId="2987476754" sldId="257"/>
+            <ac:inkMk id="5" creationId="{0CFB0E64-0856-6B3E-CF60-AFCCEE00C811}"/>
+          </ac:inkMkLst>
+        </pc:inkChg>
+        <pc:inkChg chg="add mod">
+          <ac:chgData name="Andy Cai" userId="560e248f8e6bbfc4" providerId="LiveId" clId="{844A3182-6AF6-4B61-96B2-5299EFEE2796}" dt="2024-11-07T22:23:08.340" v="143"/>
+          <ac:inkMkLst>
+            <pc:docMk/>
+            <pc:sldMk cId="2987476754" sldId="257"/>
+            <ac:inkMk id="6" creationId="{8043DD79-F349-67FB-538B-FFC4C79BCD58}"/>
+          </ac:inkMkLst>
+        </pc:inkChg>
+        <pc:inkChg chg="add mod">
+          <ac:chgData name="Andy Cai" userId="560e248f8e6bbfc4" providerId="LiveId" clId="{844A3182-6AF6-4B61-96B2-5299EFEE2796}" dt="2024-11-07T22:23:08.340" v="143"/>
+          <ac:inkMkLst>
+            <pc:docMk/>
+            <pc:sldMk cId="2987476754" sldId="257"/>
+            <ac:inkMk id="7" creationId="{BEC4D083-E180-0FAA-7F69-3AE524731590}"/>
+          </ac:inkMkLst>
+        </pc:inkChg>
+        <pc:inkChg chg="add del mod">
+          <ac:chgData name="Andy Cai" userId="560e248f8e6bbfc4" providerId="LiveId" clId="{844A3182-6AF6-4B61-96B2-5299EFEE2796}" dt="2024-11-07T22:21:56.666" v="60"/>
+          <ac:inkMkLst>
+            <pc:docMk/>
+            <pc:sldMk cId="2987476754" sldId="257"/>
+            <ac:inkMk id="8" creationId="{001037B1-277D-264B-3295-707EACB591F7}"/>
+          </ac:inkMkLst>
+        </pc:inkChg>
+        <pc:inkChg chg="add del mod">
+          <ac:chgData name="Andy Cai" userId="560e248f8e6bbfc4" providerId="LiveId" clId="{844A3182-6AF6-4B61-96B2-5299EFEE2796}" dt="2024-11-07T22:21:57.151" v="61"/>
+          <ac:inkMkLst>
+            <pc:docMk/>
+            <pc:sldMk cId="2987476754" sldId="257"/>
+            <ac:inkMk id="9" creationId="{2B1B7B88-342E-7A36-78D6-D1234631F497}"/>
+          </ac:inkMkLst>
+        </pc:inkChg>
+        <pc:inkChg chg="add mod">
+          <ac:chgData name="Andy Cai" userId="560e248f8e6bbfc4" providerId="LiveId" clId="{844A3182-6AF6-4B61-96B2-5299EFEE2796}" dt="2024-11-07T22:23:08.340" v="143"/>
+          <ac:inkMkLst>
+            <pc:docMk/>
+            <pc:sldMk cId="2987476754" sldId="257"/>
+            <ac:inkMk id="10" creationId="{74C7FAD3-929A-590A-F4E0-02CD47B84701}"/>
+          </ac:inkMkLst>
+        </pc:inkChg>
+        <pc:inkChg chg="add mod">
+          <ac:chgData name="Andy Cai" userId="560e248f8e6bbfc4" providerId="LiveId" clId="{844A3182-6AF6-4B61-96B2-5299EFEE2796}" dt="2024-11-07T22:23:08.340" v="143"/>
+          <ac:inkMkLst>
+            <pc:docMk/>
+            <pc:sldMk cId="2987476754" sldId="257"/>
+            <ac:inkMk id="11" creationId="{C12DB50E-DA18-284A-F1E4-14C4573A54A0}"/>
+          </ac:inkMkLst>
+        </pc:inkChg>
+        <pc:inkChg chg="add mod">
+          <ac:chgData name="Andy Cai" userId="560e248f8e6bbfc4" providerId="LiveId" clId="{844A3182-6AF6-4B61-96B2-5299EFEE2796}" dt="2024-11-07T22:23:08.340" v="143"/>
+          <ac:inkMkLst>
+            <pc:docMk/>
+            <pc:sldMk cId="2987476754" sldId="257"/>
+            <ac:inkMk id="12" creationId="{C9C1D872-E997-EE39-61B8-76300C685680}"/>
+          </ac:inkMkLst>
+        </pc:inkChg>
+        <pc:inkChg chg="add mod">
+          <ac:chgData name="Andy Cai" userId="560e248f8e6bbfc4" providerId="LiveId" clId="{844A3182-6AF6-4B61-96B2-5299EFEE2796}" dt="2024-11-07T22:23:08.340" v="143"/>
+          <ac:inkMkLst>
+            <pc:docMk/>
+            <pc:sldMk cId="2987476754" sldId="257"/>
+            <ac:inkMk id="13" creationId="{0E452B23-0E0B-8995-D668-5025CFBA9114}"/>
+          </ac:inkMkLst>
+        </pc:inkChg>
+        <pc:inkChg chg="add mod">
+          <ac:chgData name="Andy Cai" userId="560e248f8e6bbfc4" providerId="LiveId" clId="{844A3182-6AF6-4B61-96B2-5299EFEE2796}" dt="2024-11-07T22:23:08.340" v="143"/>
+          <ac:inkMkLst>
+            <pc:docMk/>
+            <pc:sldMk cId="2987476754" sldId="257"/>
+            <ac:inkMk id="14" creationId="{E0854EDA-2A17-0711-484A-449AFE7C8F02}"/>
+          </ac:inkMkLst>
+        </pc:inkChg>
+        <pc:inkChg chg="add del mod">
+          <ac:chgData name="Andy Cai" userId="560e248f8e6bbfc4" providerId="LiveId" clId="{844A3182-6AF6-4B61-96B2-5299EFEE2796}" dt="2024-11-07T22:21:58.668" v="64"/>
+          <ac:inkMkLst>
+            <pc:docMk/>
+            <pc:sldMk cId="2987476754" sldId="257"/>
+            <ac:inkMk id="15" creationId="{386F2C58-FCE4-9AB9-2988-1F8712915216}"/>
+          </ac:inkMkLst>
+        </pc:inkChg>
+        <pc:inkChg chg="add del mod">
+          <ac:chgData name="Andy Cai" userId="560e248f8e6bbfc4" providerId="LiveId" clId="{844A3182-6AF6-4B61-96B2-5299EFEE2796}" dt="2024-11-07T22:21:48.020" v="54"/>
+          <ac:inkMkLst>
+            <pc:docMk/>
+            <pc:sldMk cId="2987476754" sldId="257"/>
+            <ac:inkMk id="16" creationId="{FF980D2B-8E14-49C4-C66E-88E8712B8ED1}"/>
+          </ac:inkMkLst>
+        </pc:inkChg>
+        <pc:inkChg chg="add mod">
+          <ac:chgData name="Andy Cai" userId="560e248f8e6bbfc4" providerId="LiveId" clId="{844A3182-6AF6-4B61-96B2-5299EFEE2796}" dt="2024-11-07T22:23:08.340" v="143"/>
+          <ac:inkMkLst>
+            <pc:docMk/>
+            <pc:sldMk cId="2987476754" sldId="257"/>
+            <ac:inkMk id="17" creationId="{F2E1B5F9-3A37-1EDB-C3FE-99966706F404}"/>
+          </ac:inkMkLst>
+        </pc:inkChg>
+        <pc:inkChg chg="add mod">
+          <ac:chgData name="Andy Cai" userId="560e248f8e6bbfc4" providerId="LiveId" clId="{844A3182-6AF6-4B61-96B2-5299EFEE2796}" dt="2024-11-07T22:23:08.340" v="143"/>
+          <ac:inkMkLst>
+            <pc:docMk/>
+            <pc:sldMk cId="2987476754" sldId="257"/>
+            <ac:inkMk id="18" creationId="{C32DA845-1C5A-CA31-9EDF-BB7F81CF4233}"/>
+          </ac:inkMkLst>
+        </pc:inkChg>
+        <pc:inkChg chg="add mod">
+          <ac:chgData name="Andy Cai" userId="560e248f8e6bbfc4" providerId="LiveId" clId="{844A3182-6AF6-4B61-96B2-5299EFEE2796}" dt="2024-11-07T22:23:08.340" v="143"/>
+          <ac:inkMkLst>
+            <pc:docMk/>
+            <pc:sldMk cId="2987476754" sldId="257"/>
+            <ac:inkMk id="19" creationId="{51E69AEA-3263-428E-4857-3C3F946634DC}"/>
+          </ac:inkMkLst>
+        </pc:inkChg>
+        <pc:inkChg chg="add mod">
+          <ac:chgData name="Andy Cai" userId="560e248f8e6bbfc4" providerId="LiveId" clId="{844A3182-6AF6-4B61-96B2-5299EFEE2796}" dt="2024-11-07T22:23:08.340" v="143"/>
+          <ac:inkMkLst>
+            <pc:docMk/>
+            <pc:sldMk cId="2987476754" sldId="257"/>
+            <ac:inkMk id="21" creationId="{AAAC3991-D87F-B98E-246B-063997037F75}"/>
+          </ac:inkMkLst>
+        </pc:inkChg>
+        <pc:inkChg chg="add mod">
+          <ac:chgData name="Andy Cai" userId="560e248f8e6bbfc4" providerId="LiveId" clId="{844A3182-6AF6-4B61-96B2-5299EFEE2796}" dt="2024-11-07T22:23:08.340" v="143"/>
+          <ac:inkMkLst>
+            <pc:docMk/>
+            <pc:sldMk cId="2987476754" sldId="257"/>
+            <ac:inkMk id="22" creationId="{420784F4-CFD2-CF61-4C04-0F6AF7E119B1}"/>
+          </ac:inkMkLst>
+        </pc:inkChg>
+        <pc:inkChg chg="add mod">
+          <ac:chgData name="Andy Cai" userId="560e248f8e6bbfc4" providerId="LiveId" clId="{844A3182-6AF6-4B61-96B2-5299EFEE2796}" dt="2024-11-07T22:23:08.340" v="143"/>
+          <ac:inkMkLst>
+            <pc:docMk/>
+            <pc:sldMk cId="2987476754" sldId="257"/>
+            <ac:inkMk id="24" creationId="{988E0A06-41A7-70BD-3B70-262F5FC14A28}"/>
+          </ac:inkMkLst>
+        </pc:inkChg>
+        <pc:inkChg chg="add mod">
+          <ac:chgData name="Andy Cai" userId="560e248f8e6bbfc4" providerId="LiveId" clId="{844A3182-6AF6-4B61-96B2-5299EFEE2796}" dt="2024-11-07T22:23:08.340" v="143"/>
+          <ac:inkMkLst>
+            <pc:docMk/>
+            <pc:sldMk cId="2987476754" sldId="257"/>
+            <ac:inkMk id="25" creationId="{AE8BEC32-D0A6-4F5C-9DA2-4CC8B0F26EB0}"/>
+          </ac:inkMkLst>
+        </pc:inkChg>
+        <pc:inkChg chg="add mod">
+          <ac:chgData name="Andy Cai" userId="560e248f8e6bbfc4" providerId="LiveId" clId="{844A3182-6AF6-4B61-96B2-5299EFEE2796}" dt="2024-11-07T22:23:08.340" v="143"/>
+          <ac:inkMkLst>
+            <pc:docMk/>
+            <pc:sldMk cId="2987476754" sldId="257"/>
+            <ac:inkMk id="26" creationId="{F40A3ACB-E318-FB82-EB39-A5C5DE2C6A2E}"/>
+          </ac:inkMkLst>
+        </pc:inkChg>
+        <pc:inkChg chg="add del mod">
+          <ac:chgData name="Andy Cai" userId="560e248f8e6bbfc4" providerId="LiveId" clId="{844A3182-6AF6-4B61-96B2-5299EFEE2796}" dt="2024-11-07T22:21:32.830" v="36"/>
+          <ac:inkMkLst>
+            <pc:docMk/>
+            <pc:sldMk cId="2987476754" sldId="257"/>
+            <ac:inkMk id="27" creationId="{B44E38A1-B848-1FAD-BA3F-E7DBBF43DC38}"/>
+          </ac:inkMkLst>
+        </pc:inkChg>
+        <pc:inkChg chg="add del">
+          <ac:chgData name="Andy Cai" userId="560e248f8e6bbfc4" providerId="LiveId" clId="{844A3182-6AF6-4B61-96B2-5299EFEE2796}" dt="2024-11-07T22:21:29.136" v="28"/>
+          <ac:inkMkLst>
+            <pc:docMk/>
+            <pc:sldMk cId="2987476754" sldId="257"/>
+            <ac:inkMk id="29" creationId="{C657E09E-46EF-0B12-402B-99ED406369D5}"/>
+          </ac:inkMkLst>
+        </pc:inkChg>
+        <pc:inkChg chg="add del">
+          <ac:chgData name="Andy Cai" userId="560e248f8e6bbfc4" providerId="LiveId" clId="{844A3182-6AF6-4B61-96B2-5299EFEE2796}" dt="2024-11-07T22:21:29.945" v="29"/>
+          <ac:inkMkLst>
+            <pc:docMk/>
+            <pc:sldMk cId="2987476754" sldId="257"/>
+            <ac:inkMk id="30" creationId="{2ABADAB0-123F-399E-614C-F3DE2432B1D0}"/>
+          </ac:inkMkLst>
+        </pc:inkChg>
+        <pc:inkChg chg="add del">
+          <ac:chgData name="Andy Cai" userId="560e248f8e6bbfc4" providerId="LiveId" clId="{844A3182-6AF6-4B61-96B2-5299EFEE2796}" dt="2024-11-07T22:21:32.824" v="33"/>
+          <ac:inkMkLst>
+            <pc:docMk/>
+            <pc:sldMk cId="2987476754" sldId="257"/>
+            <ac:inkMk id="31" creationId="{A90FF489-A2EE-5620-A8A5-E6FEDBAB6D9A}"/>
+          </ac:inkMkLst>
+        </pc:inkChg>
+        <pc:inkChg chg="add del">
+          <ac:chgData name="Andy Cai" userId="560e248f8e6bbfc4" providerId="LiveId" clId="{844A3182-6AF6-4B61-96B2-5299EFEE2796}" dt="2024-11-07T22:21:32.829" v="35"/>
+          <ac:inkMkLst>
+            <pc:docMk/>
+            <pc:sldMk cId="2987476754" sldId="257"/>
+            <ac:inkMk id="32" creationId="{27BC4989-93D1-74AB-3251-1DD74223AF8F}"/>
+          </ac:inkMkLst>
+        </pc:inkChg>
+        <pc:inkChg chg="add del">
+          <ac:chgData name="Andy Cai" userId="560e248f8e6bbfc4" providerId="LiveId" clId="{844A3182-6AF6-4B61-96B2-5299EFEE2796}" dt="2024-11-07T22:21:32.826" v="34"/>
+          <ac:inkMkLst>
+            <pc:docMk/>
+            <pc:sldMk cId="2987476754" sldId="257"/>
+            <ac:inkMk id="33" creationId="{70DB6C8A-7EF6-9938-C0A2-2DB7207B8516}"/>
+          </ac:inkMkLst>
+        </pc:inkChg>
+        <pc:inkChg chg="add mod">
+          <ac:chgData name="Andy Cai" userId="560e248f8e6bbfc4" providerId="LiveId" clId="{844A3182-6AF6-4B61-96B2-5299EFEE2796}" dt="2024-11-07T22:23:08.340" v="143"/>
+          <ac:inkMkLst>
+            <pc:docMk/>
+            <pc:sldMk cId="2987476754" sldId="257"/>
+            <ac:inkMk id="34" creationId="{87969345-84EE-121B-0771-6921C17EF09B}"/>
+          </ac:inkMkLst>
+        </pc:inkChg>
+        <pc:inkChg chg="add del mod">
+          <ac:chgData name="Andy Cai" userId="560e248f8e6bbfc4" providerId="LiveId" clId="{844A3182-6AF6-4B61-96B2-5299EFEE2796}" dt="2024-11-07T22:23:00.310" v="128"/>
+          <ac:inkMkLst>
+            <pc:docMk/>
+            <pc:sldMk cId="2987476754" sldId="257"/>
+            <ac:inkMk id="35" creationId="{ECCE67A3-B7AC-5B63-AFB0-9C537C019C0A}"/>
+          </ac:inkMkLst>
+        </pc:inkChg>
+        <pc:inkChg chg="add del mod">
+          <ac:chgData name="Andy Cai" userId="560e248f8e6bbfc4" providerId="LiveId" clId="{844A3182-6AF6-4B61-96B2-5299EFEE2796}" dt="2024-11-07T22:23:00.305" v="127"/>
+          <ac:inkMkLst>
+            <pc:docMk/>
+            <pc:sldMk cId="2987476754" sldId="257"/>
+            <ac:inkMk id="36" creationId="{D2A492BC-8134-16F3-F813-C8453F2E02BE}"/>
+          </ac:inkMkLst>
+        </pc:inkChg>
+        <pc:inkChg chg="add mod">
+          <ac:chgData name="Andy Cai" userId="560e248f8e6bbfc4" providerId="LiveId" clId="{844A3182-6AF6-4B61-96B2-5299EFEE2796}" dt="2024-11-07T22:23:08.340" v="143"/>
+          <ac:inkMkLst>
+            <pc:docMk/>
+            <pc:sldMk cId="2987476754" sldId="257"/>
+            <ac:inkMk id="37" creationId="{501A9CA9-A736-8C66-2274-CAB9F3C61388}"/>
+          </ac:inkMkLst>
+        </pc:inkChg>
+        <pc:inkChg chg="add mod">
+          <ac:chgData name="Andy Cai" userId="560e248f8e6bbfc4" providerId="LiveId" clId="{844A3182-6AF6-4B61-96B2-5299EFEE2796}" dt="2024-11-07T22:23:08.340" v="143"/>
+          <ac:inkMkLst>
+            <pc:docMk/>
+            <pc:sldMk cId="2987476754" sldId="257"/>
+            <ac:inkMk id="38" creationId="{A9123779-227F-081B-63A3-D701D70D0F55}"/>
+          </ac:inkMkLst>
+        </pc:inkChg>
+        <pc:inkChg chg="add mod">
+          <ac:chgData name="Andy Cai" userId="560e248f8e6bbfc4" providerId="LiveId" clId="{844A3182-6AF6-4B61-96B2-5299EFEE2796}" dt="2024-11-07T22:23:08.340" v="143"/>
+          <ac:inkMkLst>
+            <pc:docMk/>
+            <pc:sldMk cId="2987476754" sldId="257"/>
+            <ac:inkMk id="39" creationId="{F9F4B104-9212-4FF9-71AD-4E02737E1FDE}"/>
+          </ac:inkMkLst>
+        </pc:inkChg>
+        <pc:inkChg chg="add mod">
+          <ac:chgData name="Andy Cai" userId="560e248f8e6bbfc4" providerId="LiveId" clId="{844A3182-6AF6-4B61-96B2-5299EFEE2796}" dt="2024-11-07T22:23:08.340" v="143"/>
+          <ac:inkMkLst>
+            <pc:docMk/>
+            <pc:sldMk cId="2987476754" sldId="257"/>
+            <ac:inkMk id="40" creationId="{A843EBEB-AB26-4578-5AF4-26FC60DBEB0F}"/>
+          </ac:inkMkLst>
+        </pc:inkChg>
+        <pc:inkChg chg="add mod">
+          <ac:chgData name="Andy Cai" userId="560e248f8e6bbfc4" providerId="LiveId" clId="{844A3182-6AF6-4B61-96B2-5299EFEE2796}" dt="2024-11-07T22:23:08.340" v="143"/>
+          <ac:inkMkLst>
+            <pc:docMk/>
+            <pc:sldMk cId="2987476754" sldId="257"/>
+            <ac:inkMk id="41" creationId="{9949B114-0972-E088-195E-204C59574A21}"/>
+          </ac:inkMkLst>
+        </pc:inkChg>
+        <pc:inkChg chg="add mod">
+          <ac:chgData name="Andy Cai" userId="560e248f8e6bbfc4" providerId="LiveId" clId="{844A3182-6AF6-4B61-96B2-5299EFEE2796}" dt="2024-11-07T22:23:08.340" v="143"/>
+          <ac:inkMkLst>
+            <pc:docMk/>
+            <pc:sldMk cId="2987476754" sldId="257"/>
+            <ac:inkMk id="42" creationId="{19126109-5D51-39AD-378C-AA5ADFC1A4DE}"/>
+          </ac:inkMkLst>
+        </pc:inkChg>
+        <pc:inkChg chg="add del mod">
+          <ac:chgData name="Andy Cai" userId="560e248f8e6bbfc4" providerId="LiveId" clId="{844A3182-6AF6-4B61-96B2-5299EFEE2796}" dt="2024-11-07T22:23:03.102" v="134"/>
+          <ac:inkMkLst>
+            <pc:docMk/>
+            <pc:sldMk cId="2987476754" sldId="257"/>
+            <ac:inkMk id="43" creationId="{29385883-0249-6111-62B7-B774B9AEA52B}"/>
+          </ac:inkMkLst>
+        </pc:inkChg>
+        <pc:inkChg chg="add del mod">
+          <ac:chgData name="Andy Cai" userId="560e248f8e6bbfc4" providerId="LiveId" clId="{844A3182-6AF6-4B61-96B2-5299EFEE2796}" dt="2024-11-07T22:23:02.726" v="133"/>
+          <ac:inkMkLst>
+            <pc:docMk/>
+            <pc:sldMk cId="2987476754" sldId="257"/>
+            <ac:inkMk id="44" creationId="{769D44E9-EBE8-67FD-A65C-30A58D5834ED}"/>
+          </ac:inkMkLst>
+        </pc:inkChg>
+        <pc:inkChg chg="add mod">
+          <ac:chgData name="Andy Cai" userId="560e248f8e6bbfc4" providerId="LiveId" clId="{844A3182-6AF6-4B61-96B2-5299EFEE2796}" dt="2024-11-07T22:23:08.340" v="143"/>
+          <ac:inkMkLst>
+            <pc:docMk/>
+            <pc:sldMk cId="2987476754" sldId="257"/>
+            <ac:inkMk id="45" creationId="{0975F728-3FC5-1429-BE29-452469A190ED}"/>
+          </ac:inkMkLst>
+        </pc:inkChg>
+        <pc:inkChg chg="add mod">
+          <ac:chgData name="Andy Cai" userId="560e248f8e6bbfc4" providerId="LiveId" clId="{844A3182-6AF6-4B61-96B2-5299EFEE2796}" dt="2024-11-07T22:23:08.340" v="143"/>
+          <ac:inkMkLst>
+            <pc:docMk/>
+            <pc:sldMk cId="2987476754" sldId="257"/>
+            <ac:inkMk id="46" creationId="{31FE078F-88FB-D5C6-7E7E-B772F03BF06B}"/>
+          </ac:inkMkLst>
+        </pc:inkChg>
+        <pc:inkChg chg="add mod">
+          <ac:chgData name="Andy Cai" userId="560e248f8e6bbfc4" providerId="LiveId" clId="{844A3182-6AF6-4B61-96B2-5299EFEE2796}" dt="2024-11-07T22:23:08.340" v="143"/>
+          <ac:inkMkLst>
+            <pc:docMk/>
+            <pc:sldMk cId="2987476754" sldId="257"/>
+            <ac:inkMk id="48" creationId="{7A581DF9-B124-7769-D13D-C80C265AD3E0}"/>
+          </ac:inkMkLst>
+        </pc:inkChg>
+        <pc:inkChg chg="add del">
+          <ac:chgData name="Andy Cai" userId="560e248f8e6bbfc4" providerId="LiveId" clId="{844A3182-6AF6-4B61-96B2-5299EFEE2796}" dt="2024-11-07T22:21:47.072" v="53"/>
+          <ac:inkMkLst>
+            <pc:docMk/>
+            <pc:sldMk cId="2987476754" sldId="257"/>
+            <ac:inkMk id="49" creationId="{9140AC8A-900C-97A0-CADA-995306E30819}"/>
+          </ac:inkMkLst>
+        </pc:inkChg>
+        <pc:inkChg chg="add mod">
+          <ac:chgData name="Andy Cai" userId="560e248f8e6bbfc4" providerId="LiveId" clId="{844A3182-6AF6-4B61-96B2-5299EFEE2796}" dt="2024-11-07T22:23:08.340" v="143"/>
+          <ac:inkMkLst>
+            <pc:docMk/>
+            <pc:sldMk cId="2987476754" sldId="257"/>
+            <ac:inkMk id="50" creationId="{9FCAE6F9-3121-9956-73AA-74AB278CFE1F}"/>
+          </ac:inkMkLst>
+        </pc:inkChg>
+        <pc:inkChg chg="add mod">
+          <ac:chgData name="Andy Cai" userId="560e248f8e6bbfc4" providerId="LiveId" clId="{844A3182-6AF6-4B61-96B2-5299EFEE2796}" dt="2024-11-07T22:21:50.464" v="58"/>
+          <ac:inkMkLst>
+            <pc:docMk/>
+            <pc:sldMk cId="2987476754" sldId="257"/>
+            <ac:inkMk id="51" creationId="{0E1B4489-1E21-3D16-416B-F90F7CCF2623}"/>
+          </ac:inkMkLst>
+        </pc:inkChg>
+        <pc:inkChg chg="add mod">
+          <ac:chgData name="Andy Cai" userId="560e248f8e6bbfc4" providerId="LiveId" clId="{844A3182-6AF6-4B61-96B2-5299EFEE2796}" dt="2024-11-07T22:21:50.464" v="58"/>
+          <ac:inkMkLst>
+            <pc:docMk/>
+            <pc:sldMk cId="2987476754" sldId="257"/>
+            <ac:inkMk id="52" creationId="{83E35E79-4E88-0473-E8AA-C253EF5B6949}"/>
+          </ac:inkMkLst>
+        </pc:inkChg>
+        <pc:inkChg chg="add">
+          <ac:chgData name="Andy Cai" userId="560e248f8e6bbfc4" providerId="LiveId" clId="{844A3182-6AF6-4B61-96B2-5299EFEE2796}" dt="2024-11-07T22:21:51.774" v="59" actId="9405"/>
+          <ac:inkMkLst>
+            <pc:docMk/>
+            <pc:sldMk cId="2987476754" sldId="257"/>
+            <ac:inkMk id="55" creationId="{09032088-F165-EE43-3D67-6383CB0934F4}"/>
+          </ac:inkMkLst>
+        </pc:inkChg>
+        <pc:inkChg chg="add mod">
+          <ac:chgData name="Andy Cai" userId="560e248f8e6bbfc4" providerId="LiveId" clId="{844A3182-6AF6-4B61-96B2-5299EFEE2796}" dt="2024-11-07T22:23:08.340" v="143"/>
+          <ac:inkMkLst>
+            <pc:docMk/>
+            <pc:sldMk cId="2987476754" sldId="257"/>
+            <ac:inkMk id="56" creationId="{43D345C1-B714-DB4B-4DF0-B6ACE354B538}"/>
+          </ac:inkMkLst>
+        </pc:inkChg>
+        <pc:inkChg chg="add mod">
+          <ac:chgData name="Andy Cai" userId="560e248f8e6bbfc4" providerId="LiveId" clId="{844A3182-6AF6-4B61-96B2-5299EFEE2796}" dt="2024-11-07T22:23:08.340" v="143"/>
+          <ac:inkMkLst>
+            <pc:docMk/>
+            <pc:sldMk cId="2987476754" sldId="257"/>
+            <ac:inkMk id="57" creationId="{C30E3CDE-A955-9753-44E3-10101E1990BE}"/>
+          </ac:inkMkLst>
+        </pc:inkChg>
+        <pc:inkChg chg="add mod">
+          <ac:chgData name="Andy Cai" userId="560e248f8e6bbfc4" providerId="LiveId" clId="{844A3182-6AF6-4B61-96B2-5299EFEE2796}" dt="2024-11-07T22:23:08.340" v="143"/>
+          <ac:inkMkLst>
+            <pc:docMk/>
+            <pc:sldMk cId="2987476754" sldId="257"/>
+            <ac:inkMk id="59" creationId="{703333F0-2615-1B06-DD55-9E78E95E88CF}"/>
+          </ac:inkMkLst>
+        </pc:inkChg>
+        <pc:inkChg chg="add mod">
+          <ac:chgData name="Andy Cai" userId="560e248f8e6bbfc4" providerId="LiveId" clId="{844A3182-6AF6-4B61-96B2-5299EFEE2796}" dt="2024-11-07T22:23:08.340" v="143"/>
+          <ac:inkMkLst>
+            <pc:docMk/>
+            <pc:sldMk cId="2987476754" sldId="257"/>
+            <ac:inkMk id="60" creationId="{883730EE-EAA6-E76D-CC76-A572CA819F52}"/>
+          </ac:inkMkLst>
+        </pc:inkChg>
+        <pc:inkChg chg="add mod">
+          <ac:chgData name="Andy Cai" userId="560e248f8e6bbfc4" providerId="LiveId" clId="{844A3182-6AF6-4B61-96B2-5299EFEE2796}" dt="2024-11-07T22:23:08.340" v="143"/>
+          <ac:inkMkLst>
+            <pc:docMk/>
+            <pc:sldMk cId="2987476754" sldId="257"/>
+            <ac:inkMk id="61" creationId="{0F55B53E-126B-BF42-EF82-4168632E05FC}"/>
+          </ac:inkMkLst>
+        </pc:inkChg>
+        <pc:inkChg chg="add mod">
+          <ac:chgData name="Andy Cai" userId="560e248f8e6bbfc4" providerId="LiveId" clId="{844A3182-6AF6-4B61-96B2-5299EFEE2796}" dt="2024-11-07T22:23:08.340" v="143"/>
+          <ac:inkMkLst>
+            <pc:docMk/>
+            <pc:sldMk cId="2987476754" sldId="257"/>
+            <ac:inkMk id="62" creationId="{55983117-A742-9582-377A-D0E4340E1147}"/>
+          </ac:inkMkLst>
+        </pc:inkChg>
+        <pc:inkChg chg="add mod">
+          <ac:chgData name="Andy Cai" userId="560e248f8e6bbfc4" providerId="LiveId" clId="{844A3182-6AF6-4B61-96B2-5299EFEE2796}" dt="2024-11-07T22:23:08.340" v="143"/>
+          <ac:inkMkLst>
+            <pc:docMk/>
+            <pc:sldMk cId="2987476754" sldId="257"/>
+            <ac:inkMk id="63" creationId="{06463A6A-7D42-CA03-EE2D-37C7638FBDC4}"/>
+          </ac:inkMkLst>
+        </pc:inkChg>
+        <pc:inkChg chg="add mod">
+          <ac:chgData name="Andy Cai" userId="560e248f8e6bbfc4" providerId="LiveId" clId="{844A3182-6AF6-4B61-96B2-5299EFEE2796}" dt="2024-11-07T22:23:08.340" v="143"/>
+          <ac:inkMkLst>
+            <pc:docMk/>
+            <pc:sldMk cId="2987476754" sldId="257"/>
+            <ac:inkMk id="64" creationId="{F183A206-1C59-98B3-ECC5-6E67562C0EF2}"/>
+          </ac:inkMkLst>
+        </pc:inkChg>
+        <pc:inkChg chg="add del mod">
+          <ac:chgData name="Andy Cai" userId="560e248f8e6bbfc4" providerId="LiveId" clId="{844A3182-6AF6-4B61-96B2-5299EFEE2796}" dt="2024-11-07T22:22:17.051" v="81"/>
+          <ac:inkMkLst>
+            <pc:docMk/>
+            <pc:sldMk cId="2987476754" sldId="257"/>
+            <ac:inkMk id="66" creationId="{32143549-8210-A895-3656-D54EF1D0B0D8}"/>
+          </ac:inkMkLst>
+        </pc:inkChg>
+        <pc:inkChg chg="add del">
+          <ac:chgData name="Andy Cai" userId="560e248f8e6bbfc4" providerId="LiveId" clId="{844A3182-6AF6-4B61-96B2-5299EFEE2796}" dt="2024-11-07T22:22:09.131" v="75"/>
+          <ac:inkMkLst>
+            <pc:docMk/>
+            <pc:sldMk cId="2987476754" sldId="257"/>
+            <ac:inkMk id="67" creationId="{C9227154-853F-332B-4CE1-EA34CFC2DC88}"/>
+          </ac:inkMkLst>
+        </pc:inkChg>
+        <pc:inkChg chg="add mod">
+          <ac:chgData name="Andy Cai" userId="560e248f8e6bbfc4" providerId="LiveId" clId="{844A3182-6AF6-4B61-96B2-5299EFEE2796}" dt="2024-11-07T22:23:08.340" v="143"/>
+          <ac:inkMkLst>
+            <pc:docMk/>
+            <pc:sldMk cId="2987476754" sldId="257"/>
+            <ac:inkMk id="69" creationId="{1D0383C3-91F6-F5C3-C4AA-B7926EF554D9}"/>
+          </ac:inkMkLst>
+        </pc:inkChg>
+        <pc:inkChg chg="add mod">
+          <ac:chgData name="Andy Cai" userId="560e248f8e6bbfc4" providerId="LiveId" clId="{844A3182-6AF6-4B61-96B2-5299EFEE2796}" dt="2024-11-07T22:23:08.340" v="143"/>
+          <ac:inkMkLst>
+            <pc:docMk/>
+            <pc:sldMk cId="2987476754" sldId="257"/>
+            <ac:inkMk id="70" creationId="{875D7534-A755-29ED-1145-5557C3AB2D3E}"/>
+          </ac:inkMkLst>
+        </pc:inkChg>
+        <pc:inkChg chg="add mod">
+          <ac:chgData name="Andy Cai" userId="560e248f8e6bbfc4" providerId="LiveId" clId="{844A3182-6AF6-4B61-96B2-5299EFEE2796}" dt="2024-11-07T22:23:08.340" v="143"/>
+          <ac:inkMkLst>
+            <pc:docMk/>
+            <pc:sldMk cId="2987476754" sldId="257"/>
+            <ac:inkMk id="71" creationId="{864B2C74-AE28-D820-AAAB-8739BDEE3AF9}"/>
+          </ac:inkMkLst>
+        </pc:inkChg>
+        <pc:inkChg chg="add del mod">
+          <ac:chgData name="Andy Cai" userId="560e248f8e6bbfc4" providerId="LiveId" clId="{844A3182-6AF6-4B61-96B2-5299EFEE2796}" dt="2024-11-07T22:23:06.084" v="140"/>
+          <ac:inkMkLst>
+            <pc:docMk/>
+            <pc:sldMk cId="2987476754" sldId="257"/>
+            <ac:inkMk id="73" creationId="{AB0284DB-980D-890C-157A-087AD866D5D4}"/>
+          </ac:inkMkLst>
+        </pc:inkChg>
+        <pc:inkChg chg="add del mod">
+          <ac:chgData name="Andy Cai" userId="560e248f8e6bbfc4" providerId="LiveId" clId="{844A3182-6AF6-4B61-96B2-5299EFEE2796}" dt="2024-11-07T22:23:06.849" v="141"/>
+          <ac:inkMkLst>
+            <pc:docMk/>
+            <pc:sldMk cId="2987476754" sldId="257"/>
+            <ac:inkMk id="74" creationId="{20CC800B-DB0C-3519-132E-C8F5651F03F4}"/>
+          </ac:inkMkLst>
+        </pc:inkChg>
+        <pc:inkChg chg="add mod">
+          <ac:chgData name="Andy Cai" userId="560e248f8e6bbfc4" providerId="LiveId" clId="{844A3182-6AF6-4B61-96B2-5299EFEE2796}" dt="2024-11-07T22:23:08.340" v="143"/>
+          <ac:inkMkLst>
+            <pc:docMk/>
+            <pc:sldMk cId="2987476754" sldId="257"/>
+            <ac:inkMk id="76" creationId="{1D21242F-042F-480C-C971-08B23A81A46F}"/>
+          </ac:inkMkLst>
+        </pc:inkChg>
+        <pc:inkChg chg="add mod">
+          <ac:chgData name="Andy Cai" userId="560e248f8e6bbfc4" providerId="LiveId" clId="{844A3182-6AF6-4B61-96B2-5299EFEE2796}" dt="2024-11-07T22:22:27.432" v="89"/>
+          <ac:inkMkLst>
+            <pc:docMk/>
+            <pc:sldMk cId="2987476754" sldId="257"/>
+            <ac:inkMk id="78" creationId="{993FBBA1-4131-42C3-C043-E9932A7E622B}"/>
+          </ac:inkMkLst>
+        </pc:inkChg>
+        <pc:inkChg chg="add mod">
+          <ac:chgData name="Andy Cai" userId="560e248f8e6bbfc4" providerId="LiveId" clId="{844A3182-6AF6-4B61-96B2-5299EFEE2796}" dt="2024-11-07T22:22:27.432" v="89"/>
+          <ac:inkMkLst>
+            <pc:docMk/>
+            <pc:sldMk cId="2987476754" sldId="257"/>
+            <ac:inkMk id="79" creationId="{324D9354-7FC4-3AC0-A934-491CA677365F}"/>
+          </ac:inkMkLst>
+        </pc:inkChg>
+        <pc:inkChg chg="add mod">
+          <ac:chgData name="Andy Cai" userId="560e248f8e6bbfc4" providerId="LiveId" clId="{844A3182-6AF6-4B61-96B2-5299EFEE2796}" dt="2024-11-07T22:22:40.054" v="111"/>
+          <ac:inkMkLst>
+            <pc:docMk/>
+            <pc:sldMk cId="2987476754" sldId="257"/>
+            <ac:inkMk id="81" creationId="{B33931D8-FF12-9DD8-705C-BF4E5C1D6969}"/>
+          </ac:inkMkLst>
+        </pc:inkChg>
+        <pc:inkChg chg="add mod">
+          <ac:chgData name="Andy Cai" userId="560e248f8e6bbfc4" providerId="LiveId" clId="{844A3182-6AF6-4B61-96B2-5299EFEE2796}" dt="2024-11-07T22:22:40.054" v="111"/>
+          <ac:inkMkLst>
+            <pc:docMk/>
+            <pc:sldMk cId="2987476754" sldId="257"/>
+            <ac:inkMk id="82" creationId="{B1780C76-AAE8-7173-24C4-AD7A69681373}"/>
+          </ac:inkMkLst>
+        </pc:inkChg>
+        <pc:inkChg chg="add mod">
+          <ac:chgData name="Andy Cai" userId="560e248f8e6bbfc4" providerId="LiveId" clId="{844A3182-6AF6-4B61-96B2-5299EFEE2796}" dt="2024-11-07T22:22:40.054" v="111"/>
+          <ac:inkMkLst>
+            <pc:docMk/>
+            <pc:sldMk cId="2987476754" sldId="257"/>
+            <ac:inkMk id="83" creationId="{B8DEF441-E554-B312-A4C2-E63D775B5342}"/>
+          </ac:inkMkLst>
+        </pc:inkChg>
+        <pc:inkChg chg="add mod">
+          <ac:chgData name="Andy Cai" userId="560e248f8e6bbfc4" providerId="LiveId" clId="{844A3182-6AF6-4B61-96B2-5299EFEE2796}" dt="2024-11-07T22:22:40.054" v="111"/>
+          <ac:inkMkLst>
+            <pc:docMk/>
+            <pc:sldMk cId="2987476754" sldId="257"/>
+            <ac:inkMk id="84" creationId="{EAFBB09E-F7B2-5E88-C4E3-3891AAD11D93}"/>
+          </ac:inkMkLst>
+        </pc:inkChg>
+        <pc:inkChg chg="add mod">
+          <ac:chgData name="Andy Cai" userId="560e248f8e6bbfc4" providerId="LiveId" clId="{844A3182-6AF6-4B61-96B2-5299EFEE2796}" dt="2024-11-07T22:23:13.118" v="151"/>
+          <ac:inkMkLst>
+            <pc:docMk/>
+            <pc:sldMk cId="2987476754" sldId="257"/>
+            <ac:inkMk id="85" creationId="{8E3665BA-7141-F4D1-F104-BD16953CDB3C}"/>
+          </ac:inkMkLst>
+        </pc:inkChg>
+        <pc:inkChg chg="add mod">
+          <ac:chgData name="Andy Cai" userId="560e248f8e6bbfc4" providerId="LiveId" clId="{844A3182-6AF6-4B61-96B2-5299EFEE2796}" dt="2024-11-07T22:23:13.118" v="151"/>
+          <ac:inkMkLst>
+            <pc:docMk/>
+            <pc:sldMk cId="2987476754" sldId="257"/>
+            <ac:inkMk id="86" creationId="{76B9CE21-C27F-F922-BC6B-7C121B57984A}"/>
+          </ac:inkMkLst>
+        </pc:inkChg>
+        <pc:inkChg chg="add mod">
+          <ac:chgData name="Andy Cai" userId="560e248f8e6bbfc4" providerId="LiveId" clId="{844A3182-6AF6-4B61-96B2-5299EFEE2796}" dt="2024-11-07T22:23:13.118" v="151"/>
+          <ac:inkMkLst>
+            <pc:docMk/>
+            <pc:sldMk cId="2987476754" sldId="257"/>
+            <ac:inkMk id="87" creationId="{52348F14-1218-F75C-5A2D-A3A10B871988}"/>
+          </ac:inkMkLst>
+        </pc:inkChg>
+        <pc:inkChg chg="add mod">
+          <ac:chgData name="Andy Cai" userId="560e248f8e6bbfc4" providerId="LiveId" clId="{844A3182-6AF6-4B61-96B2-5299EFEE2796}" dt="2024-11-07T22:23:13.118" v="151"/>
+          <ac:inkMkLst>
+            <pc:docMk/>
+            <pc:sldMk cId="2987476754" sldId="257"/>
+            <ac:inkMk id="88" creationId="{587C2AF8-0B2F-B3CE-C4CE-00A4443709B1}"/>
+          </ac:inkMkLst>
+        </pc:inkChg>
+        <pc:inkChg chg="add del mod">
+          <ac:chgData name="Andy Cai" userId="560e248f8e6bbfc4" providerId="LiveId" clId="{844A3182-6AF6-4B61-96B2-5299EFEE2796}" dt="2024-11-07T22:23:10.708" v="144"/>
+          <ac:inkMkLst>
+            <pc:docMk/>
+            <pc:sldMk cId="2987476754" sldId="257"/>
+            <ac:inkMk id="89" creationId="{B3145B02-5848-45CD-1641-881D369B978D}"/>
+          </ac:inkMkLst>
+        </pc:inkChg>
+        <pc:inkChg chg="add del mod">
+          <ac:chgData name="Andy Cai" userId="560e248f8e6bbfc4" providerId="LiveId" clId="{844A3182-6AF6-4B61-96B2-5299EFEE2796}" dt="2024-11-07T22:23:10.713" v="147"/>
+          <ac:inkMkLst>
+            <pc:docMk/>
+            <pc:sldMk cId="2987476754" sldId="257"/>
+            <ac:inkMk id="90" creationId="{F8E41FEF-C3C5-5FE2-1857-4EC43E4B455A}"/>
+          </ac:inkMkLst>
+        </pc:inkChg>
+        <pc:inkChg chg="add del mod">
+          <ac:chgData name="Andy Cai" userId="560e248f8e6bbfc4" providerId="LiveId" clId="{844A3182-6AF6-4B61-96B2-5299EFEE2796}" dt="2024-11-07T22:23:10.710" v="145"/>
+          <ac:inkMkLst>
+            <pc:docMk/>
+            <pc:sldMk cId="2987476754" sldId="257"/>
+            <ac:inkMk id="91" creationId="{EE70FF67-4D92-E528-AFAD-4C9B647F7B25}"/>
+          </ac:inkMkLst>
+        </pc:inkChg>
+        <pc:inkChg chg="add del mod">
+          <ac:chgData name="Andy Cai" userId="560e248f8e6bbfc4" providerId="LiveId" clId="{844A3182-6AF6-4B61-96B2-5299EFEE2796}" dt="2024-11-07T22:23:10.712" v="146"/>
+          <ac:inkMkLst>
+            <pc:docMk/>
+            <pc:sldMk cId="2987476754" sldId="257"/>
+            <ac:inkMk id="92" creationId="{E42526D5-D8F8-9786-5516-75265088E679}"/>
+          </ac:inkMkLst>
+        </pc:inkChg>
+        <pc:inkChg chg="add mod">
+          <ac:chgData name="Andy Cai" userId="560e248f8e6bbfc4" providerId="LiveId" clId="{844A3182-6AF6-4B61-96B2-5299EFEE2796}" dt="2024-11-07T22:23:13.118" v="151"/>
+          <ac:inkMkLst>
+            <pc:docMk/>
+            <pc:sldMk cId="2987476754" sldId="257"/>
+            <ac:inkMk id="93" creationId="{9240E31E-AF31-DA06-57A6-BD88F58D17FA}"/>
+          </ac:inkMkLst>
+        </pc:inkChg>
+        <pc:inkChg chg="add mod">
+          <ac:chgData name="Andy Cai" userId="560e248f8e6bbfc4" providerId="LiveId" clId="{844A3182-6AF6-4B61-96B2-5299EFEE2796}" dt="2024-11-07T22:23:13.118" v="151"/>
+          <ac:inkMkLst>
+            <pc:docMk/>
+            <pc:sldMk cId="2987476754" sldId="257"/>
+            <ac:inkMk id="94" creationId="{FA52457D-E662-A3BF-2AD2-FBC7125E1708}"/>
+          </ac:inkMkLst>
+        </pc:inkChg>
+        <pc:inkChg chg="add mod">
+          <ac:chgData name="Andy Cai" userId="560e248f8e6bbfc4" providerId="LiveId" clId="{844A3182-6AF6-4B61-96B2-5299EFEE2796}" dt="2024-11-07T22:23:13.118" v="151"/>
+          <ac:inkMkLst>
+            <pc:docMk/>
+            <pc:sldMk cId="2987476754" sldId="257"/>
+            <ac:inkMk id="95" creationId="{80EB6B4C-9E85-FA10-3CF1-31416F6B96DD}"/>
+          </ac:inkMkLst>
+        </pc:inkChg>
+        <pc:inkChg chg="add mod">
+          <ac:chgData name="Andy Cai" userId="560e248f8e6bbfc4" providerId="LiveId" clId="{844A3182-6AF6-4B61-96B2-5299EFEE2796}" dt="2024-11-07T22:22:40.054" v="111"/>
+          <ac:inkMkLst>
+            <pc:docMk/>
+            <pc:sldMk cId="2987476754" sldId="257"/>
+            <ac:inkMk id="96" creationId="{C2FB5155-C5AF-E998-BFA8-CC18EADB311E}"/>
+          </ac:inkMkLst>
+        </pc:inkChg>
+        <pc:inkChg chg="add mod">
+          <ac:chgData name="Andy Cai" userId="560e248f8e6bbfc4" providerId="LiveId" clId="{844A3182-6AF6-4B61-96B2-5299EFEE2796}" dt="2024-11-07T22:22:40.054" v="111"/>
+          <ac:inkMkLst>
+            <pc:docMk/>
+            <pc:sldMk cId="2987476754" sldId="257"/>
+            <ac:inkMk id="97" creationId="{72580A32-A1C7-83B4-E440-560528F46B27}"/>
+          </ac:inkMkLst>
+        </pc:inkChg>
+        <pc:inkChg chg="add mod">
+          <ac:chgData name="Andy Cai" userId="560e248f8e6bbfc4" providerId="LiveId" clId="{844A3182-6AF6-4B61-96B2-5299EFEE2796}" dt="2024-11-07T22:22:52.902" v="126"/>
+          <ac:inkMkLst>
+            <pc:docMk/>
+            <pc:sldMk cId="2987476754" sldId="257"/>
+            <ac:inkMk id="98" creationId="{DF7668DC-546D-8DD0-A196-3218FA48D2CE}"/>
+          </ac:inkMkLst>
+        </pc:inkChg>
+        <pc:inkChg chg="add mod">
+          <ac:chgData name="Andy Cai" userId="560e248f8e6bbfc4" providerId="LiveId" clId="{844A3182-6AF6-4B61-96B2-5299EFEE2796}" dt="2024-11-07T22:22:52.902" v="126"/>
+          <ac:inkMkLst>
+            <pc:docMk/>
+            <pc:sldMk cId="2987476754" sldId="257"/>
+            <ac:inkMk id="99" creationId="{A34DBAB2-1CCB-B9BA-639A-FAD5A76BE71C}"/>
+          </ac:inkMkLst>
+        </pc:inkChg>
+        <pc:inkChg chg="add mod">
+          <ac:chgData name="Andy Cai" userId="560e248f8e6bbfc4" providerId="LiveId" clId="{844A3182-6AF6-4B61-96B2-5299EFEE2796}" dt="2024-11-07T22:22:52.902" v="126"/>
+          <ac:inkMkLst>
+            <pc:docMk/>
+            <pc:sldMk cId="2987476754" sldId="257"/>
+            <ac:inkMk id="100" creationId="{293F4FBB-417F-1B2C-B186-0F0D6565EEDB}"/>
+          </ac:inkMkLst>
+        </pc:inkChg>
+        <pc:inkChg chg="add mod">
+          <ac:chgData name="Andy Cai" userId="560e248f8e6bbfc4" providerId="LiveId" clId="{844A3182-6AF6-4B61-96B2-5299EFEE2796}" dt="2024-11-07T22:22:52.902" v="126"/>
+          <ac:inkMkLst>
+            <pc:docMk/>
+            <pc:sldMk cId="2987476754" sldId="257"/>
+            <ac:inkMk id="101" creationId="{0E37E8D0-5872-9F8F-8B13-B0008F25A200}"/>
+          </ac:inkMkLst>
+        </pc:inkChg>
+        <pc:inkChg chg="add mod">
+          <ac:chgData name="Andy Cai" userId="560e248f8e6bbfc4" providerId="LiveId" clId="{844A3182-6AF6-4B61-96B2-5299EFEE2796}" dt="2024-11-07T22:22:52.902" v="126"/>
+          <ac:inkMkLst>
+            <pc:docMk/>
+            <pc:sldMk cId="2987476754" sldId="257"/>
+            <ac:inkMk id="106" creationId="{DD26B155-D798-6527-033B-C0F189633E1C}"/>
+          </ac:inkMkLst>
+        </pc:inkChg>
+        <pc:inkChg chg="add del mod">
+          <ac:chgData name="Andy Cai" userId="560e248f8e6bbfc4" providerId="LiveId" clId="{844A3182-6AF6-4B61-96B2-5299EFEE2796}" dt="2024-11-07T22:22:47.843" v="115"/>
+          <ac:inkMkLst>
+            <pc:docMk/>
+            <pc:sldMk cId="2987476754" sldId="257"/>
+            <ac:inkMk id="107" creationId="{406D2C2F-E2D8-01F9-6262-409240B0B9DB}"/>
+          </ac:inkMkLst>
+        </pc:inkChg>
+        <pc:inkChg chg="add mod">
+          <ac:chgData name="Andy Cai" userId="560e248f8e6bbfc4" providerId="LiveId" clId="{844A3182-6AF6-4B61-96B2-5299EFEE2796}" dt="2024-11-07T22:22:52.902" v="126"/>
+          <ac:inkMkLst>
+            <pc:docMk/>
+            <pc:sldMk cId="2987476754" sldId="257"/>
+            <ac:inkMk id="109" creationId="{66A7E189-7F4C-6917-5AC0-9C713418C958}"/>
+          </ac:inkMkLst>
+        </pc:inkChg>
+        <pc:inkChg chg="add mod">
+          <ac:chgData name="Andy Cai" userId="560e248f8e6bbfc4" providerId="LiveId" clId="{844A3182-6AF6-4B61-96B2-5299EFEE2796}" dt="2024-11-07T22:22:52.902" v="126"/>
+          <ac:inkMkLst>
+            <pc:docMk/>
+            <pc:sldMk cId="2987476754" sldId="257"/>
+            <ac:inkMk id="110" creationId="{27BA0F68-E1D4-0342-745B-5C393C97B129}"/>
+          </ac:inkMkLst>
+        </pc:inkChg>
+        <pc:inkChg chg="add mod">
+          <ac:chgData name="Andy Cai" userId="560e248f8e6bbfc4" providerId="LiveId" clId="{844A3182-6AF6-4B61-96B2-5299EFEE2796}" dt="2024-11-07T22:22:52.902" v="126"/>
+          <ac:inkMkLst>
+            <pc:docMk/>
+            <pc:sldMk cId="2987476754" sldId="257"/>
+            <ac:inkMk id="111" creationId="{4B0445D8-4CFB-6B8A-52D9-DE3F33C99DDB}"/>
+          </ac:inkMkLst>
+        </pc:inkChg>
+        <pc:inkChg chg="add mod">
+          <ac:chgData name="Andy Cai" userId="560e248f8e6bbfc4" providerId="LiveId" clId="{844A3182-6AF6-4B61-96B2-5299EFEE2796}" dt="2024-11-07T22:22:52.902" v="126"/>
+          <ac:inkMkLst>
+            <pc:docMk/>
+            <pc:sldMk cId="2987476754" sldId="257"/>
+            <ac:inkMk id="112" creationId="{B1A16508-F3AE-6995-55EB-DF3EB1E1AF2F}"/>
+          </ac:inkMkLst>
+        </pc:inkChg>
+        <pc:inkChg chg="add mod">
+          <ac:chgData name="Andy Cai" userId="560e248f8e6bbfc4" providerId="LiveId" clId="{844A3182-6AF6-4B61-96B2-5299EFEE2796}" dt="2024-11-07T22:22:52.902" v="126"/>
+          <ac:inkMkLst>
+            <pc:docMk/>
+            <pc:sldMk cId="2987476754" sldId="257"/>
+            <ac:inkMk id="113" creationId="{147F8953-5CA1-BEAA-E996-981F34CF8221}"/>
+          </ac:inkMkLst>
+        </pc:inkChg>
+        <pc:inkChg chg="add mod">
+          <ac:chgData name="Andy Cai" userId="560e248f8e6bbfc4" providerId="LiveId" clId="{844A3182-6AF6-4B61-96B2-5299EFEE2796}" dt="2024-11-07T22:22:52.902" v="126"/>
+          <ac:inkMkLst>
+            <pc:docMk/>
+            <pc:sldMk cId="2987476754" sldId="257"/>
+            <ac:inkMk id="114" creationId="{9F33C9C7-C56E-51EB-995D-0E6E937E07CA}"/>
+          </ac:inkMkLst>
+        </pc:inkChg>
+        <pc:inkChg chg="add mod">
+          <ac:chgData name="Andy Cai" userId="560e248f8e6bbfc4" providerId="LiveId" clId="{844A3182-6AF6-4B61-96B2-5299EFEE2796}" dt="2024-11-07T22:22:52.902" v="126"/>
+          <ac:inkMkLst>
+            <pc:docMk/>
+            <pc:sldMk cId="2987476754" sldId="257"/>
+            <ac:inkMk id="115" creationId="{A40B3315-C1E3-E4DF-8A19-F53BD20E0C70}"/>
+          </ac:inkMkLst>
+        </pc:inkChg>
+        <pc:inkChg chg="add mod">
+          <ac:chgData name="Andy Cai" userId="560e248f8e6bbfc4" providerId="LiveId" clId="{844A3182-6AF6-4B61-96B2-5299EFEE2796}" dt="2024-11-07T22:22:52.902" v="126"/>
+          <ac:inkMkLst>
+            <pc:docMk/>
+            <pc:sldMk cId="2987476754" sldId="257"/>
+            <ac:inkMk id="116" creationId="{00DEF256-D446-E837-FD90-F4F77376E52C}"/>
+          </ac:inkMkLst>
+        </pc:inkChg>
+        <pc:inkChg chg="add mod">
+          <ac:chgData name="Andy Cai" userId="560e248f8e6bbfc4" providerId="LiveId" clId="{844A3182-6AF6-4B61-96B2-5299EFEE2796}" dt="2024-11-07T22:22:52.902" v="126"/>
+          <ac:inkMkLst>
+            <pc:docMk/>
+            <pc:sldMk cId="2987476754" sldId="257"/>
+            <ac:inkMk id="117" creationId="{046D6F3C-15AC-8E96-EDF2-3E6C49EED600}"/>
+          </ac:inkMkLst>
+        </pc:inkChg>
+        <pc:inkChg chg="add mod">
+          <ac:chgData name="Andy Cai" userId="560e248f8e6bbfc4" providerId="LiveId" clId="{844A3182-6AF6-4B61-96B2-5299EFEE2796}" dt="2024-11-07T22:22:52.902" v="126"/>
+          <ac:inkMkLst>
+            <pc:docMk/>
+            <pc:sldMk cId="2987476754" sldId="257"/>
+            <ac:inkMk id="118" creationId="{F959A14B-D323-29D6-BE16-AD5FCE050CF7}"/>
+          </ac:inkMkLst>
+        </pc:inkChg>
+        <pc:inkChg chg="add mod">
+          <ac:chgData name="Andy Cai" userId="560e248f8e6bbfc4" providerId="LiveId" clId="{844A3182-6AF6-4B61-96B2-5299EFEE2796}" dt="2024-11-07T22:23:08.340" v="143"/>
+          <ac:inkMkLst>
+            <pc:docMk/>
+            <pc:sldMk cId="2987476754" sldId="257"/>
+            <ac:inkMk id="120" creationId="{41EB815C-DBBA-23B9-1D0D-154D15222DC7}"/>
+          </ac:inkMkLst>
+        </pc:inkChg>
+        <pc:inkChg chg="add mod">
+          <ac:chgData name="Andy Cai" userId="560e248f8e6bbfc4" providerId="LiveId" clId="{844A3182-6AF6-4B61-96B2-5299EFEE2796}" dt="2024-11-07T22:23:08.340" v="143"/>
+          <ac:inkMkLst>
+            <pc:docMk/>
+            <pc:sldMk cId="2987476754" sldId="257"/>
+            <ac:inkMk id="121" creationId="{F7E38CFB-5514-0383-63F6-94636391B80A}"/>
+          </ac:inkMkLst>
+        </pc:inkChg>
+        <pc:inkChg chg="add mod">
+          <ac:chgData name="Andy Cai" userId="560e248f8e6bbfc4" providerId="LiveId" clId="{844A3182-6AF6-4B61-96B2-5299EFEE2796}" dt="2024-11-07T22:23:08.340" v="143"/>
+          <ac:inkMkLst>
+            <pc:docMk/>
+            <pc:sldMk cId="2987476754" sldId="257"/>
+            <ac:inkMk id="122" creationId="{4EFF5007-F7F9-EAC3-2D85-AB41FF275066}"/>
+          </ac:inkMkLst>
+        </pc:inkChg>
+        <pc:inkChg chg="add mod">
+          <ac:chgData name="Andy Cai" userId="560e248f8e6bbfc4" providerId="LiveId" clId="{844A3182-6AF6-4B61-96B2-5299EFEE2796}" dt="2024-11-07T22:23:08.340" v="143"/>
+          <ac:inkMkLst>
+            <pc:docMk/>
+            <pc:sldMk cId="2987476754" sldId="257"/>
+            <ac:inkMk id="123" creationId="{E496131B-0840-09AB-3372-9B48CCC30730}"/>
+          </ac:inkMkLst>
+        </pc:inkChg>
+        <pc:inkChg chg="add mod">
+          <ac:chgData name="Andy Cai" userId="560e248f8e6bbfc4" providerId="LiveId" clId="{844A3182-6AF6-4B61-96B2-5299EFEE2796}" dt="2024-11-07T22:23:08.340" v="143"/>
+          <ac:inkMkLst>
+            <pc:docMk/>
+            <pc:sldMk cId="2987476754" sldId="257"/>
+            <ac:inkMk id="125" creationId="{434DC551-5D09-215F-A72D-11EBFB1BD5F4}"/>
+          </ac:inkMkLst>
+        </pc:inkChg>
+        <pc:inkChg chg="add mod">
+          <ac:chgData name="Andy Cai" userId="560e248f8e6bbfc4" providerId="LiveId" clId="{844A3182-6AF6-4B61-96B2-5299EFEE2796}" dt="2024-11-07T22:23:08.340" v="143"/>
+          <ac:inkMkLst>
+            <pc:docMk/>
+            <pc:sldMk cId="2987476754" sldId="257"/>
+            <ac:inkMk id="126" creationId="{C4F272DC-5797-7A98-B127-6755FBF65925}"/>
+          </ac:inkMkLst>
+        </pc:inkChg>
+        <pc:inkChg chg="add mod">
+          <ac:chgData name="Andy Cai" userId="560e248f8e6bbfc4" providerId="LiveId" clId="{844A3182-6AF6-4B61-96B2-5299EFEE2796}" dt="2024-11-07T22:23:08.340" v="143"/>
+          <ac:inkMkLst>
+            <pc:docMk/>
+            <pc:sldMk cId="2987476754" sldId="257"/>
+            <ac:inkMk id="127" creationId="{802B5F5F-D92E-E9ED-6D92-F4FCF0F6306C}"/>
+          </ac:inkMkLst>
+        </pc:inkChg>
+        <pc:inkChg chg="add mod">
+          <ac:chgData name="Andy Cai" userId="560e248f8e6bbfc4" providerId="LiveId" clId="{844A3182-6AF6-4B61-96B2-5299EFEE2796}" dt="2024-11-07T22:23:08.340" v="143"/>
+          <ac:inkMkLst>
+            <pc:docMk/>
+            <pc:sldMk cId="2987476754" sldId="257"/>
+            <ac:inkMk id="128" creationId="{AB449AC1-6CCA-B7B5-27C5-81094943D8DB}"/>
+          </ac:inkMkLst>
+        </pc:inkChg>
+        <pc:inkChg chg="add mod">
+          <ac:chgData name="Andy Cai" userId="560e248f8e6bbfc4" providerId="LiveId" clId="{844A3182-6AF6-4B61-96B2-5299EFEE2796}" dt="2024-11-07T22:23:08.340" v="143"/>
+          <ac:inkMkLst>
+            <pc:docMk/>
+            <pc:sldMk cId="2987476754" sldId="257"/>
+            <ac:inkMk id="129" creationId="{F60D3747-C3A4-3226-EF87-A9D90D1AA8BD}"/>
+          </ac:inkMkLst>
+        </pc:inkChg>
+        <pc:inkChg chg="add mod">
+          <ac:chgData name="Andy Cai" userId="560e248f8e6bbfc4" providerId="LiveId" clId="{844A3182-6AF6-4B61-96B2-5299EFEE2796}" dt="2024-11-07T22:23:13.118" v="151"/>
+          <ac:inkMkLst>
+            <pc:docMk/>
+            <pc:sldMk cId="2987476754" sldId="257"/>
+            <ac:inkMk id="132" creationId="{409A5317-1E85-2646-7CAE-974235F1055D}"/>
+          </ac:inkMkLst>
+        </pc:inkChg>
+        <pc:inkChg chg="add mod">
+          <ac:chgData name="Andy Cai" userId="560e248f8e6bbfc4" providerId="LiveId" clId="{844A3182-6AF6-4B61-96B2-5299EFEE2796}" dt="2024-11-07T22:23:13.118" v="151"/>
+          <ac:inkMkLst>
+            <pc:docMk/>
+            <pc:sldMk cId="2987476754" sldId="257"/>
+            <ac:inkMk id="133" creationId="{832EB50A-E4A1-7502-3FD4-4C2BE92E4C40}"/>
+          </ac:inkMkLst>
+        </pc:inkChg>
+        <pc:inkChg chg="add mod">
+          <ac:chgData name="Andy Cai" userId="560e248f8e6bbfc4" providerId="LiveId" clId="{844A3182-6AF6-4B61-96B2-5299EFEE2796}" dt="2024-11-07T22:23:13.118" v="151"/>
+          <ac:inkMkLst>
+            <pc:docMk/>
+            <pc:sldMk cId="2987476754" sldId="257"/>
+            <ac:inkMk id="134" creationId="{ECBF88D6-3D1A-205A-8D35-033D01056582}"/>
+          </ac:inkMkLst>
+        </pc:inkChg>
+      </pc:sldChg>
+    </pc:docChg>
+  </pc:docChgLst>
 </pc:chgInfo>
+</file>
+
+<file path=ppt/ink/ink1.xml><?xml version="1.0" encoding="utf-8"?>
+<inkml:ink xmlns:inkml="http://www.w3.org/2003/InkML">
+  <inkml:definitions>
+    <inkml:context xml:id="ctx0">
+      <inkml:inkSource xml:id="inkSrc0">
+        <inkml:traceFormat>
+          <inkml:channel name="X" type="integer" min="-2.14748E9" max="2.14748E9" units="cm"/>
+          <inkml:channel name="Y" type="integer" min="-2.14748E9" max="2.14748E9" units="cm"/>
+          <inkml:channel name="F" type="integer" max="32767" units="dev"/>
+          <inkml:channel name="OA" type="integer" max="360" units="deg"/>
+          <inkml:channel name="OE" type="integer" max="90" units="deg"/>
+        </inkml:traceFormat>
+        <inkml:channelProperties>
+          <inkml:channelProperty channel="X" name="resolution" value="1000" units="1/cm"/>
+          <inkml:channelProperty channel="Y" name="resolution" value="1000" units="1/cm"/>
+          <inkml:channelProperty channel="F" name="resolution" value="0" units="1/dev"/>
+          <inkml:channelProperty channel="OA" name="resolution" value="1000" units="1/deg"/>
+          <inkml:channelProperty channel="OE" name="resolution" value="1000" units="1/deg"/>
+        </inkml:channelProperties>
+      </inkml:inkSource>
+      <inkml:timestamp xml:id="ts0" timeString="2024-11-07T22:21:49.257"/>
+    </inkml:context>
+    <inkml:brush xml:id="br0">
+      <inkml:brushProperty name="width" value="0.05" units="cm"/>
+      <inkml:brushProperty name="height" value="0.05" units="cm"/>
+    </inkml:brush>
+  </inkml:definitions>
+  <inkml:trace contextRef="#ctx0" brushRef="#br0">0 7 9271 0 0,'2'-1'824'0'0,"0"0"-664"0"0,1 1-160 0 0,1-1 0 0 0,0 0 224 0 0,1 0 16 0 0,-1 1 0 0 0,1 0 0 0 0,1-1-240 0 0,-1 0 0 0 0,0 2 0 0 0,0-1 0 0 0,0 0-2208 0 0,-1 0-384 0 0</inkml:trace>
+</inkml:ink>
+</file>
+
+<file path=ppt/ink/ink10.xml><?xml version="1.0" encoding="utf-8"?>
+<inkml:ink xmlns:inkml="http://www.w3.org/2003/InkML">
+  <inkml:definitions>
+    <inkml:context xml:id="ctx0">
+      <inkml:inkSource xml:id="inkSrc0">
+        <inkml:traceFormat>
+          <inkml:channel name="X" type="integer" min="-2.14748E9" max="2.14748E9" units="cm"/>
+          <inkml:channel name="Y" type="integer" min="-2.14748E9" max="2.14748E9" units="cm"/>
+          <inkml:channel name="F" type="integer" max="32767" units="dev"/>
+          <inkml:channel name="OA" type="integer" max="360" units="deg"/>
+          <inkml:channel name="OE" type="integer" max="90" units="deg"/>
+        </inkml:traceFormat>
+        <inkml:channelProperties>
+          <inkml:channelProperty channel="X" name="resolution" value="1000" units="1/cm"/>
+          <inkml:channelProperty channel="Y" name="resolution" value="1000" units="1/cm"/>
+          <inkml:channelProperty channel="F" name="resolution" value="0" units="1/dev"/>
+          <inkml:channelProperty channel="OA" name="resolution" value="1000" units="1/deg"/>
+          <inkml:channelProperty channel="OE" name="resolution" value="1000" units="1/deg"/>
+        </inkml:channelProperties>
+      </inkml:inkSource>
+      <inkml:timestamp xml:id="ts0" timeString="2024-11-07T22:22:31.242"/>
+    </inkml:context>
+    <inkml:brush xml:id="br0">
+      <inkml:brushProperty name="width" value="0.05" units="cm"/>
+      <inkml:brushProperty name="height" value="0.05" units="cm"/>
+    </inkml:brush>
+  </inkml:definitions>
+  <inkml:trace contextRef="#ctx0" brushRef="#br0">0 1 14335 0 0,'41'4'80'0'0,"-32"-4"-1999"0"0,-6 0 744 0 0,-1 0 1 0 0,0 0 0 0 0,0 0 0 0 0,1-1-1 0 0,-1 1 1 0 0,0 0 0 0 0,1-1-1 0 0,-1 0 1 0 0,3-1 0 0 0</inkml:trace>
+</inkml:ink>
+</file>
+
+<file path=ppt/ink/ink11.xml><?xml version="1.0" encoding="utf-8"?>
+<inkml:ink xmlns:inkml="http://www.w3.org/2003/InkML">
+  <inkml:definitions>
+    <inkml:context xml:id="ctx0">
+      <inkml:inkSource xml:id="inkSrc0">
+        <inkml:traceFormat>
+          <inkml:channel name="X" type="integer" min="-2.14748E9" max="2.14748E9" units="cm"/>
+          <inkml:channel name="Y" type="integer" min="-2.14748E9" max="2.14748E9" units="cm"/>
+          <inkml:channel name="F" type="integer" max="32767" units="dev"/>
+          <inkml:channel name="OA" type="integer" max="360" units="deg"/>
+          <inkml:channel name="OE" type="integer" max="90" units="deg"/>
+        </inkml:traceFormat>
+        <inkml:channelProperties>
+          <inkml:channelProperty channel="X" name="resolution" value="1000" units="1/cm"/>
+          <inkml:channelProperty channel="Y" name="resolution" value="1000" units="1/cm"/>
+          <inkml:channelProperty channel="F" name="resolution" value="0" units="1/dev"/>
+          <inkml:channelProperty channel="OA" name="resolution" value="1000" units="1/deg"/>
+          <inkml:channelProperty channel="OE" name="resolution" value="1000" units="1/deg"/>
+        </inkml:channelProperties>
+      </inkml:inkSource>
+      <inkml:timestamp xml:id="ts0" timeString="2024-11-07T22:22:37.314"/>
+    </inkml:context>
+    <inkml:brush xml:id="br0">
+      <inkml:brushProperty name="width" value="0.05" units="cm"/>
+      <inkml:brushProperty name="height" value="0.05" units="cm"/>
+    </inkml:brush>
+  </inkml:definitions>
+  <inkml:trace contextRef="#ctx0" brushRef="#br0">0 17 11287 0 0,'4'-5'280'0'0,"-4"4"25"0"0,1 0 1 0 0,-1 0-1 0 0,1 0 0 0 0,-1 0 0 0 0,1 0 0 0 0,0 0 0 0 0,-1 1 0 0 0,1-1 1 0 0,0 0-1 0 0,-1 0 0 0 0,3-1 0 0 0,-2 3-212 0 0,-1-1 0 0 0,1 0 1 0 0,-1 1-1 0 0,1-1 0 0 0,-1 0 1 0 0,1 1-1 0 0,-1-1 0 0 0,1 0 0 0 0,-1 1 1 0 0,0-1-1 0 0,1 1 0 0 0,-1-1 0 0 0,1 1 1 0 0,-1-1-1 0 0,0 1 0 0 0,1-1 0 0 0,-1 1 1 0 0,0-1-1 0 0,0 1 0 0 0,0-1 1 0 0,1 1-1 0 0,-1 0 0 0 0,0-1 0 0 0,0 1 1 0 0,0 0-1 0 0,12 37 230 0 0,-2 1 0 0 0,8 67 0 0 0,-13-76-328 0 0,-2-10-16 0 0,0 0 0 0 0,-2-1 0 0 0,0 30 0 0 0,-1-49 9 0 0,0 0 0 0 0,0 0 1 0 0,0 0-1 0 0,0 0 0 0 0,0 0 1 0 0,0 0-1 0 0,0 0 0 0 0,0 1 1 0 0,0-1-1 0 0,0 0 0 0 0,0 0 0 0 0,0 0 1 0 0,0 0-1 0 0,0 0 0 0 0,0 0 1 0 0,0 0-1 0 0,0 0 0 0 0,0 0 1 0 0,0 0-1 0 0,0 0 0 0 0,0 0 0 0 0,0 0 1 0 0,0 1-1 0 0,0-1 0 0 0,0 0 1 0 0,0 0-1 0 0,0 0 0 0 0,0 0 1 0 0,0 0-1 0 0,0 0 0 0 0,0 0 0 0 0,0 0 1 0 0,0 0-1 0 0,0 0 0 0 0,0 0 1 0 0,0 0-1 0 0,-1 0 0 0 0,1 0 1 0 0,0 0-1 0 0,0 0 0 0 0,0 0 0 0 0,0 0 1 0 0,0 0-1 0 0,0 1 0 0 0,0-1 1 0 0,0 0-1 0 0,0 0 0 0 0,0 0 1 0 0,0 0-1 0 0,0 0 0 0 0,0 0 0 0 0,-1 0 1 0 0,1 0-1 0 0,0 0 0 0 0,0 0 1 0 0,0 0-1 0 0,0 0 0 0 0,0 0 1 0 0,0-1-1 0 0,0 1 0 0 0,0 0 0 0 0,0 0 1 0 0,0 0-1 0 0,0 0 0 0 0,-4-6-425 0 0,-2-10-36 0 0,6 9 467 0 0,0 1 0 0 0,0-1-1 0 0,0 1 1 0 0,1-1 0 0 0,0 1 0 0 0,0 0-1 0 0,4-10 1 0 0,-5 14 7 0 0,1-1-1 0 0,0 1 1 0 0,0-1-1 0 0,1 1 1 0 0,-1 0-1 0 0,0-1 0 0 0,1 1 1 0 0,-1 0-1 0 0,1 0 1 0 0,0 0-1 0 0,0 0 1 0 0,-1 0-1 0 0,1 1 1 0 0,1-1-1 0 0,-1 1 1 0 0,0-1-1 0 0,0 1 0 0 0,0 0 1 0 0,1-1-1 0 0,-1 1 1 0 0,4-1-1 0 0,-4 2 28 0 0,0 0-1 0 0,0 0 1 0 0,0 0-1 0 0,0 0 0 0 0,0 0 1 0 0,0 0-1 0 0,0 0 1 0 0,0 1-1 0 0,0-1 1 0 0,-1 1-1 0 0,1-1 1 0 0,0 1-1 0 0,0 0 1 0 0,0 0-1 0 0,-1-1 0 0 0,1 1 1 0 0,0 1-1 0 0,-1-1 1 0 0,1 0-1 0 0,-1 0 1 0 0,1 0-1 0 0,-1 1 1 0 0,0-1-1 0 0,0 1 0 0 0,1-1 1 0 0,-1 1-1 0 0,0 0 1 0 0,1 2-1 0 0,1 3 114 0 0,1-1 0 0 0,-1 1-1 0 0,0 1 1 0 0,-1-1 0 0 0,3 14-1 0 0,1 3-145 0 0,-6-23-84 0 0,3-2 75 0 0,0 1 0 0 0,0-1 0 0 0,0 0 0 0 0,0 0 1 0 0,-1 0-1 0 0,1 0 0 0 0,0 0 0 0 0,-1-1 0 0 0,1 1 1 0 0,-1-1-1 0 0,5-3 0 0 0,-3 2-7 0 0,0-1 1 0 0,1 0-1 0 0,-2 0 0 0 0,1 0 1 0 0,4-7-1 0 0,-5 7 38 0 0,-1-1 0 0 0,0 0 0 0 0,0 0 0 0 0,0 0 0 0 0,-1 0 0 0 0,0 0 1 0 0,1-7-1 0 0,-2 9-5 0 0,1-1 0 0 0,-1 1 1 0 0,0 0-1 0 0,0 0 1 0 0,0 0-1 0 0,0 0 1 0 0,-1 0-1 0 0,1 0 1 0 0,-1 0-1 0 0,0 0 1 0 0,0 0-1 0 0,0 0 0 0 0,-2-5 1 0 0,2 8 17 0 0,1-1 0 0 0,-1 1 0 0 0,1-1 0 0 0,0 0 1 0 0,-1 1-1 0 0,1-1 0 0 0,-1 1 0 0 0,1-1 0 0 0,-1 1 0 0 0,0 0 1 0 0,1-1-1 0 0,-1 1 0 0 0,1 0 0 0 0,-1-1 0 0 0,0 1 0 0 0,1 0 0 0 0,-1 0 1 0 0,0-1-1 0 0,1 1 0 0 0,-1 0 0 0 0,0 0 0 0 0,1 0 0 0 0,-1 0 1 0 0,0 0-1 0 0,-1 0 0 0 0,1 1 18 0 0,-1-1 1 0 0,1 1 0 0 0,-1-1-1 0 0,1 1 1 0 0,0 0 0 0 0,-1-1-1 0 0,1 1 1 0 0,0 0 0 0 0,0 0-1 0 0,-1 0 1 0 0,0 2-1 0 0,-2 1 42 0 0,1 0 0 0 0,0 0-1 0 0,0 0 1 0 0,0 1 0 0 0,-5 9-1 0 0,7-10-110 0 0,0 1-1 0 0,0 0 1 0 0,0 0-1 0 0,1-1 1 0 0,0 1-1 0 0,0 0 1 0 0,0 0-1 0 0,0 0 1 0 0,1-1-1 0 0,-1 1 1 0 0,1 0-1 0 0,1-1 1 0 0,-1 1-1 0 0,1 0 1 0 0,-1-1-1 0 0,4 5 1 0 0,-4-7-71 0 0,0 1 1 0 0,0-1 0 0 0,0 0 0 0 0,1 1 0 0 0,-1-1 0 0 0,1 0-1 0 0,-1 0 1 0 0,1 0 0 0 0,0 0 0 0 0,0 0 0 0 0,0-1 0 0 0,0 1-1 0 0,0-1 1 0 0,0 1 0 0 0,1-1 0 0 0,-1 0 0 0 0,0 0 0 0 0,1 1-1 0 0,-1-2 1 0 0,1 1 0 0 0,-1 0 0 0 0,1 0 0 0 0,-1-1-1 0 0,1 0 1 0 0,-1 1 0 0 0,1-1 0 0 0,0 0 0 0 0,-1 0 0 0 0,1-1-1 0 0,4 0 1 0 0,-4 0-434 0 0,1 0 0 0 0,-1-1-1 0 0,0 0 1 0 0,0 0 0 0 0,0 1 0 0 0,0-2-1 0 0,0 1 1 0 0,-1 0 0 0 0,1-1 0 0 0,0 1-1 0 0,-1-1 1 0 0,0 0 0 0 0,0 0-1 0 0,0 0 1 0 0,0 0 0 0 0,3-6 0 0 0,7-11-922 0 0,4 4 4366 0 0,-15 16-2734 0 0,-1-1-1 0 0,0 1 1 0 0,0 0-1 0 0,1 0 1 0 0,-1 0 0 0 0,0-1-1 0 0,1 1 1 0 0,-1 0-1 0 0,0 0 1 0 0,1 0-1 0 0,-1 0 1 0 0,0 0 0 0 0,1 0-1 0 0,-1 0 1 0 0,0 0-1 0 0,1 0 1 0 0,-1 0 0 0 0,0 0-1 0 0,1 0 1 0 0,-1 0-1 0 0,0 0 1 0 0,1 0 0 0 0,-1 0-1 0 0,0 0 1 0 0,1 0-1 0 0,-1 1 1 0 0,0-1 0 0 0,1 0-1 0 0,-1 0 1 0 0,0 0-1 0 0,1 1 1 0 0,8 11 1914 0 0,0 16-1416 0 0,-5-12-603 0 0,-15-34-736 0 0,10 12 668 0 0,0 0 0 0 0,0 0 0 0 0,0 0 0 0 0,1-1 0 0 0,0 1 0 0 0,0 0 0 0 0,1-1 0 0 0,-1 1 0 0 0,3-7 0 0 0,-3 11-18 0 0,1 0 0 0 0,0 0 0 0 0,-1 0 0 0 0,1 0 0 0 0,0 0 0 0 0,0 0 0 0 0,0 0 0 0 0,0 0-1 0 0,1 0 1 0 0,-1 1 0 0 0,0-1 0 0 0,1 1 0 0 0,-1-1 0 0 0,1 1 0 0 0,0-1 0 0 0,-1 1-1 0 0,1 0 1 0 0,0 0 0 0 0,0 0 0 0 0,0 0 0 0 0,0 0 0 0 0,0 0 0 0 0,0 1 0 0 0,0-1 0 0 0,0 1-1 0 0,0-1 1 0 0,0 1 0 0 0,0 0 0 0 0,0-1 0 0 0,3 1 0 0 0,16 6 1 0 0,-21-7 47 0 0,1 1 1 0 0,-1-1-1 0 0,0 1 1 0 0,0 0-1 0 0,1-1 1 0 0,-1 1-1 0 0,0-1 1 0 0,0 1-1 0 0,0-1 1 0 0,0 1-1 0 0,1-1 1 0 0,-1 1 0 0 0,0-1-1 0 0,0 1 1 0 0,0-1-1 0 0,0 1 1 0 0,0-1-1 0 0,0 0 1 0 0,0 1-36 0 0,0 0 0 0 0,0 0 0 0 0,0-1 0 0 0,0 1 0 0 0,0 0 0 0 0,0 0 0 0 0,0 0 0 0 0,0-1 0 0 0,0 1 1 0 0,0 0-1 0 0,0 0 0 0 0,0 0 0 0 0,0 0 0 0 0,0-1 0 0 0,0 1 0 0 0,-1 0 0 0 0,1 0 0 0 0,0 0 0 0 0,0 0 0 0 0,0 0 0 0 0,0-1 1 0 0,0 1-1 0 0,0 0 0 0 0,0 0 0 0 0,0 0 0 0 0,-1 0 0 0 0,1 0 0 0 0,0 0 0 0 0,0-1 0 0 0,0 1 0 0 0,0 0 0 0 0,0 0 0 0 0,-1 0 1 0 0,1 0-1 0 0,0 0 0 0 0,0 0 0 0 0,0 0 0 0 0,0 0 0 0 0,-1 0 0 0 0,1 0 0 0 0,0 0 0 0 0,0 0 0 0 0,0 0 0 0 0,0 0 0 0 0,-1 0 0 0 0,1 0 1 0 0,0 0-1 0 0,0 0 0 0 0,0 0 0 0 0,0 0 0 0 0,-1 0 0 0 0,1 0 0 0 0,0 0 0 0 0,0 0 0 0 0,0 0 0 0 0,0 0 0 0 0,-1 0 0 0 0,1 1 1 0 0,0-1-1 0 0,0 0 0 0 0,0 0 0 0 0,0 0 0 0 0,0 0 0 0 0,0 0 0 0 0,-1 0 0 0 0,1 1 0 0 0,-1 1 22 0 0,0-1 0 0 0,-1 1 0 0 0,1 0 0 0 0,0 0 1 0 0,0 0-1 0 0,0 0 0 0 0,0 0 0 0 0,0 0 0 0 0,1 0 0 0 0,-1 1 0 0 0,1-1 0 0 0,-1 0 0 0 0,1 0 0 0 0,0 1 0 0 0,0 2 0 0 0,0 3-17 0 0,0 0 0 0 0,1-1 0 0 0,1 11 1 0 0,-1-15-125 0 0,-1 0 1 0 0,1 0-1 0 0,0 0 1 0 0,0 0-1 0 0,0-1 1 0 0,1 1-1 0 0,-1 0 1 0 0,1 0-1 0 0,-1-1 1 0 0,1 1-1 0 0,0-1 1 0 0,0 1-1 0 0,0-1 1 0 0,0 0-1 0 0,1 0 1 0 0,-1 0-1 0 0,1 0 1 0 0,-1 0 0 0 0,1 0-1 0 0,5 2 1 0 0,-5-3-576 0 0,0 0 0 0 0,0 0 0 0 0,0 0 0 0 0,0-1 1 0 0,0 1-1 0 0,0-1 0 0 0,0 0 0 0 0,6 0 0 0 0,-5 0-784 0 0,0-1-1 0 0,0 0 1 0 0,1 0 0 0 0,-1 0-1 0 0,0 0 1 0 0,7-4-1 0 0,-6 3 1229 0 0</inkml:trace>
+</inkml:ink>
+</file>
+
+<file path=ppt/ink/ink12.xml><?xml version="1.0" encoding="utf-8"?>
+<inkml:ink xmlns:inkml="http://www.w3.org/2003/InkML">
+  <inkml:definitions>
+    <inkml:context xml:id="ctx0">
+      <inkml:inkSource xml:id="inkSrc0">
+        <inkml:traceFormat>
+          <inkml:channel name="X" type="integer" min="-2.14748E9" max="2.14748E9" units="cm"/>
+          <inkml:channel name="Y" type="integer" min="-2.14748E9" max="2.14748E9" units="cm"/>
+          <inkml:channel name="F" type="integer" max="32767" units="dev"/>
+          <inkml:channel name="OA" type="integer" max="360" units="deg"/>
+          <inkml:channel name="OE" type="integer" max="90" units="deg"/>
+        </inkml:traceFormat>
+        <inkml:channelProperties>
+          <inkml:channelProperty channel="X" name="resolution" value="1000" units="1/cm"/>
+          <inkml:channelProperty channel="Y" name="resolution" value="1000" units="1/cm"/>
+          <inkml:channelProperty channel="F" name="resolution" value="0" units="1/dev"/>
+          <inkml:channelProperty channel="OA" name="resolution" value="1000" units="1/deg"/>
+          <inkml:channelProperty channel="OE" name="resolution" value="1000" units="1/deg"/>
+        </inkml:channelProperties>
+      </inkml:inkSource>
+      <inkml:timestamp xml:id="ts0" timeString="2024-11-07T22:22:37.732"/>
+    </inkml:context>
+    <inkml:brush xml:id="br0">
+      <inkml:brushProperty name="width" value="0.05" units="cm"/>
+      <inkml:brushProperty name="height" value="0.05" units="cm"/>
+    </inkml:brush>
+  </inkml:definitions>
+  <inkml:trace contextRef="#ctx0" brushRef="#br0">30 0 13791 0 0,'0'0'1431'0'0,"1"2"-1320"0"0,-1 1-36 0 0,1 0 1 0 0,-1 0 0 0 0,1 0 0 0 0,-1 1 0 0 0,0-1-1 0 0,0 0 1 0 0,0 0 0 0 0,-1 1 0 0 0,1-1 0 0 0,-1 0 0 0 0,0 0-1 0 0,0 0 1 0 0,0 0 0 0 0,-3 5 0 0 0,-6 7-4531 0 0,-4-2-5111 0 0</inkml:trace>
+</inkml:ink>
+</file>
+
+<file path=ppt/ink/ink13.xml><?xml version="1.0" encoding="utf-8"?>
+<inkml:ink xmlns:inkml="http://www.w3.org/2003/InkML">
+  <inkml:definitions>
+    <inkml:context xml:id="ctx0">
+      <inkml:inkSource xml:id="inkSrc0">
+        <inkml:traceFormat>
+          <inkml:channel name="X" type="integer" min="-2.14748E9" max="2.14748E9" units="cm"/>
+          <inkml:channel name="Y" type="integer" min="-2.14748E9" max="2.14748E9" units="cm"/>
+          <inkml:channel name="F" type="integer" max="32767" units="dev"/>
+          <inkml:channel name="OA" type="integer" max="360" units="deg"/>
+          <inkml:channel name="OE" type="integer" max="90" units="deg"/>
+        </inkml:traceFormat>
+        <inkml:channelProperties>
+          <inkml:channelProperty channel="X" name="resolution" value="1000" units="1/cm"/>
+          <inkml:channelProperty channel="Y" name="resolution" value="1000" units="1/cm"/>
+          <inkml:channelProperty channel="F" name="resolution" value="0" units="1/dev"/>
+          <inkml:channelProperty channel="OA" name="resolution" value="1000" units="1/deg"/>
+          <inkml:channelProperty channel="OE" name="resolution" value="1000" units="1/deg"/>
+        </inkml:channelProperties>
+      </inkml:inkSource>
+      <inkml:timestamp xml:id="ts0" timeString="2024-11-07T22:22:38.209"/>
+    </inkml:context>
+    <inkml:brush xml:id="br0">
+      <inkml:brushProperty name="width" value="0.05" units="cm"/>
+      <inkml:brushProperty name="height" value="0.05" units="cm"/>
+    </inkml:brush>
+  </inkml:definitions>
+  <inkml:trace contextRef="#ctx0" brushRef="#br0">73 10 6415 0 0,'0'5'8022'0'0,"0"8"-5021"0"0,-3-4-2774 0 0,0 0 1 0 0,0-1-1 0 0,-1 1 1 0 0,-1-1-1 0 0,1 0 1 0 0,-12 15-1 0 0,-2 3-226 0 0,1 3-1 0 0,17-29-2 0 0,0 0 0 0 0,0 0 0 0 0,0 0-1 0 0,0 0 1 0 0,0 1 0 0 0,0-1 0 0 0,0 0 0 0 0,0 0-1 0 0,0 0 1 0 0,0 0 0 0 0,0 0 0 0 0,0 1-1 0 0,0-1 1 0 0,0 0 0 0 0,1 0 0 0 0,-1 0 0 0 0,0 0-1 0 0,0 0 1 0 0,0 1 0 0 0,0-1 0 0 0,0 0 0 0 0,0 0-1 0 0,0 0 1 0 0,0 0 0 0 0,0 0 0 0 0,0 0-1 0 0,1 0 1 0 0,-1 0 0 0 0,0 1 0 0 0,0-1 0 0 0,0 0-1 0 0,0 0 1 0 0,0 0 0 0 0,0 0 0 0 0,1 0 0 0 0,-1 0-1 0 0,0 0 1 0 0,0 0 0 0 0,0 0 0 0 0,0 0-1 0 0,0 0 1 0 0,1 0 0 0 0,-1 0 0 0 0,0 0 0 0 0,0 0-1 0 0,0 0 1 0 0,0 0 0 0 0,0 0 0 0 0,1 0 0 0 0,-1 0-1 0 0,0 0 1 0 0,0 0 0 0 0,0 0 0 0 0,0 0 0 0 0,0 0-1 0 0,0 0 1 0 0,1-1 0 0 0,-1 1 0 0 0,0 0-1 0 0,0 0 1 0 0,9-2-197 0 0,108-27 624 0 0,-80 21-308 0 0,-24 6 65 0 0,-13 2-182 0 0,0-1 0 0 0,0 1-1 0 0,0-1 1 0 0,-1 0 0 0 0,1 1 0 0 0,0-1 0 0 0,0 1 0 0 0,0-1 0 0 0,-1 0 0 0 0,1 1 0 0 0,0-1 0 0 0,0 1 0 0 0,-1-1 0 0 0,1 1 0 0 0,-1-1 0 0 0,1 1 0 0 0,0-1 0 0 0,-1 1 0 0 0,1 0 0 0 0,-1-1 0 0 0,0 0 0 0 0,1 1-9 0 0,-101-100-709 0 0,94 94 85 0 0,22 21-8301 0 0,22 8 757 0 0,-29-20 7683 0 0</inkml:trace>
+</inkml:ink>
+</file>
+
+<file path=ppt/ink/ink14.xml><?xml version="1.0" encoding="utf-8"?>
+<inkml:ink xmlns:inkml="http://www.w3.org/2003/InkML">
+  <inkml:definitions>
+    <inkml:context xml:id="ctx0">
+      <inkml:inkSource xml:id="inkSrc0">
+        <inkml:traceFormat>
+          <inkml:channel name="X" type="integer" min="-2.14748E9" max="2.14748E9" units="cm"/>
+          <inkml:channel name="Y" type="integer" min="-2.14748E9" max="2.14748E9" units="cm"/>
+          <inkml:channel name="F" type="integer" max="32767" units="dev"/>
+          <inkml:channel name="OA" type="integer" max="360" units="deg"/>
+          <inkml:channel name="OE" type="integer" max="90" units="deg"/>
+        </inkml:traceFormat>
+        <inkml:channelProperties>
+          <inkml:channelProperty channel="X" name="resolution" value="1000" units="1/cm"/>
+          <inkml:channelProperty channel="Y" name="resolution" value="1000" units="1/cm"/>
+          <inkml:channelProperty channel="F" name="resolution" value="0" units="1/dev"/>
+          <inkml:channelProperty channel="OA" name="resolution" value="1000" units="1/deg"/>
+          <inkml:channelProperty channel="OE" name="resolution" value="1000" units="1/deg"/>
+        </inkml:channelProperties>
+      </inkml:inkSource>
+      <inkml:timestamp xml:id="ts0" timeString="2024-11-07T22:22:38.664"/>
+    </inkml:context>
+    <inkml:brush xml:id="br0">
+      <inkml:brushProperty name="width" value="0.05" units="cm"/>
+      <inkml:brushProperty name="height" value="0.05" units="cm"/>
+    </inkml:brush>
+  </inkml:definitions>
+  <inkml:trace contextRef="#ctx0" brushRef="#br0">1 15 9615 0 0,'0'0'1143'0'0,"13"11"3669"0"0,-4 6-4561 0 0,-1-4 57 0 0,-1 0-1 0 0,8 22 0 0 0,-20-41-361 0 0,2 1 24 0 0,-1 0 0 0 0,1 0 1 0 0,0 0-1 0 0,-5-10 1 0 0,7 11 135 0 0,0 0 1 0 0,0 0-1 0 0,1 0 1 0 0,-1 0-1 0 0,1 1 1 0 0,-1-1-1 0 0,2-6 1 0 0,-1 8-106 0 0,0 1-1 0 0,0 0 1 0 0,1 0 0 0 0,-1 0 0 0 0,1 0 0 0 0,-1 0-1 0 0,1 0 1 0 0,0 0 0 0 0,-1 0 0 0 0,1 0 0 0 0,0 0-1 0 0,-1 0 1 0 0,1 0 0 0 0,0 0 0 0 0,0 0-1 0 0,0 1 1 0 0,0-1 0 0 0,0 0 0 0 0,0 1 0 0 0,0-1-1 0 0,0 1 1 0 0,0-1 0 0 0,0 1 0 0 0,0-1 0 0 0,1 1-1 0 0,-1 0 1 0 0,0 0 0 0 0,0-1 0 0 0,2 1 0 0 0,23-3-1987 0 0,15 3-6881 0 0,-17 1 3300 0 0,-17-1 5033 0 0</inkml:trace>
+</inkml:ink>
+</file>
+
+<file path=ppt/ink/ink15.xml><?xml version="1.0" encoding="utf-8"?>
+<inkml:ink xmlns:inkml="http://www.w3.org/2003/InkML">
+  <inkml:definitions>
+    <inkml:context xml:id="ctx0">
+      <inkml:inkSource xml:id="inkSrc0">
+        <inkml:traceFormat>
+          <inkml:channel name="X" type="integer" min="-2.14748E9" max="2.14748E9" units="cm"/>
+          <inkml:channel name="Y" type="integer" min="-2.14748E9" max="2.14748E9" units="cm"/>
+          <inkml:channel name="F" type="integer" max="32767" units="dev"/>
+          <inkml:channel name="OA" type="integer" max="360" units="deg"/>
+          <inkml:channel name="OE" type="integer" max="90" units="deg"/>
+        </inkml:traceFormat>
+        <inkml:channelProperties>
+          <inkml:channelProperty channel="X" name="resolution" value="1000" units="1/cm"/>
+          <inkml:channelProperty channel="Y" name="resolution" value="1000" units="1/cm"/>
+          <inkml:channelProperty channel="F" name="resolution" value="0" units="1/dev"/>
+          <inkml:channelProperty channel="OA" name="resolution" value="1000" units="1/deg"/>
+          <inkml:channelProperty channel="OE" name="resolution" value="1000" units="1/deg"/>
+        </inkml:channelProperties>
+      </inkml:inkSource>
+      <inkml:timestamp xml:id="ts0" timeString="2024-11-07T22:22:39.047"/>
+    </inkml:context>
+    <inkml:brush xml:id="br0">
+      <inkml:brushProperty name="width" value="0.05" units="cm"/>
+      <inkml:brushProperty name="height" value="0.05" units="cm"/>
+    </inkml:brush>
+  </inkml:definitions>
+  <inkml:trace contextRef="#ctx0" brushRef="#br0">1 8 12207 0 0,'4'-2'456'0'0,"0"1"0"0"0,0 0 0 0 0,0 0-1 0 0,1 0 1 0 0,-1 1 0 0 0,5-1 0 0 0,-7 1-675 0 0,0 0 0 0 0,0 0 1 0 0,0 0-1 0 0,-1 0 0 0 0,1 0 0 0 0,0 1 1 0 0,0-1-1 0 0,0 1 0 0 0,-1-1 0 0 0,1 1 1 0 0,0-1-1 0 0,0 1 0 0 0,-1 0 1 0 0,1 0-1 0 0,-1 0 0 0 0,4 2 0 0 0,-15 10-10981 0 0</inkml:trace>
+</inkml:ink>
+</file>
+
+<file path=ppt/ink/ink16.xml><?xml version="1.0" encoding="utf-8"?>
+<inkml:ink xmlns:inkml="http://www.w3.org/2003/InkML">
+  <inkml:definitions>
+    <inkml:context xml:id="ctx0">
+      <inkml:inkSource xml:id="inkSrc0">
+        <inkml:traceFormat>
+          <inkml:channel name="X" type="integer" min="-2.14748E9" max="2.14748E9" units="cm"/>
+          <inkml:channel name="Y" type="integer" min="-2.14748E9" max="2.14748E9" units="cm"/>
+          <inkml:channel name="F" type="integer" max="32767" units="dev"/>
+          <inkml:channel name="OA" type="integer" max="360" units="deg"/>
+          <inkml:channel name="OE" type="integer" max="90" units="deg"/>
+        </inkml:traceFormat>
+        <inkml:channelProperties>
+          <inkml:channelProperty channel="X" name="resolution" value="1000" units="1/cm"/>
+          <inkml:channelProperty channel="Y" name="resolution" value="1000" units="1/cm"/>
+          <inkml:channelProperty channel="F" name="resolution" value="0" units="1/dev"/>
+          <inkml:channelProperty channel="OA" name="resolution" value="1000" units="1/deg"/>
+          <inkml:channelProperty channel="OE" name="resolution" value="1000" units="1/deg"/>
+        </inkml:channelProperties>
+      </inkml:inkSource>
+      <inkml:timestamp xml:id="ts0" timeString="2024-11-07T22:22:39.420"/>
+    </inkml:context>
+    <inkml:brush xml:id="br0">
+      <inkml:brushProperty name="width" value="0.05" units="cm"/>
+      <inkml:brushProperty name="height" value="0.05" units="cm"/>
+    </inkml:brush>
+  </inkml:definitions>
+  <inkml:trace contextRef="#ctx0" brushRef="#br0">0 3 12695 0 0,'0'0'1382'0'0,"14"0"827"0"0,-8-1-2291 0 0,0 0 1 0 0,0 0 0 0 0,11 1-1 0 0,-10 1-3585 0 0</inkml:trace>
+</inkml:ink>
+</file>
+
+<file path=ppt/ink/ink17.xml><?xml version="1.0" encoding="utf-8"?>
+<inkml:ink xmlns:inkml="http://www.w3.org/2003/InkML">
+  <inkml:definitions>
+    <inkml:context xml:id="ctx0">
+      <inkml:inkSource xml:id="inkSrc0">
+        <inkml:traceFormat>
+          <inkml:channel name="X" type="integer" min="-2.14748E9" max="2.14748E9" units="cm"/>
+          <inkml:channel name="Y" type="integer" min="-2.14748E9" max="2.14748E9" units="cm"/>
+          <inkml:channel name="F" type="integer" max="32767" units="dev"/>
+          <inkml:channel name="OA" type="integer" max="360" units="deg"/>
+          <inkml:channel name="OE" type="integer" max="90" units="deg"/>
+        </inkml:traceFormat>
+        <inkml:channelProperties>
+          <inkml:channelProperty channel="X" name="resolution" value="1000" units="1/cm"/>
+          <inkml:channelProperty channel="Y" name="resolution" value="1000" units="1/cm"/>
+          <inkml:channelProperty channel="F" name="resolution" value="0" units="1/dev"/>
+          <inkml:channelProperty channel="OA" name="resolution" value="1000" units="1/deg"/>
+          <inkml:channelProperty channel="OE" name="resolution" value="1000" units="1/deg"/>
+        </inkml:channelProperties>
+      </inkml:inkSource>
+      <inkml:timestamp xml:id="ts0" timeString="2024-11-07T22:22:45.882"/>
+    </inkml:context>
+    <inkml:brush xml:id="br0">
+      <inkml:brushProperty name="width" value="0.05" units="cm"/>
+      <inkml:brushProperty name="height" value="0.05" units="cm"/>
+    </inkml:brush>
+  </inkml:definitions>
+  <inkml:trace contextRef="#ctx0" brushRef="#br0">1 31 3887 0 0,'7'3'7319'0'0,"-7"-3"-7027"0"0,9 12 2464 0 0,4 13-1923 0 0,-7-12-889 0 0,-1 1 0 0 0,0 1 0 0 0,-1-1-1 0 0,-1 0 1 0 0,2 24 0 0 0,-5-38 53 0 0,1 1-1 0 0,-1-1 1 0 0,0 0 0 0 0,0 0 0 0 0,0 1-1 0 0,0-1 1 0 0,0 0 0 0 0,0 1 0 0 0,0-1 0 0 0,0 0-1 0 0,0 0 1 0 0,0 1 0 0 0,0-1 0 0 0,0 0-1 0 0,0 0 1 0 0,0 1 0 0 0,-1-1 0 0 0,1 0-1 0 0,0 0 1 0 0,0 1 0 0 0,0-1 0 0 0,0 0-1 0 0,0 0 1 0 0,0 0 0 0 0,-1 1 0 0 0,1-1-1 0 0,0 0 1 0 0,0 0 0 0 0,0 0 0 0 0,-1 1-1 0 0,1-1 1 0 0,0 0 0 0 0,0 0 0 0 0,0 0 0 0 0,-1 0-1 0 0,1 0 1 0 0,0 0 0 0 0,0 0 0 0 0,-1 1-1 0 0,1-1 1 0 0,0 0 0 0 0,0 0 0 0 0,-1 0-1 0 0,0 0-7 0 0,1-1-1 0 0,-1 1 0 0 0,1 0 1 0 0,-1 0-1 0 0,1 0 0 0 0,-1-1 1 0 0,1 1-1 0 0,0 0 0 0 0,-1-1 0 0 0,1 1 1 0 0,-1 0-1 0 0,1-1 0 0 0,0 1 1 0 0,-1-1-1 0 0,1 1 0 0 0,0 0 1 0 0,-1-1-1 0 0,1 1 0 0 0,0-1 1 0 0,-1 0-1 0 0,-2-7 45 0 0,0 1-1 0 0,1-1 1 0 0,-1 0 0 0 0,2 0-1 0 0,-1-1 1 0 0,1 1 0 0 0,0-12-1 0 0,1 11 310 0 0,1 0-1 0 0,0-1 0 0 0,0 2 1 0 0,1-1-1 0 0,4-13 0 0 0,-5 19-340 0 0,0 1 0 0 0,1-1 0 0 0,-1 1 0 0 0,1-1 0 0 0,-1 1 0 0 0,1-1 0 0 0,0 1 0 0 0,-1 0 0 0 0,5-3 0 0 0,-5 4-226 0 0,1 0 0 0 0,-1 0 1 0 0,1 0-1 0 0,-1 0 0 0 0,1 0 0 0 0,-1 1 1 0 0,1-1-1 0 0,0 0 0 0 0,-1 1 0 0 0,1 0 1 0 0,0-1-1 0 0,0 1 0 0 0,-1 0 0 0 0,1 0 1 0 0,0 0-1 0 0,0 0 0 0 0,1 0 0 0 0,-1 1-796 0 0,0-1 0 0 0,-1 1 0 0 0,1-1 0 0 0,0 1 0 0 0,-1 0 0 0 0,1 0 0 0 0,0 0 0 0 0,-1 0 0 0 0,1 0 0 0 0,1 1 0 0 0,0 1 343 0 0,0-1 375 0 0</inkml:trace>
+</inkml:ink>
+</file>
+
+<file path=ppt/ink/ink18.xml><?xml version="1.0" encoding="utf-8"?>
+<inkml:ink xmlns:inkml="http://www.w3.org/2003/InkML">
+  <inkml:definitions>
+    <inkml:context xml:id="ctx0">
+      <inkml:inkSource xml:id="inkSrc0">
+        <inkml:traceFormat>
+          <inkml:channel name="X" type="integer" min="-2.14748E9" max="2.14748E9" units="cm"/>
+          <inkml:channel name="Y" type="integer" min="-2.14748E9" max="2.14748E9" units="cm"/>
+          <inkml:channel name="F" type="integer" max="32767" units="dev"/>
+          <inkml:channel name="OA" type="integer" max="360" units="deg"/>
+          <inkml:channel name="OE" type="integer" max="90" units="deg"/>
+        </inkml:traceFormat>
+        <inkml:channelProperties>
+          <inkml:channelProperty channel="X" name="resolution" value="1000" units="1/cm"/>
+          <inkml:channelProperty channel="Y" name="resolution" value="1000" units="1/cm"/>
+          <inkml:channelProperty channel="F" name="resolution" value="0" units="1/dev"/>
+          <inkml:channelProperty channel="OA" name="resolution" value="1000" units="1/deg"/>
+          <inkml:channelProperty channel="OE" name="resolution" value="1000" units="1/deg"/>
+        </inkml:channelProperties>
+      </inkml:inkSource>
+      <inkml:timestamp xml:id="ts0" timeString="2024-11-07T22:22:48.397"/>
+    </inkml:context>
+    <inkml:brush xml:id="br0">
+      <inkml:brushProperty name="width" value="0.05" units="cm"/>
+      <inkml:brushProperty name="height" value="0.05" units="cm"/>
+    </inkml:brush>
+  </inkml:definitions>
+  <inkml:trace contextRef="#ctx0" brushRef="#br0">1 1 7223 0 0,'-1'0'8239'0'0,"2"9"-7824"0"0,0 0 0 0 0,1 1 0 0 0,0-1 0 0 0,4 12 0 0 0,4 22-321 0 0,-5-15-296 0 0,-2-12-2388 0 0,1 29 0 0 0,-9-58-7009 0 0,4 9 8868 0 0,-5-10-547 0 0,4 5 1052 0 0</inkml:trace>
+</inkml:ink>
+</file>
+
+<file path=ppt/ink/ink19.xml><?xml version="1.0" encoding="utf-8"?>
+<inkml:ink xmlns:inkml="http://www.w3.org/2003/InkML">
+  <inkml:definitions>
+    <inkml:context xml:id="ctx0">
+      <inkml:inkSource xml:id="inkSrc0">
+        <inkml:traceFormat>
+          <inkml:channel name="X" type="integer" min="-2.14748E9" max="2.14748E9" units="cm"/>
+          <inkml:channel name="Y" type="integer" min="-2.14748E9" max="2.14748E9" units="cm"/>
+          <inkml:channel name="F" type="integer" max="32767" units="dev"/>
+          <inkml:channel name="OA" type="integer" max="360" units="deg"/>
+          <inkml:channel name="OE" type="integer" max="90" units="deg"/>
+        </inkml:traceFormat>
+        <inkml:channelProperties>
+          <inkml:channelProperty channel="X" name="resolution" value="1000" units="1/cm"/>
+          <inkml:channelProperty channel="Y" name="resolution" value="1000" units="1/cm"/>
+          <inkml:channelProperty channel="F" name="resolution" value="0" units="1/dev"/>
+          <inkml:channelProperty channel="OA" name="resolution" value="1000" units="1/deg"/>
+          <inkml:channelProperty channel="OE" name="resolution" value="1000" units="1/deg"/>
+        </inkml:channelProperties>
+      </inkml:inkSource>
+      <inkml:timestamp xml:id="ts0" timeString="2024-11-07T22:22:48.781"/>
+    </inkml:context>
+    <inkml:brush xml:id="br0">
+      <inkml:brushProperty name="width" value="0.05" units="cm"/>
+      <inkml:brushProperty name="height" value="0.05" units="cm"/>
+    </inkml:brush>
+  </inkml:definitions>
+  <inkml:trace contextRef="#ctx0" brushRef="#br0">1 14 12607 0 0,'2'-1'260'0'0,"0"-1"-1"0"0,0 1 1 0 0,0 0-1 0 0,0 0 0 0 0,0 0 1 0 0,1 0-1 0 0,-1 0 1 0 0,0 0-1 0 0,1 1 1 0 0,-1-1-1 0 0,0 1 0 0 0,3-1 1 0 0,14 0-1487 0 0,-2 1-4419 0 0,-13 0 2921 0 0,3 2-2571 0 0,-5-2 4681 0 0</inkml:trace>
+  <inkml:trace contextRef="#ctx0" brushRef="#br0" timeOffset="1">111 21 4319 0 0,'-2'12'1936'0'0,"7"24"9116"0"0,1-19-11978 0 0,-18-40-14912 0 0</inkml:trace>
+</inkml:ink>
+</file>
+
+<file path=ppt/ink/ink2.xml><?xml version="1.0" encoding="utf-8"?>
+<inkml:ink xmlns:inkml="http://www.w3.org/2003/InkML">
+  <inkml:definitions>
+    <inkml:context xml:id="ctx0">
+      <inkml:inkSource xml:id="inkSrc0">
+        <inkml:traceFormat>
+          <inkml:channel name="X" type="integer" min="-2.14748E9" max="2.14748E9" units="cm"/>
+          <inkml:channel name="Y" type="integer" min="-2.14748E9" max="2.14748E9" units="cm"/>
+          <inkml:channel name="F" type="integer" max="32767" units="dev"/>
+          <inkml:channel name="OA" type="integer" max="360" units="deg"/>
+          <inkml:channel name="OE" type="integer" max="90" units="deg"/>
+        </inkml:traceFormat>
+        <inkml:channelProperties>
+          <inkml:channelProperty channel="X" name="resolution" value="1000" units="1/cm"/>
+          <inkml:channelProperty channel="Y" name="resolution" value="1000" units="1/cm"/>
+          <inkml:channelProperty channel="F" name="resolution" value="0" units="1/dev"/>
+          <inkml:channelProperty channel="OA" name="resolution" value="1000" units="1/deg"/>
+          <inkml:channelProperty channel="OE" name="resolution" value="1000" units="1/deg"/>
+        </inkml:channelProperties>
+      </inkml:inkSource>
+      <inkml:timestamp xml:id="ts0" timeString="2024-11-07T22:21:49.627"/>
+    </inkml:context>
+    <inkml:brush xml:id="br0">
+      <inkml:brushProperty name="width" value="0.05" units="cm"/>
+      <inkml:brushProperty name="height" value="0.05" units="cm"/>
+    </inkml:brush>
+  </inkml:definitions>
+  <inkml:trace contextRef="#ctx0" brushRef="#br0">0 3 12239 0 0,'0'0'1088'0'0,"4"0"-872"0"0,-1 1-216 0 0,1 1 0 0 0,1-2-64 0 0,-1 1-64 0 0,1-1 0 0 0,-1 0-8 0 0,2-1-656 0 0,0 0-128 0 0,0 0-24 0 0,0 1-8 0 0,0-2-1008 0 0,-1 1-208 0 0,1 1-40 0 0,0-1 0 0 0,-1 1 1760 0 0</inkml:trace>
+</inkml:ink>
+</file>
+
+<file path=ppt/ink/ink20.xml><?xml version="1.0" encoding="utf-8"?>
+<inkml:ink xmlns:inkml="http://www.w3.org/2003/InkML">
+  <inkml:definitions>
+    <inkml:context xml:id="ctx0">
+      <inkml:inkSource xml:id="inkSrc0">
+        <inkml:traceFormat>
+          <inkml:channel name="X" type="integer" min="-2.14748E9" max="2.14748E9" units="cm"/>
+          <inkml:channel name="Y" type="integer" min="-2.14748E9" max="2.14748E9" units="cm"/>
+          <inkml:channel name="F" type="integer" max="32767" units="dev"/>
+          <inkml:channel name="OA" type="integer" max="360" units="deg"/>
+          <inkml:channel name="OE" type="integer" max="90" units="deg"/>
+        </inkml:traceFormat>
+        <inkml:channelProperties>
+          <inkml:channelProperty channel="X" name="resolution" value="1000" units="1/cm"/>
+          <inkml:channelProperty channel="Y" name="resolution" value="1000" units="1/cm"/>
+          <inkml:channelProperty channel="F" name="resolution" value="0" units="1/dev"/>
+          <inkml:channelProperty channel="OA" name="resolution" value="1000" units="1/deg"/>
+          <inkml:channelProperty channel="OE" name="resolution" value="1000" units="1/deg"/>
+        </inkml:channelProperties>
+      </inkml:inkSource>
+      <inkml:timestamp xml:id="ts0" timeString="2024-11-07T22:22:49.172"/>
+    </inkml:context>
+    <inkml:brush xml:id="br0">
+      <inkml:brushProperty name="width" value="0.05" units="cm"/>
+      <inkml:brushProperty name="height" value="0.05" units="cm"/>
+    </inkml:brush>
+  </inkml:definitions>
+  <inkml:trace contextRef="#ctx0" brushRef="#br0">7 36 11831 0 0,'6'33'1687'0'0,"-3"-17"-868"0"0,0 1 1 0 0,8 19 0 0 0,-10-33-779 0 0,6 21 190 0 0,-7-23-334 0 0,-9-15-1330 0 0,6 10 1454 0 0,0-1 1 0 0,1 0 0 0 0,0 1 0 0 0,0-1-1 0 0,0 0 1 0 0,0 0 0 0 0,1 0 0 0 0,-2-10-1 0 0,2 6 324 0 0,0-1 0 0 0,1 0 1 0 0,2-18-1 0 0,-2 26-316 0 0,1-1 1 0 0,0 1-1 0 0,0-1 1 0 0,0 1-1 0 0,0 0 0 0 0,0-1 1 0 0,1 1-1 0 0,-1 0 1 0 0,1 0-1 0 0,2-3 1 0 0,-3 4-22 0 0,0 0-1 0 0,0 0 1 0 0,0 0 0 0 0,0 0 0 0 0,0 0-1 0 0,0 0 1 0 0,1 0 0 0 0,-1 0-1 0 0,0 0 1 0 0,0 1 0 0 0,1-1 0 0 0,-1 0-1 0 0,0 1 1 0 0,1 0 0 0 0,-1-1 0 0 0,1 1-1 0 0,-1 0 1 0 0,0-1 0 0 0,1 1 0 0 0,1 0-1 0 0,-2 0-12 0 0,-1 0-1 0 0,1 0 0 0 0,-1 1 1 0 0,1-1-1 0 0,-1 0 1 0 0,1 0-1 0 0,-1 0 1 0 0,1 0-1 0 0,-1 1 0 0 0,1-1 1 0 0,-1 0-1 0 0,0 1 1 0 0,1-1-1 0 0,-1 0 0 0 0,1 1 1 0 0,-1-1-1 0 0,0 0 1 0 0,1 1-1 0 0,-1-1 1 0 0,0 1-1 0 0,0-1 0 0 0,1 1 1 0 0,-1-1-1 0 0,0 1 1 0 0,0-1-1 0 0,0 0 0 0 0,1 1 1 0 0,-1-1-1 0 0,0 1 1 0 0,0 0-1 0 0,0-1 1 0 0,0 1-1 0 0,0-1 0 0 0,0 1 1 0 0,0-1-1 0 0,0 1 1 0 0,0-1-1 0 0,0 1 0 0 0,0-1 1 0 0,-1 1-1 0 0,1-1 1 0 0,0 1-1 0 0,0-1 1 0 0,0 1-1 0 0,-1-1 0 0 0,1 0 1 0 0,-1 1-1 0 0,1 1-23 0 0,-1 0 0 0 0,0-1 0 0 0,-1 1 0 0 0,1-1 0 0 0,0 1 0 0 0,0-1 0 0 0,-1 1 0 0 0,1-1 0 0 0,0 0 0 0 0,-1 1 0 0 0,-2 0 0 0 0,1-1-259 0 0,0 0-1 0 0,0 0 1 0 0,0 0-1 0 0,0-1 1 0 0,0 1-1 0 0,-4-1 1 0 0,7 0 122 0 0,-1 0 0 0 0,0 0 1 0 0,1 0-1 0 0,-1 0 1 0 0,1 0-1 0 0,-1 0 1 0 0,0 0-1 0 0,1 0 1 0 0,-1 0-1 0 0,0 0 0 0 0,1 0 1 0 0,-1 0-1 0 0,1 0 1 0 0,-1-1-1 0 0,0 1 1 0 0,1 0-1 0 0,-1-1 1 0 0,1 1-1 0 0,-1 0 0 0 0,1-1 1 0 0,-1 1-1 0 0,1 0 1 0 0,-1-1-1 0 0,1 1 1 0 0,0-1-1 0 0,-1 1 1 0 0,1-1-1 0 0,-1 1 0 0 0,1-1 1 0 0,0 1-1 0 0,-1-1 1 0 0,1 1-1 0 0,0-1 1 0 0,0 0-1 0 0,0 1 1 0 0,-1-2-1 0 0,6-6-6554 0 0,-2 6 5921 0 0</inkml:trace>
+</inkml:ink>
+</file>
+
+<file path=ppt/ink/ink21.xml><?xml version="1.0" encoding="utf-8"?>
+<inkml:ink xmlns:inkml="http://www.w3.org/2003/InkML">
+  <inkml:definitions>
+    <inkml:context xml:id="ctx0">
+      <inkml:inkSource xml:id="inkSrc0">
+        <inkml:traceFormat>
+          <inkml:channel name="X" type="integer" min="-2.14748E9" max="2.14748E9" units="cm"/>
+          <inkml:channel name="Y" type="integer" min="-2.14748E9" max="2.14748E9" units="cm"/>
+          <inkml:channel name="F" type="integer" max="32767" units="dev"/>
+          <inkml:channel name="OA" type="integer" max="360" units="deg"/>
+          <inkml:channel name="OE" type="integer" max="90" units="deg"/>
+        </inkml:traceFormat>
+        <inkml:channelProperties>
+          <inkml:channelProperty channel="X" name="resolution" value="1000" units="1/cm"/>
+          <inkml:channelProperty channel="Y" name="resolution" value="1000" units="1/cm"/>
+          <inkml:channelProperty channel="F" name="resolution" value="0" units="1/dev"/>
+          <inkml:channelProperty channel="OA" name="resolution" value="1000" units="1/deg"/>
+          <inkml:channelProperty channel="OE" name="resolution" value="1000" units="1/deg"/>
+        </inkml:channelProperties>
+      </inkml:inkSource>
+      <inkml:timestamp xml:id="ts0" timeString="2024-11-07T22:22:49.549"/>
+    </inkml:context>
+    <inkml:brush xml:id="br0">
+      <inkml:brushProperty name="width" value="0.05" units="cm"/>
+      <inkml:brushProperty name="height" value="0.05" units="cm"/>
+    </inkml:brush>
+  </inkml:definitions>
+  <inkml:trace contextRef="#ctx0" brushRef="#br0">1 3 12007 0 0,'0'0'923'0'0,"15"-2"1285"0"0,18 4-2582 0 0,-8 1-3452 0 0,-1-6-5559 0 0,-17 0 8367 0 0</inkml:trace>
+</inkml:ink>
+</file>
+
+<file path=ppt/ink/ink22.xml><?xml version="1.0" encoding="utf-8"?>
+<inkml:ink xmlns:inkml="http://www.w3.org/2003/InkML">
+  <inkml:definitions>
+    <inkml:context xml:id="ctx0">
+      <inkml:inkSource xml:id="inkSrc0">
+        <inkml:traceFormat>
+          <inkml:channel name="X" type="integer" min="-2.14748E9" max="2.14748E9" units="cm"/>
+          <inkml:channel name="Y" type="integer" min="-2.14748E9" max="2.14748E9" units="cm"/>
+          <inkml:channel name="F" type="integer" max="32767" units="dev"/>
+          <inkml:channel name="OA" type="integer" max="360" units="deg"/>
+          <inkml:channel name="OE" type="integer" max="90" units="deg"/>
+        </inkml:traceFormat>
+        <inkml:channelProperties>
+          <inkml:channelProperty channel="X" name="resolution" value="1000" units="1/cm"/>
+          <inkml:channelProperty channel="Y" name="resolution" value="1000" units="1/cm"/>
+          <inkml:channelProperty channel="F" name="resolution" value="0" units="1/dev"/>
+          <inkml:channelProperty channel="OA" name="resolution" value="1000" units="1/deg"/>
+          <inkml:channelProperty channel="OE" name="resolution" value="1000" units="1/deg"/>
+        </inkml:channelProperties>
+      </inkml:inkSource>
+      <inkml:timestamp xml:id="ts0" timeString="2024-11-07T22:22:49.989"/>
+    </inkml:context>
+    <inkml:brush xml:id="br0">
+      <inkml:brushProperty name="width" value="0.05" units="cm"/>
+      <inkml:brushProperty name="height" value="0.05" units="cm"/>
+    </inkml:brush>
+  </inkml:definitions>
+  <inkml:trace contextRef="#ctx0" brushRef="#br0">0 19 12007 0 0,'4'21'4821'0'0,"10"18"-4823"0"0,-4-12-875 0 0,-1-5-501 0 0,-7-20 557 0 0,-5-15 37 0 0,1 5 471 0 0,-9-42-60 0 0,11 47 488 0 0,-1-1 0 0 0,1 1 0 0 0,0-1 0 0 0,0 1 0 0 0,0 0 0 0 0,0-1 0 0 0,1 1 0 0 0,0-1 0 0 0,-1 1 0 0 0,1 0 0 0 0,0-1 0 0 0,2-3 0 0 0,-2 6-155 0 0,-1 1 0 0 0,0-1 0 0 0,1 0 0 0 0,-1 1 0 0 0,1-1 0 0 0,-1 1-1 0 0,1-1 1 0 0,0 0 0 0 0,-1 1 0 0 0,1-1 0 0 0,0 1 0 0 0,-1 0 0 0 0,1-1-1 0 0,0 1 1 0 0,-1-1 0 0 0,1 1 0 0 0,0 0 0 0 0,0 0 0 0 0,-1-1 0 0 0,1 1 0 0 0,0 0-1 0 0,0 0 1 0 0,-1 0 0 0 0,1 0 0 0 0,0 0 0 0 0,0 0 0 0 0,0 0 0 0 0,0 0 0 0 0,3 1-1245 0 0,0 0 1 0 0,-1 0 0 0 0,0 0 0 0 0,1 1 0 0 0,3 1-1 0 0,9 4-2795 0 0,-9-5 3693 0 0</inkml:trace>
+</inkml:ink>
+</file>
+
+<file path=ppt/ink/ink23.xml><?xml version="1.0" encoding="utf-8"?>
+<inkml:ink xmlns:inkml="http://www.w3.org/2003/InkML">
+  <inkml:definitions>
+    <inkml:context xml:id="ctx0">
+      <inkml:inkSource xml:id="inkSrc0">
+        <inkml:traceFormat>
+          <inkml:channel name="X" type="integer" min="-2.14748E9" max="2.14748E9" units="cm"/>
+          <inkml:channel name="Y" type="integer" min="-2.14748E9" max="2.14748E9" units="cm"/>
+          <inkml:channel name="F" type="integer" max="32767" units="dev"/>
+          <inkml:channel name="OA" type="integer" max="360" units="deg"/>
+          <inkml:channel name="OE" type="integer" max="90" units="deg"/>
+        </inkml:traceFormat>
+        <inkml:channelProperties>
+          <inkml:channelProperty channel="X" name="resolution" value="1000" units="1/cm"/>
+          <inkml:channelProperty channel="Y" name="resolution" value="1000" units="1/cm"/>
+          <inkml:channelProperty channel="F" name="resolution" value="0" units="1/dev"/>
+          <inkml:channelProperty channel="OA" name="resolution" value="1000" units="1/deg"/>
+          <inkml:channelProperty channel="OE" name="resolution" value="1000" units="1/deg"/>
+        </inkml:channelProperties>
+      </inkml:inkSource>
+      <inkml:timestamp xml:id="ts0" timeString="2024-11-07T22:22:50.383"/>
+    </inkml:context>
+    <inkml:brush xml:id="br0">
+      <inkml:brushProperty name="width" value="0.05" units="cm"/>
+      <inkml:brushProperty name="height" value="0.05" units="cm"/>
+    </inkml:brush>
+  </inkml:definitions>
+  <inkml:trace contextRef="#ctx0" brushRef="#br0">0 5 7423 0 0,'0'0'160'0'0,"1"-1"0"0"0,-1 1-1 0 0,0 0 1 0 0,0-1 0 0 0,0 1-1 0 0,1 0 1 0 0,-1 0 0 0 0,0-1-1 0 0,0 1 1 0 0,1 0 0 0 0,-1 0-1 0 0,0 0 1 0 0,1 0 0 0 0,-1-1-1 0 0,0 1 1 0 0,0 0-1 0 0,1 0 1 0 0,-1 0 0 0 0,0 0-1 0 0,1 0 1 0 0,-1 0 0 0 0,0 0-1 0 0,1 0 1 0 0,-1 0 0 0 0,1 0-1 0 0,-1 0 1 0 0,0 0 0 0 0,1 0-1 0 0,-1 0 1 0 0,0 0 0 0 0,1 0-1 0 0,-1 0 1 0 0,1 1 5 0 0,0-1-1 0 0,-1 1 1 0 0,1-1 0 0 0,-1 1 0 0 0,1 0-1 0 0,-1 0 1 0 0,1-1 0 0 0,-1 1-1 0 0,1 0 1 0 0,-1 0 0 0 0,0-1 0 0 0,1 3-1 0 0,6 33 36 0 0,-6-27 174 0 0,2 6-406 0 0,0-1-144 0 0,0 0 0 0 0,0 20 0 0 0,1-64-692 0 0,-3 28 942 0 0,-1 0 0 0 0,1 0 0 0 0,-1 1 0 0 0,1-1 0 0 0,-1 0 0 0 0,1 1-1 0 0,0-1 1 0 0,0 0 0 0 0,0 1 0 0 0,0-1 0 0 0,0 1 0 0 0,0 0 0 0 0,0-1-1 0 0,3-1 1 0 0,-3 3-50 0 0,0-1-1 0 0,0 1 1 0 0,0 0 0 0 0,0 0-1 0 0,0 0 1 0 0,0 0-1 0 0,0 0 1 0 0,0 0-1 0 0,0 0 1 0 0,0 0 0 0 0,0 1-1 0 0,0-1 1 0 0,0 0-1 0 0,0 1 1 0 0,0-1-1 0 0,0 1 1 0 0,0-1-1 0 0,0 1 1 0 0,0-1 0 0 0,0 1-1 0 0,0-1 1 0 0,0 1-1 0 0,-1 0 1 0 0,1 0-1 0 0,0-1 1 0 0,0 1 0 0 0,-1 0-1 0 0,1 0 1 0 0,0 1-1 0 0,18 28-50 0 0,-15-25 98 0 0,1 2-1778 0 0</inkml:trace>
+</inkml:ink>
+</file>
+
+<file path=ppt/ink/ink24.xml><?xml version="1.0" encoding="utf-8"?>
+<inkml:ink xmlns:inkml="http://www.w3.org/2003/InkML">
+  <inkml:definitions>
+    <inkml:context xml:id="ctx0">
+      <inkml:inkSource xml:id="inkSrc0">
+        <inkml:traceFormat>
+          <inkml:channel name="X" type="integer" min="-2.14748E9" max="2.14748E9" units="cm"/>
+          <inkml:channel name="Y" type="integer" min="-2.14748E9" max="2.14748E9" units="cm"/>
+          <inkml:channel name="F" type="integer" max="32767" units="dev"/>
+          <inkml:channel name="OA" type="integer" max="360" units="deg"/>
+          <inkml:channel name="OE" type="integer" max="90" units="deg"/>
+        </inkml:traceFormat>
+        <inkml:channelProperties>
+          <inkml:channelProperty channel="X" name="resolution" value="1000" units="1/cm"/>
+          <inkml:channelProperty channel="Y" name="resolution" value="1000" units="1/cm"/>
+          <inkml:channelProperty channel="F" name="resolution" value="0" units="1/dev"/>
+          <inkml:channelProperty channel="OA" name="resolution" value="1000" units="1/deg"/>
+          <inkml:channelProperty channel="OE" name="resolution" value="1000" units="1/deg"/>
+        </inkml:channelProperties>
+      </inkml:inkSource>
+      <inkml:timestamp xml:id="ts0" timeString="2024-11-07T22:22:50.766"/>
+    </inkml:context>
+    <inkml:brush xml:id="br0">
+      <inkml:brushProperty name="width" value="0.05" units="cm"/>
+      <inkml:brushProperty name="height" value="0.05" units="cm"/>
+    </inkml:brush>
+  </inkml:definitions>
+  <inkml:trace contextRef="#ctx0" brushRef="#br0">1 5 2503 0 0,'1'-2'2798'0'0,"3"25"8130"0"0,6 0-9270 0 0,-9-21-1752 0 0,0-1 0 0 0,0 1 0 0 0,0-1 0 0 0,0 0 0 0 0,1 1 0 0 0,-1-1-1 0 0,0 0 1 0 0,1 0 0 0 0,-1 0 0 0 0,1 0 0 0 0,-1 0 0 0 0,1 0 0 0 0,-1 0-1 0 0,1 0 1 0 0,0 0 0 0 0,-1-1 0 0 0,1 1 0 0 0,0-1 0 0 0,-1 1 0 0 0,1-1 0 0 0,0 0-1 0 0,0 0 1 0 0,0 0 0 0 0,3 0 0 0 0,-4 0 6 0 0,0-1-1 0 0,0 1 1 0 0,0-1 0 0 0,0 1 0 0 0,0-1-1 0 0,0 0 1 0 0,0 0 0 0 0,0 1 0 0 0,0-1-1 0 0,-1 0 1 0 0,1 0 0 0 0,0 0 0 0 0,0 0-1 0 0,-1 0 1 0 0,1 0 0 0 0,-1 0 0 0 0,1 0-1 0 0,-1 0 1 0 0,1 0 0 0 0,-1 0 0 0 0,1 0-1 0 0,-1 0 1 0 0,0-1 0 0 0,0 1 0 0 0,0 0-1 0 0,0 0 1 0 0,0 0 0 0 0,0-2 0 0 0,1-4 32 0 0,-1 1-1 0 0,-1 0 1 0 0,-1-12 0 0 0,1 14 918 0 0,1 10-325 0 0,2 14-364 0 0,1-11-692 0 0,2 10-923 0 0,-5-19 968 0 0,0 1 1 0 0,0-1-1 0 0,1 1 0 0 0,-1 0 0 0 0,0-1 1 0 0,1 1-1 0 0,-1 0 0 0 0,0-1 0 0 0,1 1 1 0 0,5 3-4265 0 0,-3-7 2331 0 0</inkml:trace>
+</inkml:ink>
+</file>
+
+<file path=ppt/ink/ink25.xml><?xml version="1.0" encoding="utf-8"?>
+<inkml:ink xmlns:inkml="http://www.w3.org/2003/InkML">
+  <inkml:definitions>
+    <inkml:context xml:id="ctx0">
+      <inkml:inkSource xml:id="inkSrc0">
+        <inkml:traceFormat>
+          <inkml:channel name="X" type="integer" min="-2.14748E9" max="2.14748E9" units="cm"/>
+          <inkml:channel name="Y" type="integer" min="-2.14748E9" max="2.14748E9" units="cm"/>
+          <inkml:channel name="F" type="integer" max="32767" units="dev"/>
+          <inkml:channel name="OA" type="integer" max="360" units="deg"/>
+          <inkml:channel name="OE" type="integer" max="90" units="deg"/>
+        </inkml:traceFormat>
+        <inkml:channelProperties>
+          <inkml:channelProperty channel="X" name="resolution" value="1000" units="1/cm"/>
+          <inkml:channelProperty channel="Y" name="resolution" value="1000" units="1/cm"/>
+          <inkml:channelProperty channel="F" name="resolution" value="0" units="1/dev"/>
+          <inkml:channelProperty channel="OA" name="resolution" value="1000" units="1/deg"/>
+          <inkml:channelProperty channel="OE" name="resolution" value="1000" units="1/deg"/>
+        </inkml:channelProperties>
+      </inkml:inkSource>
+      <inkml:timestamp xml:id="ts0" timeString="2024-11-07T22:22:51.120"/>
+    </inkml:context>
+    <inkml:brush xml:id="br0">
+      <inkml:brushProperty name="width" value="0.05" units="cm"/>
+      <inkml:brushProperty name="height" value="0.05" units="cm"/>
+    </inkml:brush>
+  </inkml:definitions>
+  <inkml:trace contextRef="#ctx0" brushRef="#br0">28 0 12695 0 0,'0'0'978'0'0,"1"19"1484"0"0,16 41-3155 0 0,-9-36-316 0 0,-6-16-320 0 0,-6-23 200 0 0,3-6 992 0 0,1 21 185 0 0,-1-1-1 0 0,1 1 0 0 0,0 0 0 0 0,0-1 0 0 0,0 1 0 0 0,1-1 0 0 0,-1 1 0 0 0,0 0 0 0 0,0-1 1 0 0,0 1-1 0 0,0 0 0 0 0,0-1 0 0 0,0 1 0 0 0,0-1 0 0 0,1 1 0 0 0,-1 0 0 0 0,0-1 0 0 0,0 1 1 0 0,1 0-1 0 0,-1 0 0 0 0,0-1 0 0 0,0 1 0 0 0,1 0 0 0 0,-1-1 0 0 0,0 1 0 0 0,1 0 0 0 0,-1 0 1 0 0,0 0-1 0 0,1-1 0 0 0,-1 1 0 0 0,0 0 0 0 0,1 0 0 0 0,-1 0 0 0 0,1 0 0 0 0,1 0 28 0 0,0 1 0 0 0,0-1-1 0 0,1 1 1 0 0,-1 0 0 0 0,0-1-1 0 0,0 1 1 0 0,0 0 0 0 0,0 1-1 0 0,-1-1 1 0 0,1 0 0 0 0,0 0-1 0 0,0 1 1 0 0,-1-1-1 0 0,1 1 1 0 0,-1 0 0 0 0,1-1-1 0 0,-1 1 1 0 0,0 0 0 0 0,1 0-1 0 0,-1 0 1 0 0,1 2 0 0 0,-2-3-115 0 0,1 0 1 0 0,-1 0 0 0 0,1 0 0 0 0,-1-1-1 0 0,1 1 1 0 0,-1 0 0 0 0,0 0-1 0 0,1 0 1 0 0,-1 0 0 0 0,0 0-1 0 0,0 0 1 0 0,0 0 0 0 0,0 0 0 0 0,0 0-1 0 0,0 0 1 0 0,0 0 0 0 0,0 0-1 0 0,0 0 1 0 0,0 0 0 0 0,-1 0-1 0 0,1 0 1 0 0,0 0 0 0 0,-1 0 0 0 0,1 0-1 0 0,-1 0 1 0 0,1 0 0 0 0,-1 0-1 0 0,1 0 1 0 0,-1-1 0 0 0,1 1-1 0 0,-1 0 1 0 0,0 0 0 0 0,0-1 0 0 0,1 1-1 0 0,-1 0 1 0 0,0-1 0 0 0,0 1-1 0 0,0-1 1 0 0,0 1 0 0 0,0-1-1 0 0,1 0 1 0 0,-1 1 0 0 0,0-1-1 0 0,0 0 1 0 0,0 1 0 0 0,0-1 0 0 0,-1 0-1 0 0,-42 4-4338 0 0,12-3-3381 0 0,28-1 7124 0 0</inkml:trace>
+</inkml:ink>
+</file>
+
+<file path=ppt/ink/ink26.xml><?xml version="1.0" encoding="utf-8"?>
+<inkml:ink xmlns:inkml="http://www.w3.org/2003/InkML">
+  <inkml:definitions>
+    <inkml:context xml:id="ctx0">
+      <inkml:inkSource xml:id="inkSrc0">
+        <inkml:traceFormat>
+          <inkml:channel name="X" type="integer" min="-2.14748E9" max="2.14748E9" units="cm"/>
+          <inkml:channel name="Y" type="integer" min="-2.14748E9" max="2.14748E9" units="cm"/>
+          <inkml:channel name="F" type="integer" max="32767" units="dev"/>
+          <inkml:channel name="OA" type="integer" max="360" units="deg"/>
+          <inkml:channel name="OE" type="integer" max="90" units="deg"/>
+        </inkml:traceFormat>
+        <inkml:channelProperties>
+          <inkml:channelProperty channel="X" name="resolution" value="1000" units="1/cm"/>
+          <inkml:channelProperty channel="Y" name="resolution" value="1000" units="1/cm"/>
+          <inkml:channelProperty channel="F" name="resolution" value="0" units="1/dev"/>
+          <inkml:channelProperty channel="OA" name="resolution" value="1000" units="1/deg"/>
+          <inkml:channelProperty channel="OE" name="resolution" value="1000" units="1/deg"/>
+        </inkml:channelProperties>
+      </inkml:inkSource>
+      <inkml:timestamp xml:id="ts0" timeString="2024-11-07T22:22:51.588"/>
+    </inkml:context>
+    <inkml:brush xml:id="br0">
+      <inkml:brushProperty name="width" value="0.05" units="cm"/>
+      <inkml:brushProperty name="height" value="0.05" units="cm"/>
+    </inkml:brush>
+  </inkml:definitions>
+  <inkml:trace contextRef="#ctx0" brushRef="#br0">15 63 12583 0 0,'-15'-1'3944'0'0,"21"-1"-3823"0"0,0 1-1 0 0,0 0 1 0 0,-1 0 0 0 0,1 0-1 0 0,0 1 1 0 0,0 0 0 0 0,10 1-1 0 0,8 0 63 0 0,57-3-179 0 0,208-11-182 0 0,27-15-4033 0 0,-226 22 2182 0 0,-56 2 448 0 0,-22 2 579 0 0,0 1 1 0 0,23 0-1 0 0,-32 1 617 0 0,-2 0 96 0 0,0 0-1 0 0,0 0 1 0 0,0 0-1 0 0,1 0 1 0 0,-1 0-1 0 0,0 0 1 0 0,0 0-1 0 0,0 1 1 0 0,0-1-1 0 0,0 0 1 0 0,0 1 0 0 0,0-1-1 0 0,1 1 1 0 0,-1-1-1 0 0,0 1 1 0 0,-1 0-1 0 0,1-1 1 0 0,2 3-1 0 0</inkml:trace>
+</inkml:ink>
+</file>
+
+<file path=ppt/ink/ink27.xml><?xml version="1.0" encoding="utf-8"?>
+<inkml:ink xmlns:inkml="http://www.w3.org/2003/InkML">
+  <inkml:definitions>
+    <inkml:context xml:id="ctx0">
+      <inkml:inkSource xml:id="inkSrc0">
+        <inkml:traceFormat>
+          <inkml:channel name="X" type="integer" min="-2.14748E9" max="2.14748E9" units="cm"/>
+          <inkml:channel name="Y" type="integer" min="-2.14748E9" max="2.14748E9" units="cm"/>
+          <inkml:channel name="F" type="integer" max="32767" units="dev"/>
+          <inkml:channel name="OA" type="integer" max="360" units="deg"/>
+          <inkml:channel name="OE" type="integer" max="90" units="deg"/>
+        </inkml:traceFormat>
+        <inkml:channelProperties>
+          <inkml:channelProperty channel="X" name="resolution" value="1000" units="1/cm"/>
+          <inkml:channelProperty channel="Y" name="resolution" value="1000" units="1/cm"/>
+          <inkml:channelProperty channel="F" name="resolution" value="0" units="1/dev"/>
+          <inkml:channelProperty channel="OA" name="resolution" value="1000" units="1/deg"/>
+          <inkml:channelProperty channel="OE" name="resolution" value="1000" units="1/deg"/>
+        </inkml:channelProperties>
+      </inkml:inkSource>
+      <inkml:timestamp xml:id="ts0" timeString="2024-11-07T22:22:52.183"/>
+    </inkml:context>
+    <inkml:brush xml:id="br0">
+      <inkml:brushProperty name="width" value="0.05" units="cm"/>
+      <inkml:brushProperty name="height" value="0.05" units="cm"/>
+    </inkml:brush>
+  </inkml:definitions>
+  <inkml:trace contextRef="#ctx0" brushRef="#br0">0 39 7111 0 0,'6'-23'6492'0'0,"3"42"-4080"0"0,-3-1-1712 0 0,-3-11-737 0 0,-1 0-1 0 0,1 1 1 0 0,-2-1 0 0 0,1 1-1 0 0,1 15 1 0 0,-5-41-701 0 0,1 14 690 0 0,0 1 0 0 0,1-1 1 0 0,0 1-1 0 0,-1 0 0 0 0,1-1 1 0 0,1-5-1 0 0,0 5 99 0 0,0 0-1 0 0,0 0 1 0 0,0 0-1 0 0,1 1 0 0 0,0-1 1 0 0,-1 0-1 0 0,1 1 1 0 0,0-1-1 0 0,1 1 1 0 0,-1-1-1 0 0,1 1 0 0 0,-1 0 1 0 0,5-4-1 0 0,-6 6-26 0 0,1 0 0 0 0,0 0 0 0 0,-1 0 0 0 0,1 0 0 0 0,0 0 0 0 0,-1 0 0 0 0,1 0 0 0 0,0 1 0 0 0,0-1 0 0 0,0 0-1 0 0,0 1 1 0 0,0 0 0 0 0,0-1 0 0 0,0 1 0 0 0,0 0 0 0 0,0 0 0 0 0,0 0 0 0 0,0 0 0 0 0,0 1 0 0 0,-1-1 0 0 0,1 0 0 0 0,0 1 0 0 0,0-1 0 0 0,0 1 0 0 0,0 0-1 0 0,0 0 1 0 0,-1 0 0 0 0,4 1 0 0 0,-2 1 32 0 0,0-1-1 0 0,0 1 1 0 0,0 0 0 0 0,0 0-1 0 0,-1 0 1 0 0,1 0-1 0 0,-1 0 1 0 0,0 0-1 0 0,0 1 1 0 0,0-1 0 0 0,2 6-1 0 0,-3-6-42 0 0,0 0-1 0 0,0 0 1 0 0,0 0 0 0 0,0 0-1 0 0,0 0 1 0 0,-1 0 0 0 0,1 0-1 0 0,-1 0 1 0 0,0 0 0 0 0,0 0-1 0 0,0 0 1 0 0,0 0 0 0 0,-1 0-1 0 0,1 0 1 0 0,-2 5 0 0 0,2-8-111 0 0,-1 0 1 0 0,1 1 0 0 0,0-1 0 0 0,0 1 0 0 0,-1-1 0 0 0,1 0 0 0 0,0 1 0 0 0,-1-1 0 0 0,1 0 0 0 0,0 0 0 0 0,-1 1 0 0 0,1-1-1 0 0,0 0 1 0 0,-1 0 0 0 0,1 1 0 0 0,-1-1 0 0 0,1 0 0 0 0,0 0 0 0 0,-1 0 0 0 0,1 0 0 0 0,-1 1 0 0 0,1-1 0 0 0,-1 0 0 0 0,1 0-1 0 0,0 0 1 0 0,-1 0 0 0 0,1 0 0 0 0,-1 0 0 0 0,1 0 0 0 0,-1-1 0 0 0,1 1 0 0 0,-1 0 0 0 0,1 0 0 0 0,0 0 0 0 0,-1 0 0 0 0,1 0-1 0 0,-1-1 1 0 0,1 1 0 0 0,0 0 0 0 0,-1 0 0 0 0,1-1 0 0 0,0 1 0 0 0,-1-1 0 0 0,-1 0-1193 0 0,0 0 0 0 0,1 0 1 0 0,-1-1-1 0 0,1 1 0 0 0,-1-1 0 0 0,1 1 0 0 0,0-1 1 0 0,-2-2-1 0 0,0-2 48 0 0</inkml:trace>
+</inkml:ink>
+</file>
+
+<file path=ppt/ink/ink28.xml><?xml version="1.0" encoding="utf-8"?>
+<inkml:ink xmlns:inkml="http://www.w3.org/2003/InkML">
+  <inkml:definitions>
+    <inkml:context xml:id="ctx0">
+      <inkml:inkSource xml:id="inkSrc0">
+        <inkml:traceFormat>
+          <inkml:channel name="X" type="integer" min="-2.14748E9" max="2.14748E9" units="cm"/>
+          <inkml:channel name="Y" type="integer" min="-2.14748E9" max="2.14748E9" units="cm"/>
+          <inkml:channel name="F" type="integer" max="32767" units="dev"/>
+          <inkml:channel name="OA" type="integer" max="360" units="deg"/>
+          <inkml:channel name="OE" type="integer" max="90" units="deg"/>
+        </inkml:traceFormat>
+        <inkml:channelProperties>
+          <inkml:channelProperty channel="X" name="resolution" value="1000" units="1/cm"/>
+          <inkml:channelProperty channel="Y" name="resolution" value="1000" units="1/cm"/>
+          <inkml:channelProperty channel="F" name="resolution" value="0" units="1/dev"/>
+          <inkml:channelProperty channel="OA" name="resolution" value="1000" units="1/deg"/>
+          <inkml:channelProperty channel="OE" name="resolution" value="1000" units="1/deg"/>
+        </inkml:channelProperties>
+      </inkml:inkSource>
+      <inkml:timestamp xml:id="ts0" timeString="2024-11-07T22:21:06.587"/>
+    </inkml:context>
+    <inkml:brush xml:id="br0">
+      <inkml:brushProperty name="width" value="0.05" units="cm"/>
+      <inkml:brushProperty name="height" value="0.05" units="cm"/>
+    </inkml:brush>
+  </inkml:definitions>
+  <inkml:trace contextRef="#ctx0" brushRef="#br0">1 20 9647 0 0,'0'-1'105'0'0,"0"1"-1"0"0,1 0 1 0 0,-1-1 0 0 0,0 1-1 0 0,1 0 1 0 0,-1-1-1 0 0,0 1 1 0 0,0 0-1 0 0,1-1 1 0 0,-1 1-1 0 0,0 0 1 0 0,0-1-1 0 0,0 1 1 0 0,0-1 0 0 0,0 1-1 0 0,1 0 1 0 0,-1-1-1 0 0,0 1 1 0 0,0-1-1 0 0,0 1 1 0 0,0 0-1 0 0,0-1 1 0 0,0 1-1 0 0,0-1 1 0 0,0 1-1 0 0,-1-1 1 0 0,2-8 1919 0 0,-2 21 2277 0 0,7 14-3835 0 0,-1-5-224 0 0,13 70 54 0 0,-14-72-310 0 0,-2-11-13 0 0,0 0 1 0 0,0 0 0 0 0,-1 0-1 0 0,0 1 1 0 0,-1-1 0 0 0,0 0-1 0 0,-2 15 1 0 0,-4-27-385 0 0,3-6 271 0 0,0 1-1 0 0,1-1 0 0 0,0 0 1 0 0,0 1-1 0 0,0-17 1 0 0,1 9 59 0 0,0 5-124 0 0,1-1 0 0 0,1-16 0 0 0,-1 26 179 0 0,0-1 1 0 0,1 1-1 0 0,-1-1 1 0 0,1 0-1 0 0,0 1 1 0 0,0-1-1 0 0,0 1 1 0 0,1 0-1 0 0,-1-1 1 0 0,1 1-1 0 0,0 0 1 0 0,3-5 0 0 0,-4 7 38 0 0,0 0 1 0 0,0 0-1 0 0,0 1 1 0 0,0-1-1 0 0,0 0 1 0 0,0 0 0 0 0,0 0-1 0 0,1 1 1 0 0,-1-1-1 0 0,0 1 1 0 0,0-1 0 0 0,1 1-1 0 0,-1-1 1 0 0,0 1-1 0 0,0 0 1 0 0,1-1-1 0 0,-1 1 1 0 0,0 0 0 0 0,1 0-1 0 0,-1 0 1 0 0,2 0-1 0 0,-1 1 13 0 0,0-1-1 0 0,0 1 0 0 0,0 0 1 0 0,1 0-1 0 0,-1 0 0 0 0,-1 0 1 0 0,1 0-1 0 0,0 0 0 0 0,0 0 1 0 0,0 1-1 0 0,2 2 0 0 0,1 1 38 0 0,0 0 0 0 0,-1 1 0 0 0,0 0 0 0 0,0 0 0 0 0,0 0 0 0 0,-1 0 0 0 0,3 7 0 0 0,-1-1-25 0 0,1 5 23 0 0,7 24 0 0 0,-16-54-78 0 0,0 1 0 0 0,-1-24-1 0 0,3 33 18 0 0,1 0 1 0 0,0 0-1 0 0,0 0 0 0 0,0 0 0 0 0,1 0 0 0 0,-1 1 1 0 0,1-1-1 0 0,-1 0 0 0 0,1 0 0 0 0,0 0 0 0 0,0 0 1 0 0,0 1-1 0 0,1-1 0 0 0,-1 1 0 0 0,1-1 0 0 0,-1 1 1 0 0,1-1-1 0 0,0 1 0 0 0,2-3 0 0 0,-2 4 17 0 0,-1 0-1 0 0,1 0 0 0 0,0 0 1 0 0,-1 1-1 0 0,1-1 1 0 0,0 0-1 0 0,0 1 1 0 0,-1-1-1 0 0,1 1 0 0 0,0 0 1 0 0,0 0-1 0 0,0-1 1 0 0,0 1-1 0 0,-1 0 0 0 0,1 1 1 0 0,0-1-1 0 0,0 0 1 0 0,0 0-1 0 0,0 1 0 0 0,-1-1 1 0 0,1 1-1 0 0,0 0 1 0 0,0-1-1 0 0,-1 1 1 0 0,1 0-1 0 0,0 0 0 0 0,-1 0 1 0 0,2 2-1 0 0,1-1-9 0 0,0 1-1 0 0,-1 0 0 0 0,1 0 1 0 0,-1 0-1 0 0,0 0 1 0 0,0 1-1 0 0,0 0 1 0 0,-1-1-1 0 0,1 1 0 0 0,2 6 1 0 0,5 13 29 0 0,-5-13 10 0 0,0 1-1 0 0,-1-1 1 0 0,-1 1-1 0 0,0 0 1 0 0,4 21-1 0 0,-4 13 99 0 0,-3-46-411 0 0,0-1 0 0 0,-1 1 0 0 0,1 0 0 0 0,-1 0 0 0 0,1 0-1 0 0,0 0 1 0 0,-1 0 0 0 0,0 0 0 0 0,1 0 0 0 0,-1 1 0 0 0,0-1 0 0 0,1 0-1 0 0,-2-1 1 0 0,-7-10-2747 0 0,1-31-8202 0 0,8 29 10202 0 0</inkml:trace>
+</inkml:ink>
+</file>
+
+<file path=ppt/ink/ink29.xml><?xml version="1.0" encoding="utf-8"?>
+<inkml:ink xmlns:inkml="http://www.w3.org/2003/InkML">
+  <inkml:definitions>
+    <inkml:context xml:id="ctx0">
+      <inkml:inkSource xml:id="inkSrc0">
+        <inkml:traceFormat>
+          <inkml:channel name="X" type="integer" min="-2.14748E9" max="2.14748E9" units="cm"/>
+          <inkml:channel name="Y" type="integer" min="-2.14748E9" max="2.14748E9" units="cm"/>
+          <inkml:channel name="F" type="integer" max="32767" units="dev"/>
+          <inkml:channel name="OA" type="integer" max="360" units="deg"/>
+          <inkml:channel name="OE" type="integer" max="90" units="deg"/>
+        </inkml:traceFormat>
+        <inkml:channelProperties>
+          <inkml:channelProperty channel="X" name="resolution" value="1000" units="1/cm"/>
+          <inkml:channelProperty channel="Y" name="resolution" value="1000" units="1/cm"/>
+          <inkml:channelProperty channel="F" name="resolution" value="0" units="1/dev"/>
+          <inkml:channelProperty channel="OA" name="resolution" value="1000" units="1/deg"/>
+          <inkml:channelProperty channel="OE" name="resolution" value="1000" units="1/deg"/>
+        </inkml:channelProperties>
+      </inkml:inkSource>
+      <inkml:timestamp xml:id="ts0" timeString="2024-11-07T22:21:06.987"/>
+    </inkml:context>
+    <inkml:brush xml:id="br0">
+      <inkml:brushProperty name="width" value="0.05" units="cm"/>
+      <inkml:brushProperty name="height" value="0.05" units="cm"/>
+    </inkml:brush>
+  </inkml:definitions>
+  <inkml:trace contextRef="#ctx0" brushRef="#br0">0 1 13015 0 0,'0'0'999'0'0,"19"9"1004"0"0,-16-8-3025 0 0,6 1 2953 0 0</inkml:trace>
+</inkml:ink>
+</file>
+
+<file path=ppt/ink/ink3.xml><?xml version="1.0" encoding="utf-8"?>
+<inkml:ink xmlns:inkml="http://www.w3.org/2003/InkML">
+  <inkml:definitions>
+    <inkml:context xml:id="ctx0">
+      <inkml:inkSource xml:id="inkSrc0">
+        <inkml:traceFormat>
+          <inkml:channel name="X" type="integer" min="-2.14748E9" max="2.14748E9" units="cm"/>
+          <inkml:channel name="Y" type="integer" min="-2.14748E9" max="2.14748E9" units="cm"/>
+          <inkml:channel name="F" type="integer" max="32767" units="dev"/>
+          <inkml:channel name="OA" type="integer" max="360" units="deg"/>
+          <inkml:channel name="OE" type="integer" max="90" units="deg"/>
+        </inkml:traceFormat>
+        <inkml:channelProperties>
+          <inkml:channelProperty channel="X" name="resolution" value="1000" units="1/cm"/>
+          <inkml:channelProperty channel="Y" name="resolution" value="1000" units="1/cm"/>
+          <inkml:channelProperty channel="F" name="resolution" value="0" units="1/dev"/>
+          <inkml:channelProperty channel="OA" name="resolution" value="1000" units="1/deg"/>
+          <inkml:channelProperty channel="OE" name="resolution" value="1000" units="1/deg"/>
+        </inkml:channelProperties>
+      </inkml:inkSource>
+      <inkml:timestamp xml:id="ts0" timeString="2024-11-07T22:21:51.773"/>
+    </inkml:context>
+    <inkml:brush xml:id="br0">
+      <inkml:brushProperty name="width" value="0.05" units="cm"/>
+      <inkml:brushProperty name="height" value="0.05" units="cm"/>
+    </inkml:brush>
+  </inkml:definitions>
+  <inkml:trace contextRef="#ctx0" brushRef="#br0">55 352 7631 0 0,'2'5'575'0'0,"0"0"0"0"0,0 0 0 0 0,0 1 0 0 0,-1-1 1 0 0,0 0-1 0 0,0 1 0 0 0,0 6 0 0 0,0 0 1091 0 0,-1-12-1619 0 0,0 0-1 0 0,0 0 1 0 0,0 0-1 0 0,1 1 1 0 0,-1-1 0 0 0,0 0-1 0 0,0 0 1 0 0,0 0-1 0 0,0 0 1 0 0,0 0 0 0 0,0 0-1 0 0,0 1 1 0 0,0-1-1 0 0,0 0 1 0 0,0 0-1 0 0,0 0 1 0 0,0 0 0 0 0,0 0-1 0 0,0 0 1 0 0,0 1-1 0 0,0-1 1 0 0,0 0 0 0 0,0 0-1 0 0,0 0 1 0 0,0 0-1 0 0,0 0 1 0 0,0 0 0 0 0,0 0-1 0 0,-1 1 1 0 0,1-1-1 0 0,0 0 1 0 0,0 0 0 0 0,0 0-1 0 0,0 0 1 0 0,0 0-1 0 0,0 0 1 0 0,0 0 0 0 0,0 0-1 0 0,0 0 1 0 0,-1 1-1 0 0,1-1 1 0 0,0 0 0 0 0,0 0-1 0 0,0 0 1 0 0,-5-5 622 0 0,-5-10-360 0 0,0-9-169 0 0,1-1 1 0 0,0-1 0 0 0,2 1 0 0 0,1-1 0 0 0,-3-31 0 0 0,8 45-86 0 0,0 0-1 0 0,1 0 1 0 0,0 0 0 0 0,1 0-1 0 0,1-1 1 0 0,0 2 0 0 0,0-1-1 0 0,1 0 1 0 0,0 0 0 0 0,1 1-1 0 0,1 0 1 0 0,0 0 0 0 0,10-18-1 0 0,-13 26-112 0 0,1 0 0 0 0,-1 0 0 0 0,1 1 0 0 0,-1-1 0 0 0,1 0 0 0 0,0 1 0 0 0,0 0 0 0 0,1 0 0 0 0,4-3 0 0 0,-7 4 41 0 0,0 1 0 0 0,0-1 1 0 0,0 1-1 0 0,0-1 0 0 0,0 1 0 0 0,0 0 1 0 0,0-1-1 0 0,0 1 0 0 0,0 0 1 0 0,0 0-1 0 0,1 0 0 0 0,-1 0 0 0 0,0 0 1 0 0,0 0-1 0 0,0 0 0 0 0,0 0 0 0 0,0 0 1 0 0,0 1-1 0 0,0-1 0 0 0,0 0 1 0 0,1 1-1 0 0,-1-1 0 0 0,0 1 0 0 0,0-1 1 0 0,0 1-1 0 0,-1-1 0 0 0,1 1 0 0 0,0 0 1 0 0,0-1-1 0 0,0 1 0 0 0,0 0 0 0 0,0 0 1 0 0,-1 0-1 0 0,1 0 0 0 0,1 1 1 0 0,-2 0-23 0 0,1 0 0 0 0,-1 0 1 0 0,1 0-1 0 0,-1 0 1 0 0,0 0-1 0 0,1 0 0 0 0,-1 0 1 0 0,0 0-1 0 0,0 0 1 0 0,-1 0-1 0 0,1 0 0 0 0,0 0 1 0 0,-1 0-1 0 0,1 0 1 0 0,-2 4-1 0 0,-13 28-1094 0 0,-14 12 227 0 0,25-41 906 0 0,1 0 0 0 0,-1 0 1 0 0,0-1-1 0 0,-1 0 0 0 0,1 1 1 0 0,-10 5-1 0 0,22-30-14219 0 0</inkml:trace>
+</inkml:ink>
+</file>
+
+<file path=ppt/ink/ink30.xml><?xml version="1.0" encoding="utf-8"?>
+<inkml:ink xmlns:inkml="http://www.w3.org/2003/InkML">
+  <inkml:definitions>
+    <inkml:context xml:id="ctx0">
+      <inkml:inkSource xml:id="inkSrc0">
+        <inkml:traceFormat>
+          <inkml:channel name="X" type="integer" min="-2.14748E9" max="2.14748E9" units="cm"/>
+          <inkml:channel name="Y" type="integer" min="-2.14748E9" max="2.14748E9" units="cm"/>
+          <inkml:channel name="F" type="integer" max="32767" units="dev"/>
+          <inkml:channel name="OA" type="integer" max="360" units="deg"/>
+          <inkml:channel name="OE" type="integer" max="90" units="deg"/>
+        </inkml:traceFormat>
+        <inkml:channelProperties>
+          <inkml:channelProperty channel="X" name="resolution" value="1000" units="1/cm"/>
+          <inkml:channelProperty channel="Y" name="resolution" value="1000" units="1/cm"/>
+          <inkml:channelProperty channel="F" name="resolution" value="0" units="1/dev"/>
+          <inkml:channelProperty channel="OA" name="resolution" value="1000" units="1/deg"/>
+          <inkml:channelProperty channel="OE" name="resolution" value="1000" units="1/deg"/>
+        </inkml:channelProperties>
+      </inkml:inkSource>
+      <inkml:timestamp xml:id="ts0" timeString="2024-11-07T22:21:07.333"/>
+    </inkml:context>
+    <inkml:brush xml:id="br0">
+      <inkml:brushProperty name="width" value="0.05" units="cm"/>
+      <inkml:brushProperty name="height" value="0.05" units="cm"/>
+    </inkml:brush>
+  </inkml:definitions>
+  <inkml:trace contextRef="#ctx0" brushRef="#br0">0 0 11287 0 0,'0'0'867'0'0,"17"1"364"0"0,27 1 585 0 0,-22-2-3655 0 0,0 1-6688 0 0,-21 6 4171 0 0</inkml:trace>
+</inkml:ink>
+</file>
+
+<file path=ppt/ink/ink31.xml><?xml version="1.0" encoding="utf-8"?>
+<inkml:ink xmlns:inkml="http://www.w3.org/2003/InkML">
+  <inkml:definitions>
+    <inkml:context xml:id="ctx0">
+      <inkml:inkSource xml:id="inkSrc0">
+        <inkml:traceFormat>
+          <inkml:channel name="X" type="integer" min="-2.14748E9" max="2.14748E9" units="cm"/>
+          <inkml:channel name="Y" type="integer" min="-2.14748E9" max="2.14748E9" units="cm"/>
+          <inkml:channel name="F" type="integer" max="32767" units="dev"/>
+          <inkml:channel name="OA" type="integer" max="360" units="deg"/>
+          <inkml:channel name="OE" type="integer" max="90" units="deg"/>
+        </inkml:traceFormat>
+        <inkml:channelProperties>
+          <inkml:channelProperty channel="X" name="resolution" value="1000" units="1/cm"/>
+          <inkml:channelProperty channel="Y" name="resolution" value="1000" units="1/cm"/>
+          <inkml:channelProperty channel="F" name="resolution" value="0" units="1/dev"/>
+          <inkml:channelProperty channel="OA" name="resolution" value="1000" units="1/deg"/>
+          <inkml:channelProperty channel="OE" name="resolution" value="1000" units="1/deg"/>
+        </inkml:channelProperties>
+      </inkml:inkSource>
+      <inkml:timestamp xml:id="ts0" timeString="2024-11-07T22:21:07.712"/>
+    </inkml:context>
+    <inkml:brush xml:id="br0">
+      <inkml:brushProperty name="width" value="0.05" units="cm"/>
+      <inkml:brushProperty name="height" value="0.05" units="cm"/>
+    </inkml:brush>
+  </inkml:definitions>
+  <inkml:trace contextRef="#ctx0" brushRef="#br0">0 4 6159 0 0,'0'0'472'0'0,"3"9"660"0"0,1 0 3827 0 0,-3-9-4741 0 0,0 1 1 0 0,0-1-1 0 0,0 0 1 0 0,0 1-1 0 0,0-1 1 0 0,0 0-1 0 0,0 0 1 0 0,0 0-1 0 0,0 0 0 0 0,0 0 1 0 0,0 0-1 0 0,1 0 1 0 0,22-4-1172 0 0,0-2-2119 0 0,13-4-7015 0 0,-28 7 9156 0 0</inkml:trace>
+</inkml:ink>
+</file>
+
+<file path=ppt/ink/ink32.xml><?xml version="1.0" encoding="utf-8"?>
+<inkml:ink xmlns:inkml="http://www.w3.org/2003/InkML">
+  <inkml:definitions>
+    <inkml:context xml:id="ctx0">
+      <inkml:inkSource xml:id="inkSrc0">
+        <inkml:traceFormat>
+          <inkml:channel name="X" type="integer" min="-2.14748E9" max="2.14748E9" units="cm"/>
+          <inkml:channel name="Y" type="integer" min="-2.14748E9" max="2.14748E9" units="cm"/>
+          <inkml:channel name="F" type="integer" max="32767" units="dev"/>
+          <inkml:channel name="OA" type="integer" max="360" units="deg"/>
+          <inkml:channel name="OE" type="integer" max="90" units="deg"/>
+        </inkml:traceFormat>
+        <inkml:channelProperties>
+          <inkml:channelProperty channel="X" name="resolution" value="1000" units="1/cm"/>
+          <inkml:channelProperty channel="Y" name="resolution" value="1000" units="1/cm"/>
+          <inkml:channelProperty channel="F" name="resolution" value="0" units="1/dev"/>
+          <inkml:channelProperty channel="OA" name="resolution" value="1000" units="1/deg"/>
+          <inkml:channelProperty channel="OE" name="resolution" value="1000" units="1/deg"/>
+        </inkml:channelProperties>
+      </inkml:inkSource>
+      <inkml:timestamp xml:id="ts0" timeString="2024-11-07T22:21:08.908"/>
+    </inkml:context>
+    <inkml:brush xml:id="br0">
+      <inkml:brushProperty name="width" value="0.05" units="cm"/>
+      <inkml:brushProperty name="height" value="0.05" units="cm"/>
+    </inkml:brush>
+  </inkml:definitions>
+  <inkml:trace contextRef="#ctx0" brushRef="#br0">32 19 11831 0 0,'0'0'3474'0'0,"2"17"-1373"0"0,-7 71-1084 0 0,3-66-1006 0 0,-2 17 32 0 0,-7 24-33 0 0,7-50-20 0 0,1 0-1 0 0,-1 14 0 0 0,4-32-604 0 0,-1 1-1 0 0,1-1 1 0 0,0 1-1 0 0,1-7 1 0 0,12-55-941 0 0,-9 39 1162 0 0,2 0 1 0 0,10-30 0 0 0,-10 39 928 0 0,10-23 782 0 0,-14 37-1182 0 0,-1 1-1 0 0,1 0 1 0 0,0-1 0 0 0,1 1-1 0 0,-1 0 1 0 0,0 0 0 0 0,1 0-1 0 0,5-4 1 0 0,-7 7-142 0 0,-1-1-1 0 0,1 1 1 0 0,-1 0-1 0 0,1-1 1 0 0,-1 1-1 0 0,1 0 1 0 0,0 0 0 0 0,-1-1-1 0 0,1 1 1 0 0,0 0-1 0 0,-1 0 1 0 0,1 0-1 0 0,-1 0 1 0 0,1 0 0 0 0,0 0-1 0 0,-1 0 1 0 0,1 0-1 0 0,0 0 1 0 0,-1 0 0 0 0,1 1-1 0 0,-1-1 1 0 0,1 0-1 0 0,0 0 1 0 0,-1 1-1 0 0,1-1 1 0 0,-1 0 0 0 0,1 0-1 0 0,-1 1 1 0 0,1-1-1 0 0,-1 1 1 0 0,1-1-1 0 0,-1 1 1 0 0,1-1 0 0 0,-1 0-1 0 0,0 1 1 0 0,1-1-1 0 0,-1 1 1 0 0,1 0 0 0 0,-1-1-1 0 0,0 1 1 0 0,1 0-1 0 0,2 5-98 0 0,-1-1 0 0 0,1 1-1 0 0,1 8 1 0 0,-2-10 171 0 0,27 113 2061 0 0,-6-18-1339 0 0,-22-97-899 0 0,0 0-1 0 0,-1 1 1 0 0,1-1-1 0 0,-1 1 1 0 0,0-1 0 0 0,0 1-1 0 0,0-1 1 0 0,0 1-1 0 0,0-1 1 0 0,0 1-1 0 0,-1 2 1 0 0,-14-11-6457 0 0,8 2 4323 0 0,0 0 1 0 0,0-1 0 0 0,-10-9-1 0 0,8 7 1662 0 0</inkml:trace>
+</inkml:ink>
+</file>
+
+<file path=ppt/ink/ink33.xml><?xml version="1.0" encoding="utf-8"?>
+<inkml:ink xmlns:inkml="http://www.w3.org/2003/InkML">
+  <inkml:definitions>
+    <inkml:context xml:id="ctx0">
+      <inkml:inkSource xml:id="inkSrc0">
+        <inkml:traceFormat>
+          <inkml:channel name="X" type="integer" min="-2.14748E9" max="2.14748E9" units="cm"/>
+          <inkml:channel name="Y" type="integer" min="-2.14748E9" max="2.14748E9" units="cm"/>
+          <inkml:channel name="F" type="integer" max="32767" units="dev"/>
+          <inkml:channel name="OA" type="integer" max="360" units="deg"/>
+          <inkml:channel name="OE" type="integer" max="90" units="deg"/>
+        </inkml:traceFormat>
+        <inkml:channelProperties>
+          <inkml:channelProperty channel="X" name="resolution" value="1000" units="1/cm"/>
+          <inkml:channelProperty channel="Y" name="resolution" value="1000" units="1/cm"/>
+          <inkml:channelProperty channel="F" name="resolution" value="0" units="1/dev"/>
+          <inkml:channelProperty channel="OA" name="resolution" value="1000" units="1/deg"/>
+          <inkml:channelProperty channel="OE" name="resolution" value="1000" units="1/deg"/>
+        </inkml:channelProperties>
+      </inkml:inkSource>
+      <inkml:timestamp xml:id="ts0" timeString="2024-11-07T22:21:09.260"/>
+    </inkml:context>
+    <inkml:brush xml:id="br0">
+      <inkml:brushProperty name="width" value="0.05" units="cm"/>
+      <inkml:brushProperty name="height" value="0.05" units="cm"/>
+    </inkml:brush>
+  </inkml:definitions>
+  <inkml:trace contextRef="#ctx0" brushRef="#br0">0 1 13903 0 0,'0'0'1488'0'0,"1"2"-1488"0"0,4-1 0 0 0,3 1 128 0 0,-1 0-16 0 0,-1 0-8 0 0,1-1 0 0 0,3-1-360 0 0,-2 0-80 0 0,-2 0-16 0 0,1 0 0 0 0,1-2-2528 0 0,-1 1-512 0 0,-2 0-104 0 0,2 0-24 0 0,0-1 2816 0 0</inkml:trace>
+</inkml:ink>
+</file>
+
+<file path=ppt/ink/ink34.xml><?xml version="1.0" encoding="utf-8"?>
+<inkml:ink xmlns:inkml="http://www.w3.org/2003/InkML">
+  <inkml:definitions>
+    <inkml:context xml:id="ctx0">
+      <inkml:inkSource xml:id="inkSrc0">
+        <inkml:traceFormat>
+          <inkml:channel name="X" type="integer" min="-2.14748E9" max="2.14748E9" units="cm"/>
+          <inkml:channel name="Y" type="integer" min="-2.14748E9" max="2.14748E9" units="cm"/>
+          <inkml:channel name="F" type="integer" max="32767" units="dev"/>
+          <inkml:channel name="OA" type="integer" max="360" units="deg"/>
+          <inkml:channel name="OE" type="integer" max="90" units="deg"/>
+        </inkml:traceFormat>
+        <inkml:channelProperties>
+          <inkml:channelProperty channel="X" name="resolution" value="1000" units="1/cm"/>
+          <inkml:channelProperty channel="Y" name="resolution" value="1000" units="1/cm"/>
+          <inkml:channelProperty channel="F" name="resolution" value="0" units="1/dev"/>
+          <inkml:channelProperty channel="OA" name="resolution" value="1000" units="1/deg"/>
+          <inkml:channelProperty channel="OE" name="resolution" value="1000" units="1/deg"/>
+        </inkml:channelProperties>
+      </inkml:inkSource>
+      <inkml:timestamp xml:id="ts0" timeString="2024-11-07T22:21:09.899"/>
+    </inkml:context>
+    <inkml:brush xml:id="br0">
+      <inkml:brushProperty name="width" value="0.05" units="cm"/>
+      <inkml:brushProperty name="height" value="0.05" units="cm"/>
+    </inkml:brush>
+  </inkml:definitions>
+  <inkml:trace contextRef="#ctx0" brushRef="#br0">1 22 7687 0 0,'0'0'6644'0'0,"18"-6"-5186"0"0,-7 3-1254 0 0,0 1 1 0 0,12-1 0 0 0,19-4-2165 0 0</inkml:trace>
+</inkml:ink>
+</file>
+
+<file path=ppt/ink/ink35.xml><?xml version="1.0" encoding="utf-8"?>
+<inkml:ink xmlns:inkml="http://www.w3.org/2003/InkML">
+  <inkml:definitions>
+    <inkml:context xml:id="ctx0">
+      <inkml:inkSource xml:id="inkSrc0">
+        <inkml:traceFormat>
+          <inkml:channel name="X" type="integer" min="-2.14748E9" max="2.14748E9" units="cm"/>
+          <inkml:channel name="Y" type="integer" min="-2.14748E9" max="2.14748E9" units="cm"/>
+          <inkml:channel name="F" type="integer" max="32767" units="dev"/>
+          <inkml:channel name="OA" type="integer" max="360" units="deg"/>
+          <inkml:channel name="OE" type="integer" max="90" units="deg"/>
+        </inkml:traceFormat>
+        <inkml:channelProperties>
+          <inkml:channelProperty channel="X" name="resolution" value="1000" units="1/cm"/>
+          <inkml:channelProperty channel="Y" name="resolution" value="1000" units="1/cm"/>
+          <inkml:channelProperty channel="F" name="resolution" value="0" units="1/dev"/>
+          <inkml:channelProperty channel="OA" name="resolution" value="1000" units="1/deg"/>
+          <inkml:channelProperty channel="OE" name="resolution" value="1000" units="1/deg"/>
+        </inkml:channelProperties>
+      </inkml:inkSource>
+      <inkml:timestamp xml:id="ts0" timeString="2024-11-07T22:21:10.301"/>
+    </inkml:context>
+    <inkml:brush xml:id="br0">
+      <inkml:brushProperty name="width" value="0.05" units="cm"/>
+      <inkml:brushProperty name="height" value="0.05" units="cm"/>
+    </inkml:brush>
+  </inkml:definitions>
+  <inkml:trace contextRef="#ctx0" brushRef="#br0">0 0 13103 0 0,'0'0'2451'0'0,"15"9"-935"0"0,-7-6-1722 0 0,0-1 1 0 0,0 0-1 0 0,1-1 1 0 0,-1 1-1 0 0,15-1 1 0 0,-1-2-3239 0 0,-2-3-4146 0 0,-12 2 4524 0 0,-2-1 1888 0 0</inkml:trace>
+</inkml:ink>
+</file>
+
+<file path=ppt/ink/ink36.xml><?xml version="1.0" encoding="utf-8"?>
+<inkml:ink xmlns:inkml="http://www.w3.org/2003/InkML">
+  <inkml:definitions>
+    <inkml:context xml:id="ctx0">
+      <inkml:inkSource xml:id="inkSrc0">
+        <inkml:traceFormat>
+          <inkml:channel name="X" type="integer" min="-2.14748E9" max="2.14748E9" units="cm"/>
+          <inkml:channel name="Y" type="integer" min="-2.14748E9" max="2.14748E9" units="cm"/>
+          <inkml:channel name="F" type="integer" max="32767" units="dev"/>
+          <inkml:channel name="OA" type="integer" max="360" units="deg"/>
+          <inkml:channel name="OE" type="integer" max="90" units="deg"/>
+        </inkml:traceFormat>
+        <inkml:channelProperties>
+          <inkml:channelProperty channel="X" name="resolution" value="1000" units="1/cm"/>
+          <inkml:channelProperty channel="Y" name="resolution" value="1000" units="1/cm"/>
+          <inkml:channelProperty channel="F" name="resolution" value="0" units="1/dev"/>
+          <inkml:channelProperty channel="OA" name="resolution" value="1000" units="1/deg"/>
+          <inkml:channelProperty channel="OE" name="resolution" value="1000" units="1/deg"/>
+        </inkml:channelProperties>
+      </inkml:inkSource>
+      <inkml:timestamp xml:id="ts0" timeString="2024-11-07T22:21:10.768"/>
+    </inkml:context>
+    <inkml:brush xml:id="br0">
+      <inkml:brushProperty name="width" value="0.05" units="cm"/>
+      <inkml:brushProperty name="height" value="0.05" units="cm"/>
+    </inkml:brush>
+  </inkml:definitions>
+  <inkml:trace contextRef="#ctx0" brushRef="#br0">65 414 6103 0 0,'1'2'110'0'0,"0"-1"1"0"0,0 1-1 0 0,0-1 0 0 0,0 1 0 0 0,0 0 0 0 0,-1-1 0 0 0,1 1 0 0 0,0 0 0 0 0,-1 0 0 0 0,1 0 0 0 0,-1-1 0 0 0,0 3 0 0 0,2 13 7229 0 0,-9-22-6007 0 0,-19-85 272 0 0,17 62-1501 0 0,-11-52 0 0 0,19 74-62 0 0,-11-100 425 0 0,12 96-414 0 0,0-1 0 0 0,0 1 0 0 0,1 0 0 0 0,1-1 0 0 0,-1 1 0 0 0,2 0 0 0 0,-1 0 0 0 0,6-12 0 0 0,-6 18 10 0 0,0 1-1 0 0,0-1 1 0 0,0 0 0 0 0,0 1-1 0 0,6-7 1 0 0,-8 10-91 0 0,1-1 0 0 0,0 0 0 0 0,-1 1 0 0 0,1-1 0 0 0,-1 1 0 0 0,1-1 0 0 0,0 1 0 0 0,-1-1 0 0 0,1 1 0 0 0,0-1 0 0 0,0 1 0 0 0,-1 0 0 0 0,1-1 0 0 0,0 1 0 0 0,0 0 0 0 0,0 0 0 0 0,-1 0 0 0 0,1 0 0 0 0,0 0-1 0 0,0 0 1 0 0,0 0 0 0 0,0 0 0 0 0,-1 0 0 0 0,1 0 0 0 0,0 0 0 0 0,0 0 0 0 0,0 0 0 0 0,-1 1 0 0 0,1-1 0 0 0,0 0 0 0 0,0 1 0 0 0,-1-1 0 0 0,1 0 0 0 0,0 1 0 0 0,1 0 0 0 0,-1 1 3 0 0,1-1 0 0 0,-1 1 0 0 0,1 0 1 0 0,-1 0-1 0 0,1 0 0 0 0,-1 0 0 0 0,0 0 0 0 0,0 0 0 0 0,0 0 0 0 0,0 0 0 0 0,-1 1 0 0 0,1-1 0 0 0,0 0 0 0 0,-1 0 0 0 0,0 1 0 0 0,1-1 0 0 0,-1 0 1 0 0,0 1-1 0 0,0-1 0 0 0,0 1 0 0 0,-1-1 0 0 0,1 0 0 0 0,0 0 0 0 0,-1 1 0 0 0,0-1 0 0 0,1 0 0 0 0,-1 0 0 0 0,-1 3 0 0 0,-1 0-93 0 0,1 1-1 0 0,-1-1 0 0 0,0 1 1 0 0,0-1-1 0 0,-1 0 1 0 0,1-1-1 0 0,-1 1 0 0 0,0 0 1 0 0,-9 6-1 0 0,12-10-110 0 0,-4-5-2670 0 0,2-12-9794 0 0</inkml:trace>
+</inkml:ink>
+</file>
+
+<file path=ppt/ink/ink37.xml><?xml version="1.0" encoding="utf-8"?>
+<inkml:ink xmlns:inkml="http://www.w3.org/2003/InkML">
+  <inkml:definitions>
+    <inkml:context xml:id="ctx0">
+      <inkml:inkSource xml:id="inkSrc0">
+        <inkml:traceFormat>
+          <inkml:channel name="X" type="integer" min="-2.14748E9" max="2.14748E9" units="cm"/>
+          <inkml:channel name="Y" type="integer" min="-2.14748E9" max="2.14748E9" units="cm"/>
+          <inkml:channel name="F" type="integer" max="32767" units="dev"/>
+          <inkml:channel name="OA" type="integer" max="360" units="deg"/>
+          <inkml:channel name="OE" type="integer" max="90" units="deg"/>
+        </inkml:traceFormat>
+        <inkml:channelProperties>
+          <inkml:channelProperty channel="X" name="resolution" value="1000" units="1/cm"/>
+          <inkml:channelProperty channel="Y" name="resolution" value="1000" units="1/cm"/>
+          <inkml:channelProperty channel="F" name="resolution" value="0" units="1/dev"/>
+          <inkml:channelProperty channel="OA" name="resolution" value="1000" units="1/deg"/>
+          <inkml:channelProperty channel="OE" name="resolution" value="1000" units="1/deg"/>
+        </inkml:channelProperties>
+      </inkml:inkSource>
+      <inkml:timestamp xml:id="ts0" timeString="2024-11-07T22:21:15.924"/>
+    </inkml:context>
+    <inkml:brush xml:id="br0">
+      <inkml:brushProperty name="width" value="0.05" units="cm"/>
+      <inkml:brushProperty name="height" value="0.05" units="cm"/>
+    </inkml:brush>
+  </inkml:definitions>
+  <inkml:trace contextRef="#ctx0" brushRef="#br0">44 39 7567 0 0,'0'0'583'0'0,"9"-10"4434"0"0,-9 9-4912 0 0,0 0 0 0 0,0 0 0 0 0,0 0 0 0 0,0 1 0 0 0,0-1 0 0 0,0 0 0 0 0,0 0 0 0 0,0 0 0 0 0,0 0 0 0 0,0 0 0 0 0,0 1 0 0 0,-1-1 0 0 0,1 0 0 0 0,0 0 0 0 0,-1 0 0 0 0,1 1 0 0 0,0-1 0 0 0,-1 0 0 0 0,1 0 0 0 0,-1 1 0 0 0,1-1 0 0 0,-1 0 0 0 0,0 1 0 0 0,1-1 0 0 0,-1 1 0 0 0,0-1 0 0 0,0 0 0 0 0,0 0-29 0 0,0 1 1 0 0,0-1-1 0 0,0 0 1 0 0,1 1-1 0 0,-1-1 0 0 0,0 1 1 0 0,0-1-1 0 0,0 1 1 0 0,0-1-1 0 0,0 1 0 0 0,0 0 1 0 0,0 0-1 0 0,-1-1 1 0 0,1 1-1 0 0,0 0 1 0 0,0 0-1 0 0,0 0 0 0 0,0 0 1 0 0,0 0-1 0 0,0 0 1 0 0,0 1-1 0 0,-2-1 1 0 0,1 2-50 0 0,1 0 0 0 0,0-1 0 0 0,0 1 0 0 0,-1 0 0 0 0,1 0 0 0 0,0-1 0 0 0,0 1 0 0 0,1 0 0 0 0,-1 0 0 0 0,0 0 0 0 0,1 0 0 0 0,-1 0 1 0 0,1 0-1 0 0,0 1 0 0 0,-1 2 0 0 0,0 2-148 0 0,0-1 108 0 0,0-1 0 0 0,0 1 0 0 0,1 0 1 0 0,0-1-1 0 0,0 1 0 0 0,1 6 0 0 0,-1-9-10 0 0,1 0-1 0 0,-1 0 1 0 0,1 0 0 0 0,0 0-1 0 0,0 0 1 0 0,0 0 0 0 0,0 0-1 0 0,1-1 1 0 0,-1 1-1 0 0,1 0 1 0 0,0-1 0 0 0,3 5-1 0 0,-5-7 11 0 0,1 1 0 0 0,-1-1 0 0 0,0 0 1 0 0,1 1-1 0 0,-1-1 0 0 0,1 0 0 0 0,-1 1 0 0 0,1-1 0 0 0,-1 0 0 0 0,1 0 0 0 0,-1 1 0 0 0,1-1 0 0 0,-1 0 0 0 0,1 0 1 0 0,-1 0-1 0 0,1 0 0 0 0,-1 0 0 0 0,1 0 0 0 0,0 0 0 0 0,-1 0 0 0 0,1 0 0 0 0,-1 0 0 0 0,1 0 0 0 0,-1 0 0 0 0,1 0 0 0 0,1-1-47 0 0,-1 0-1 0 0,0 1 1 0 0,0-1-1 0 0,0 0 1 0 0,1 1-1 0 0,-1-1 1 0 0,0 0-1 0 0,0 0 1 0 0,0 0-1 0 0,0-1 0 0 0,2-2-240 0 0,0 0 0 0 0,0-1 0 0 0,0 1 0 0 0,2-7-1 0 0,-4 7 162 0 0,1 1-1 0 0,-1 0 1 0 0,-1-1-1 0 0,1 1 1 0 0,0 0-1 0 0,-1-1 1 0 0,1-5-1 0 0,-2 9 63 0 0,3 3 154 0 0,-1 0-1 0 0,0 0 1 0 0,0 1 0 0 0,-1-1 0 0 0,1 6 0 0 0,0-5-85 0 0,-1-3-107 0 0,0-1 0 0 0,0 1 0 0 0,0-1 0 0 0,0 0 0 0 0,0 1 0 0 0,0-1 0 0 0,0 1 0 0 0,0-1 0 0 0,0 1 0 0 0,1-1 0 0 0,-1 1 0 0 0,0-1 0 0 0,0 1 0 0 0,0-1 0 0 0,1 0 0 0 0,-1 1 0 0 0,0-1 0 0 0,1 1 0 0 0,-1-1 0 0 0,1 1 0 0 0,9-21-11974 0 0,-8 13 12763 0 0,0 0-924 0 0</inkml:trace>
+</inkml:ink>
+</file>
+
+<file path=ppt/ink/ink38.xml><?xml version="1.0" encoding="utf-8"?>
+<inkml:ink xmlns:inkml="http://www.w3.org/2003/InkML">
+  <inkml:definitions>
+    <inkml:context xml:id="ctx0">
+      <inkml:inkSource xml:id="inkSrc0">
+        <inkml:traceFormat>
+          <inkml:channel name="X" type="integer" min="-2.14748E9" max="2.14748E9" units="cm"/>
+          <inkml:channel name="Y" type="integer" min="-2.14748E9" max="2.14748E9" units="cm"/>
+          <inkml:channel name="F" type="integer" max="32767" units="dev"/>
+          <inkml:channel name="OA" type="integer" max="360" units="deg"/>
+          <inkml:channel name="OE" type="integer" max="90" units="deg"/>
+        </inkml:traceFormat>
+        <inkml:channelProperties>
+          <inkml:channelProperty channel="X" name="resolution" value="1000" units="1/cm"/>
+          <inkml:channelProperty channel="Y" name="resolution" value="1000" units="1/cm"/>
+          <inkml:channelProperty channel="F" name="resolution" value="0" units="1/dev"/>
+          <inkml:channelProperty channel="OA" name="resolution" value="1000" units="1/deg"/>
+          <inkml:channelProperty channel="OE" name="resolution" value="1000" units="1/deg"/>
+        </inkml:channelProperties>
+      </inkml:inkSource>
+      <inkml:timestamp xml:id="ts0" timeString="2024-11-07T22:21:16.298"/>
+    </inkml:context>
+    <inkml:brush xml:id="br0">
+      <inkml:brushProperty name="width" value="0.05" units="cm"/>
+      <inkml:brushProperty name="height" value="0.05" units="cm"/>
+    </inkml:brush>
+  </inkml:definitions>
+  <inkml:trace contextRef="#ctx0" brushRef="#br0">1 13 10567 0 0,'0'0'812'0'0,"9"15"1652"0"0,-1-1-1515 0 0,9 22 0 0 0,-4-9-787 0 0,-12-23-162 0 0,0-3 0 0 0,-1-1 0 0 0,0 1 0 0 0,0 0 0 0 0,0-1 0 0 0,1 1 0 0 0,-1 0 0 0 0,0-1 0 0 0,1 1 0 0 0,-1-1 0 0 0,1 1 0 0 0,-1 0 0 0 0,0-1 0 0 0,1 1 0 0 0,-1-1 0 0 0,1 1 0 0 0,0-1 0 0 0,-1 0 0 0 0,1 1 0 0 0,-1-1 0 0 0,1 0 0 0 0,1 1 0 0 0,-2-1-12 0 0,0 0 0 0 0,1 0 0 0 0,-1 0 0 0 0,1 0 0 0 0,-1 0 0 0 0,0-1 0 0 0,1 1 0 0 0,-1 0 0 0 0,1 0 0 0 0,-1-1 0 0 0,0 1-1 0 0,1 0 1 0 0,-1 0 0 0 0,0-1 0 0 0,1 1 0 0 0,-1 0 0 0 0,0-1 0 0 0,0 1 0 0 0,1 0 0 0 0,-1-1 0 0 0,0 1 0 0 0,0-1 0 0 0,0 1 0 0 0,0 0 0 0 0,1-1 0 0 0,-1 1 0 0 0,0-1-1 0 0,0 1 1 0 0,0 0 0 0 0,0-1 0 0 0,0 1 0 0 0,0-1 0 0 0,0 1 0 0 0,0-1 0 0 0,0 0 0 0 0,1-19-265 0 0,-1 19 260 0 0,-1-34-148 0 0,1 24-1064 0 0,-1 0 0 0 0,3-16 0 0 0,-3 23-1654 0 0</inkml:trace>
+</inkml:ink>
+</file>
+
+<file path=ppt/ink/ink39.xml><?xml version="1.0" encoding="utf-8"?>
+<inkml:ink xmlns:inkml="http://www.w3.org/2003/InkML">
+  <inkml:definitions>
+    <inkml:context xml:id="ctx0">
+      <inkml:inkSource xml:id="inkSrc0">
+        <inkml:traceFormat>
+          <inkml:channel name="X" type="integer" min="-2.14748E9" max="2.14748E9" units="cm"/>
+          <inkml:channel name="Y" type="integer" min="-2.14748E9" max="2.14748E9" units="cm"/>
+          <inkml:channel name="F" type="integer" max="32767" units="dev"/>
+          <inkml:channel name="OA" type="integer" max="360" units="deg"/>
+          <inkml:channel name="OE" type="integer" max="90" units="deg"/>
+        </inkml:traceFormat>
+        <inkml:channelProperties>
+          <inkml:channelProperty channel="X" name="resolution" value="1000" units="1/cm"/>
+          <inkml:channelProperty channel="Y" name="resolution" value="1000" units="1/cm"/>
+          <inkml:channelProperty channel="F" name="resolution" value="0" units="1/dev"/>
+          <inkml:channelProperty channel="OA" name="resolution" value="1000" units="1/deg"/>
+          <inkml:channelProperty channel="OE" name="resolution" value="1000" units="1/deg"/>
+        </inkml:channelProperties>
+      </inkml:inkSource>
+      <inkml:timestamp xml:id="ts0" timeString="2024-11-07T22:21:39.418"/>
+    </inkml:context>
+    <inkml:brush xml:id="br0">
+      <inkml:brushProperty name="width" value="0.05" units="cm"/>
+      <inkml:brushProperty name="height" value="0.05" units="cm"/>
+    </inkml:brush>
+  </inkml:definitions>
+  <inkml:trace contextRef="#ctx0" brushRef="#br0">0 8 9471 0 0,'0'0'728'0'0,"7"-8"4719"0"0,-6 9-5364 0 0,1-1 0 0 0,-1 0-1 0 0,0 1 1 0 0,1-1 0 0 0,-1 1 0 0 0,1-1 0 0 0,-1 1 0 0 0,0-1-1 0 0,0 1 1 0 0,1 0 0 0 0,-1 0 0 0 0,0 0 0 0 0,2 2 0 0 0,16 17 372 0 0,-9-9-187 0 0,6 5-153 0 0,0 0 0 0 0,-1 0 0 0 0,-1 2 1 0 0,19 31-1 0 0,-28-39-74 0 0,0 0 0 0 0,0 0 0 0 0,-1 0 1 0 0,-1 1-1 0 0,1 0 0 0 0,-2 0 0 0 0,0-1 0 0 0,0 2 1 0 0,-1-1-1 0 0,0 0 0 0 0,-1 14 0 0 0,-1-15-52 0 0,0 1 1 0 0,-1-1-1 0 0,0 0 0 0 0,0 0 0 0 0,-1 0 0 0 0,-5 11 0 0 0,6-15 1 0 0,-1-1 0 0 0,0 0 0 0 0,0 0 0 0 0,0 0-1 0 0,-1 0 1 0 0,0 0 0 0 0,1 0 0 0 0,-2-1 0 0 0,1 0 0 0 0,0 0 0 0 0,-1 0-1 0 0,-5 3 1 0 0,9-7-37 0 0,1 1 0 0 0,0-1 0 0 0,0 0 0 0 0,-1 0 0 0 0,1 1 0 0 0,0-1 1 0 0,-1 0-1 0 0,1 0 0 0 0,0 0 0 0 0,-1 0 0 0 0,1 0 0 0 0,-1 0 0 0 0,1 1 0 0 0,0-1 0 0 0,-1 0 0 0 0,1 0 0 0 0,0 0 0 0 0,-1 0 0 0 0,1 0 0 0 0,0 0 0 0 0,-1-1 0 0 0,1 1 0 0 0,-1 0 0 0 0,1 0 0 0 0,0 0 0 0 0,-1 0 0 0 0,1 0 0 0 0,0 0 1 0 0,-1-1-1 0 0,-2-9-4547 0 0,3 6 2788 0 0,0 1 0 0 0,1 0-1 0 0,-1 0 1 0 0,1-1 0 0 0,1-5-1 0 0,2 2 791 0 0</inkml:trace>
+</inkml:ink>
+</file>
+
+<file path=ppt/ink/ink4.xml><?xml version="1.0" encoding="utf-8"?>
+<inkml:ink xmlns:inkml="http://www.w3.org/2003/InkML">
+  <inkml:definitions>
+    <inkml:context xml:id="ctx0">
+      <inkml:inkSource xml:id="inkSrc0">
+        <inkml:traceFormat>
+          <inkml:channel name="X" type="integer" min="-2.14748E9" max="2.14748E9" units="cm"/>
+          <inkml:channel name="Y" type="integer" min="-2.14748E9" max="2.14748E9" units="cm"/>
+          <inkml:channel name="F" type="integer" max="32767" units="dev"/>
+          <inkml:channel name="OA" type="integer" max="360" units="deg"/>
+          <inkml:channel name="OE" type="integer" max="90" units="deg"/>
+        </inkml:traceFormat>
+        <inkml:channelProperties>
+          <inkml:channelProperty channel="X" name="resolution" value="1000" units="1/cm"/>
+          <inkml:channelProperty channel="Y" name="resolution" value="1000" units="1/cm"/>
+          <inkml:channelProperty channel="F" name="resolution" value="0" units="1/dev"/>
+          <inkml:channelProperty channel="OA" name="resolution" value="1000" units="1/deg"/>
+          <inkml:channelProperty channel="OE" name="resolution" value="1000" units="1/deg"/>
+        </inkml:channelProperties>
+      </inkml:inkSource>
+      <inkml:timestamp xml:id="ts0" timeString="2024-11-07T22:22:24.594"/>
+    </inkml:context>
+    <inkml:brush xml:id="br0">
+      <inkml:brushProperty name="width" value="0.05" units="cm"/>
+      <inkml:brushProperty name="height" value="0.05" units="cm"/>
+    </inkml:brush>
+  </inkml:definitions>
+  <inkml:trace contextRef="#ctx0" brushRef="#br0">1 3 11255 0 0,'0'0'867'0'0,"20"-3"3224"0"0,-11 4-3723 0 0,0 0-90 0 0,-1 1 1 0 0,1 0-1 0 0,0 0 0 0 0,13 6 1 0 0,-20-7-257 0 0,1 0 1 0 0,-1 0-1 0 0,0 1 1 0 0,0-1-1 0 0,1 1 1 0 0,-1 0-1 0 0,0 0 1 0 0,0 0-1 0 0,-1 0 1 0 0,1 0 0 0 0,0 0-1 0 0,-1 0 1 0 0,1 1-1 0 0,-1-1 1 0 0,0 1-1 0 0,0-1 1 0 0,0 1-1 0 0,0-1 1 0 0,1 5-1 0 0,2 13-6 0 0,-2 1 0 0 0,0 0 0 0 0,-2 35 0 0 0,0-23 12 0 0,9 139 149 0 0,0 11 842 0 0,-9-179-1007 0 0,0-1-1 0 0,0 1 0 0 0,0-1 0 0 0,0 1 1 0 0,-1-1-1 0 0,0 0 0 0 0,0 1 1 0 0,0-1-1 0 0,0 0 0 0 0,0 0 0 0 0,-1 1 1 0 0,-1 3-1 0 0,1-6-26 0 0,1 1 1 0 0,-1-1-1 0 0,1 1 0 0 0,-1-1 0 0 0,0 0 1 0 0,0 1-1 0 0,0-1 0 0 0,1 0 0 0 0,-1 0 1 0 0,0 0-1 0 0,0-1 0 0 0,0 1 0 0 0,0 0 1 0 0,-1-1-1 0 0,1 1 0 0 0,0-1 1 0 0,0 0-1 0 0,0 1 0 0 0,0-1 0 0 0,-4-1 1 0 0,-15 2-2238 0 0,31-11-2266 0 0,-8 7 3240 0 0,10-8-3704 0 0</inkml:trace>
+</inkml:ink>
+</file>
+
+<file path=ppt/ink/ink40.xml><?xml version="1.0" encoding="utf-8"?>
+<inkml:ink xmlns:inkml="http://www.w3.org/2003/InkML">
+  <inkml:definitions>
+    <inkml:context xml:id="ctx0">
+      <inkml:inkSource xml:id="inkSrc0">
+        <inkml:traceFormat>
+          <inkml:channel name="X" type="integer" min="-2.14748E9" max="2.14748E9" units="cm"/>
+          <inkml:channel name="Y" type="integer" min="-2.14748E9" max="2.14748E9" units="cm"/>
+          <inkml:channel name="F" type="integer" max="32767" units="dev"/>
+          <inkml:channel name="OA" type="integer" max="360" units="deg"/>
+          <inkml:channel name="OE" type="integer" max="90" units="deg"/>
+        </inkml:traceFormat>
+        <inkml:channelProperties>
+          <inkml:channelProperty channel="X" name="resolution" value="1000" units="1/cm"/>
+          <inkml:channelProperty channel="Y" name="resolution" value="1000" units="1/cm"/>
+          <inkml:channelProperty channel="F" name="resolution" value="0" units="1/dev"/>
+          <inkml:channelProperty channel="OA" name="resolution" value="1000" units="1/deg"/>
+          <inkml:channelProperty channel="OE" name="resolution" value="1000" units="1/deg"/>
+        </inkml:channelProperties>
+      </inkml:inkSource>
+      <inkml:timestamp xml:id="ts0" timeString="2024-11-07T22:21:39.883"/>
+    </inkml:context>
+    <inkml:brush xml:id="br0">
+      <inkml:brushProperty name="width" value="0.05" units="cm"/>
+      <inkml:brushProperty name="height" value="0.05" units="cm"/>
+    </inkml:brush>
+  </inkml:definitions>
+  <inkml:trace contextRef="#ctx0" brushRef="#br0">0 0 7855 0 0,'6'2'6570'0'0,"6"1"-5102"0"0,-6 0-1301 0 0,13 7 18 0 0,-18-9-161 0 0,-1-1 1 0 0,1 1-1 0 0,0 0 1 0 0,-1 0-1 0 0,1 0 1 0 0,-1 0-1 0 0,1 0 1 0 0,-1 0-1 0 0,1-1 1 0 0,-1 1-1 0 0,0 0 1 0 0,1 0-1 0 0,-1 0 1 0 0,0 1 0 0 0,0-1-1 0 0,0 0 1 0 0,0 0-1 0 0,0 0 1 0 0,0 1-1 0 0,0 2 13 0 0,-1-1 0 0 0,0 0 0 0 0,0 1 0 0 0,0-1 0 0 0,0 0 0 0 0,-1 0 0 0 0,1 1 0 0 0,-1-1 0 0 0,0 0 0 0 0,0-1 0 0 0,-4 7-1 0 0,3-6 85 0 0,0 0-1 0 0,1 1 0 0 0,0-1 1 0 0,0 1-1 0 0,0 0 0 0 0,-3 8 1 0 0,5-12-93 0 0,0 0 1 0 0,0 1 0 0 0,0-1 0 0 0,0 1 0 0 0,0-1 0 0 0,0 1 0 0 0,0-1 0 0 0,0 0 0 0 0,0 1 0 0 0,0-1-1 0 0,0 1 1 0 0,0-1 0 0 0,0 0 0 0 0,0 1 0 0 0,1-1 0 0 0,-1 1 0 0 0,0-1 0 0 0,0 0 0 0 0,0 1 0 0 0,1-1-1 0 0,-1 0 1 0 0,0 1 0 0 0,1-1 0 0 0,-1 0 0 0 0,0 1 0 0 0,1-1 0 0 0,-1 1 0 0 0,15 4 166 0 0,17-3-2078 0 0,-23-3-2452 0 0</inkml:trace>
+</inkml:ink>
+</file>
+
+<file path=ppt/ink/ink41.xml><?xml version="1.0" encoding="utf-8"?>
+<inkml:ink xmlns:inkml="http://www.w3.org/2003/InkML">
+  <inkml:definitions>
+    <inkml:context xml:id="ctx0">
+      <inkml:inkSource xml:id="inkSrc0">
+        <inkml:traceFormat>
+          <inkml:channel name="X" type="integer" min="-2.14748E9" max="2.14748E9" units="cm"/>
+          <inkml:channel name="Y" type="integer" min="-2.14748E9" max="2.14748E9" units="cm"/>
+          <inkml:channel name="F" type="integer" max="32767" units="dev"/>
+          <inkml:channel name="OA" type="integer" max="360" units="deg"/>
+          <inkml:channel name="OE" type="integer" max="90" units="deg"/>
+        </inkml:traceFormat>
+        <inkml:channelProperties>
+          <inkml:channelProperty channel="X" name="resolution" value="1000" units="1/cm"/>
+          <inkml:channelProperty channel="Y" name="resolution" value="1000" units="1/cm"/>
+          <inkml:channelProperty channel="F" name="resolution" value="0" units="1/dev"/>
+          <inkml:channelProperty channel="OA" name="resolution" value="1000" units="1/deg"/>
+          <inkml:channelProperty channel="OE" name="resolution" value="1000" units="1/deg"/>
+        </inkml:channelProperties>
+      </inkml:inkSource>
+      <inkml:timestamp xml:id="ts0" timeString="2024-11-07T22:21:46.492"/>
+    </inkml:context>
+    <inkml:brush xml:id="br0">
+      <inkml:brushProperty name="width" value="0.05" units="cm"/>
+      <inkml:brushProperty name="height" value="0.05" units="cm"/>
+    </inkml:brush>
+  </inkml:definitions>
+  <inkml:trace contextRef="#ctx0" brushRef="#br0">1 4 8663 0 0,'0'0'3322'0'0,"14"-3"-302"0"0,-3 7-2554 0 0,-1 0-262 0 0,-1 1-1 0 0,18 10 0 0 0,-24-13-198 0 0,1 1 0 0 0,-1 0 0 0 0,0 0 0 0 0,-1-1 0 0 0,1 2 0 0 0,0-1 0 0 0,-1 0 0 0 0,0 0 0 0 0,1 1 0 0 0,-2-1 0 0 0,3 6 0 0 0,-1-2-21 0 0,-1 0 1 0 0,0 0 0 0 0,-1 0 0 0 0,1 1 0 0 0,-2-1-1 0 0,1 10 1 0 0,-3 47-172 0 0,0-32 211 0 0,0 38 283 0 0,2 0 0 0 0,14 90-1 0 0,-13-155-198 0 0,-1-1 0 0 0,0 0 0 0 0,1 0 0 0 0,-1 0 0 0 0,-1 1 1 0 0,1-1-1 0 0,-1 0 0 0 0,1 0 0 0 0,-1 0 0 0 0,0 0 0 0 0,-1 0 0 0 0,1 0 0 0 0,-4 6 0 0 0,4-8-36 0 0,0 0 1 0 0,-1-1-1 0 0,1 1 1 0 0,-1 0-1 0 0,0 0 1 0 0,1-1-1 0 0,-1 1 1 0 0,0-1-1 0 0,0 1 0 0 0,0-1 1 0 0,0 0-1 0 0,0 0 1 0 0,-1 0-1 0 0,1 0 1 0 0,0 0-1 0 0,0-1 1 0 0,-1 1-1 0 0,1 0 0 0 0,0-1 1 0 0,-1 0-1 0 0,1 0 1 0 0,-1 1-1 0 0,1-2 1 0 0,-5 1-1 0 0,-3 0 1034 0 0,0-1-6427 0 0,10 0 5142 0 0,0 1 1 0 0,0 0 0 0 0,0-1 0 0 0,0 1-1 0 0,0 0 1 0 0,0-1 0 0 0,0 1 0 0 0,0 0-1 0 0,0-1 1 0 0,0 1 0 0 0,0 0 0 0 0,0-1 0 0 0,0 1-1 0 0,0 0 1 0 0,1 0 0 0 0,-1-1 0 0 0,0 1-1 0 0,0 0 1 0 0,0-1 0 0 0,0 1 0 0 0,1 0 0 0 0,-1 0-1 0 0,0-1 1 0 0,0 1 0 0 0,1 0 0 0 0,-1 0-1 0 0,0-1 1 0 0,0 1 0 0 0,1 0 0 0 0,-1 0-1 0 0,0 0 1 0 0,1 0 0 0 0,11-13-2469 0 0,0 2-29 0 0</inkml:trace>
+</inkml:ink>
+</file>
+
+<file path=ppt/ink/ink42.xml><?xml version="1.0" encoding="utf-8"?>
+<inkml:ink xmlns:inkml="http://www.w3.org/2003/InkML">
+  <inkml:definitions>
+    <inkml:context xml:id="ctx0">
+      <inkml:inkSource xml:id="inkSrc0">
+        <inkml:traceFormat>
+          <inkml:channel name="X" type="integer" min="-2.14748E9" max="2.14748E9" units="cm"/>
+          <inkml:channel name="Y" type="integer" min="-2.14748E9" max="2.14748E9" units="cm"/>
+          <inkml:channel name="F" type="integer" max="32767" units="dev"/>
+          <inkml:channel name="OA" type="integer" max="360" units="deg"/>
+          <inkml:channel name="OE" type="integer" max="90" units="deg"/>
+        </inkml:traceFormat>
+        <inkml:channelProperties>
+          <inkml:channelProperty channel="X" name="resolution" value="1000" units="1/cm"/>
+          <inkml:channelProperty channel="Y" name="resolution" value="1000" units="1/cm"/>
+          <inkml:channelProperty channel="F" name="resolution" value="0" units="1/dev"/>
+          <inkml:channelProperty channel="OA" name="resolution" value="1000" units="1/deg"/>
+          <inkml:channelProperty channel="OE" name="resolution" value="1000" units="1/deg"/>
+        </inkml:channelProperties>
+      </inkml:inkSource>
+      <inkml:timestamp xml:id="ts0" timeString="2024-11-07T22:21:48.726"/>
+    </inkml:context>
+    <inkml:brush xml:id="br0">
+      <inkml:brushProperty name="width" value="0.05" units="cm"/>
+      <inkml:brushProperty name="height" value="0.05" units="cm"/>
+    </inkml:brush>
+  </inkml:definitions>
+  <inkml:trace contextRef="#ctx0" brushRef="#br0">84 2 2359 0 0,'-4'-1'13142'0'0,"-13"1"-10576"0"0,14 0-2548 0 0,-2 0 35 0 0,0 0-1 0 0,0 0 0 0 0,-1 1 1 0 0,1 0-1 0 0,-9 3 1 0 0,13-4-46 0 0,0 1 0 0 0,0-1 0 0 0,0 1 0 0 0,0 0 0 0 0,-1-1 1 0 0,1 1-1 0 0,0 0 0 0 0,0 0 0 0 0,0 0 0 0 0,1 0 0 0 0,-1 0 0 0 0,0 0 0 0 0,0 0 1 0 0,0 0-1 0 0,1 0 0 0 0,-1 1 0 0 0,1-1 0 0 0,-1 0 0 0 0,1 0 0 0 0,-1 1 0 0 0,1-1 1 0 0,0 0-1 0 0,-1 0 0 0 0,1 1 0 0 0,0-1 0 0 0,0 0 0 0 0,0 3 0 0 0,1 5-58 0 0,0-1 0 0 0,0 1 0 0 0,1-1 0 0 0,3 10 0 0 0,3 14-52 0 0,3 34 459 0 0,-3 0 1 0 0,-2 117 0 0 0,-9-129-44 0 0,1-15-9 0 0,1-1 0 0 0,5 44-1 0 0,-4-79-286 0 0,1 0 0 0 0,-1 0 0 0 0,1 0-1 0 0,0 0 1 0 0,-1-1 0 0 0,1 1 0 0 0,1 0 0 0 0,2 5 0 0 0,-3-7-28 0 0,0 0 1 0 0,0 0-1 0 0,0 1 1 0 0,0-1-1 0 0,1 0 1 0 0,-1 0-1 0 0,0 0 1 0 0,1 0-1 0 0,-1 0 1 0 0,1-1-1 0 0,-1 1 1 0 0,1 0-1 0 0,0-1 1 0 0,-1 1-1 0 0,1-1 1 0 0,2 1 0 0 0,22 5-329 0 0,-8-2-2926 0 0,-17-4 3093 0 0,-1 0 0 0 0,0 0 1 0 0,1 0-1 0 0,-1 0 0 0 0,1-1 1 0 0,-1 1-1 0 0,0 0 0 0 0,0 0 1 0 0,1-1-1 0 0,-1 1 0 0 0,0 0 1 0 0,1-1-1 0 0,-1 1 0 0 0,0 0 1 0 0,0-1-1 0 0,1 1 0 0 0,-1 0 1 0 0,0-1-1 0 0,0 1 0 0 0,0 0 1 0 0,0-1-1 0 0,0 1 0 0 0,1-1 1 0 0,-1 1-1 0 0,0 0 1 0 0,0-1-1 0 0,0 1 0 0 0,0-1 1 0 0,0-1-723 0 0,2-7-3892 0 0</inkml:trace>
+</inkml:ink>
+</file>
+
+<file path=ppt/ink/ink43.xml><?xml version="1.0" encoding="utf-8"?>
+<inkml:ink xmlns:inkml="http://www.w3.org/2003/InkML">
+  <inkml:definitions>
+    <inkml:context xml:id="ctx0">
+      <inkml:inkSource xml:id="inkSrc0">
+        <inkml:traceFormat>
+          <inkml:channel name="X" type="integer" min="-2.14748E9" max="2.14748E9" units="cm"/>
+          <inkml:channel name="Y" type="integer" min="-2.14748E9" max="2.14748E9" units="cm"/>
+          <inkml:channel name="F" type="integer" max="32767" units="dev"/>
+          <inkml:channel name="OA" type="integer" max="360" units="deg"/>
+          <inkml:channel name="OE" type="integer" max="90" units="deg"/>
+        </inkml:traceFormat>
+        <inkml:channelProperties>
+          <inkml:channelProperty channel="X" name="resolution" value="1000" units="1/cm"/>
+          <inkml:channelProperty channel="Y" name="resolution" value="1000" units="1/cm"/>
+          <inkml:channelProperty channel="F" name="resolution" value="0" units="1/dev"/>
+          <inkml:channelProperty channel="OA" name="resolution" value="1000" units="1/deg"/>
+          <inkml:channelProperty channel="OE" name="resolution" value="1000" units="1/deg"/>
+        </inkml:channelProperties>
+      </inkml:inkSource>
+      <inkml:timestamp xml:id="ts0" timeString="2024-11-07T22:21:57.799"/>
+    </inkml:context>
+    <inkml:brush xml:id="br0">
+      <inkml:brushProperty name="width" value="0.05" units="cm"/>
+      <inkml:brushProperty name="height" value="0.05" units="cm"/>
+    </inkml:brush>
+  </inkml:definitions>
+  <inkml:trace contextRef="#ctx0" brushRef="#br0">45 399 9935 0 0,'0'0'1339'0'0,"-3"-15"-2"0"0,-11-51 1077 0 0,5 28-1074 0 0,-9-73 1 0 0,18 100-1279 0 0,-1 0 0 0 0,1 0 0 0 0,1 0 0 0 0,0-1 0 0 0,1 2 0 0 0,0-1 0 0 0,0 0 0 0 0,1 0 0 0 0,1 1 0 0 0,0-1 0 0 0,6-12 0 0 0,-8 21-71 0 0,-1-1 1 0 0,1 1-1 0 0,0-1 1 0 0,0 1-1 0 0,0 0 1 0 0,0 0-1 0 0,4-4 1 0 0,-5 6-14 0 0,-1-1 1 0 0,1 1-1 0 0,-1 0 0 0 0,1-1 1 0 0,-1 1-1 0 0,1 0 1 0 0,-1 0-1 0 0,1-1 1 0 0,0 1-1 0 0,-1 0 0 0 0,1 0 1 0 0,-1 0-1 0 0,1 0 1 0 0,-1 0-1 0 0,1 0 1 0 0,0 0-1 0 0,-1 0 1 0 0,1 0-1 0 0,-1 0 0 0 0,1 0 1 0 0,-1 0-1 0 0,1 0 1 0 0,0 1-1 0 0,-1-1 1 0 0,1 0-1 0 0,-1 0 1 0 0,1 1-1 0 0,-1-1 0 0 0,1 0 1 0 0,-1 1-1 0 0,1-1 1 0 0,-1 0-1 0 0,0 1 1 0 0,1-1-1 0 0,-1 1 0 0 0,1-1 1 0 0,-1 1-1 0 0,0-1 1 0 0,1 1-1 0 0,-1-1 1 0 0,0 1-1 0 0,0-1 1 0 0,1 1-1 0 0,-1-1 0 0 0,0 2 1 0 0,3 5-199 0 0,-1 0 1 0 0,0 0-1 0 0,0 1 0 0 0,-1-1 1 0 0,0 1-1 0 0,-1-1 1 0 0,1 1-1 0 0,-1-1 0 0 0,0 1 1 0 0,-1-1-1 0 0,0 0 1 0 0,0 1-1 0 0,-1-1 0 0 0,0 0 1 0 0,0 0-1 0 0,-1 1 1 0 0,0-2-1 0 0,0 1 0 0 0,0 0 1 0 0,-1-1-1 0 0,0 1 1 0 0,0-1-1 0 0,-8 9 0 0 0,11-15 163 0 0,1 0 1 0 0,0 1-1 0 0,0-1 0 0 0,-1 0 0 0 0,1 1 0 0 0,0-1 1 0 0,0 0-1 0 0,-1 0 0 0 0,1 1 0 0 0,0-1 0 0 0,-1 0 1 0 0,1 0-1 0 0,0 0 0 0 0,-1 1 0 0 0,1-1 0 0 0,-1 0 0 0 0,1 0 1 0 0,0 0-1 0 0,-1 0 0 0 0,1 0 0 0 0,0 0 0 0 0,-1 0 1 0 0,1 0-1 0 0,-1 0 0 0 0,1 0 0 0 0,-1 0 0 0 0,1 0-124 0 0,-1-1-1 0 0,1 1 0 0 0,0 0 0 0 0,0-1 1 0 0,-1 1-1 0 0,1-1 0 0 0,0 1 1 0 0,0 0-1 0 0,0-1 0 0 0,0 1 0 0 0,0-1 1 0 0,-1 1-1 0 0,1-1 0 0 0,0 1 1 0 0,0-1-1 0 0,0 1 0 0 0,0 0 0 0 0,0-2 1 0 0,1 0-540 0 0,-1-1 1 0 0,0 0 0 0 0,1 1-1 0 0,-1-1 1 0 0,1 0 0 0 0,0 1-1 0 0,1-4 1 0 0,4-2-139 0 0</inkml:trace>
+</inkml:ink>
+</file>
+
+<file path=ppt/ink/ink44.xml><?xml version="1.0" encoding="utf-8"?>
+<inkml:ink xmlns:inkml="http://www.w3.org/2003/InkML">
+  <inkml:definitions>
+    <inkml:context xml:id="ctx0">
+      <inkml:inkSource xml:id="inkSrc0">
+        <inkml:traceFormat>
+          <inkml:channel name="X" type="integer" min="-2.14748E9" max="2.14748E9" units="cm"/>
+          <inkml:channel name="Y" type="integer" min="-2.14748E9" max="2.14748E9" units="cm"/>
+          <inkml:channel name="F" type="integer" max="32767" units="dev"/>
+          <inkml:channel name="OA" type="integer" max="360" units="deg"/>
+          <inkml:channel name="OE" type="integer" max="90" units="deg"/>
+        </inkml:traceFormat>
+        <inkml:channelProperties>
+          <inkml:channelProperty channel="X" name="resolution" value="1000" units="1/cm"/>
+          <inkml:channelProperty channel="Y" name="resolution" value="1000" units="1/cm"/>
+          <inkml:channelProperty channel="F" name="resolution" value="0" units="1/dev"/>
+          <inkml:channelProperty channel="OA" name="resolution" value="1000" units="1/deg"/>
+          <inkml:channelProperty channel="OE" name="resolution" value="1000" units="1/deg"/>
+        </inkml:channelProperties>
+      </inkml:inkSource>
+      <inkml:timestamp xml:id="ts0" timeString="2024-11-07T22:21:58.137"/>
+    </inkml:context>
+    <inkml:brush xml:id="br0">
+      <inkml:brushProperty name="width" value="0.05" units="cm"/>
+      <inkml:brushProperty name="height" value="0.05" units="cm"/>
+    </inkml:brush>
+  </inkml:definitions>
+  <inkml:trace contextRef="#ctx0" brushRef="#br0">101 12 13847 0 0,'-16'-10'3762'0'0,"13"9"-3656"0"0,1 1-1 0 0,-1 0 1 0 0,0 0 0 0 0,1 0 0 0 0,-1 0 0 0 0,0 0 0 0 0,0 1 0 0 0,1-1 0 0 0,-1 1 0 0 0,1 0 0 0 0,-1 0 0 0 0,0 0 0 0 0,1 0 0 0 0,0 0 0 0 0,-1 0 0 0 0,1 1 0 0 0,0-1 0 0 0,-1 1 0 0 0,1 0 0 0 0,0-1-1 0 0,0 1 1 0 0,0 0 0 0 0,1 0 0 0 0,-1 0 0 0 0,0 1 0 0 0,1-1 0 0 0,0 0 0 0 0,-1 1 0 0 0,0 2 0 0 0,-1 0-46 0 0,1 1-1 0 0,-1 0 1 0 0,1 0 0 0 0,1-1-1 0 0,-1 1 1 0 0,1 0 0 0 0,0 1-1 0 0,0-1 1 0 0,1 0 0 0 0,0 0-1 0 0,1 11 1 0 0,0-11-78 0 0,0 0 0 0 0,0 0 0 0 0,1 0 0 0 0,-1-1 0 0 0,2 1 0 0 0,3 7 0 0 0,-5-11-20 0 0,0 0-1 0 0,1 0 1 0 0,0 0 0 0 0,-1 0-1 0 0,1 0 1 0 0,0 0 0 0 0,0 0-1 0 0,0-1 1 0 0,0 1 0 0 0,0-1-1 0 0,0 1 1 0 0,1-1 0 0 0,-1 0 0 0 0,0 0-1 0 0,1 0 1 0 0,-1 0 0 0 0,4 0-1 0 0,-2 0-126 0 0,0-1 0 0 0,-1 1 0 0 0,1-1 0 0 0,0 0 0 0 0,5-1 0 0 0,5-3-2226 0 0,-13 4 1916 0 0,0-1 0 0 0,0 1 0 0 0,-1 0 0 0 0,1-1 0 0 0,0 0-1 0 0,-1 1 1 0 0,1-1 0 0 0,0 1 0 0 0,-1-1 0 0 0,1 0 0 0 0,-1 0-1 0 0,1 1 1 0 0,0-2 0 0 0,4-12-2713 0 0,0 2-119 0 0</inkml:trace>
+</inkml:ink>
+</file>
+
+<file path=ppt/ink/ink45.xml><?xml version="1.0" encoding="utf-8"?>
+<inkml:ink xmlns:inkml="http://www.w3.org/2003/InkML">
+  <inkml:definitions>
+    <inkml:context xml:id="ctx0">
+      <inkml:inkSource xml:id="inkSrc0">
+        <inkml:traceFormat>
+          <inkml:channel name="X" type="integer" min="-2.14748E9" max="2.14748E9" units="cm"/>
+          <inkml:channel name="Y" type="integer" min="-2.14748E9" max="2.14748E9" units="cm"/>
+          <inkml:channel name="F" type="integer" max="32767" units="dev"/>
+          <inkml:channel name="OA" type="integer" max="360" units="deg"/>
+          <inkml:channel name="OE" type="integer" max="90" units="deg"/>
+        </inkml:traceFormat>
+        <inkml:channelProperties>
+          <inkml:channelProperty channel="X" name="resolution" value="1000" units="1/cm"/>
+          <inkml:channelProperty channel="Y" name="resolution" value="1000" units="1/cm"/>
+          <inkml:channelProperty channel="F" name="resolution" value="0" units="1/dev"/>
+          <inkml:channelProperty channel="OA" name="resolution" value="1000" units="1/deg"/>
+          <inkml:channelProperty channel="OE" name="resolution" value="1000" units="1/deg"/>
+        </inkml:channelProperties>
+      </inkml:inkSource>
+      <inkml:timestamp xml:id="ts0" timeString="2024-11-07T22:21:59.333"/>
+    </inkml:context>
+    <inkml:brush xml:id="br0">
+      <inkml:brushProperty name="width" value="0.05" units="cm"/>
+      <inkml:brushProperty name="height" value="0.05" units="cm"/>
+    </inkml:brush>
+  </inkml:definitions>
+  <inkml:trace contextRef="#ctx0" brushRef="#br0">101 40 9271 0 0,'0'-2'295'0'0,"1"1"1"0"0,-1 0-1 0 0,0 0 0 0 0,0 0 0 0 0,0 0 0 0 0,0-1 0 0 0,0 1 0 0 0,0 0 1 0 0,0 0-1 0 0,0 0 0 0 0,0-1 0 0 0,0 1 0 0 0,-1 0 0 0 0,1 0 0 0 0,0 0 1 0 0,-1 0-1 0 0,1 0 0 0 0,-1 0 0 0 0,0-2 0 0 0,0 2-116 0 0,0 0 1 0 0,-1 0-1 0 0,1-1 0 0 0,0 1 0 0 0,0 1 1 0 0,0-1-1 0 0,-1 0 0 0 0,1 0 0 0 0,0 0 1 0 0,-1 1-1 0 0,1-1 0 0 0,-1 0 0 0 0,-2 0 1 0 0,2 1-104 0 0,0-1 1 0 0,-1 1-1 0 0,1 0 1 0 0,0-1-1 0 0,-1 1 1 0 0,1 0-1 0 0,0 0 1 0 0,-1 1-1 0 0,1-1 1 0 0,0 0-1 0 0,-1 1 1 0 0,1-1-1 0 0,0 1 1 0 0,-1 0-1 0 0,1 0 1 0 0,0 0-1 0 0,0 0 1 0 0,0 0-1 0 0,-4 3 1 0 0,3 0-28 0 0,0-1 0 0 0,1 1 1 0 0,-1 0-1 0 0,1 0 0 0 0,-1 0 0 0 0,1 0 1 0 0,0 0-1 0 0,1 0 0 0 0,-1 1 1 0 0,1-1-1 0 0,0 0 0 0 0,0 1 0 0 0,0 0 1 0 0,1-1-1 0 0,-1 1 0 0 0,1-1 0 0 0,0 1 1 0 0,0 0-1 0 0,2 8 0 0 0,-1-10-74 0 0,0 1 0 0 0,-1-1-1 0 0,1 0 1 0 0,0 0 0 0 0,0 0 0 0 0,1 0-1 0 0,-1 0 1 0 0,1 0 0 0 0,-1 0-1 0 0,1 0 1 0 0,0 0 0 0 0,0-1 0 0 0,0 1-1 0 0,1-1 1 0 0,-1 1 0 0 0,0-1-1 0 0,1 0 1 0 0,0 0 0 0 0,-1 0 0 0 0,1 0-1 0 0,0-1 1 0 0,0 1 0 0 0,0-1-1 0 0,0 0 1 0 0,0 0 0 0 0,1 0-1 0 0,-1 0 1 0 0,4 0 0 0 0,-3 0-185 0 0,1-1 0 0 0,0 0 1 0 0,0 0-1 0 0,-1 0 0 0 0,1-1 0 0 0,7-1 1 0 0,-10 1-318 0 0,0 1 0 0 0,0-1 0 0 0,0 0 0 0 0,0 0 1 0 0,-1 0-1 0 0,1 0 0 0 0,3-2 0 0 0,3-8-8922 0 0,-8 10 8590 0 0,1-1 0 0 0,-1-1 0 0 0,1-2-339 0 0</inkml:trace>
+</inkml:ink>
+</file>
+
+<file path=ppt/ink/ink46.xml><?xml version="1.0" encoding="utf-8"?>
+<inkml:ink xmlns:inkml="http://www.w3.org/2003/InkML">
+  <inkml:definitions>
+    <inkml:context xml:id="ctx0">
+      <inkml:inkSource xml:id="inkSrc0">
+        <inkml:traceFormat>
+          <inkml:channel name="X" type="integer" min="-2.14748E9" max="2.14748E9" units="cm"/>
+          <inkml:channel name="Y" type="integer" min="-2.14748E9" max="2.14748E9" units="cm"/>
+          <inkml:channel name="F" type="integer" max="32767" units="dev"/>
+          <inkml:channel name="OA" type="integer" max="360" units="deg"/>
+          <inkml:channel name="OE" type="integer" max="90" units="deg"/>
+        </inkml:traceFormat>
+        <inkml:channelProperties>
+          <inkml:channelProperty channel="X" name="resolution" value="1000" units="1/cm"/>
+          <inkml:channelProperty channel="Y" name="resolution" value="1000" units="1/cm"/>
+          <inkml:channelProperty channel="F" name="resolution" value="0" units="1/dev"/>
+          <inkml:channelProperty channel="OA" name="resolution" value="1000" units="1/deg"/>
+          <inkml:channelProperty channel="OE" name="resolution" value="1000" units="1/deg"/>
+        </inkml:channelProperties>
+      </inkml:inkSource>
+      <inkml:timestamp xml:id="ts0" timeString="2024-11-07T22:21:12.584"/>
+    </inkml:context>
+    <inkml:brush xml:id="br0">
+      <inkml:brushProperty name="width" value="0.05" units="cm"/>
+      <inkml:brushProperty name="height" value="0.05" units="cm"/>
+    </inkml:brush>
+  </inkml:definitions>
+  <inkml:trace contextRef="#ctx0" brushRef="#br0">1 3 10711 0 0,'4'-2'4572'0'0,"7"2"-3469"0"0,9 1-1002 0 0,41 2 1286 0 0,-34-3-4243 0 0,-13 0-2132 0 0,0 0-3379 0 0</inkml:trace>
+</inkml:ink>
+</file>
+
+<file path=ppt/ink/ink47.xml><?xml version="1.0" encoding="utf-8"?>
+<inkml:ink xmlns:inkml="http://www.w3.org/2003/InkML">
+  <inkml:definitions>
+    <inkml:context xml:id="ctx0">
+      <inkml:inkSource xml:id="inkSrc0">
+        <inkml:traceFormat>
+          <inkml:channel name="X" type="integer" min="-2.14748E9" max="2.14748E9" units="cm"/>
+          <inkml:channel name="Y" type="integer" min="-2.14748E9" max="2.14748E9" units="cm"/>
+          <inkml:channel name="F" type="integer" max="32767" units="dev"/>
+          <inkml:channel name="OA" type="integer" max="360" units="deg"/>
+          <inkml:channel name="OE" type="integer" max="90" units="deg"/>
+        </inkml:traceFormat>
+        <inkml:channelProperties>
+          <inkml:channelProperty channel="X" name="resolution" value="1000" units="1/cm"/>
+          <inkml:channelProperty channel="Y" name="resolution" value="1000" units="1/cm"/>
+          <inkml:channelProperty channel="F" name="resolution" value="0" units="1/dev"/>
+          <inkml:channelProperty channel="OA" name="resolution" value="1000" units="1/deg"/>
+          <inkml:channelProperty channel="OE" name="resolution" value="1000" units="1/deg"/>
+        </inkml:channelProperties>
+      </inkml:inkSource>
+      <inkml:timestamp xml:id="ts0" timeString="2024-11-07T22:21:12.991"/>
+    </inkml:context>
+    <inkml:brush xml:id="br0">
+      <inkml:brushProperty name="width" value="0.05" units="cm"/>
+      <inkml:brushProperty name="height" value="0.05" units="cm"/>
+    </inkml:brush>
+  </inkml:definitions>
+  <inkml:trace contextRef="#ctx0" brushRef="#br0">3 0 8863 0 0,'0'0'687'0'0,"-3"17"3412"0"0,7 45-1762 0 0,-2-35-2486 0 0,-2 29-1 0 0,0-51 1743 0 0</inkml:trace>
+</inkml:ink>
+</file>
+
+<file path=ppt/ink/ink48.xml><?xml version="1.0" encoding="utf-8"?>
+<inkml:ink xmlns:inkml="http://www.w3.org/2003/InkML">
+  <inkml:definitions>
+    <inkml:context xml:id="ctx0">
+      <inkml:inkSource xml:id="inkSrc0">
+        <inkml:traceFormat>
+          <inkml:channel name="X" type="integer" min="-2.14748E9" max="2.14748E9" units="cm"/>
+          <inkml:channel name="Y" type="integer" min="-2.14748E9" max="2.14748E9" units="cm"/>
+          <inkml:channel name="F" type="integer" max="32767" units="dev"/>
+          <inkml:channel name="OA" type="integer" max="360" units="deg"/>
+          <inkml:channel name="OE" type="integer" max="90" units="deg"/>
+        </inkml:traceFormat>
+        <inkml:channelProperties>
+          <inkml:channelProperty channel="X" name="resolution" value="1000" units="1/cm"/>
+          <inkml:channelProperty channel="Y" name="resolution" value="1000" units="1/cm"/>
+          <inkml:channelProperty channel="F" name="resolution" value="0" units="1/dev"/>
+          <inkml:channelProperty channel="OA" name="resolution" value="1000" units="1/deg"/>
+          <inkml:channelProperty channel="OE" name="resolution" value="1000" units="1/deg"/>
+        </inkml:channelProperties>
+      </inkml:inkSource>
+      <inkml:timestamp xml:id="ts0" timeString="2024-11-07T22:21:13.362"/>
+    </inkml:context>
+    <inkml:brush xml:id="br0">
+      <inkml:brushProperty name="width" value="0.05" units="cm"/>
+      <inkml:brushProperty name="height" value="0.05" units="cm"/>
+    </inkml:brush>
+  </inkml:definitions>
+  <inkml:trace contextRef="#ctx0" brushRef="#br0">1 0 12551 0 0,'1'16'534'0'0,"0"-1"1"0"0,1 0-1 0 0,7 23 0 0 0,2 13-785 0 0,-6-32 94 0 0,0 5-5036 0 0</inkml:trace>
+</inkml:ink>
+</file>
+
+<file path=ppt/ink/ink49.xml><?xml version="1.0" encoding="utf-8"?>
+<inkml:ink xmlns:inkml="http://www.w3.org/2003/InkML">
+  <inkml:definitions>
+    <inkml:context xml:id="ctx0">
+      <inkml:inkSource xml:id="inkSrc0">
+        <inkml:traceFormat>
+          <inkml:channel name="X" type="integer" min="-2.14748E9" max="2.14748E9" units="cm"/>
+          <inkml:channel name="Y" type="integer" min="-2.14748E9" max="2.14748E9" units="cm"/>
+          <inkml:channel name="F" type="integer" max="32767" units="dev"/>
+          <inkml:channel name="OA" type="integer" max="360" units="deg"/>
+          <inkml:channel name="OE" type="integer" max="90" units="deg"/>
+        </inkml:traceFormat>
+        <inkml:channelProperties>
+          <inkml:channelProperty channel="X" name="resolution" value="1000" units="1/cm"/>
+          <inkml:channelProperty channel="Y" name="resolution" value="1000" units="1/cm"/>
+          <inkml:channelProperty channel="F" name="resolution" value="0" units="1/dev"/>
+          <inkml:channelProperty channel="OA" name="resolution" value="1000" units="1/deg"/>
+          <inkml:channelProperty channel="OE" name="resolution" value="1000" units="1/deg"/>
+        </inkml:channelProperties>
+      </inkml:inkSource>
+      <inkml:timestamp xml:id="ts0" timeString="2024-11-07T22:21:17.662"/>
+    </inkml:context>
+    <inkml:brush xml:id="br0">
+      <inkml:brushProperty name="width" value="0.05" units="cm"/>
+      <inkml:brushProperty name="height" value="0.05" units="cm"/>
+    </inkml:brush>
+  </inkml:definitions>
+  <inkml:trace contextRef="#ctx0" brushRef="#br0">48 1 4287 0 0,'-1'2'6496'0'0,"-2"12"-4061"0"0,-7 15-12 0 0,-6 37 0 0 0,2 33-1014 0 0,10-36-1336 0 0,5 72 0 0 0,1-106 4 0 0,1 0-1 0 0,7 30 1 0 0,-6-44-91 0 0,0 0 1 0 0,1 0-1 0 0,1 0 0 0 0,0-1 1 0 0,12 20-1 0 0,-15-28-82 0 0,1-1 0 0 0,0-1 0 0 0,0 1 0 0 0,0-1 0 0 0,0 1 0 0 0,1-1 0 0 0,0 0 0 0 0,-1-1 0 0 0,2 1 0 0 0,-1-1 0 0 0,0 0-1 0 0,10 4 1 0 0,-11-6-465 0 0,1 1 0 0 0,-1-1 0 0 0,1 0 0 0 0,-1 0 0 0 0,1-1 0 0 0,-1 1 0 0 0,1-1-1 0 0,0 0 1 0 0,-1 0 0 0 0,9-2 0 0 0,-11 2-316 0 0,0-1-1 0 0,0 1 1 0 0,0-1 0 0 0,0 0-1 0 0,0 0 1 0 0,0 0 0 0 0,0 0-1 0 0,0 0 1 0 0,0-1 0 0 0,-1 1-1 0 0,4-3 1 0 0,3-4-374 0 0</inkml:trace>
+</inkml:ink>
+</file>
+
+<file path=ppt/ink/ink5.xml><?xml version="1.0" encoding="utf-8"?>
+<inkml:ink xmlns:inkml="http://www.w3.org/2003/InkML">
+  <inkml:definitions>
+    <inkml:context xml:id="ctx0">
+      <inkml:inkSource xml:id="inkSrc0">
+        <inkml:traceFormat>
+          <inkml:channel name="X" type="integer" min="-2.14748E9" max="2.14748E9" units="cm"/>
+          <inkml:channel name="Y" type="integer" min="-2.14748E9" max="2.14748E9" units="cm"/>
+          <inkml:channel name="F" type="integer" max="32767" units="dev"/>
+          <inkml:channel name="OA" type="integer" max="360" units="deg"/>
+          <inkml:channel name="OE" type="integer" max="90" units="deg"/>
+        </inkml:traceFormat>
+        <inkml:channelProperties>
+          <inkml:channelProperty channel="X" name="resolution" value="1000" units="1/cm"/>
+          <inkml:channelProperty channel="Y" name="resolution" value="1000" units="1/cm"/>
+          <inkml:channelProperty channel="F" name="resolution" value="0" units="1/dev"/>
+          <inkml:channelProperty channel="OA" name="resolution" value="1000" units="1/deg"/>
+          <inkml:channelProperty channel="OE" name="resolution" value="1000" units="1/deg"/>
+        </inkml:channelProperties>
+      </inkml:inkSource>
+      <inkml:timestamp xml:id="ts0" timeString="2024-11-07T22:22:26.470"/>
+    </inkml:context>
+    <inkml:brush xml:id="br0">
+      <inkml:brushProperty name="width" value="0.05" units="cm"/>
+      <inkml:brushProperty name="height" value="0.05" units="cm"/>
+    </inkml:brush>
+  </inkml:definitions>
+  <inkml:trace contextRef="#ctx0" brushRef="#br0">1 26 9527 0 0,'3'-10'4226'0'0,"2"19"-705"0"0,-3-5-4084 0 0,36 79 1235 0 0,-35-63-826 0 0,-3-20 150 0 0,0 0 1 0 0,0 0-1 0 0,0 0 1 0 0,0 0-1 0 0,0 0 1 0 0,0 0-1 0 0,0 0 1 0 0,0 0-1 0 0,0 0 1 0 0,0 0-1 0 0,0 0 1 0 0,0 0-1 0 0,0 0 1 0 0,0 0-1 0 0,0 0 1 0 0,0 0-1 0 0,0 0 1 0 0,0 0-1 0 0,0 0 1 0 0,0 0-1 0 0,0 0 1 0 0,0 0-1 0 0,-1 0 1 0 0,1 0-1 0 0,0 0 1 0 0,0 0-1 0 0,0 0 1 0 0,0 0-1 0 0,0 0 1 0 0,0 1-1 0 0,0-1 1 0 0,0 0-1 0 0,0 0 1 0 0,0 0-1 0 0,0 0 1 0 0,0 0-1 0 0,0 0 1 0 0,0 0-1 0 0,0 0 1 0 0,0 0-1 0 0,0 0 1 0 0,-2-13-149 0 0,0 4-315 0 0,0-3 38 0 0,1-1 0 0 0,0-18 0 0 0,1 28 416 0 0,0 0 0 0 0,0 0 0 0 0,1 0 0 0 0,-1 0 0 0 0,1 0 0 0 0,0 0 0 0 0,0 0 0 0 0,0 0 0 0 0,0 0 0 0 0,0 1 0 0 0,1-1-1 0 0,-1 0 1 0 0,1 1 0 0 0,0-1 0 0 0,3-3 0 0 0,-5 6 0 0 0,1-1 0 0 0,-1 0-1 0 0,1 1 1 0 0,-1 0 0 0 0,1-1 0 0 0,0 1-1 0 0,-1-1 1 0 0,1 1 0 0 0,-1 0-1 0 0,1-1 1 0 0,0 1 0 0 0,0 0-1 0 0,-1 0 1 0 0,1-1 0 0 0,0 1 0 0 0,-1 0-1 0 0,1 0 1 0 0,0 0 0 0 0,0 0-1 0 0,-1 0 1 0 0,1 0 0 0 0,0 0 0 0 0,0 0-1 0 0,-1 0 1 0 0,2 1 0 0 0,-1-1 26 0 0,1 1-1 0 0,-1 0 1 0 0,0 0 0 0 0,0 0 0 0 0,1 0 0 0 0,-1 0-1 0 0,0 0 1 0 0,0 0 0 0 0,0 0 0 0 0,0 0 0 0 0,1 3 0 0 0,3 3 237 0 0,-1 1 0 0 0,0 0 1 0 0,3 11-1 0 0,-5-15-94 0 0,2 8 328 0 0,1 0-1572 0 0,-6-26-1034 0 0,1 10 2099 0 0,-1 0-1 0 0,1 0 1 0 0,0 0-1 0 0,0 1 1 0 0,1-1-1 0 0,-1 0 1 0 0,1 0-1 0 0,-1 1 1 0 0,1-1-1 0 0,1 0 0 0 0,1-4 1 0 0,-2 6 47 0 0,-1 1-1 0 0,1 0 1 0 0,0 0 0 0 0,-1 0 0 0 0,1 0-1 0 0,0 0 1 0 0,0 1 0 0 0,0-1 0 0 0,0 0-1 0 0,0 0 1 0 0,0 0 0 0 0,0 1 0 0 0,0-1-1 0 0,0 1 1 0 0,0-1 0 0 0,0 1 0 0 0,1-1-1 0 0,-1 1 1 0 0,0 0 0 0 0,0-1 0 0 0,1 1 0 0 0,-1 0-1 0 0,0 0 1 0 0,0 0 0 0 0,1 0 0 0 0,-1 0-1 0 0,0 0 1 0 0,0 0 0 0 0,0 0 0 0 0,1 1-1 0 0,-1-1 1 0 0,0 0 0 0 0,0 1 0 0 0,0-1-1 0 0,1 1 1 0 0,-1-1 0 0 0,0 1 0 0 0,1 1-1 0 0,0-1 74 0 0,1 1 0 0 0,-1 0 0 0 0,0 0-1 0 0,1 1 1 0 0,-1-1 0 0 0,0 0 0 0 0,-1 1 0 0 0,1-1-1 0 0,0 1 1 0 0,-1 0 0 0 0,1-1 0 0 0,-1 1 0 0 0,0 0-1 0 0,0 0 1 0 0,0 0 0 0 0,0 0 0 0 0,-1 0 0 0 0,1 0-1 0 0,-1 0 1 0 0,0 0 0 0 0,1 0 0 0 0,-1 0 0 0 0,-1 0-1 0 0,1 4 1 0 0,-1-6-150 0 0,1-1 1 0 0,0 0-1 0 0,0 0 0 0 0,0 1 0 0 0,0-1 1 0 0,0 0-1 0 0,0 1 0 0 0,0-1 0 0 0,0 0 1 0 0,-1 0-1 0 0,1 1 0 0 0,0-1 0 0 0,0 0 1 0 0,0 0-1 0 0,-1 1 0 0 0,1-1 0 0 0,0 0 1 0 0,0 0-1 0 0,-1 0 0 0 0,1 0 0 0 0,0 1 1 0 0,0-1-1 0 0,-1 0 0 0 0,1 0 0 0 0,0 0 0 0 0,-1 0 1 0 0,1 0-1 0 0,0 0 0 0 0,0 0 0 0 0,-1 0 1 0 0,1 0-1 0 0,0 0 0 0 0,-1 0 0 0 0,-9-6-3933 0 0,-7-14-4915 0 0,11 11 7846 0 0</inkml:trace>
+</inkml:ink>
+</file>
+
+<file path=ppt/ink/ink50.xml><?xml version="1.0" encoding="utf-8"?>
+<inkml:ink xmlns:inkml="http://www.w3.org/2003/InkML">
+  <inkml:definitions>
+    <inkml:context xml:id="ctx0">
+      <inkml:inkSource xml:id="inkSrc0">
+        <inkml:traceFormat>
+          <inkml:channel name="X" type="integer" min="-2.14748E9" max="2.14748E9" units="cm"/>
+          <inkml:channel name="Y" type="integer" min="-2.14748E9" max="2.14748E9" units="cm"/>
+          <inkml:channel name="F" type="integer" max="32767" units="dev"/>
+          <inkml:channel name="OA" type="integer" max="360" units="deg"/>
+          <inkml:channel name="OE" type="integer" max="90" units="deg"/>
+        </inkml:traceFormat>
+        <inkml:channelProperties>
+          <inkml:channelProperty channel="X" name="resolution" value="1000" units="1/cm"/>
+          <inkml:channelProperty channel="Y" name="resolution" value="1000" units="1/cm"/>
+          <inkml:channelProperty channel="F" name="resolution" value="0" units="1/dev"/>
+          <inkml:channelProperty channel="OA" name="resolution" value="1000" units="1/deg"/>
+          <inkml:channelProperty channel="OE" name="resolution" value="1000" units="1/deg"/>
+        </inkml:channelProperties>
+      </inkml:inkSource>
+      <inkml:timestamp xml:id="ts0" timeString="2024-11-07T22:21:18.238"/>
+    </inkml:context>
+    <inkml:brush xml:id="br0">
+      <inkml:brushProperty name="width" value="0.05" units="cm"/>
+      <inkml:brushProperty name="height" value="0.05" units="cm"/>
+    </inkml:brush>
+  </inkml:definitions>
+  <inkml:trace contextRef="#ctx0" brushRef="#br0">0 16 12295 0 0,'0'0'944'0'0,"6"13"578"0"0,6 21-908 0 0,-1 0 1 0 0,-1 1 0 0 0,5 38-1 0 0,-15-73-710 0 0,-4-9-860 0 0,-1-3 875 0 0,1 0 1 0 0,1 0-1 0 0,0 0 0 0 0,1 0 0 0 0,0-1 0 0 0,1 1 1 0 0,1 0-1 0 0,0-1 0 0 0,2-17 0 0 0,-2 27 151 0 0,1 0-1 0 0,0 0 1 0 0,0 0-1 0 0,0 0 1 0 0,0 0-1 0 0,1 0 1 0 0,-1 0-1 0 0,1 0 1 0 0,0 1 0 0 0,0-1-1 0 0,0 1 1 0 0,0-1-1 0 0,0 1 1 0 0,5-4-1 0 0,-5 4-254 0 0,0 1 1 0 0,0 0-1 0 0,0 0 0 0 0,0 0 0 0 0,1 0 1 0 0,-1 0-1 0 0,0 0 0 0 0,1 1 0 0 0,-1-1 0 0 0,0 1 1 0 0,1-1-1 0 0,-1 1 0 0 0,0 0 0 0 0,1 0 1 0 0,-1 0-1 0 0,1 0 0 0 0,-1 1 0 0 0,0-1 1 0 0,1 1-1 0 0,3 0 0 0 0,2 5-3456 0 0,5 2-4241 0 0</inkml:trace>
+</inkml:ink>
+</file>
+
+<file path=ppt/ink/ink51.xml><?xml version="1.0" encoding="utf-8"?>
+<inkml:ink xmlns:inkml="http://www.w3.org/2003/InkML">
+  <inkml:definitions>
+    <inkml:context xml:id="ctx0">
+      <inkml:inkSource xml:id="inkSrc0">
+        <inkml:traceFormat>
+          <inkml:channel name="X" type="integer" min="-2.14748E9" max="2.14748E9" units="cm"/>
+          <inkml:channel name="Y" type="integer" min="-2.14748E9" max="2.14748E9" units="cm"/>
+          <inkml:channel name="F" type="integer" max="32767" units="dev"/>
+          <inkml:channel name="OA" type="integer" max="360" units="deg"/>
+          <inkml:channel name="OE" type="integer" max="90" units="deg"/>
+        </inkml:traceFormat>
+        <inkml:channelProperties>
+          <inkml:channelProperty channel="X" name="resolution" value="1000" units="1/cm"/>
+          <inkml:channelProperty channel="Y" name="resolution" value="1000" units="1/cm"/>
+          <inkml:channelProperty channel="F" name="resolution" value="0" units="1/dev"/>
+          <inkml:channelProperty channel="OA" name="resolution" value="1000" units="1/deg"/>
+          <inkml:channelProperty channel="OE" name="resolution" value="1000" units="1/deg"/>
+        </inkml:channelProperties>
+      </inkml:inkSource>
+      <inkml:timestamp xml:id="ts0" timeString="2024-11-07T22:21:18.670"/>
+    </inkml:context>
+    <inkml:brush xml:id="br0">
+      <inkml:brushProperty name="width" value="0.05" units="cm"/>
+      <inkml:brushProperty name="height" value="0.05" units="cm"/>
+    </inkml:brush>
+  </inkml:definitions>
+  <inkml:trace contextRef="#ctx0" brushRef="#br0">0 10 7423 0 0,'0'0'4482'0'0,"19"0"-1085"0"0,-15 0-3213 0 0,37-4 781 0 0,-15-2-3482 0 0</inkml:trace>
+</inkml:ink>
+</file>
+
+<file path=ppt/ink/ink52.xml><?xml version="1.0" encoding="utf-8"?>
+<inkml:ink xmlns:inkml="http://www.w3.org/2003/InkML">
+  <inkml:definitions>
+    <inkml:context xml:id="ctx0">
+      <inkml:inkSource xml:id="inkSrc0">
+        <inkml:traceFormat>
+          <inkml:channel name="X" type="integer" min="-2.14748E9" max="2.14748E9" units="cm"/>
+          <inkml:channel name="Y" type="integer" min="-2.14748E9" max="2.14748E9" units="cm"/>
+          <inkml:channel name="F" type="integer" max="32767" units="dev"/>
+          <inkml:channel name="OA" type="integer" max="360" units="deg"/>
+          <inkml:channel name="OE" type="integer" max="90" units="deg"/>
+        </inkml:traceFormat>
+        <inkml:channelProperties>
+          <inkml:channelProperty channel="X" name="resolution" value="1000" units="1/cm"/>
+          <inkml:channelProperty channel="Y" name="resolution" value="1000" units="1/cm"/>
+          <inkml:channelProperty channel="F" name="resolution" value="0" units="1/dev"/>
+          <inkml:channelProperty channel="OA" name="resolution" value="1000" units="1/deg"/>
+          <inkml:channelProperty channel="OE" name="resolution" value="1000" units="1/deg"/>
+        </inkml:channelProperties>
+      </inkml:inkSource>
+      <inkml:timestamp xml:id="ts0" timeString="2024-11-07T22:21:34.269"/>
+    </inkml:context>
+    <inkml:brush xml:id="br0">
+      <inkml:brushProperty name="width" value="0.05" units="cm"/>
+      <inkml:brushProperty name="height" value="0.05" units="cm"/>
+    </inkml:brush>
+  </inkml:definitions>
+  <inkml:trace contextRef="#ctx0" brushRef="#br0">0 7 4199 0 0,'9'-7'11184'0'0,"-8"20"-10539"0"0,0 0 0 0 0,3 12 0 0 0,2 24-1621 0 0,-6-28-42 0 0</inkml:trace>
+</inkml:ink>
+</file>
+
+<file path=ppt/ink/ink53.xml><?xml version="1.0" encoding="utf-8"?>
+<inkml:ink xmlns:inkml="http://www.w3.org/2003/InkML">
+  <inkml:definitions>
+    <inkml:context xml:id="ctx0">
+      <inkml:inkSource xml:id="inkSrc0">
+        <inkml:traceFormat>
+          <inkml:channel name="X" type="integer" min="-2.14748E9" max="2.14748E9" units="cm"/>
+          <inkml:channel name="Y" type="integer" min="-2.14748E9" max="2.14748E9" units="cm"/>
+          <inkml:channel name="F" type="integer" max="32767" units="dev"/>
+          <inkml:channel name="OA" type="integer" max="360" units="deg"/>
+          <inkml:channel name="OE" type="integer" max="90" units="deg"/>
+        </inkml:traceFormat>
+        <inkml:channelProperties>
+          <inkml:channelProperty channel="X" name="resolution" value="1000" units="1/cm"/>
+          <inkml:channelProperty channel="Y" name="resolution" value="1000" units="1/cm"/>
+          <inkml:channelProperty channel="F" name="resolution" value="0" units="1/dev"/>
+          <inkml:channelProperty channel="OA" name="resolution" value="1000" units="1/deg"/>
+          <inkml:channelProperty channel="OE" name="resolution" value="1000" units="1/deg"/>
+        </inkml:channelProperties>
+      </inkml:inkSource>
+      <inkml:timestamp xml:id="ts0" timeString="2024-11-07T22:21:35.794"/>
+    </inkml:context>
+    <inkml:brush xml:id="br0">
+      <inkml:brushProperty name="width" value="0.05" units="cm"/>
+      <inkml:brushProperty name="height" value="0.05" units="cm"/>
+    </inkml:brush>
+  </inkml:definitions>
+  <inkml:trace contextRef="#ctx0" brushRef="#br0">1 0 10391 0 0,'12'13'1124'0'0,"5"5"306"0"0,23 19-1 0 0,-21-21-285 0 0,-9-6-934 0 0,-1 0 0 0 0,0 0-1 0 0,0 1 1 0 0,-1 0 0 0 0,0 0 0 0 0,-1 1 0 0 0,0 0 0 0 0,-1 1 0 0 0,0-1-1 0 0,-1 1 1 0 0,0 0 0 0 0,-1 1 0 0 0,-1-1 0 0 0,3 22 0 0 0,-4-16-185 0 0,-1 1 0 0 0,-1 0 1 0 0,-1 0-1 0 0,-1 0 0 0 0,-1 0 1 0 0,0-1-1 0 0,-1 1 1 0 0,-2-1-1 0 0,-11 30 0 0 0,13-40 56 0 0,-21 47 464 0 0,22-49-590 0 0,0-1 0 0 0,-1-1 0 0 0,0 1 0 0 0,0 0 0 0 0,0-1 0 0 0,-10 9 0 0 0,14-14-10 0 0,0 0 0 0 0,0 0 0 0 0,0 1 0 0 0,-1-1 0 0 0,1 0 0 0 0,0 0 0 0 0,0 0 0 0 0,0 0 0 0 0,-1 1 0 0 0,1-1 0 0 0,0 0 0 0 0,0 0 0 0 0,-1 0 0 0 0,1 0 0 0 0,0 0 0 0 0,-1 0 0 0 0,1 0 0 0 0,0 0 0 0 0,0 0 0 0 0,-1 0 0 0 0,1 0 0 0 0,0 0 0 0 0,0 0 0 0 0,-1 0 0 0 0,1 0 0 0 0,0 0 0 0 0,-1 0 0 0 0,1 0 0 0 0,0 0 0 0 0,0 0 0 0 0,-1 0 0 0 0,1 0 0 0 0,0 0 0 0 0,-1-1 0 0 0,-2-9-3983 0 0,2-19-3666 0 0,2 26 7118 0 0,0-17-3232 0 0,1 9 3138 0 0</inkml:trace>
+</inkml:ink>
+</file>
+
+<file path=ppt/ink/ink54.xml><?xml version="1.0" encoding="utf-8"?>
+<inkml:ink xmlns:inkml="http://www.w3.org/2003/InkML">
+  <inkml:definitions>
+    <inkml:context xml:id="ctx0">
+      <inkml:inkSource xml:id="inkSrc0">
+        <inkml:traceFormat>
+          <inkml:channel name="X" type="integer" min="-2.14748E9" max="2.14748E9" units="cm"/>
+          <inkml:channel name="Y" type="integer" min="-2.14748E9" max="2.14748E9" units="cm"/>
+          <inkml:channel name="F" type="integer" max="32767" units="dev"/>
+          <inkml:channel name="OA" type="integer" max="360" units="deg"/>
+          <inkml:channel name="OE" type="integer" max="90" units="deg"/>
+        </inkml:traceFormat>
+        <inkml:channelProperties>
+          <inkml:channelProperty channel="X" name="resolution" value="1000" units="1/cm"/>
+          <inkml:channelProperty channel="Y" name="resolution" value="1000" units="1/cm"/>
+          <inkml:channelProperty channel="F" name="resolution" value="0" units="1/dev"/>
+          <inkml:channelProperty channel="OA" name="resolution" value="1000" units="1/deg"/>
+          <inkml:channelProperty channel="OE" name="resolution" value="1000" units="1/deg"/>
+        </inkml:channelProperties>
+      </inkml:inkSource>
+      <inkml:timestamp xml:id="ts0" timeString="2024-11-07T22:21:36.274"/>
+    </inkml:context>
+    <inkml:brush xml:id="br0">
+      <inkml:brushProperty name="width" value="0.05" units="cm"/>
+      <inkml:brushProperty name="height" value="0.05" units="cm"/>
+    </inkml:brush>
+  </inkml:definitions>
+  <inkml:trace contextRef="#ctx0" brushRef="#br0">8 3 8175 0 0,'12'-1'3122'0'0,"13"-1"-191"0"0,-25 2-2940 0 0,1 0 1 0 0,0 0-1 0 0,0 0 1 0 0,-1 0-1 0 0,1 1 1 0 0,0-1-1 0 0,0 0 1 0 0,0 0-1 0 0,-1 0 1 0 0,1 1-1 0 0,0-1 1 0 0,-1 0-1 0 0,1 1 1 0 0,0-1-1 0 0,-1 1 1 0 0,1-1-1 0 0,0 1 1 0 0,-1-1-1 0 0,1 1 1 0 0,-1-1-1 0 0,1 1 1 0 0,-1 0-1 0 0,1-1 1 0 0,0 2-1 0 0,-1-1 23 0 0,0 0 1 0 0,0 0-1 0 0,0 0 0 0 0,0 0 0 0 0,0 0 0 0 0,0 0 1 0 0,0 0-1 0 0,0 0 0 0 0,-1 0 0 0 0,1 1 0 0 0,0-1 1 0 0,-1 0-1 0 0,1 0 0 0 0,0 0 0 0 0,-1 0 0 0 0,0 0 1 0 0,1-1-1 0 0,-1 1 0 0 0,0 1 0 0 0,-17 19 622 0 0,14-17-452 0 0,-29 30 3268 0 0,51-31-2942 0 0,1 2-939 0 0,23 4-1456 0 0,-28-7-2346 0 0,-1 0-3340 0 0,-9-2 4413 0 0</inkml:trace>
+</inkml:ink>
+</file>
+
+<file path=ppt/ink/ink55.xml><?xml version="1.0" encoding="utf-8"?>
+<inkml:ink xmlns:inkml="http://www.w3.org/2003/InkML">
+  <inkml:definitions>
+    <inkml:context xml:id="ctx0">
+      <inkml:inkSource xml:id="inkSrc0">
+        <inkml:traceFormat>
+          <inkml:channel name="X" type="integer" min="-2.14748E9" max="2.14748E9" units="cm"/>
+          <inkml:channel name="Y" type="integer" min="-2.14748E9" max="2.14748E9" units="cm"/>
+          <inkml:channel name="F" type="integer" max="32767" units="dev"/>
+          <inkml:channel name="OA" type="integer" max="360" units="deg"/>
+          <inkml:channel name="OE" type="integer" max="90" units="deg"/>
+        </inkml:traceFormat>
+        <inkml:channelProperties>
+          <inkml:channelProperty channel="X" name="resolution" value="1000" units="1/cm"/>
+          <inkml:channelProperty channel="Y" name="resolution" value="1000" units="1/cm"/>
+          <inkml:channelProperty channel="F" name="resolution" value="0" units="1/dev"/>
+          <inkml:channelProperty channel="OA" name="resolution" value="1000" units="1/deg"/>
+          <inkml:channelProperty channel="OE" name="resolution" value="1000" units="1/deg"/>
+        </inkml:channelProperties>
+      </inkml:inkSource>
+      <inkml:timestamp xml:id="ts0" timeString="2024-11-07T22:21:36.630"/>
+    </inkml:context>
+    <inkml:brush xml:id="br0">
+      <inkml:brushProperty name="width" value="0.05" units="cm"/>
+      <inkml:brushProperty name="height" value="0.05" units="cm"/>
+    </inkml:brush>
+  </inkml:definitions>
+  <inkml:trace contextRef="#ctx0" brushRef="#br0">0 20 14279 0 0,'0'0'1103'0'0,"14"-6"282"0"0,0 4-1814 0 0,0 0 0 0 0,18 1-1 0 0,0 0-4066 0 0,0-3-4852 0 0,-21 1 8256 0 0</inkml:trace>
+</inkml:ink>
+</file>
+
+<file path=ppt/ink/ink56.xml><?xml version="1.0" encoding="utf-8"?>
+<inkml:ink xmlns:inkml="http://www.w3.org/2003/InkML">
+  <inkml:definitions>
+    <inkml:context xml:id="ctx0">
+      <inkml:inkSource xml:id="inkSrc0">
+        <inkml:traceFormat>
+          <inkml:channel name="X" type="integer" min="-2.14748E9" max="2.14748E9" units="cm"/>
+          <inkml:channel name="Y" type="integer" min="-2.14748E9" max="2.14748E9" units="cm"/>
+          <inkml:channel name="F" type="integer" max="32767" units="dev"/>
+          <inkml:channel name="OA" type="integer" max="360" units="deg"/>
+          <inkml:channel name="OE" type="integer" max="90" units="deg"/>
+        </inkml:traceFormat>
+        <inkml:channelProperties>
+          <inkml:channelProperty channel="X" name="resolution" value="1000" units="1/cm"/>
+          <inkml:channelProperty channel="Y" name="resolution" value="1000" units="1/cm"/>
+          <inkml:channelProperty channel="F" name="resolution" value="0" units="1/dev"/>
+          <inkml:channelProperty channel="OA" name="resolution" value="1000" units="1/deg"/>
+          <inkml:channelProperty channel="OE" name="resolution" value="1000" units="1/deg"/>
+        </inkml:channelProperties>
+      </inkml:inkSource>
+      <inkml:timestamp xml:id="ts0" timeString="2024-11-07T22:21:37.143"/>
+    </inkml:context>
+    <inkml:brush xml:id="br0">
+      <inkml:brushProperty name="width" value="0.05" units="cm"/>
+      <inkml:brushProperty name="height" value="0.05" units="cm"/>
+    </inkml:brush>
+  </inkml:definitions>
+  <inkml:trace contextRef="#ctx0" brushRef="#br0">81 1 9527 0 0,'-3'1'835'0'0,"1"1"-1"0"0,-1 0 0 0 0,0 0 0 0 0,1 0 1 0 0,0 0-1 0 0,0 1 0 0 0,-3 2 0 0 0,-11 23 1397 0 0,9-11-2153 0 0,-7 28 0 0 0,11-36 365 0 0,-2 12-401 0 0,0 1 1 0 0,1 0-1 0 0,2 0 0 0 0,0 0 0 0 0,1 0 1 0 0,1 0-1 0 0,1 0 0 0 0,1 0 1 0 0,1 0-1 0 0,1 0 0 0 0,1-1 0 0 0,9 25 1 0 0,-11-40-76 0 0,-1-1 0 0 0,1 1 0 0 0,1-1 0 0 0,-1 0 0 0 0,1 0 1 0 0,0 0-1 0 0,0-1 0 0 0,0 1 0 0 0,0-1 0 0 0,1 0 1 0 0,5 3-1 0 0,-8-5-293 0 0,0-1-1 0 0,0 0 1 0 0,0 0 0 0 0,1 0 0 0 0,-1 0 0 0 0,0 0 0 0 0,1-1-1 0 0,-1 1 1 0 0,0-1 0 0 0,1 1 0 0 0,-1-1 0 0 0,6 0 0 0 0,-6 0-407 0 0,0 0 1 0 0,0-1 0 0 0,0 1 0 0 0,0-1 0 0 0,0 0 0 0 0,0 0 0 0 0,-1 0 0 0 0,1 0 0 0 0,0 0 0 0 0,0 0 0 0 0,-1 0 0 0 0,1 0 0 0 0,0-1 0 0 0,-1 1 0 0 0,1-1 0 0 0,-1 1 0 0 0,2-3 0 0 0,3-5-479 0 0</inkml:trace>
+</inkml:ink>
+</file>
+
+<file path=ppt/ink/ink57.xml><?xml version="1.0" encoding="utf-8"?>
+<inkml:ink xmlns:inkml="http://www.w3.org/2003/InkML">
+  <inkml:definitions>
+    <inkml:context xml:id="ctx0">
+      <inkml:inkSource xml:id="inkSrc0">
+        <inkml:traceFormat>
+          <inkml:channel name="X" type="integer" min="-2.14748E9" max="2.14748E9" units="cm"/>
+          <inkml:channel name="Y" type="integer" min="-2.14748E9" max="2.14748E9" units="cm"/>
+          <inkml:channel name="F" type="integer" max="32767" units="dev"/>
+          <inkml:channel name="OA" type="integer" max="360" units="deg"/>
+          <inkml:channel name="OE" type="integer" max="90" units="deg"/>
+        </inkml:traceFormat>
+        <inkml:channelProperties>
+          <inkml:channelProperty channel="X" name="resolution" value="1000" units="1/cm"/>
+          <inkml:channelProperty channel="Y" name="resolution" value="1000" units="1/cm"/>
+          <inkml:channelProperty channel="F" name="resolution" value="0" units="1/dev"/>
+          <inkml:channelProperty channel="OA" name="resolution" value="1000" units="1/deg"/>
+          <inkml:channelProperty channel="OE" name="resolution" value="1000" units="1/deg"/>
+        </inkml:channelProperties>
+      </inkml:inkSource>
+      <inkml:timestamp xml:id="ts0" timeString="2024-11-07T22:21:37.494"/>
+    </inkml:context>
+    <inkml:brush xml:id="br0">
+      <inkml:brushProperty name="width" value="0.05" units="cm"/>
+      <inkml:brushProperty name="height" value="0.05" units="cm"/>
+    </inkml:brush>
+  </inkml:definitions>
+  <inkml:trace contextRef="#ctx0" brushRef="#br0">0 7 15087 0 0,'0'0'1164'0'0,"5"15"184"0"0,-3-7-1328 0 0,0 0 0 0 0,0 0 0 0 0,1 0 0 0 0,0 0 0 0 0,5 9 0 0 0,-5-11 21 0 0,1 0 1 0 0,-2 1-1 0 0,1 0 0 0 0,-1-1 1 0 0,0 1-1 0 0,0 0 1 0 0,1 14-1 0 0,-3-21-133 0 0,-8-17-515 0 0,5 10 619 0 0,1-1-1 0 0,-1 1 0 0 0,1 0 1 0 0,1-1-1 0 0,0 1 0 0 0,0-1 1 0 0,0 0-1 0 0,1 1 0 0 0,0-1 1 0 0,0 0-1 0 0,3-12 0 0 0,-3 19-40 0 0,1-1 0 0 0,0 1 0 0 0,-1 0 0 0 0,1-1 0 0 0,0 1 1 0 0,0 0-1 0 0,0-1 0 0 0,0 1 0 0 0,0 0 0 0 0,0 0 0 0 0,0 0 0 0 0,0 0 0 0 0,1 0 0 0 0,-1 0 0 0 0,0 0 0 0 0,1 1 0 0 0,-1-1 0 0 0,0 0 0 0 0,1 1 0 0 0,-1-1 0 0 0,1 1 0 0 0,1-1 0 0 0,17-2-4044 0 0,-2 3-6914 0 0,-11 0 9785 0 0</inkml:trace>
+</inkml:ink>
+</file>
+
+<file path=ppt/ink/ink58.xml><?xml version="1.0" encoding="utf-8"?>
+<inkml:ink xmlns:inkml="http://www.w3.org/2003/InkML">
+  <inkml:definitions>
+    <inkml:context xml:id="ctx0">
+      <inkml:inkSource xml:id="inkSrc0">
+        <inkml:traceFormat>
+          <inkml:channel name="X" type="integer" min="-2.14748E9" max="2.14748E9" units="cm"/>
+          <inkml:channel name="Y" type="integer" min="-2.14748E9" max="2.14748E9" units="cm"/>
+          <inkml:channel name="F" type="integer" max="32767" units="dev"/>
+          <inkml:channel name="OA" type="integer" max="360" units="deg"/>
+          <inkml:channel name="OE" type="integer" max="90" units="deg"/>
+        </inkml:traceFormat>
+        <inkml:channelProperties>
+          <inkml:channelProperty channel="X" name="resolution" value="1000" units="1/cm"/>
+          <inkml:channelProperty channel="Y" name="resolution" value="1000" units="1/cm"/>
+          <inkml:channelProperty channel="F" name="resolution" value="0" units="1/dev"/>
+          <inkml:channelProperty channel="OA" name="resolution" value="1000" units="1/deg"/>
+          <inkml:channelProperty channel="OE" name="resolution" value="1000" units="1/deg"/>
+        </inkml:channelProperties>
+      </inkml:inkSource>
+      <inkml:timestamp xml:id="ts0" timeString="2024-11-07T22:21:37.866"/>
+    </inkml:context>
+    <inkml:brush xml:id="br0">
+      <inkml:brushProperty name="width" value="0.05" units="cm"/>
+      <inkml:brushProperty name="height" value="0.05" units="cm"/>
+    </inkml:brush>
+  </inkml:definitions>
+  <inkml:trace contextRef="#ctx0" brushRef="#br0">0 4 11255 0 0,'0'0'867'0'0,"19"0"2820"0"0,0 1-1977 0 0,5-1-3645 0 0,-10-1-9134 0 0,-5-3 7224 0 0</inkml:trace>
+</inkml:ink>
+</file>
+
+<file path=ppt/ink/ink59.xml><?xml version="1.0" encoding="utf-8"?>
+<inkml:ink xmlns:inkml="http://www.w3.org/2003/InkML">
+  <inkml:definitions>
+    <inkml:context xml:id="ctx0">
+      <inkml:inkSource xml:id="inkSrc0">
+        <inkml:traceFormat>
+          <inkml:channel name="X" type="integer" min="-2.14748E9" max="2.14748E9" units="cm"/>
+          <inkml:channel name="Y" type="integer" min="-2.14748E9" max="2.14748E9" units="cm"/>
+          <inkml:channel name="F" type="integer" max="32767" units="dev"/>
+          <inkml:channel name="OA" type="integer" max="360" units="deg"/>
+          <inkml:channel name="OE" type="integer" max="90" units="deg"/>
+        </inkml:traceFormat>
+        <inkml:channelProperties>
+          <inkml:channelProperty channel="X" name="resolution" value="1000" units="1/cm"/>
+          <inkml:channelProperty channel="Y" name="resolution" value="1000" units="1/cm"/>
+          <inkml:channelProperty channel="F" name="resolution" value="0" units="1/dev"/>
+          <inkml:channelProperty channel="OA" name="resolution" value="1000" units="1/deg"/>
+          <inkml:channelProperty channel="OE" name="resolution" value="1000" units="1/deg"/>
+        </inkml:channelProperties>
+      </inkml:inkSource>
+      <inkml:timestamp xml:id="ts0" timeString="2024-11-07T22:23:00.944"/>
+    </inkml:context>
+    <inkml:brush xml:id="br0">
+      <inkml:brushProperty name="width" value="0.05" units="cm"/>
+      <inkml:brushProperty name="height" value="0.05" units="cm"/>
+    </inkml:brush>
+  </inkml:definitions>
+  <inkml:trace contextRef="#ctx0" brushRef="#br0">38 1 8431 0 0,'1'1'10261'0'0,"-1"1"-10638"0"0,-3 6 677 0 0,0 1-1 0 0,0-1 0 0 0,-1 0 1 0 0,0 0-1 0 0,-7 10 1 0 0,1-1-245 0 0,10-17-61 0 0,0 0-1 0 0,0 0 1 0 0,0 1-1 0 0,0-1 1 0 0,0 0 0 0 0,-1 0-1 0 0,1 0 1 0 0,0 0-1 0 0,0 0 1 0 0,0 0-1 0 0,0 1 1 0 0,0-1-1 0 0,0 0 1 0 0,0 0 0 0 0,0 0-1 0 0,0 0 1 0 0,0 0-1 0 0,0 1 1 0 0,0-1-1 0 0,0 0 1 0 0,0 0 0 0 0,0 0-1 0 0,0 0 1 0 0,0 0-1 0 0,0 0 1 0 0,0 1-1 0 0,1-1 1 0 0,-1 0-1 0 0,0 0 1 0 0,0 0 0 0 0,0 0-1 0 0,0 0 1 0 0,0 0-1 0 0,0 0 1 0 0,0 1-1 0 0,0-1 1 0 0,0 0 0 0 0,0 0-1 0 0,1 0 1 0 0,6 1-248 0 0,10-2-54 0 0,-16 0 303 0 0,88-13 309 0 0,-89 14-314 0 0,0 0-1 0 0,0 0 0 0 0,0 0 1 0 0,0 0-1 0 0,0 0 0 0 0,0 0 1 0 0,0 0-1 0 0,0 0 0 0 0,0 0 1 0 0,0 0-1 0 0,0 0 1 0 0,0 0-1 0 0,0 0 0 0 0,0 0 1 0 0,0 0-1 0 0,0 0 0 0 0,-1 0 1 0 0,1 0-1 0 0,0 0 1 0 0,0 0-1 0 0,0 0 0 0 0,0 0 1 0 0,0 0-1 0 0,0 0 0 0 0,0 0 1 0 0,0 0-1 0 0,0 0 0 0 0,0 0 1 0 0,0 0-1 0 0,0-1 1 0 0,0 1-1 0 0,0 0 0 0 0,0 0 1 0 0,0 0-1 0 0,0 0 0 0 0,0 0 1 0 0,0 0-1 0 0,0 0 0 0 0,0 0 1 0 0,0 0-1 0 0,0 0 1 0 0,0 0-1 0 0,0 0 0 0 0,0 0 1 0 0,0 0-1 0 0,0 0 0 0 0,0-1 1 0 0,0 1-1 0 0,0 0 0 0 0,0 0 1 0 0,0 0-1 0 0,0 0 1 0 0,0 0-1 0 0,0 0 0 0 0,0 0 1 0 0,0 0-1 0 0,0 0 0 0 0,0 0 1 0 0,0 0-1 0 0,1 0 1 0 0,-1 0-1 0 0,0 0 0 0 0,0 0 1 0 0,0 0-1 0 0,0 0 0 0 0,0 0 1 0 0,0 0-1 0 0,0 0 0 0 0,0 0 1 0 0,-8-5-289 0 0,-10-3 190 0 0,13 6 90 0 0,1 0-20 0 0,1 1-1 0 0,-1-1 0 0 0,0 1 0 0 0,1-1 1 0 0,-1 0-1 0 0,1 0 0 0 0,-1-1 0 0 0,1 1 1 0 0,0-1-1 0 0,0 0 0 0 0,-3-3 0 0 0,6 6-99 0 0,0 0-1 0 0,0 0 1 0 0,0-1 0 0 0,0 1-1 0 0,0 0 1 0 0,0 0 0 0 0,0 0-1 0 0,0-1 1 0 0,0 1 0 0 0,0 0-1 0 0,0 0 1 0 0,0 0-1 0 0,0-1 1 0 0,0 1 0 0 0,0 0-1 0 0,0 0 1 0 0,0-1 0 0 0,0 1-1 0 0,0 0 1 0 0,0 0-1 0 0,0 0 1 0 0,0-1 0 0 0,1 1-1 0 0,-1 0 1 0 0,0 0 0 0 0,0 0-1 0 0,0 0 1 0 0,0-1-1 0 0,1 1-417 0 0,-1 0 418 0 0,0 0-1 0 0,0-1 1 0 0,1 1-1 0 0,-1 0 1 0 0,15-6-12013 0 0</inkml:trace>
+</inkml:ink>
+</file>
+
+<file path=ppt/ink/ink6.xml><?xml version="1.0" encoding="utf-8"?>
+<inkml:ink xmlns:inkml="http://www.w3.org/2003/InkML">
+  <inkml:definitions>
+    <inkml:context xml:id="ctx0">
+      <inkml:inkSource xml:id="inkSrc0">
+        <inkml:traceFormat>
+          <inkml:channel name="X" type="integer" min="-2.14748E9" max="2.14748E9" units="cm"/>
+          <inkml:channel name="Y" type="integer" min="-2.14748E9" max="2.14748E9" units="cm"/>
+          <inkml:channel name="F" type="integer" max="32767" units="dev"/>
+          <inkml:channel name="OA" type="integer" max="360" units="deg"/>
+          <inkml:channel name="OE" type="integer" max="90" units="deg"/>
+        </inkml:traceFormat>
+        <inkml:channelProperties>
+          <inkml:channelProperty channel="X" name="resolution" value="1000" units="1/cm"/>
+          <inkml:channelProperty channel="Y" name="resolution" value="1000" units="1/cm"/>
+          <inkml:channelProperty channel="F" name="resolution" value="0" units="1/dev"/>
+          <inkml:channelProperty channel="OA" name="resolution" value="1000" units="1/deg"/>
+          <inkml:channelProperty channel="OE" name="resolution" value="1000" units="1/deg"/>
+        </inkml:channelProperties>
+      </inkml:inkSource>
+      <inkml:timestamp xml:id="ts0" timeString="2024-11-07T22:22:26.841"/>
+    </inkml:context>
+    <inkml:brush xml:id="br0">
+      <inkml:brushProperty name="width" value="0.05" units="cm"/>
+      <inkml:brushProperty name="height" value="0.05" units="cm"/>
+    </inkml:brush>
+  </inkml:definitions>
+  <inkml:trace contextRef="#ctx0" brushRef="#br0">0 0 14599 0 0,'0'0'1552'0'0,"2"1"-1552"0"0,1 0-384 0 0</inkml:trace>
+</inkml:ink>
+</file>
+
+<file path=ppt/ink/ink60.xml><?xml version="1.0" encoding="utf-8"?>
+<inkml:ink xmlns:inkml="http://www.w3.org/2003/InkML">
+  <inkml:definitions>
+    <inkml:context xml:id="ctx0">
+      <inkml:inkSource xml:id="inkSrc0">
+        <inkml:traceFormat>
+          <inkml:channel name="X" type="integer" min="-2.14748E9" max="2.14748E9" units="cm"/>
+          <inkml:channel name="Y" type="integer" min="-2.14748E9" max="2.14748E9" units="cm"/>
+          <inkml:channel name="F" type="integer" max="32767" units="dev"/>
+          <inkml:channel name="OA" type="integer" max="360" units="deg"/>
+          <inkml:channel name="OE" type="integer" max="90" units="deg"/>
+        </inkml:traceFormat>
+        <inkml:channelProperties>
+          <inkml:channelProperty channel="X" name="resolution" value="1000" units="1/cm"/>
+          <inkml:channelProperty channel="Y" name="resolution" value="1000" units="1/cm"/>
+          <inkml:channelProperty channel="F" name="resolution" value="0" units="1/dev"/>
+          <inkml:channelProperty channel="OA" name="resolution" value="1000" units="1/deg"/>
+          <inkml:channelProperty channel="OE" name="resolution" value="1000" units="1/deg"/>
+        </inkml:channelProperties>
+      </inkml:inkSource>
+      <inkml:timestamp xml:id="ts0" timeString="2024-11-07T22:23:01.346"/>
+    </inkml:context>
+    <inkml:brush xml:id="br0">
+      <inkml:brushProperty name="width" value="0.05" units="cm"/>
+      <inkml:brushProperty name="height" value="0.05" units="cm"/>
+    </inkml:brush>
+  </inkml:definitions>
+  <inkml:trace contextRef="#ctx0" brushRef="#br0">0 26 10879 0 0,'0'0'3086'0'0,"8"17"1323"0"0,-4-5-3707 0 0,-3-9-659 0 0,0 0 1 0 0,0 0-1 0 0,0 0 0 0 0,0 0 0 0 0,1-1 1 0 0,-1 1-1 0 0,1 0 0 0 0,0-1 0 0 0,-1 1 1 0 0,1-1-1 0 0,5 5 0 0 0,-7-7-83 0 0,0-1 0 0 0,0 1 0 0 0,1 0-1 0 0,-1 0 1 0 0,0-1 0 0 0,0 1 0 0 0,0 0 0 0 0,1-1-1 0 0,-1 1 1 0 0,0-1 0 0 0,0 1 0 0 0,0 0 0 0 0,0-1-1 0 0,0 1 1 0 0,0 0 0 0 0,0-1 0 0 0,0 1 0 0 0,0-1 0 0 0,0 1-1 0 0,0 0 1 0 0,0-1 0 0 0,0 1 0 0 0,0 0 0 0 0,0-1-1 0 0,0 1 1 0 0,0-1 0 0 0,-1 1 0 0 0,1 0 0 0 0,0-1-1 0 0,-4-15-145 0 0,-1 3 179 0 0,3 9 12 0 0,0 0 1 0 0,1 0-1 0 0,-1 0 0 0 0,1 0 1 0 0,0-1-1 0 0,0 1 1 0 0,0 0-1 0 0,0-8 1 0 0,1 11-1 0 0,1 1 0 0 0,-1 0 0 0 0,0-1 0 0 0,0 1 0 0 0,1-1 0 0 0,-1 1 0 0 0,0 0 0 0 0,0-1 1 0 0,1 1-1 0 0,-1 0 0 0 0,0 0 0 0 0,1-1 0 0 0,-1 1 0 0 0,0 0 0 0 0,1 0 0 0 0,-1-1 1 0 0,1 1-1 0 0,-1 0 0 0 0,1 0 0 0 0,-1 0 0 0 0,0 0 0 0 0,1-1 0 0 0,-1 1 0 0 0,1 0 0 0 0,-1 0 1 0 0,1 0-1 0 0,-1 0 0 0 0,0 0 0 0 0,1 0 0 0 0,-1 0 0 0 0,1 0 0 0 0,-1 1 0 0 0,1-1 1 0 0,-1 0-1 0 0,0 0 0 0 0,1 0 0 0 0,20 6-154 0 0,-17-4 94 0 0,7 1-287 0 0,16 6-1314 0 0,-12-2-6302 0 0</inkml:trace>
+</inkml:ink>
+</file>
+
+<file path=ppt/ink/ink61.xml><?xml version="1.0" encoding="utf-8"?>
+<inkml:ink xmlns:inkml="http://www.w3.org/2003/InkML">
+  <inkml:definitions>
+    <inkml:context xml:id="ctx0">
+      <inkml:inkSource xml:id="inkSrc0">
+        <inkml:traceFormat>
+          <inkml:channel name="X" type="integer" min="-2.14748E9" max="2.14748E9" units="cm"/>
+          <inkml:channel name="Y" type="integer" min="-2.14748E9" max="2.14748E9" units="cm"/>
+          <inkml:channel name="F" type="integer" max="32767" units="dev"/>
+          <inkml:channel name="OA" type="integer" max="360" units="deg"/>
+          <inkml:channel name="OE" type="integer" max="90" units="deg"/>
+        </inkml:traceFormat>
+        <inkml:channelProperties>
+          <inkml:channelProperty channel="X" name="resolution" value="1000" units="1/cm"/>
+          <inkml:channelProperty channel="Y" name="resolution" value="1000" units="1/cm"/>
+          <inkml:channelProperty channel="F" name="resolution" value="0" units="1/dev"/>
+          <inkml:channelProperty channel="OA" name="resolution" value="1000" units="1/deg"/>
+          <inkml:channelProperty channel="OE" name="resolution" value="1000" units="1/deg"/>
+        </inkml:channelProperties>
+      </inkml:inkSource>
+      <inkml:timestamp xml:id="ts0" timeString="2024-11-07T22:23:01.704"/>
+    </inkml:context>
+    <inkml:brush xml:id="br0">
+      <inkml:brushProperty name="width" value="0.05" units="cm"/>
+      <inkml:brushProperty name="height" value="0.05" units="cm"/>
+    </inkml:brush>
+  </inkml:definitions>
+  <inkml:trace contextRef="#ctx0" brushRef="#br0">1 39 13415 0 0,'0'0'2971'0'0,"16"-2"-543"0"0,58-9-2025 0 0,26-6-1302 0 0,-92 15-57 0 0,19-4-2266 0 0,-18 6-1255 0 0</inkml:trace>
+</inkml:ink>
+</file>
+
+<file path=ppt/ink/ink62.xml><?xml version="1.0" encoding="utf-8"?>
+<inkml:ink xmlns:inkml="http://www.w3.org/2003/InkML">
+  <inkml:definitions>
+    <inkml:context xml:id="ctx0">
+      <inkml:inkSource xml:id="inkSrc0">
+        <inkml:traceFormat>
+          <inkml:channel name="X" type="integer" min="-2.14748E9" max="2.14748E9" units="cm"/>
+          <inkml:channel name="Y" type="integer" min="-2.14748E9" max="2.14748E9" units="cm"/>
+          <inkml:channel name="F" type="integer" max="32767" units="dev"/>
+          <inkml:channel name="OA" type="integer" max="360" units="deg"/>
+          <inkml:channel name="OE" type="integer" max="90" units="deg"/>
+        </inkml:traceFormat>
+        <inkml:channelProperties>
+          <inkml:channelProperty channel="X" name="resolution" value="1000" units="1/cm"/>
+          <inkml:channelProperty channel="Y" name="resolution" value="1000" units="1/cm"/>
+          <inkml:channelProperty channel="F" name="resolution" value="0" units="1/dev"/>
+          <inkml:channelProperty channel="OA" name="resolution" value="1000" units="1/deg"/>
+          <inkml:channelProperty channel="OE" name="resolution" value="1000" units="1/deg"/>
+        </inkml:channelProperties>
+      </inkml:inkSource>
+      <inkml:timestamp xml:id="ts0" timeString="2024-11-07T22:23:02.080"/>
+    </inkml:context>
+    <inkml:brush xml:id="br0">
+      <inkml:brushProperty name="width" value="0.05" units="cm"/>
+      <inkml:brushProperty name="height" value="0.05" units="cm"/>
+    </inkml:brush>
+  </inkml:definitions>
+  <inkml:trace contextRef="#ctx0" brushRef="#br0">12 17 4287 0 0,'2'-2'12324'0'0,"9"-6"-11122"0"0,-8 6-1146 0 0,0 1 1 0 0,0 0 0 0 0,0 0 0 0 0,1 1 0 0 0,-1-1-1 0 0,0 1 1 0 0,1-1 0 0 0,5 1 0 0 0,-8 0-55 0 0,0 0 1 0 0,0 1 0 0 0,-1-1 0 0 0,1 0-1 0 0,0 0 1 0 0,-1 1 0 0 0,1-1 0 0 0,0 0-1 0 0,0 1 1 0 0,-1-1 0 0 0,1 0 0 0 0,-1 1-1 0 0,1-1 1 0 0,0 1 0 0 0,-1 0 0 0 0,1-1-1 0 0,-1 1 1 0 0,1-1 0 0 0,-1 1 0 0 0,1 0-1 0 0,-1-1 1 0 0,0 1 0 0 0,1 0 0 0 0,-1-1-1 0 0,0 1 1 0 0,0 0 0 0 0,1 0 0 0 0,-1-1-1 0 0,0 1 1 0 0,0 0 0 0 0,0 0 0 0 0,0-1-1 0 0,0 1 1 0 0,0 0 0 0 0,0 0 0 0 0,0-1-1 0 0,0 1 1 0 0,0 0 0 0 0,0 0 0 0 0,-1-1 0 0 0,1 3-1 0 0,-3 5-62 0 0,1-1 0 0 0,-1 1 0 0 0,-1 0 0 0 0,1-1 0 0 0,-1 1 0 0 0,0-1 0 0 0,-1 0 0 0 0,-9 11 0 0 0,6-8 430 0 0,0 1 0 0 0,-8 15 0 0 0,16-26-340 0 0,0 0 0 0 0,0 0 0 0 0,0 1 1 0 0,0-1-1 0 0,0 0 0 0 0,0 0 0 0 0,0 0 1 0 0,0 0-1 0 0,0 1 0 0 0,0-1 1 0 0,0 0-1 0 0,0 0 0 0 0,0 0 0 0 0,0 0 1 0 0,0 1-1 0 0,0-1 0 0 0,0 0 1 0 0,0 0-1 0 0,0 0 0 0 0,0 0 0 0 0,0 0 1 0 0,0 1-1 0 0,0-1 0 0 0,1 0 0 0 0,-1 0 1 0 0,0 0-1 0 0,0 0 0 0 0,0 0 1 0 0,0 1-1 0 0,0-1 0 0 0,0 0 0 0 0,0 0 1 0 0,1 0-1 0 0,-1 0 0 0 0,0 0 0 0 0,0 0 1 0 0,0 0-1 0 0,0 0 0 0 0,0 0 1 0 0,1 1-1 0 0,-1-1 0 0 0,0 0 0 0 0,12 2 286 0 0,17-4-766 0 0,-25 2 449 0 0,5-1 25 0 0,44-4-4454 0 0,-36 1-1118 0 0,0 0-3328 0 0,-13 3 8034 0 0</inkml:trace>
+</inkml:ink>
+</file>
+
+<file path=ppt/ink/ink63.xml><?xml version="1.0" encoding="utf-8"?>
+<inkml:ink xmlns:inkml="http://www.w3.org/2003/InkML">
+  <inkml:definitions>
+    <inkml:context xml:id="ctx0">
+      <inkml:inkSource xml:id="inkSrc0">
+        <inkml:traceFormat>
+          <inkml:channel name="X" type="integer" min="-2.14748E9" max="2.14748E9" units="cm"/>
+          <inkml:channel name="Y" type="integer" min="-2.14748E9" max="2.14748E9" units="cm"/>
+          <inkml:channel name="F" type="integer" max="32767" units="dev"/>
+          <inkml:channel name="OA" type="integer" max="360" units="deg"/>
+          <inkml:channel name="OE" type="integer" max="90" units="deg"/>
+        </inkml:traceFormat>
+        <inkml:channelProperties>
+          <inkml:channelProperty channel="X" name="resolution" value="1000" units="1/cm"/>
+          <inkml:channelProperty channel="Y" name="resolution" value="1000" units="1/cm"/>
+          <inkml:channelProperty channel="F" name="resolution" value="0" units="1/dev"/>
+          <inkml:channelProperty channel="OA" name="resolution" value="1000" units="1/deg"/>
+          <inkml:channelProperty channel="OE" name="resolution" value="1000" units="1/deg"/>
+        </inkml:channelProperties>
+      </inkml:inkSource>
+      <inkml:timestamp xml:id="ts0" timeString="2024-11-07T22:23:03.858"/>
+    </inkml:context>
+    <inkml:brush xml:id="br0">
+      <inkml:brushProperty name="width" value="0.05" units="cm"/>
+      <inkml:brushProperty name="height" value="0.05" units="cm"/>
+    </inkml:brush>
+  </inkml:definitions>
+  <inkml:trace contextRef="#ctx0" brushRef="#br0">34 0 8319 0 0,'0'0'290'0'0,"-1"0"-1"0"0,1 1 0 0 0,-1-1 0 0 0,1 0 1 0 0,-1 0-1 0 0,1 1 0 0 0,-1-1 0 0 0,1 0 1 0 0,-1 1-1 0 0,1-1 0 0 0,-1 0 1 0 0,1 1-1 0 0,0-1 0 0 0,-1 1 0 0 0,1-1 1 0 0,0 1-1 0 0,-1-1 0 0 0,1 1 0 0 0,0-1 1 0 0,0 1-1 0 0,0-1 0 0 0,-1 1 0 0 0,1-1 1 0 0,0 1-1 0 0,0 0 0 0 0,-4 18 487 0 0,4-15-245 0 0,-20 64 837 0 0,20-68-1367 0 0,0 1 0 0 0,0-1 1 0 0,0 0-1 0 0,0 0 0 0 0,1 1 0 0 0,-1-1 0 0 0,0 0 0 0 0,0 0 0 0 0,0 1 0 0 0,1-1 0 0 0,-1 0 1 0 0,0 0-1 0 0,0 0 0 0 0,1 1 0 0 0,-1-1 0 0 0,0 0 0 0 0,1 0 0 0 0,-1 0 0 0 0,0 0 0 0 0,0 0 1 0 0,1 0-1 0 0,-1 1 0 0 0,0-1 0 0 0,1 0 0 0 0,-1 0 0 0 0,0 0 0 0 0,1 0 0 0 0,-1 0 0 0 0,1 0 1 0 0,12 1 22 0 0,-11-1-22 0 0,22 2-238 0 0,0 2-1 0 0,33 9 1 0 0,-82-28-419 0 0,20 11 616 0 0,-8-7-180 0 0,1-1 0 0 0,0 0 0 0 0,1-1 0 0 0,-15-20 0 0 0,26 33 212 0 0,0 0 0 0 0,0 0 0 0 0,0 0 0 0 0,0 0 1 0 0,0 0-1 0 0,0 0 0 0 0,0 0 0 0 0,0 0 0 0 0,0 0 1 0 0,0 0-1 0 0,0 0 0 0 0,0 0 0 0 0,0 0 0 0 0,0 0 1 0 0,0-1-1 0 0,0 1 0 0 0,0 0 0 0 0,0 0 1 0 0,0 0-1 0 0,0 0 0 0 0,0 0 0 0 0,0 0 0 0 0,0 0 1 0 0,0 0-1 0 0,0 0 0 0 0,0 0 0 0 0,0 0 0 0 0,0 0 1 0 0,0 0-1 0 0,0-1 0 0 0,0 1 0 0 0,0 0 0 0 0,0 0 1 0 0,0 0-1 0 0,0 0 0 0 0,0 0 0 0 0,0 0 0 0 0,0 0 1 0 0,0 0-1 0 0,0 0 0 0 0,0 0 0 0 0,0 0 0 0 0,0 0 1 0 0,0 0-1 0 0,1 0 0 0 0,-1 0 0 0 0,0 0 0 0 0,0 0 1 0 0,0 0-1 0 0,0 0 0 0 0,0 0 0 0 0,0-1 1 0 0,0 1-1 0 0,0 0 0 0 0,0 0 0 0 0,0 0 0 0 0,0 0 1 0 0,1 0-1 0 0,5 1-521 0 0,8 4-4713 0 0,-3 0-937 0 0,6-1 3154 0 0,-12-3 2742 0 0</inkml:trace>
+</inkml:ink>
+</file>
+
+<file path=ppt/ink/ink64.xml><?xml version="1.0" encoding="utf-8"?>
+<inkml:ink xmlns:inkml="http://www.w3.org/2003/InkML">
+  <inkml:definitions>
+    <inkml:context xml:id="ctx0">
+      <inkml:inkSource xml:id="inkSrc0">
+        <inkml:traceFormat>
+          <inkml:channel name="X" type="integer" min="-2.14748E9" max="2.14748E9" units="cm"/>
+          <inkml:channel name="Y" type="integer" min="-2.14748E9" max="2.14748E9" units="cm"/>
+          <inkml:channel name="F" type="integer" max="32767" units="dev"/>
+          <inkml:channel name="OA" type="integer" max="360" units="deg"/>
+          <inkml:channel name="OE" type="integer" max="90" units="deg"/>
+        </inkml:traceFormat>
+        <inkml:channelProperties>
+          <inkml:channelProperty channel="X" name="resolution" value="1000" units="1/cm"/>
+          <inkml:channelProperty channel="Y" name="resolution" value="1000" units="1/cm"/>
+          <inkml:channelProperty channel="F" name="resolution" value="0" units="1/dev"/>
+          <inkml:channelProperty channel="OA" name="resolution" value="1000" units="1/deg"/>
+          <inkml:channelProperty channel="OE" name="resolution" value="1000" units="1/deg"/>
+        </inkml:channelProperties>
+      </inkml:inkSource>
+      <inkml:timestamp xml:id="ts0" timeString="2024-11-07T22:23:04.231"/>
+    </inkml:context>
+    <inkml:brush xml:id="br0">
+      <inkml:brushProperty name="width" value="0.05" units="cm"/>
+      <inkml:brushProperty name="height" value="0.05" units="cm"/>
+    </inkml:brush>
+  </inkml:definitions>
+  <inkml:trace contextRef="#ctx0" brushRef="#br0">1 11 11807 0 0,'0'0'908'0'0,"14"8"2347"0"0,-10-3-3029 0 0,0 0 0 0 0,-1 0 0 0 0,0 0 0 0 0,0 0 1 0 0,0 1-1 0 0,0-1 0 0 0,-1 1 0 0 0,0 0 0 0 0,2 8 0 0 0,-4-14-311 0 0,0-3-162 0 0,-1 0 122 0 0,0 0 1 0 0,1 0-1 0 0,-1 0 0 0 0,0 0 1 0 0,-1 0-1 0 0,1 0 1 0 0,-3-4-1 0 0,2 5 169 0 0,1 0-1 0 0,0-1 0 0 0,0 1 1 0 0,0 0-1 0 0,0 0 0 0 0,0 0 1 0 0,0 0-1 0 0,1-1 0 0 0,-1 1 1 0 0,1 0-1 0 0,-1-1 0 0 0,1 1 1 0 0,0-1-1 0 0,0 1 1 0 0,0 0-1 0 0,1-4 0 0 0,-1 6-42 0 0,1-1-1 0 0,-1 0 1 0 0,0 1-1 0 0,1-1 1 0 0,-1 1 0 0 0,1 0-1 0 0,-1-1 1 0 0,1 1-1 0 0,0-1 1 0 0,-1 1-1 0 0,1 0 1 0 0,-1-1-1 0 0,1 1 1 0 0,0 0-1 0 0,-1 0 1 0 0,1-1 0 0 0,-1 1-1 0 0,1 0 1 0 0,0 0-1 0 0,-1 0 1 0 0,1 0-1 0 0,0 0 1 0 0,0 0-1 0 0,-1 0 1 0 0,1 0 0 0 0,0 0-1 0 0,0 0 1 0 0,23 4-1205 0 0,-17-2 591 0 0,-5-2 296 0 0,19 4-4650 0 0,-2 5-4293 0 0,-16-6 8461 0 0</inkml:trace>
+</inkml:ink>
+</file>
+
+<file path=ppt/ink/ink65.xml><?xml version="1.0" encoding="utf-8"?>
+<inkml:ink xmlns:inkml="http://www.w3.org/2003/InkML">
+  <inkml:definitions>
+    <inkml:context xml:id="ctx0">
+      <inkml:inkSource xml:id="inkSrc0">
+        <inkml:traceFormat>
+          <inkml:channel name="X" type="integer" min="-2.14748E9" max="2.14748E9" units="cm"/>
+          <inkml:channel name="Y" type="integer" min="-2.14748E9" max="2.14748E9" units="cm"/>
+          <inkml:channel name="F" type="integer" max="32767" units="dev"/>
+          <inkml:channel name="OA" type="integer" max="360" units="deg"/>
+          <inkml:channel name="OE" type="integer" max="90" units="deg"/>
+        </inkml:traceFormat>
+        <inkml:channelProperties>
+          <inkml:channelProperty channel="X" name="resolution" value="1000" units="1/cm"/>
+          <inkml:channelProperty channel="Y" name="resolution" value="1000" units="1/cm"/>
+          <inkml:channelProperty channel="F" name="resolution" value="0" units="1/dev"/>
+          <inkml:channelProperty channel="OA" name="resolution" value="1000" units="1/deg"/>
+          <inkml:channelProperty channel="OE" name="resolution" value="1000" units="1/deg"/>
+        </inkml:channelProperties>
+      </inkml:inkSource>
+      <inkml:timestamp xml:id="ts0" timeString="2024-11-07T22:23:04.604"/>
+    </inkml:context>
+    <inkml:brush xml:id="br0">
+      <inkml:brushProperty name="width" value="0.05" units="cm"/>
+      <inkml:brushProperty name="height" value="0.05" units="cm"/>
+    </inkml:brush>
+  </inkml:definitions>
+  <inkml:trace contextRef="#ctx0" brushRef="#br0">0 17 15319 0 0,'0'0'1644'0'0,"18"1"-152"0"0,164-17-2753 0 0,-177 16 901 0 0,17-2-4571 0 0,-9 5-5153 0 0,-11-1 8840 0 0</inkml:trace>
+</inkml:ink>
+</file>
+
+<file path=ppt/ink/ink66.xml><?xml version="1.0" encoding="utf-8"?>
+<inkml:ink xmlns:inkml="http://www.w3.org/2003/InkML">
+  <inkml:definitions>
+    <inkml:context xml:id="ctx0">
+      <inkml:inkSource xml:id="inkSrc0">
+        <inkml:traceFormat>
+          <inkml:channel name="X" type="integer" min="-2.14748E9" max="2.14748E9" units="cm"/>
+          <inkml:channel name="Y" type="integer" min="-2.14748E9" max="2.14748E9" units="cm"/>
+          <inkml:channel name="F" type="integer" max="32767" units="dev"/>
+          <inkml:channel name="OA" type="integer" max="360" units="deg"/>
+          <inkml:channel name="OE" type="integer" max="90" units="deg"/>
+        </inkml:traceFormat>
+        <inkml:channelProperties>
+          <inkml:channelProperty channel="X" name="resolution" value="1000" units="1/cm"/>
+          <inkml:channelProperty channel="Y" name="resolution" value="1000" units="1/cm"/>
+          <inkml:channelProperty channel="F" name="resolution" value="0" units="1/dev"/>
+          <inkml:channelProperty channel="OA" name="resolution" value="1000" units="1/deg"/>
+          <inkml:channelProperty channel="OE" name="resolution" value="1000" units="1/deg"/>
+        </inkml:channelProperties>
+      </inkml:inkSource>
+      <inkml:timestamp xml:id="ts0" timeString="2024-11-07T22:23:04.989"/>
+    </inkml:context>
+    <inkml:brush xml:id="br0">
+      <inkml:brushProperty name="width" value="0.05" units="cm"/>
+      <inkml:brushProperty name="height" value="0.05" units="cm"/>
+    </inkml:brush>
+  </inkml:definitions>
+  <inkml:trace contextRef="#ctx0" brushRef="#br0">16 12 4287 0 0,'2'-1'9340'0'0,"1"-1"-6670"0"0,9-4-2377 0 0,-10 6-266 0 0,0-1 0 0 0,1 0 0 0 0,-1 1-1 0 0,1 0 1 0 0,-1-1 0 0 0,1 1 0 0 0,-1 0 0 0 0,0 0 0 0 0,1 0 0 0 0,-1 1 0 0 0,1-1 0 0 0,-1 0 0 0 0,1 1-1 0 0,3 1 1 0 0,-5-1-6 0 0,0-1-1 0 0,0 1 1 0 0,0 0-1 0 0,0-1 0 0 0,0 1 1 0 0,-1 0-1 0 0,1 0 1 0 0,0 0-1 0 0,0-1 0 0 0,-1 1 1 0 0,1 0-1 0 0,-1 0 1 0 0,1 0-1 0 0,0 0 0 0 0,-1 0 1 0 0,0 0-1 0 0,1 1 1 0 0,-1-1-1 0 0,0 0 0 0 0,1 0 1 0 0,-1 0-1 0 0,0 0 1 0 0,0 0-1 0 0,0 0 1 0 0,0 1-1 0 0,0-1 0 0 0,0 0 1 0 0,-1 0-1 0 0,1 0 1 0 0,0 0-1 0 0,0 0 0 0 0,-1 0 1 0 0,0 2-1 0 0,-2 5-5 0 0,-1 0 1 0 0,0 0-1 0 0,0 0 0 0 0,-1-1 0 0 0,0 1 0 0 0,-1-1 1 0 0,-11 12-1 0 0,8-9 243 0 0,1 0 1 0 0,-10 15 0 0 0,18-25-252 0 0,0 1 1 0 0,0-1 0 0 0,0 0 0 0 0,0 0-1 0 0,0 0 1 0 0,-1 0 0 0 0,1 1 0 0 0,0-1 0 0 0,0 0-1 0 0,0 0 1 0 0,0 0 0 0 0,0 0 0 0 0,0 1-1 0 0,0-1 1 0 0,0 0 0 0 0,0 0 0 0 0,0 0 0 0 0,0 1-1 0 0,0-1 1 0 0,0 0 0 0 0,0 0 0 0 0,0 0-1 0 0,0 1 1 0 0,0-1 0 0 0,1 0 0 0 0,-1 0 0 0 0,0 0-1 0 0,0 0 1 0 0,0 0 0 0 0,0 1 0 0 0,0-1-1 0 0,0 0 1 0 0,0 0 0 0 0,1 0 0 0 0,-1 0 0 0 0,0 0-1 0 0,0 1 1 0 0,0-1 0 0 0,1 0 0 0 0,9 3 462 0 0,13-3 155 0 0,-23 0-625 0 0,18-3-615 0 0,13 0-1694 0 0,-30 3 2149 0 0,1 0 0 0 0,0 0 0 0 0,0 0-1 0 0,-1 0 1 0 0,1 0 0 0 0,0 1 0 0 0,0-1 0 0 0,-1 1 0 0 0,1-1-1 0 0,0 1 1 0 0,-1 0 0 0 0,1-1 0 0 0,1 3 0 0 0</inkml:trace>
+</inkml:ink>
+</file>
+
+<file path=ppt/ink/ink67.xml><?xml version="1.0" encoding="utf-8"?>
+<inkml:ink xmlns:inkml="http://www.w3.org/2003/InkML">
+  <inkml:definitions>
+    <inkml:context xml:id="ctx0">
+      <inkml:inkSource xml:id="inkSrc0">
+        <inkml:traceFormat>
+          <inkml:channel name="X" type="integer" min="-2.14748E9" max="2.14748E9" units="cm"/>
+          <inkml:channel name="Y" type="integer" min="-2.14748E9" max="2.14748E9" units="cm"/>
+          <inkml:channel name="F" type="integer" max="32767" units="dev"/>
+          <inkml:channel name="OA" type="integer" max="360" units="deg"/>
+          <inkml:channel name="OE" type="integer" max="90" units="deg"/>
+        </inkml:traceFormat>
+        <inkml:channelProperties>
+          <inkml:channelProperty channel="X" name="resolution" value="1000" units="1/cm"/>
+          <inkml:channelProperty channel="Y" name="resolution" value="1000" units="1/cm"/>
+          <inkml:channelProperty channel="F" name="resolution" value="0" units="1/dev"/>
+          <inkml:channelProperty channel="OA" name="resolution" value="1000" units="1/deg"/>
+          <inkml:channelProperty channel="OE" name="resolution" value="1000" units="1/deg"/>
+        </inkml:channelProperties>
+      </inkml:inkSource>
+      <inkml:timestamp xml:id="ts0" timeString="2024-11-07T22:22:09.799"/>
+    </inkml:context>
+    <inkml:brush xml:id="br0">
+      <inkml:brushProperty name="width" value="0.05" units="cm"/>
+      <inkml:brushProperty name="height" value="0.05" units="cm"/>
+    </inkml:brush>
+  </inkml:definitions>
+  <inkml:trace contextRef="#ctx0" brushRef="#br0">0 45 10479 0 0,'3'-3'3120'0'0,"-3"3"-2990"0"0,0 0 0 0 0,0 0 0 0 0,1 0 0 0 0,-1 0 0 0 0,0 0 0 0 0,0 0 0 0 0,0 0 0 0 0,0 0 0 0 0,0 0 1 0 0,1 0-1 0 0,-1 0 390 0 0,1 0-390 0 0,6 6 1462 0 0,5 11-1576 0 0,-12-16 347 0 0,5 6-313 0 0,-1 0 0 0 0,0 0 0 0 0,-1 0 0 0 0,0 1 0 0 0,0 0 0 0 0,0-1 0 0 0,-1 1 0 0 0,-1 0 0 0 0,3 15 0 0 0,-13-37 2 0 0,2 1-72 0 0,2 0 0 0 0,-6-20-1 0 0,10 30 32 0 0,0 0 0 0 0,1-1-1 0 0,-1 1 1 0 0,0 0-1 0 0,1-1 1 0 0,0 1-1 0 0,0-1 1 0 0,0 1-1 0 0,1-1 1 0 0,-1 1-1 0 0,1 0 1 0 0,-1-1 0 0 0,1 1-1 0 0,0 0 1 0 0,3-7-1 0 0,-3 8 0 0 0,1 1-1 0 0,-1-1 1 0 0,0 0-1 0 0,0 1 1 0 0,1 0-1 0 0,-1-1 1 0 0,1 1-1 0 0,0 0 1 0 0,-1-1-1 0 0,1 1 1 0 0,0 0-1 0 0,0 0 1 0 0,0 0-1 0 0,-1 1 1 0 0,1-1 0 0 0,0 0-1 0 0,0 1 1 0 0,0-1-1 0 0,0 1 1 0 0,0 0-1 0 0,0-1 1 0 0,0 1-1 0 0,3 0 1 0 0,1 1-784 0 0,0 0 0 0 0,1 0 0 0 0,-1 0 0 0 0,0 1 0 0 0,11 4 1 0 0,-12-5-1588 0 0</inkml:trace>
+</inkml:ink>
+</file>
+
+<file path=ppt/ink/ink68.xml><?xml version="1.0" encoding="utf-8"?>
+<inkml:ink xmlns:inkml="http://www.w3.org/2003/InkML">
+  <inkml:definitions>
+    <inkml:context xml:id="ctx0">
+      <inkml:inkSource xml:id="inkSrc0">
+        <inkml:traceFormat>
+          <inkml:channel name="X" type="integer" min="-2.14748E9" max="2.14748E9" units="cm"/>
+          <inkml:channel name="Y" type="integer" min="-2.14748E9" max="2.14748E9" units="cm"/>
+          <inkml:channel name="F" type="integer" max="32767" units="dev"/>
+          <inkml:channel name="OA" type="integer" max="360" units="deg"/>
+          <inkml:channel name="OE" type="integer" max="90" units="deg"/>
+        </inkml:traceFormat>
+        <inkml:channelProperties>
+          <inkml:channelProperty channel="X" name="resolution" value="1000" units="1/cm"/>
+          <inkml:channelProperty channel="Y" name="resolution" value="1000" units="1/cm"/>
+          <inkml:channelProperty channel="F" name="resolution" value="0" units="1/dev"/>
+          <inkml:channelProperty channel="OA" name="resolution" value="1000" units="1/deg"/>
+          <inkml:channelProperty channel="OE" name="resolution" value="1000" units="1/deg"/>
+        </inkml:channelProperties>
+      </inkml:inkSource>
+      <inkml:timestamp xml:id="ts0" timeString="2024-11-07T22:22:10.485"/>
+    </inkml:context>
+    <inkml:brush xml:id="br0">
+      <inkml:brushProperty name="width" value="0.05" units="cm"/>
+      <inkml:brushProperty name="height" value="0.05" units="cm"/>
+    </inkml:brush>
+  </inkml:definitions>
+  <inkml:trace contextRef="#ctx0" brushRef="#br0">54 1 12239 0 0,'-5'8'5669'0'0,"-2"9"-4521"0"0,-11 21-1613 0 0,-6 6 465 0 0,27-44-52 0 0,0 0-1 0 0,0 0 1 0 0,0 0-1 0 0,-1 0 0 0 0,1-1 1 0 0,4 0-1 0 0,34-3 53 0 0,-34 4 0 0 0,0 0 0 0 0,0-1 0 0 0,-1 0 0 0 0,1 0 0 0 0,0 0 0 0 0,0-1 0 0 0,-1 0 0 0 0,11-4 0 0 0,-17 5-8 0 0,1 1-1 0 0,-1 0 1 0 0,1 0-1 0 0,-1-1 0 0 0,1 1 1 0 0,-1-1-1 0 0,0 1 1 0 0,1 0-1 0 0,-1-1 1 0 0,0 1-1 0 0,1-1 0 0 0,-1 1 1 0 0,0-1-1 0 0,1 1 1 0 0,-1-1-1 0 0,0 1 0 0 0,0-1 1 0 0,1 1-1 0 0,-1-1 1 0 0,0 1-1 0 0,0-1 1 0 0,0 1-1 0 0,0-1 0 0 0,0 0 1 0 0,0 1-1 0 0,0-2 1 0 0,0 1-28 0 0,-1-1 0 0 0,1 1 1 0 0,-1-1-1 0 0,0 0 0 0 0,1 1 1 0 0,-1 0-1 0 0,0-1 0 0 0,0 1 0 0 0,-1-3 1 0 0,-5-3-426 0 0,1 1-1 0 0,-13-11 1 0 0,16 14 131 0 0,-1 0-217 0 0,-12-10-538 0 0,15 13 1016 0 0,1-1 0 0 0,-1 1 0 0 0,0-1 0 0 0,0 1 0 0 0,0 0 0 0 0,1-1 0 0 0,-1 1 0 0 0,0 0 0 0 0,0 0 0 0 0,0-1 0 0 0,0 1 0 0 0,0 0 0 0 0,0 0 0 0 0,1 0 0 0 0,-1 0 0 0 0,0 0 0 0 0,0 0 0 0 0,-1 1 0 0 0</inkml:trace>
+</inkml:ink>
+</file>
+
+<file path=ppt/ink/ink69.xml><?xml version="1.0" encoding="utf-8"?>
+<inkml:ink xmlns:inkml="http://www.w3.org/2003/InkML">
+  <inkml:definitions>
+    <inkml:context xml:id="ctx0">
+      <inkml:inkSource xml:id="inkSrc0">
+        <inkml:traceFormat>
+          <inkml:channel name="X" type="integer" min="-2.14748E9" max="2.14748E9" units="cm"/>
+          <inkml:channel name="Y" type="integer" min="-2.14748E9" max="2.14748E9" units="cm"/>
+          <inkml:channel name="F" type="integer" max="32767" units="dev"/>
+          <inkml:channel name="OA" type="integer" max="360" units="deg"/>
+          <inkml:channel name="OE" type="integer" max="90" units="deg"/>
+        </inkml:traceFormat>
+        <inkml:channelProperties>
+          <inkml:channelProperty channel="X" name="resolution" value="1000" units="1/cm"/>
+          <inkml:channelProperty channel="Y" name="resolution" value="1000" units="1/cm"/>
+          <inkml:channelProperty channel="F" name="resolution" value="0" units="1/dev"/>
+          <inkml:channelProperty channel="OA" name="resolution" value="1000" units="1/deg"/>
+          <inkml:channelProperty channel="OE" name="resolution" value="1000" units="1/deg"/>
+        </inkml:channelProperties>
+      </inkml:inkSource>
+      <inkml:timestamp xml:id="ts0" timeString="2024-11-07T22:22:10.934"/>
+    </inkml:context>
+    <inkml:brush xml:id="br0">
+      <inkml:brushProperty name="width" value="0.05" units="cm"/>
+      <inkml:brushProperty name="height" value="0.05" units="cm"/>
+    </inkml:brush>
+  </inkml:definitions>
+  <inkml:trace contextRef="#ctx0" brushRef="#br0">1 12 13327 0 0,'0'0'3442'0'0,"10"15"-1740"0"0,-1 2-1542 0 0,-2 1-1 0 0,9 26 1 0 0,-14-29-421 0 0,-3-8 30 0 0,1-7 216 0 0,0 0 1 0 0,0 0-1 0 0,0 1 1 0 0,0-1-1 0 0,0 0 1 0 0,0 0-1 0 0,0 0 1 0 0,0 0-1 0 0,-1 0 1 0 0,1 0-1 0 0,0 0 1 0 0,0 0-1 0 0,0 0 1 0 0,0 0-1 0 0,0 0 1 0 0,0 0-1 0 0,0 0 1 0 0,-1 0-1 0 0,1 0 1 0 0,0 0-1 0 0,0 0 1 0 0,0 0-1 0 0,0 0 1 0 0,0 0-1 0 0,0 0 1 0 0,0 0-1 0 0,-1 0 1 0 0,1 0-1 0 0,0 0 1 0 0,0 0-1 0 0,0 0 1 0 0,0 0-1 0 0,0 0 1 0 0,0 0-1 0 0,0 0 1 0 0,-1 0-1 0 0,1 0 1 0 0,0 0-1 0 0,0-1 1 0 0,0 1-1 0 0,0 0 1 0 0,0 0-1 0 0,0 0 1 0 0,0 0 0 0 0,0 0-1 0 0,0 0 1 0 0,-2-3-29 0 0,0 1 0 0 0,0-1 1 0 0,0 0-1 0 0,1 1 0 0 0,-1-1 1 0 0,1 0-1 0 0,0 0 0 0 0,0 0 1 0 0,0 0-1 0 0,0 0 0 0 0,0 0 1 0 0,1 0-1 0 0,-1-4 0 0 0,0 1 180 0 0,1 1-1 0 0,0-1 0 0 0,0 1 0 0 0,0-1 0 0 0,1 1 0 0 0,2-12 1 0 0,-2 15-82 0 0,-1 0 1 0 0,2 0-1 0 0,-1 1 0 0 0,0-1 1 0 0,0 0-1 0 0,1 0 1 0 0,-1 1-1 0 0,0-1 1 0 0,1 1-1 0 0,0-1 1 0 0,-1 1-1 0 0,1-1 1 0 0,0 1-1 0 0,0 0 1 0 0,0 0-1 0 0,0 0 1 0 0,0 0-1 0 0,0 0 1 0 0,0 1-1 0 0,0-1 0 0 0,0 0 1 0 0,4 0-1 0 0,23-1-936 0 0,-3 3-5107 0 0</inkml:trace>
+</inkml:ink>
+</file>
+
+<file path=ppt/ink/ink7.xml><?xml version="1.0" encoding="utf-8"?>
+<inkml:ink xmlns:inkml="http://www.w3.org/2003/InkML">
+  <inkml:definitions>
+    <inkml:context xml:id="ctx0">
+      <inkml:inkSource xml:id="inkSrc0">
+        <inkml:traceFormat>
+          <inkml:channel name="X" type="integer" min="-2.14748E9" max="2.14748E9" units="cm"/>
+          <inkml:channel name="Y" type="integer" min="-2.14748E9" max="2.14748E9" units="cm"/>
+          <inkml:channel name="F" type="integer" max="32767" units="dev"/>
+          <inkml:channel name="OA" type="integer" max="360" units="deg"/>
+          <inkml:channel name="OE" type="integer" max="90" units="deg"/>
+        </inkml:traceFormat>
+        <inkml:channelProperties>
+          <inkml:channelProperty channel="X" name="resolution" value="1000" units="1/cm"/>
+          <inkml:channelProperty channel="Y" name="resolution" value="1000" units="1/cm"/>
+          <inkml:channelProperty channel="F" name="resolution" value="0" units="1/dev"/>
+          <inkml:channelProperty channel="OA" name="resolution" value="1000" units="1/deg"/>
+          <inkml:channelProperty channel="OE" name="resolution" value="1000" units="1/deg"/>
+        </inkml:channelProperties>
+      </inkml:inkSource>
+      <inkml:timestamp xml:id="ts0" timeString="2024-11-07T22:22:30.076"/>
+    </inkml:context>
+    <inkml:brush xml:id="br0">
+      <inkml:brushProperty name="width" value="0.05" units="cm"/>
+      <inkml:brushProperty name="height" value="0.05" units="cm"/>
+    </inkml:brush>
+  </inkml:definitions>
+  <inkml:trace contextRef="#ctx0" brushRef="#br0">45 382 9527 0 0,'1'1'278'0'0,"1"0"0"0"0,-1 1-1 0 0,0-1 1 0 0,0 0 0 0 0,-1 1 0 0 0,1-1-1 0 0,0 1 1 0 0,0 0 0 0 0,-1-1-1 0 0,1 1 1 0 0,-1 0 0 0 0,1-1 0 0 0,-1 4 1407 0 0,-11-21 219 0 0,8 12-1729 0 0,0-1 0 0 0,0 0-1 0 0,1 0 1 0 0,0 0 0 0 0,-1 0 0 0 0,-1-11-1 0 0,-7-37 303 0 0,8 33-343 0 0,-1 1-92 0 0,1 0 0 0 0,1 0 1 0 0,1 0-1 0 0,0 0 0 0 0,2 0 1 0 0,0-1-1 0 0,6-31 0 0 0,-3 35 182 0 0,6-24 75 0 0,-9 38-325 0 0,0 0 0 0 0,0 0 0 0 0,0 0 0 0 0,0 0 0 0 0,0 0 0 0 0,1 0 0 0 0,-1 1 0 0 0,1-1-1 0 0,-1 0 1 0 0,1 0 0 0 0,-1 1 0 0 0,1-1 0 0 0,0 1 0 0 0,3-2 0 0 0,-4 2 10 0 0,0 1 0 0 0,-1 0 1 0 0,1-1-1 0 0,-1 1 0 0 0,1 0 0 0 0,0 0 0 0 0,-1 0 0 0 0,1-1 0 0 0,0 1 0 0 0,-1 0 0 0 0,1 0 1 0 0,0 0-1 0 0,0 0 0 0 0,-1 0 0 0 0,1 0 0 0 0,0 0 0 0 0,-1 1 0 0 0,1-1 0 0 0,0 0 0 0 0,-1 0 1 0 0,1 0-1 0 0,0 1 0 0 0,-1-1 0 0 0,2 1 0 0 0,-1 0 12 0 0,0 0 1 0 0,0 0-1 0 0,-1 0 1 0 0,1 0-1 0 0,0 0 1 0 0,0 0-1 0 0,-1 0 1 0 0,1 0-1 0 0,-1 0 1 0 0,1 0-1 0 0,-1 0 0 0 0,1 3 1 0 0,0-2-26 0 0,0 1 1 0 0,-1-1 0 0 0,0 1-1 0 0,1 0 1 0 0,-1-1-1 0 0,0 1 1 0 0,0-1-1 0 0,0 1 1 0 0,-1-1 0 0 0,1 1-1 0 0,-1-1 1 0 0,1 1-1 0 0,-3 3 1 0 0,-6 7-210 0 0,0 0 1 0 0,-18 18 0 0 0,12-14 340 0 0,39-35-14096 0 0,1 2 11126 0 0,-16 12 2593 0 0</inkml:trace>
+</inkml:ink>
+</file>
+
+<file path=ppt/ink/ink70.xml><?xml version="1.0" encoding="utf-8"?>
+<inkml:ink xmlns:inkml="http://www.w3.org/2003/InkML">
+  <inkml:definitions>
+    <inkml:context xml:id="ctx0">
+      <inkml:inkSource xml:id="inkSrc0">
+        <inkml:traceFormat>
+          <inkml:channel name="X" type="integer" min="-2.14748E9" max="2.14748E9" units="cm"/>
+          <inkml:channel name="Y" type="integer" min="-2.14748E9" max="2.14748E9" units="cm"/>
+          <inkml:channel name="F" type="integer" max="32767" units="dev"/>
+          <inkml:channel name="OA" type="integer" max="360" units="deg"/>
+          <inkml:channel name="OE" type="integer" max="90" units="deg"/>
+        </inkml:traceFormat>
+        <inkml:channelProperties>
+          <inkml:channelProperty channel="X" name="resolution" value="1000" units="1/cm"/>
+          <inkml:channelProperty channel="Y" name="resolution" value="1000" units="1/cm"/>
+          <inkml:channelProperty channel="F" name="resolution" value="0" units="1/dev"/>
+          <inkml:channelProperty channel="OA" name="resolution" value="1000" units="1/deg"/>
+          <inkml:channelProperty channel="OE" name="resolution" value="1000" units="1/deg"/>
+        </inkml:channelProperties>
+      </inkml:inkSource>
+      <inkml:timestamp xml:id="ts0" timeString="2024-11-07T22:22:00.740"/>
+    </inkml:context>
+    <inkml:brush xml:id="br0">
+      <inkml:brushProperty name="width" value="0.05" units="cm"/>
+      <inkml:brushProperty name="height" value="0.05" units="cm"/>
+    </inkml:brush>
+  </inkml:definitions>
+  <inkml:trace contextRef="#ctx0" brushRef="#br0">97 17 9471 0 0,'0'0'2518'0'0,"-16"-14"2092"0"0,14 14-4507 0 0,0-1-1 0 0,0 1 1 0 0,1-1-1 0 0,-1 1 0 0 0,0 0 1 0 0,0-1-1 0 0,0 1 1 0 0,0 0-1 0 0,0 0 1 0 0,0 1-1 0 0,1-1 1 0 0,-1 0-1 0 0,0 0 0 0 0,0 1 1 0 0,0 0-1 0 0,1-1 1 0 0,-1 1-1 0 0,0 0 1 0 0,-1 0-1 0 0,0 1-15 0 0,0 0 1 0 0,1 0-1 0 0,-1 1 1 0 0,1-1-1 0 0,-1 0 0 0 0,1 1 1 0 0,0-1-1 0 0,0 1 1 0 0,0 0-1 0 0,-2 4 0 0 0,2-3-70 0 0,0 0-1 0 0,0 0 1 0 0,0 0-1 0 0,1 1 1 0 0,-1-1-1 0 0,1 0 1 0 0,0 1-1 0 0,1 0 1 0 0,-1-1-1 0 0,1 1 1 0 0,0-1-1 0 0,0 1 1 0 0,0-1-1 0 0,1 1 1 0 0,-1 0-1 0 0,2 4 1 0 0,0-4-18 0 0,1 0 0 0 0,-1 0 1 0 0,1 0-1 0 0,0-1 0 0 0,0 1 0 0 0,0-1 1 0 0,0 0-1 0 0,1 0 0 0 0,0 0 1 0 0,0 0-1 0 0,8 5 0 0 0,-10-8-190 0 0,0 1-1 0 0,0-1 1 0 0,1 0 0 0 0,-1 0-1 0 0,0-1 1 0 0,1 1 0 0 0,-1 0-1 0 0,1-1 1 0 0,-1 1-1 0 0,0-1 1 0 0,6 0 0 0 0,-6 0-423 0 0,1 0 1 0 0,-1-1 0 0 0,1 1 0 0 0,-1-1 0 0 0,1 0-1 0 0,-1 0 1 0 0,0 0 0 0 0,1 0 0 0 0,-1 0-1 0 0,0 0 1 0 0,0-1 0 0 0,0 1 0 0 0,3-3-1 0 0,4-7-6479 0 0,-3 5 5810 0 0</inkml:trace>
+</inkml:ink>
+</file>
+
+<file path=ppt/ink/ink71.xml><?xml version="1.0" encoding="utf-8"?>
+<inkml:ink xmlns:inkml="http://www.w3.org/2003/InkML">
+  <inkml:definitions>
+    <inkml:context xml:id="ctx0">
+      <inkml:inkSource xml:id="inkSrc0">
+        <inkml:traceFormat>
+          <inkml:channel name="X" type="integer" min="-2.14748E9" max="2.14748E9" units="cm"/>
+          <inkml:channel name="Y" type="integer" min="-2.14748E9" max="2.14748E9" units="cm"/>
+          <inkml:channel name="F" type="integer" max="32767" units="dev"/>
+          <inkml:channel name="OA" type="integer" max="360" units="deg"/>
+          <inkml:channel name="OE" type="integer" max="90" units="deg"/>
+        </inkml:traceFormat>
+        <inkml:channelProperties>
+          <inkml:channelProperty channel="X" name="resolution" value="1000" units="1/cm"/>
+          <inkml:channelProperty channel="Y" name="resolution" value="1000" units="1/cm"/>
+          <inkml:channelProperty channel="F" name="resolution" value="0" units="1/dev"/>
+          <inkml:channelProperty channel="OA" name="resolution" value="1000" units="1/deg"/>
+          <inkml:channelProperty channel="OE" name="resolution" value="1000" units="1/deg"/>
+        </inkml:channelProperties>
+      </inkml:inkSource>
+      <inkml:timestamp xml:id="ts0" timeString="2024-11-07T22:22:02.534"/>
+    </inkml:context>
+    <inkml:brush xml:id="br0">
+      <inkml:brushProperty name="width" value="0.05" units="cm"/>
+      <inkml:brushProperty name="height" value="0.05" units="cm"/>
+    </inkml:brush>
+  </inkml:definitions>
+  <inkml:trace contextRef="#ctx0" brushRef="#br0">98 4 5783 0 0,'0'0'444'0'0,"-16"-3"4663"0"0,-8 7-1807 0 0,18-2-3244 0 0,0 0 0 0 0,0 0-1 0 0,0 0 1 0 0,0 1-1 0 0,1 0 1 0 0,-11 7-1 0 0,16-10 49 0 0,-3 8 376 0 0,-1 2-322 0 0,14 51 126 0 0,-6-45-316 0 0,-2 1-1 0 0,2 31 0 0 0,-3-29-201 0 0,4 27-1 0 0,1 10 248 0 0,2 205 59 0 0,-8-257 14 0 0,0 1 0 0 0,0-1 0 0 0,1 0 0 0 0,-1 0 0 0 0,3 8 0 0 0,-2-11-72 0 0,-1 0 1 0 0,0 0-1 0 0,1-1 0 0 0,-1 1 1 0 0,0 0-1 0 0,1-1 1 0 0,-1 1-1 0 0,1 0 0 0 0,-1-1 1 0 0,1 1-1 0 0,0-1 1 0 0,-1 1-1 0 0,1-1 0 0 0,0 1 1 0 0,-1-1-1 0 0,1 1 0 0 0,0-1 1 0 0,0 0-1 0 0,-1 1 1 0 0,1-1-1 0 0,0 0 0 0 0,0 0 1 0 0,-1 1-1 0 0,1-1 1 0 0,0 0-1 0 0,0 0 0 0 0,0 0 1 0 0,-1 0-1 0 0,1 0 1 0 0,0 0-1 0 0,0 0 0 0 0,0-1 1 0 0,0 1-1 0 0,-1 0 0 0 0,1 0 1 0 0,1-1-1 0 0,4 0-202 0 0,1 0-1 0 0,-1 0 0 0 0,0 1 1 0 0,10 0-1 0 0,14-1-4081 0 0,-28 1 3146 0 0,1 0 1 0 0,-1-1-1 0 0,1 0 1 0 0,-1 1-1 0 0,1-1 1 0 0,-1 0-1 0 0,1 0 1 0 0,3-2-1 0 0,-1-1 545 0 0</inkml:trace>
+</inkml:ink>
+</file>
+
+<file path=ppt/ink/ink72.xml><?xml version="1.0" encoding="utf-8"?>
+<inkml:ink xmlns:inkml="http://www.w3.org/2003/InkML">
+  <inkml:definitions>
+    <inkml:context xml:id="ctx0">
+      <inkml:inkSource xml:id="inkSrc0">
+        <inkml:traceFormat>
+          <inkml:channel name="X" type="integer" min="-2.14748E9" max="2.14748E9" units="cm"/>
+          <inkml:channel name="Y" type="integer" min="-2.14748E9" max="2.14748E9" units="cm"/>
+          <inkml:channel name="F" type="integer" max="32767" units="dev"/>
+          <inkml:channel name="OA" type="integer" max="360" units="deg"/>
+          <inkml:channel name="OE" type="integer" max="90" units="deg"/>
+        </inkml:traceFormat>
+        <inkml:channelProperties>
+          <inkml:channelProperty channel="X" name="resolution" value="1000" units="1/cm"/>
+          <inkml:channelProperty channel="Y" name="resolution" value="1000" units="1/cm"/>
+          <inkml:channelProperty channel="F" name="resolution" value="0" units="1/dev"/>
+          <inkml:channelProperty channel="OA" name="resolution" value="1000" units="1/deg"/>
+          <inkml:channelProperty channel="OE" name="resolution" value="1000" units="1/deg"/>
+        </inkml:channelProperties>
+      </inkml:inkSource>
+      <inkml:timestamp xml:id="ts0" timeString="2024-11-07T22:22:02.904"/>
+    </inkml:context>
+    <inkml:brush xml:id="br0">
+      <inkml:brushProperty name="width" value="0.05" units="cm"/>
+      <inkml:brushProperty name="height" value="0.05" units="cm"/>
+    </inkml:brush>
+  </inkml:definitions>
+  <inkml:trace contextRef="#ctx0" brushRef="#br0">0 15 11255 0 0,'0'0'867'0'0,"18"-1"2770"0"0,-8 1-3264 0 0,1 0 0 0 0,-1 0-1 0 0,18-3 1 0 0,11-6-4348 0 0,-36 8 2934 0 0</inkml:trace>
+</inkml:ink>
+</file>
+
+<file path=ppt/ink/ink73.xml><?xml version="1.0" encoding="utf-8"?>
+<inkml:ink xmlns:inkml="http://www.w3.org/2003/InkML">
+  <inkml:definitions>
+    <inkml:context xml:id="ctx0">
+      <inkml:inkSource xml:id="inkSrc0">
+        <inkml:traceFormat>
+          <inkml:channel name="X" type="integer" min="-2.14748E9" max="2.14748E9" units="cm"/>
+          <inkml:channel name="Y" type="integer" min="-2.14748E9" max="2.14748E9" units="cm"/>
+          <inkml:channel name="F" type="integer" max="32767" units="dev"/>
+          <inkml:channel name="OA" type="integer" max="360" units="deg"/>
+          <inkml:channel name="OE" type="integer" max="90" units="deg"/>
+        </inkml:traceFormat>
+        <inkml:channelProperties>
+          <inkml:channelProperty channel="X" name="resolution" value="1000" units="1/cm"/>
+          <inkml:channelProperty channel="Y" name="resolution" value="1000" units="1/cm"/>
+          <inkml:channelProperty channel="F" name="resolution" value="0" units="1/dev"/>
+          <inkml:channelProperty channel="OA" name="resolution" value="1000" units="1/deg"/>
+          <inkml:channelProperty channel="OE" name="resolution" value="1000" units="1/deg"/>
+        </inkml:channelProperties>
+      </inkml:inkSource>
+      <inkml:timestamp xml:id="ts0" timeString="2024-11-07T22:22:03.274"/>
+    </inkml:context>
+    <inkml:brush xml:id="br0">
+      <inkml:brushProperty name="width" value="0.05" units="cm"/>
+      <inkml:brushProperty name="height" value="0.05" units="cm"/>
+    </inkml:brush>
+  </inkml:definitions>
+  <inkml:trace contextRef="#ctx0" brushRef="#br0">7 1 5839 0 0,'-3'1'7454'0'0,"1"4"-5896"0"0,1 5-1459 0 0,11 90-210 0 0,-8-94-355 0 0,0 3-1309 0 0</inkml:trace>
+</inkml:ink>
+</file>
+
+<file path=ppt/ink/ink74.xml><?xml version="1.0" encoding="utf-8"?>
+<inkml:ink xmlns:inkml="http://www.w3.org/2003/InkML">
+  <inkml:definitions>
+    <inkml:context xml:id="ctx0">
+      <inkml:inkSource xml:id="inkSrc0">
+        <inkml:traceFormat>
+          <inkml:channel name="X" type="integer" min="-2.14748E9" max="2.14748E9" units="cm"/>
+          <inkml:channel name="Y" type="integer" min="-2.14748E9" max="2.14748E9" units="cm"/>
+          <inkml:channel name="F" type="integer" max="32767" units="dev"/>
+          <inkml:channel name="OA" type="integer" max="360" units="deg"/>
+          <inkml:channel name="OE" type="integer" max="90" units="deg"/>
+        </inkml:traceFormat>
+        <inkml:channelProperties>
+          <inkml:channelProperty channel="X" name="resolution" value="1000" units="1/cm"/>
+          <inkml:channelProperty channel="Y" name="resolution" value="1000" units="1/cm"/>
+          <inkml:channelProperty channel="F" name="resolution" value="0" units="1/dev"/>
+          <inkml:channelProperty channel="OA" name="resolution" value="1000" units="1/deg"/>
+          <inkml:channelProperty channel="OE" name="resolution" value="1000" units="1/deg"/>
+        </inkml:channelProperties>
+      </inkml:inkSource>
+      <inkml:timestamp xml:id="ts0" timeString="2024-11-07T22:22:03.663"/>
+    </inkml:context>
+    <inkml:brush xml:id="br0">
+      <inkml:brushProperty name="width" value="0.05" units="cm"/>
+      <inkml:brushProperty name="height" value="0.05" units="cm"/>
+    </inkml:brush>
+  </inkml:definitions>
+  <inkml:trace contextRef="#ctx0" brushRef="#br0">0 1 9439 0 0,'6'17'1800'0'0,"6"29"-582"0"0,-2-6-2075 0 0,-5-13-3161 0 0,-5-14-1785 0 0,0-10 5015 0 0</inkml:trace>
+</inkml:ink>
+</file>
+
+<file path=ppt/ink/ink75.xml><?xml version="1.0" encoding="utf-8"?>
+<inkml:ink xmlns:inkml="http://www.w3.org/2003/InkML">
+  <inkml:definitions>
+    <inkml:context xml:id="ctx0">
+      <inkml:inkSource xml:id="inkSrc0">
+        <inkml:traceFormat>
+          <inkml:channel name="X" type="integer" min="-2.14748E9" max="2.14748E9" units="cm"/>
+          <inkml:channel name="Y" type="integer" min="-2.14748E9" max="2.14748E9" units="cm"/>
+          <inkml:channel name="F" type="integer" max="32767" units="dev"/>
+          <inkml:channel name="OA" type="integer" max="360" units="deg"/>
+          <inkml:channel name="OE" type="integer" max="90" units="deg"/>
+        </inkml:traceFormat>
+        <inkml:channelProperties>
+          <inkml:channelProperty channel="X" name="resolution" value="1000" units="1/cm"/>
+          <inkml:channelProperty channel="Y" name="resolution" value="1000" units="1/cm"/>
+          <inkml:channelProperty channel="F" name="resolution" value="0" units="1/dev"/>
+          <inkml:channelProperty channel="OA" name="resolution" value="1000" units="1/deg"/>
+          <inkml:channelProperty channel="OE" name="resolution" value="1000" units="1/deg"/>
+        </inkml:channelProperties>
+      </inkml:inkSource>
+      <inkml:timestamp xml:id="ts0" timeString="2024-11-07T22:23:07.546"/>
+    </inkml:context>
+    <inkml:brush xml:id="br0">
+      <inkml:brushProperty name="width" value="0.05" units="cm"/>
+      <inkml:brushProperty name="height" value="0.05" units="cm"/>
+    </inkml:brush>
+  </inkml:definitions>
+  <inkml:trace contextRef="#ctx0" brushRef="#br0">4 45 3767 0 0,'0'0'291'0'0,"0"0"-192"0"0,0-1 165 0 0,-1 0 247 0 0,1 1-1 0 0,0-1 1 0 0,0 0 0 0 0,0 1-1 0 0,0-1 1 0 0,0 0 0 0 0,0 0 0 0 0,0 1-1 0 0,0-1 1 0 0,0 0 0 0 0,0 1 0 0 0,0-1-1 0 0,1 0 1 0 0,-1 1 0 0 0,0-1 0 0 0,0 0-1 0 0,1 0 1 0 0,9-12 2044 0 0,-8 11-2445 0 0,0 0 0 0 0,0 0 0 0 0,0 0 0 0 0,0 1 0 0 0,1-1 0 0 0,-1 1 0 0 0,0 0 0 0 0,6-3 0 0 0,-7 4-80 0 0,-1 0 0 0 0,1 0 1 0 0,0 0-1 0 0,0-1 0 0 0,0 1 0 0 0,-1 0 0 0 0,1 0 0 0 0,0 0 0 0 0,0 0 1 0 0,0 0-1 0 0,-1 1 0 0 0,1-1 0 0 0,0 0 0 0 0,0 0 0 0 0,-1 0 0 0 0,1 1 0 0 0,0-1 1 0 0,0 0-1 0 0,-1 1 0 0 0,1-1 0 0 0,0 1 0 0 0,-1-1 0 0 0,1 1 0 0 0,0-1 1 0 0,-1 1-1 0 0,1 0 0 0 0,0 1-24 0 0,0-1 1 0 0,0 1 0 0 0,-1-1-1 0 0,1 1 1 0 0,-1-1 0 0 0,1 1-1 0 0,-1-1 1 0 0,0 1-1 0 0,0 0 1 0 0,0-1 0 0 0,0 1-1 0 0,0 2 1 0 0,-1 5-299 0 0,0 0 1 0 0,-1 0-1 0 0,-4 12 1 0 0,6-20 255 0 0,-6 16-484 0 0,-13 25 1 0 0,13-31 1128 0 0,0 1 0 0 0,1 0 0 0 0,0 1 0 0 0,-3 16 0 0 0,8-29-587 0 0,0 1 0 0 0,0-1 0 0 0,0 0 0 0 0,0 0 0 0 0,0 1 0 0 0,1-1 0 0 0,-1 0 0 0 0,0 0 0 0 0,0 1 0 0 0,0-1 0 0 0,0 0 0 0 0,0 0-1 0 0,1 1 1 0 0,-1-1 0 0 0,0 0 0 0 0,0 0 0 0 0,0 0 0 0 0,1 0 0 0 0,-1 1 0 0 0,0-1 0 0 0,0 0 0 0 0,1 0 0 0 0,-1 0 0 0 0,0 0 0 0 0,0 0 0 0 0,1 1 0 0 0,-1-1 0 0 0,0 0 0 0 0,0 0 0 0 0,1 0-1 0 0,-1 0 1 0 0,0 0 0 0 0,0 0 0 0 0,1 0 0 0 0,-1 0 0 0 0,0 0 0 0 0,1 0 0 0 0,-1 0 0 0 0,0 0 0 0 0,0-1 0 0 0,1 1 0 0 0,14-2 44 0 0,-12 2-62 0 0,20-4-297 0 0,0 2 0 0 0,44 0-1 0 0,-58 4-374 0 0</inkml:trace>
+</inkml:ink>
+</file>
+
+<file path=ppt/ink/ink76.xml><?xml version="1.0" encoding="utf-8"?>
+<inkml:ink xmlns:inkml="http://www.w3.org/2003/InkML">
+  <inkml:definitions>
+    <inkml:context xml:id="ctx0">
+      <inkml:inkSource xml:id="inkSrc0">
+        <inkml:traceFormat>
+          <inkml:channel name="X" type="integer" min="-2.14748E9" max="2.14748E9" units="cm"/>
+          <inkml:channel name="Y" type="integer" min="-2.14748E9" max="2.14748E9" units="cm"/>
+          <inkml:channel name="F" type="integer" max="32767" units="dev"/>
+          <inkml:channel name="OA" type="integer" max="360" units="deg"/>
+          <inkml:channel name="OE" type="integer" max="90" units="deg"/>
+        </inkml:traceFormat>
+        <inkml:channelProperties>
+          <inkml:channelProperty channel="X" name="resolution" value="1000" units="1/cm"/>
+          <inkml:channelProperty channel="Y" name="resolution" value="1000" units="1/cm"/>
+          <inkml:channelProperty channel="F" name="resolution" value="0" units="1/dev"/>
+          <inkml:channelProperty channel="OA" name="resolution" value="1000" units="1/deg"/>
+          <inkml:channelProperty channel="OE" name="resolution" value="1000" units="1/deg"/>
+        </inkml:channelProperties>
+      </inkml:inkSource>
+      <inkml:timestamp xml:id="ts0" timeString="2024-11-07T22:22:32.251"/>
+    </inkml:context>
+    <inkml:brush xml:id="br0">
+      <inkml:brushProperty name="width" value="0.05" units="cm"/>
+      <inkml:brushProperty name="height" value="0.05" units="cm"/>
+    </inkml:brush>
+  </inkml:definitions>
+  <inkml:trace contextRef="#ctx0" brushRef="#br0">1 37 13071 0 0,'6'21'2731'0'0,"-5"-18"-2718"0"0,0 0 1 0 0,0 0-1 0 0,-1 0 0 0 0,0 0 1 0 0,1 0-1 0 0,-1 0 0 0 0,0 0 1 0 0,-1 4-1 0 0,2 19-176 0 0,-1-25 209 0 0,1 1-1 0 0,-1-1 1 0 0,0 1-1 0 0,0-1 1 0 0,0 0-1 0 0,0 1 1 0 0,0-1-1 0 0,0 1 1 0 0,-1-1-1 0 0,1 0 1 0 0,0 1-1 0 0,-1-1 1 0 0,1 0-1 0 0,-1 1 1 0 0,0 0-1 0 0,1-1-42 0 0,0-1-1 0 0,0 0 0 0 0,0 0 0 0 0,-1 0 1 0 0,1 0-1 0 0,0 0 0 0 0,0 0 1 0 0,0 0-1 0 0,0 0 0 0 0,0 0 1 0 0,0 0-1 0 0,0 0 0 0 0,-1 0 0 0 0,1 0 1 0 0,0 0-1 0 0,0 0 0 0 0,0 0 1 0 0,0 0-1 0 0,0 0 0 0 0,0 0 1 0 0,0 0-1 0 0,-1 0 0 0 0,1 0 0 0 0,0 0 1 0 0,0 0-1 0 0,0 0 0 0 0,0 0 1 0 0,0 0-1 0 0,0 0 0 0 0,0 0 1 0 0,-1 0-1 0 0,1 0 0 0 0,0-1 0 0 0,0 1 1 0 0,0 0-1 0 0,0 0 0 0 0,0 0 1 0 0,0 0-1 0 0,0 0 0 0 0,0 0 1 0 0,0 0-1 0 0,0 0 0 0 0,0 0 0 0 0,0-1 1 0 0,0 1-1 0 0,0 0 0 0 0,-1 0 1 0 0,1 0-1 0 0,0 0 0 0 0,0 0 1 0 0,0 0-1 0 0,0 0 0 0 0,0-1 0 0 0,0 1 1 0 0,0 0-1 0 0,0 0 0 0 0,0 0 1 0 0,0 0-1 0 0,1 0 0 0 0,-1 0 1 0 0,0 0-1 0 0,0-1 0 0 0,0 1 0 0 0,0 0 1 0 0,0 0-1 0 0,0 0 0 0 0,-1-9-343 0 0,1 9 319 0 0,0-5-45 0 0,0 0 0 0 0,1 0 0 0 0,0 0 0 0 0,-1 0 0 0 0,1 0-1 0 0,1 0 1 0 0,-1 1 0 0 0,1-1 0 0 0,0 0 0 0 0,0 1 0 0 0,0-1 0 0 0,0 1 0 0 0,6-7 0 0 0,-7 9 76 0 0,1 0 0 0 0,-1 1 0 0 0,1-1-1 0 0,-1 0 1 0 0,1 1 0 0 0,0-1 0 0 0,0 1 0 0 0,-1-1 0 0 0,1 1 0 0 0,0 0 0 0 0,0 0 0 0 0,0 0-1 0 0,1 0 1 0 0,-1 0 0 0 0,0 1 0 0 0,0-1 0 0 0,0 1 0 0 0,1-1 0 0 0,-1 1 0 0 0,0 0 0 0 0,0 0-1 0 0,1 0 1 0 0,-1 0 0 0 0,0 0 0 0 0,0 0 0 0 0,1 0 0 0 0,-1 1 0 0 0,0 0 0 0 0,0-1 0 0 0,0 1-1 0 0,4 2 1 0 0,-4-2-3 0 0,0 0 0 0 0,0 0 1 0 0,0 1-1 0 0,-1-1 0 0 0,1 1 0 0 0,-1 0 0 0 0,1-1 0 0 0,-1 1 0 0 0,1 0 0 0 0,-1 0 0 0 0,0 0 0 0 0,0 0 0 0 0,0 0 1 0 0,0 0-1 0 0,0 0 0 0 0,-1 0 0 0 0,1 0 0 0 0,-1 0 0 0 0,1 0 0 0 0,-1 1 0 0 0,0-1 0 0 0,0 0 0 0 0,0 0 1 0 0,0 0-1 0 0,0 1 0 0 0,0-1 0 0 0,-1 4 0 0 0,0-6-24 0 0,1 0 0 0 0,0 0 0 0 0,0 1-1 0 0,0-1 1 0 0,0 0 0 0 0,0 0 0 0 0,0 0 0 0 0,0 0 0 0 0,-1 0 0 0 0,1 0 0 0 0,0 0-1 0 0,0 0 1 0 0,0 0 0 0 0,0 0 0 0 0,0 0 0 0 0,0 0 0 0 0,-1 0 0 0 0,1 0-1 0 0,0 0 1 0 0,0 0 0 0 0,0 0 0 0 0,0 0 0 0 0,0 0 0 0 0,-1 0 0 0 0,1 0 0 0 0,0 0-1 0 0,0 0 1 0 0,0 0 0 0 0,0 0 0 0 0,0 0 0 0 0,0 0 0 0 0,0-1 0 0 0,-1 1 0 0 0,1 0-1 0 0,0 0 1 0 0,0 0 0 0 0,0 0 0 0 0,0 0 0 0 0,0 0 0 0 0,0 0 0 0 0,0 0 0 0 0,0-1-1 0 0,0 1 1 0 0,0 0 0 0 0,0 0 0 0 0,0 0 0 0 0,-1 0 0 0 0,1 0 0 0 0,0 0 0 0 0,0-1-1 0 0,0 1 1 0 0,0 0 0 0 0,0 0 0 0 0,0 0 0 0 0,0 0 0 0 0,0 0 0 0 0,0 0-1 0 0,0-1 1 0 0,-3-6-451 0 0,3 4 423 0 0,-1 0 0 0 0,1 0 0 0 0,0-1 1 0 0,0 1-1 0 0,0 0 0 0 0,0 0 0 0 0,1 0 0 0 0,-1 0 0 0 0,1 0 0 0 0,0 0 0 0 0,0 1 0 0 0,0-1 0 0 0,0 0 0 0 0,0 0 0 0 0,1 0 0 0 0,-1 1 0 0 0,1-1 0 0 0,0 1 0 0 0,-1-1 1 0 0,1 1-1 0 0,0 0 0 0 0,3-3 0 0 0,-3 4 68 0 0,0-1 0 0 0,0 0 0 0 0,0 1 0 0 0,0 0 0 0 0,0-1 0 0 0,0 1 0 0 0,0 0 0 0 0,0 0 0 0 0,1 0 0 0 0,-1 1 0 0 0,0-1 0 0 0,1 0 0 0 0,-1 1 0 0 0,0-1 0 0 0,1 1 0 0 0,-1 0 0 0 0,1 0 0 0 0,-1 0 1 0 0,0 0-1 0 0,1 1 0 0 0,-1-1 0 0 0,1 0 0 0 0,-1 1 0 0 0,0 0 0 0 0,1-1 0 0 0,-1 1 0 0 0,0 0 0 0 0,3 2 0 0 0,-3-1 49 0 0,0 0 0 0 0,1 0 1 0 0,-1 0-1 0 0,0 0 0 0 0,-1 1 0 0 0,1-1 1 0 0,0 0-1 0 0,-1 1 0 0 0,1 0 0 0 0,-1-1 1 0 0,0 1-1 0 0,0 0 0 0 0,0 0 0 0 0,1 3 1 0 0,-1-2 214 0 0,0 1 0 0 0,0 0 0 0 0,0 0 0 0 0,0 0 0 0 0,-1 0 0 0 0,0 0 0 0 0,-1 9 0 0 0,1-14-328 0 0,0 0-1 0 0,0 0 0 0 0,0 1 1 0 0,0-1-1 0 0,0 0 0 0 0,0 0 1 0 0,0 0-1 0 0,0 1 1 0 0,0-1-1 0 0,0 0 0 0 0,0 0 1 0 0,0 1-1 0 0,0-1 0 0 0,0 0 1 0 0,0 0-1 0 0,0 0 1 0 0,0 1-1 0 0,0-1 0 0 0,0 0 1 0 0,-1 0-1 0 0,1 0 0 0 0,0 0 1 0 0,0 1-1 0 0,0-1 1 0 0,0 0-1 0 0,0 0 0 0 0,-1 0 1 0 0,1 0-1 0 0,0 0 0 0 0,0 1 1 0 0,0-1-1 0 0,-1 0 1 0 0,1 0-1 0 0,0 0 0 0 0,0 0 1 0 0,0 0-1 0 0,-1 0 0 0 0,1 0 1 0 0,0 0-1 0 0,0 0 1 0 0,-1 0-1 0 0,1 0 0 0 0,0 0 1 0 0,0 0-1 0 0,-9-9-4542 0 0,-5-16-2616 0 0,8 9 4620 0 0,4 8 2118 0 0</inkml:trace>
+</inkml:ink>
+</file>
+
+<file path=ppt/ink/ink77.xml><?xml version="1.0" encoding="utf-8"?>
+<inkml:ink xmlns:inkml="http://www.w3.org/2003/InkML">
+  <inkml:definitions>
+    <inkml:context xml:id="ctx0">
+      <inkml:inkSource xml:id="inkSrc0">
+        <inkml:traceFormat>
+          <inkml:channel name="X" type="integer" min="-2.14748E9" max="2.14748E9" units="cm"/>
+          <inkml:channel name="Y" type="integer" min="-2.14748E9" max="2.14748E9" units="cm"/>
+          <inkml:channel name="F" type="integer" max="32767" units="dev"/>
+          <inkml:channel name="OA" type="integer" max="360" units="deg"/>
+          <inkml:channel name="OE" type="integer" max="90" units="deg"/>
+        </inkml:traceFormat>
+        <inkml:channelProperties>
+          <inkml:channelProperty channel="X" name="resolution" value="1000" units="1/cm"/>
+          <inkml:channelProperty channel="Y" name="resolution" value="1000" units="1/cm"/>
+          <inkml:channelProperty channel="F" name="resolution" value="0" units="1/dev"/>
+          <inkml:channelProperty channel="OA" name="resolution" value="1000" units="1/deg"/>
+          <inkml:channelProperty channel="OE" name="resolution" value="1000" units="1/deg"/>
+        </inkml:channelProperties>
+      </inkml:inkSource>
+      <inkml:timestamp xml:id="ts0" timeString="2024-11-07T22:22:32.648"/>
+    </inkml:context>
+    <inkml:brush xml:id="br0">
+      <inkml:brushProperty name="width" value="0.05" units="cm"/>
+      <inkml:brushProperty name="height" value="0.05" units="cm"/>
+    </inkml:brush>
+  </inkml:definitions>
+  <inkml:trace contextRef="#ctx0" brushRef="#br0">0 1 11807 0 0,'0'0'908'0'0,"13"15"-1672"0"0,-13-14 312 0 0,1-1-1 0 0,-1 1 0 0 0,1 0 0 0 0,-1 0 1 0 0,0 0-1 0 0,1 0 0 0 0,-1-1 1 0 0,0 1-1 0 0,0 0 0 0 0,0 0 0 0 0,1 0 1 0 0,-1 0-1 0 0,0 0 0 0 0,0 0 1 0 0,0 0-1 0 0,-1 0 0 0 0,1 0 0 0 0,0 0 1 0 0,0 0-1 0 0,0-1 0 0 0,-1 1 1 0 0,1 0-1 0 0,-1 1 0 0 0,0 0-162 0 0</inkml:trace>
+</inkml:ink>
+</file>
+
+<file path=ppt/ink/ink78.xml><?xml version="1.0" encoding="utf-8"?>
+<inkml:ink xmlns:inkml="http://www.w3.org/2003/InkML">
+  <inkml:definitions>
+    <inkml:context xml:id="ctx0">
+      <inkml:inkSource xml:id="inkSrc0">
+        <inkml:traceFormat>
+          <inkml:channel name="X" type="integer" min="-2.14748E9" max="2.14748E9" units="cm"/>
+          <inkml:channel name="Y" type="integer" min="-2.14748E9" max="2.14748E9" units="cm"/>
+          <inkml:channel name="F" type="integer" max="32767" units="dev"/>
+          <inkml:channel name="OA" type="integer" max="360" units="deg"/>
+          <inkml:channel name="OE" type="integer" max="90" units="deg"/>
+        </inkml:traceFormat>
+        <inkml:channelProperties>
+          <inkml:channelProperty channel="X" name="resolution" value="1000" units="1/cm"/>
+          <inkml:channelProperty channel="Y" name="resolution" value="1000" units="1/cm"/>
+          <inkml:channelProperty channel="F" name="resolution" value="0" units="1/dev"/>
+          <inkml:channelProperty channel="OA" name="resolution" value="1000" units="1/deg"/>
+          <inkml:channelProperty channel="OE" name="resolution" value="1000" units="1/deg"/>
+        </inkml:channelProperties>
+      </inkml:inkSource>
+      <inkml:timestamp xml:id="ts0" timeString="2024-11-07T22:22:33.035"/>
+    </inkml:context>
+    <inkml:brush xml:id="br0">
+      <inkml:brushProperty name="width" value="0.05" units="cm"/>
+      <inkml:brushProperty name="height" value="0.05" units="cm"/>
+    </inkml:brush>
+  </inkml:definitions>
+  <inkml:trace contextRef="#ctx0" brushRef="#br0">0 100 13271 0 0,'0'0'1026'0'0,"16"-4"-325"0"0,241-26 1555 0 0,-165 23-3470 0 0,140-29 0 0 0,-202 28 833 0 0,5-2-1760 0 0,-11 6-7716 0 0,-27 4 7873 0 0</inkml:trace>
+</inkml:ink>
+</file>
+
+<file path=ppt/ink/ink79.xml><?xml version="1.0" encoding="utf-8"?>
+<inkml:ink xmlns:inkml="http://www.w3.org/2003/InkML">
+  <inkml:definitions>
+    <inkml:context xml:id="ctx0">
+      <inkml:inkSource xml:id="inkSrc0">
+        <inkml:traceFormat>
+          <inkml:channel name="X" type="integer" min="-2.14748E9" max="2.14748E9" units="cm"/>
+          <inkml:channel name="Y" type="integer" min="-2.14748E9" max="2.14748E9" units="cm"/>
+          <inkml:channel name="F" type="integer" max="32767" units="dev"/>
+          <inkml:channel name="OA" type="integer" max="360" units="deg"/>
+          <inkml:channel name="OE" type="integer" max="90" units="deg"/>
+        </inkml:traceFormat>
+        <inkml:channelProperties>
+          <inkml:channelProperty channel="X" name="resolution" value="1000" units="1/cm"/>
+          <inkml:channelProperty channel="Y" name="resolution" value="1000" units="1/cm"/>
+          <inkml:channelProperty channel="F" name="resolution" value="0" units="1/dev"/>
+          <inkml:channelProperty channel="OA" name="resolution" value="1000" units="1/deg"/>
+          <inkml:channelProperty channel="OE" name="resolution" value="1000" units="1/deg"/>
+        </inkml:channelProperties>
+      </inkml:inkSource>
+      <inkml:timestamp xml:id="ts0" timeString="2024-11-07T22:22:33.455"/>
+    </inkml:context>
+    <inkml:brush xml:id="br0">
+      <inkml:brushProperty name="width" value="0.05" units="cm"/>
+      <inkml:brushProperty name="height" value="0.05" units="cm"/>
+    </inkml:brush>
+  </inkml:definitions>
+  <inkml:trace contextRef="#ctx0" brushRef="#br0">0 0 10591 0 0,'0'0'819'0'0,"18"0"3174"0"0,61 1-1928 0 0,-25 0-4820 0 0,-44 0-496 0 0</inkml:trace>
+</inkml:ink>
+</file>
+
+<file path=ppt/ink/ink8.xml><?xml version="1.0" encoding="utf-8"?>
+<inkml:ink xmlns:inkml="http://www.w3.org/2003/InkML">
+  <inkml:definitions>
+    <inkml:context xml:id="ctx0">
+      <inkml:inkSource xml:id="inkSrc0">
+        <inkml:traceFormat>
+          <inkml:channel name="X" type="integer" min="-2.14748E9" max="2.14748E9" units="cm"/>
+          <inkml:channel name="Y" type="integer" min="-2.14748E9" max="2.14748E9" units="cm"/>
+          <inkml:channel name="F" type="integer" max="32767" units="dev"/>
+          <inkml:channel name="OA" type="integer" max="360" units="deg"/>
+          <inkml:channel name="OE" type="integer" max="90" units="deg"/>
+        </inkml:traceFormat>
+        <inkml:channelProperties>
+          <inkml:channelProperty channel="X" name="resolution" value="1000" units="1/cm"/>
+          <inkml:channelProperty channel="Y" name="resolution" value="1000" units="1/cm"/>
+          <inkml:channelProperty channel="F" name="resolution" value="0" units="1/dev"/>
+          <inkml:channelProperty channel="OA" name="resolution" value="1000" units="1/deg"/>
+          <inkml:channelProperty channel="OE" name="resolution" value="1000" units="1/deg"/>
+        </inkml:channelProperties>
+      </inkml:inkSource>
+      <inkml:timestamp xml:id="ts0" timeString="2024-11-07T22:22:30.466"/>
+    </inkml:context>
+    <inkml:brush xml:id="br0">
+      <inkml:brushProperty name="width" value="0.05" units="cm"/>
+      <inkml:brushProperty name="height" value="0.05" units="cm"/>
+    </inkml:brush>
+  </inkml:definitions>
+  <inkml:trace contextRef="#ctx0" brushRef="#br0">75 26 11807 0 0,'0'-1'133'0'0,"0"0"0"0"0,0 1 0 0 0,0-1 0 0 0,1 0-1 0 0,-1 0 1 0 0,0 0 0 0 0,0 0 0 0 0,0 1 0 0 0,0-1-1 0 0,-1 0 1 0 0,1 0 0 0 0,0 0 0 0 0,0 1 0 0 0,0-1 0 0 0,-1 0-1 0 0,1 0 1 0 0,0 0 0 0 0,-1 1 0 0 0,1-1 0 0 0,0 0-1 0 0,-1 1 1 0 0,1-1 0 0 0,-1 0 0 0 0,0 1 0 0 0,1-1 0 0 0,-1 0-1 0 0,1 1 1 0 0,-1-1 0 0 0,0 1 0 0 0,1 0 0 0 0,-1-1-1 0 0,0 1 1 0 0,0-1 0 0 0,1 1 0 0 0,-1 0 0 0 0,0-1-1 0 0,0 1 1 0 0,0 0 0 0 0,1 0 0 0 0,-1 0 0 0 0,-1 0 0 0 0,0 0 7 0 0,0 0 1 0 0,0 0 0 0 0,0 0 0 0 0,0 0-1 0 0,0 1 1 0 0,1-1 0 0 0,-1 1 0 0 0,0-1-1 0 0,0 1 1 0 0,0 0 0 0 0,1 0 0 0 0,-1-1-1 0 0,0 1 1 0 0,1 1 0 0 0,-1-1 0 0 0,1 0-1 0 0,-3 2 1 0 0,2 0-82 0 0,-1 1 0 0 0,1 0-1 0 0,-1 0 1 0 0,1 0 0 0 0,0 0-1 0 0,1 1 1 0 0,-1-1 0 0 0,1 0-1 0 0,0 1 1 0 0,0-1 0 0 0,0 1-1 0 0,0-1 1 0 0,1 1 0 0 0,0 0-1 0 0,0-1 1 0 0,1 8 0 0 0,-1-6-119 0 0,1 1 0 0 0,0-1 0 0 0,1 0 0 0 0,-1 0 1 0 0,1 0-1 0 0,0 0 0 0 0,1 0 0 0 0,-1 0 1 0 0,1-1-1 0 0,0 1 0 0 0,7 7 0 0 0,-9-11-77 0 0,0 0-1 0 0,1-1 1 0 0,-1 0-1 0 0,1 1 1 0 0,0-1-1 0 0,-1 0 1 0 0,1 0-1 0 0,0 0 1 0 0,0 0-1 0 0,0 0 1 0 0,0 0-1 0 0,-1 0 1 0 0,1-1-1 0 0,0 1 1 0 0,1-1-1 0 0,-1 1 1 0 0,0-1-1 0 0,0 0 1 0 0,0 0-1 0 0,0 0 1 0 0,0 0-1 0 0,0 0 1 0 0,0 0-1 0 0,4-1 1 0 0,11-7-5167 0 0,-3-5-4293 0 0,-8 5 8311 0 0</inkml:trace>
+</inkml:ink>
+</file>
+
+<file path=ppt/ink/ink80.xml><?xml version="1.0" encoding="utf-8"?>
+<inkml:ink xmlns:inkml="http://www.w3.org/2003/InkML">
+  <inkml:definitions>
+    <inkml:context xml:id="ctx0">
+      <inkml:inkSource xml:id="inkSrc0">
+        <inkml:traceFormat>
+          <inkml:channel name="X" type="integer" min="-2.14748E9" max="2.14748E9" units="cm"/>
+          <inkml:channel name="Y" type="integer" min="-2.14748E9" max="2.14748E9" units="cm"/>
+          <inkml:channel name="F" type="integer" max="32767" units="dev"/>
+          <inkml:channel name="OA" type="integer" max="360" units="deg"/>
+          <inkml:channel name="OE" type="integer" max="90" units="deg"/>
+        </inkml:traceFormat>
+        <inkml:channelProperties>
+          <inkml:channelProperty channel="X" name="resolution" value="1000" units="1/cm"/>
+          <inkml:channelProperty channel="Y" name="resolution" value="1000" units="1/cm"/>
+          <inkml:channelProperty channel="F" name="resolution" value="0" units="1/dev"/>
+          <inkml:channelProperty channel="OA" name="resolution" value="1000" units="1/deg"/>
+          <inkml:channelProperty channel="OE" name="resolution" value="1000" units="1/deg"/>
+        </inkml:channelProperties>
+      </inkml:inkSource>
+      <inkml:timestamp xml:id="ts0" timeString="2024-11-07T22:22:35.256"/>
+    </inkml:context>
+    <inkml:brush xml:id="br0">
+      <inkml:brushProperty name="width" value="0.05" units="cm"/>
+      <inkml:brushProperty name="height" value="0.05" units="cm"/>
+    </inkml:brush>
+  </inkml:definitions>
+  <inkml:trace contextRef="#ctx0" brushRef="#br0">1 11 12263 0 0,'0'0'944'0'0,"6"18"1714"0"0,-3-11-2547 0 0,1 0 1 0 0,-1 1 0 0 0,0-1 0 0 0,-1 1 0 0 0,0 0 0 0 0,0-1-1 0 0,0 9 1 0 0,-13-31 344 0 0,9 9-338 0 0,-1 1 0 0 0,1-1 0 0 0,1 0 0 0 0,-1 0 0 0 0,-1-11 0 0 0,3 16-100 0 0,0 0 1 0 0,0 0-1 0 0,0 0 0 0 0,0 0 0 0 0,1-1 0 0 0,-1 1 0 0 0,0 0 0 0 0,0 0 1 0 0,1 0-1 0 0,-1 0 0 0 0,1 0 0 0 0,-1 0 0 0 0,1 0 0 0 0,-1 0 1 0 0,1 0-1 0 0,-1 0 0 0 0,1 0 0 0 0,0 0 0 0 0,0 0 0 0 0,0 0 0 0 0,-1 0 1 0 0,1 1-1 0 0,0-1 0 0 0,0 0 0 0 0,0 1 0 0 0,0-1 0 0 0,0 1 1 0 0,0-1-1 0 0,0 1 0 0 0,0-1 0 0 0,1 1 0 0 0,-1 0 0 0 0,0-1 0 0 0,0 1 1 0 0,0 0-1 0 0,0 0 0 0 0,0 0 0 0 0,2 0 0 0 0,17-2-4265 0 0,19-1-8319 0 0,-33 2 11315 0 0</inkml:trace>
+</inkml:ink>
+</file>
+
+<file path=ppt/ink/ink81.xml><?xml version="1.0" encoding="utf-8"?>
+<inkml:ink xmlns:inkml="http://www.w3.org/2003/InkML">
+  <inkml:definitions>
+    <inkml:context xml:id="ctx0">
+      <inkml:inkSource xml:id="inkSrc0">
+        <inkml:traceFormat>
+          <inkml:channel name="X" type="integer" min="-2.14748E9" max="2.14748E9" units="cm"/>
+          <inkml:channel name="Y" type="integer" min="-2.14748E9" max="2.14748E9" units="cm"/>
+          <inkml:channel name="F" type="integer" max="32767" units="dev"/>
+          <inkml:channel name="OA" type="integer" max="360" units="deg"/>
+          <inkml:channel name="OE" type="integer" max="90" units="deg"/>
+        </inkml:traceFormat>
+        <inkml:channelProperties>
+          <inkml:channelProperty channel="X" name="resolution" value="1000" units="1/cm"/>
+          <inkml:channelProperty channel="Y" name="resolution" value="1000" units="1/cm"/>
+          <inkml:channelProperty channel="F" name="resolution" value="0" units="1/dev"/>
+          <inkml:channelProperty channel="OA" name="resolution" value="1000" units="1/deg"/>
+          <inkml:channelProperty channel="OE" name="resolution" value="1000" units="1/deg"/>
+        </inkml:channelProperties>
+      </inkml:inkSource>
+      <inkml:timestamp xml:id="ts0" timeString="2024-11-07T22:22:35.597"/>
+    </inkml:context>
+    <inkml:brush xml:id="br0">
+      <inkml:brushProperty name="width" value="0.05" units="cm"/>
+      <inkml:brushProperty name="height" value="0.05" units="cm"/>
+    </inkml:brush>
+  </inkml:definitions>
+  <inkml:trace contextRef="#ctx0" brushRef="#br0">40 7 12239 0 0,'0'3'5276'0'0,"-1"11"-4473"0"0,-2-3-705 0 0,0-1 0 0 0,0 0 0 0 0,-1 0 1 0 0,0 0-1 0 0,-1 0 0 0 0,0-1 0 0 0,-7 9 0 0 0,18-19-84 0 0,-1 0 0 0 0,0 0 1 0 0,0 0-1 0 0,8 1 0 0 0,-13 0-13 0 0,27 0 79 0 0,16-1 163 0 0,-40 0-255 0 0,0 1-1 0 0,0-1 1 0 0,0 0 0 0 0,0 0-1 0 0,0 0 1 0 0,-1 0 0 0 0,1 0-1 0 0,0-1 1 0 0,0 1 0 0 0,-1-1-1 0 0,4-2 1 0 0,-6 4-8 0 0,1-1-1 0 0,-1 1 1 0 0,0 0 0 0 0,0 0-1 0 0,1-1 1 0 0,-1 1 0 0 0,0 0-1 0 0,0-1 1 0 0,1 1 0 0 0,-1 0-1 0 0,0-1 1 0 0,0 1 0 0 0,0 0-1 0 0,0-1 1 0 0,0 1 0 0 0,1 0-1 0 0,-1-1 1 0 0,0 1-1 0 0,0-1 1 0 0,0 1 0 0 0,0 0-1 0 0,0-1 1 0 0,0 1 0 0 0,0-1-1 0 0,0 1 1 0 0,-1 0 0 0 0,1-1-1 0 0,0 1 1 0 0,0 0 0 0 0,0-1-1 0 0,-10-10-264 0 0,-17-4-278 0 0,17 10 233 0 0,1 1-1 0 0,0-2 1 0 0,0 1-1 0 0,0-1 1 0 0,0-1-1 0 0,-10-10 1 0 0,18 14-2319 0 0,14 7-8893 0 0,-8-3 10686 0 0</inkml:trace>
+</inkml:ink>
+</file>
+
+<file path=ppt/ink/ink82.xml><?xml version="1.0" encoding="utf-8"?>
+<inkml:ink xmlns:inkml="http://www.w3.org/2003/InkML">
+  <inkml:definitions>
+    <inkml:context xml:id="ctx0">
+      <inkml:inkSource xml:id="inkSrc0">
+        <inkml:traceFormat>
+          <inkml:channel name="X" type="integer" min="-2.14748E9" max="2.14748E9" units="cm"/>
+          <inkml:channel name="Y" type="integer" min="-2.14748E9" max="2.14748E9" units="cm"/>
+          <inkml:channel name="F" type="integer" max="32767" units="dev"/>
+          <inkml:channel name="OA" type="integer" max="360" units="deg"/>
+          <inkml:channel name="OE" type="integer" max="90" units="deg"/>
+        </inkml:traceFormat>
+        <inkml:channelProperties>
+          <inkml:channelProperty channel="X" name="resolution" value="1000" units="1/cm"/>
+          <inkml:channelProperty channel="Y" name="resolution" value="1000" units="1/cm"/>
+          <inkml:channelProperty channel="F" name="resolution" value="0" units="1/dev"/>
+          <inkml:channelProperty channel="OA" name="resolution" value="1000" units="1/deg"/>
+          <inkml:channelProperty channel="OE" name="resolution" value="1000" units="1/deg"/>
+        </inkml:channelProperties>
+      </inkml:inkSource>
+      <inkml:timestamp xml:id="ts0" timeString="2024-11-07T22:22:36.008"/>
+    </inkml:context>
+    <inkml:brush xml:id="br0">
+      <inkml:brushProperty name="width" value="0.05" units="cm"/>
+      <inkml:brushProperty name="height" value="0.05" units="cm"/>
+    </inkml:brush>
+  </inkml:definitions>
+  <inkml:trace contextRef="#ctx0" brushRef="#br0">0 46 7919 0 0,'3'1'8356'0'0,"3"5"-6602"0"0,3 7-1920 0 0,5 6 446 0 0,-11-15-313 0 0,0-1 0 0 0,0 1 0 0 0,-1 0 1 0 0,0 0-1 0 0,1 0 0 0 0,-1 0 0 0 0,-1 1 0 0 0,4 7 0 0 0,-5-12-141 0 0,-13-11-1540 0 0,-8-14 1366 0 0,20 23 457 0 0,0 1 1 0 0,0-1-1 0 0,0 0 1 0 0,0 1-1 0 0,0-1 1 0 0,1 0-1 0 0,-1 0 1 0 0,1 1-1 0 0,-1-1 1 0 0,1 0 0 0 0,0 0-1 0 0,-1 0 1 0 0,1 0-1 0 0,0 1 1 0 0,0-3-1 0 0,1 3-72 0 0,-1 0 0 0 0,0 0-1 0 0,1 1 1 0 0,-1-1 0 0 0,1 0 0 0 0,-1 1-1 0 0,1-1 1 0 0,-1 1 0 0 0,1-1 0 0 0,-1 1-1 0 0,1-1 1 0 0,0 1 0 0 0,-1-1 0 0 0,1 1-1 0 0,0-1 1 0 0,-1 1 0 0 0,1 0-1 0 0,0-1 1 0 0,0 1 0 0 0,-1 0 0 0 0,2-1-1 0 0,20-3-118 0 0,-14 3 106 0 0,20-6-1051 0 0,-23 5-1223 0 0,1 0 0 0 0,-1 0 0 0 0,1 0 0 0 0,-1-1 0 0 0,9-6-1 0 0,0-4-504 0 0,-9 7 2364 0 0</inkml:trace>
+</inkml:ink>
+</file>
+
+<file path=ppt/ink/ink83.xml><?xml version="1.0" encoding="utf-8"?>
+<inkml:ink xmlns:inkml="http://www.w3.org/2003/InkML">
+  <inkml:definitions>
+    <inkml:context xml:id="ctx0">
+      <inkml:inkSource xml:id="inkSrc0">
+        <inkml:traceFormat>
+          <inkml:channel name="X" type="integer" min="-2.14748E9" max="2.14748E9" units="cm"/>
+          <inkml:channel name="Y" type="integer" min="-2.14748E9" max="2.14748E9" units="cm"/>
+          <inkml:channel name="F" type="integer" max="32767" units="dev"/>
+          <inkml:channel name="OA" type="integer" max="360" units="deg"/>
+          <inkml:channel name="OE" type="integer" max="90" units="deg"/>
+        </inkml:traceFormat>
+        <inkml:channelProperties>
+          <inkml:channelProperty channel="X" name="resolution" value="1000" units="1/cm"/>
+          <inkml:channelProperty channel="Y" name="resolution" value="1000" units="1/cm"/>
+          <inkml:channelProperty channel="F" name="resolution" value="0" units="1/dev"/>
+          <inkml:channelProperty channel="OA" name="resolution" value="1000" units="1/deg"/>
+          <inkml:channelProperty channel="OE" name="resolution" value="1000" units="1/deg"/>
+        </inkml:channelProperties>
+      </inkml:inkSource>
+      <inkml:timestamp xml:id="ts0" timeString="2024-11-07T22:23:11.636"/>
+    </inkml:context>
+    <inkml:brush xml:id="br0">
+      <inkml:brushProperty name="width" value="0.05" units="cm"/>
+      <inkml:brushProperty name="height" value="0.05" units="cm"/>
+    </inkml:brush>
+  </inkml:definitions>
+  <inkml:trace contextRef="#ctx0" brushRef="#br0">34 38 9759 0 0,'-9'-8'1866'0'0,"8"7"-1329"0"0,-1 1-1 0 0,1-1 0 0 0,0 0 0 0 0,0 0 0 0 0,0 0 0 0 0,0 0 0 0 0,0 0 0 0 0,0-1 0 0 0,-1 0 1 0 0,3-5 1181 0 0,9 1-1944 0 0,-6 5 220 0 0,-1 0 0 0 0,0 0-1 0 0,1 0 1 0 0,0 1-1 0 0,-1-1 1 0 0,1 1 0 0 0,-1 0-1 0 0,7 0 1 0 0,-9 0 0 0 0,0 0-1 0 0,-1 0 1 0 0,1 1-1 0 0,0-1 1 0 0,0 0 0 0 0,0 0-1 0 0,-1 0 1 0 0,1 1-1 0 0,0-1 1 0 0,0 0-1 0 0,0 1 1 0 0,-1-1 0 0 0,1 1-1 0 0,0-1 1 0 0,-1 1-1 0 0,1-1 1 0 0,-1 1 0 0 0,1-1-1 0 0,0 1 1 0 0,-1-1-1 0 0,1 1 1 0 0,-1 0-1 0 0,1-1 1 0 0,-1 1 0 0 0,0 0-1 0 0,1 0 1 0 0,-1-1-1 0 0,0 1 1 0 0,0 0 0 0 0,1 0-1 0 0,-1 0 1 0 0,0-1-1 0 0,0 1 1 0 0,0 0-1 0 0,0 0 1 0 0,0 0 0 0 0,0 0-1 0 0,0-1 1 0 0,0 1-1 0 0,0 0 1 0 0,-1 1 0 0 0,-2 9-91 0 0,-1 0 1 0 0,0 0-1 0 0,-1 0 1 0 0,0-1-1 0 0,-13 19 1 0 0,12-20 264 0 0,0 0 1 0 0,1 0-1 0 0,0 1 0 0 0,1-1 1 0 0,0 1-1 0 0,0 0 0 0 0,-2 15 1 0 0,5-25-150 0 0,1 0 0 0 0,0 0 0 0 0,0 1 0 0 0,0-1 0 0 0,0 0 0 0 0,0 0 0 0 0,0 0 0 0 0,0 0 0 0 0,0 0 0 0 0,0 1 0 0 0,1-1 0 0 0,-1 0 0 0 0,0 0 0 0 0,0 0 0 0 0,0 0 0 0 0,0 0 0 0 0,0 1 0 0 0,0-1 0 0 0,0 0-1 0 0,0 0 1 0 0,0 0 0 0 0,0 0 0 0 0,0 0 0 0 0,1 0 0 0 0,-1 1 0 0 0,0-1 0 0 0,0 0 0 0 0,0 0 0 0 0,0 0 0 0 0,0 0 0 0 0,0 0 0 0 0,1 0 0 0 0,-1 0 0 0 0,0 0 0 0 0,0 0 0 0 0,0 0 0 0 0,0 0 0 0 0,1 0 0 0 0,8 0 237 0 0,14-8-421 0 0,-19 6 120 0 0,-1 1-26 0 0,13-5-1478 0 0,28-6 0 0 0,-37 12-1036 0 0</inkml:trace>
+</inkml:ink>
+</file>
+
+<file path=ppt/ink/ink84.xml><?xml version="1.0" encoding="utf-8"?>
+<inkml:ink xmlns:inkml="http://www.w3.org/2003/InkML">
+  <inkml:definitions>
+    <inkml:context xml:id="ctx0">
+      <inkml:inkSource xml:id="inkSrc0">
+        <inkml:traceFormat>
+          <inkml:channel name="X" type="integer" min="-2.14748E9" max="2.14748E9" units="cm"/>
+          <inkml:channel name="Y" type="integer" min="-2.14748E9" max="2.14748E9" units="cm"/>
+          <inkml:channel name="F" type="integer" max="32767" units="dev"/>
+          <inkml:channel name="OA" type="integer" max="360" units="deg"/>
+          <inkml:channel name="OE" type="integer" max="90" units="deg"/>
+        </inkml:traceFormat>
+        <inkml:channelProperties>
+          <inkml:channelProperty channel="X" name="resolution" value="1000" units="1/cm"/>
+          <inkml:channelProperty channel="Y" name="resolution" value="1000" units="1/cm"/>
+          <inkml:channelProperty channel="F" name="resolution" value="0" units="1/dev"/>
+          <inkml:channelProperty channel="OA" name="resolution" value="1000" units="1/deg"/>
+          <inkml:channelProperty channel="OE" name="resolution" value="1000" units="1/deg"/>
+        </inkml:channelProperties>
+      </inkml:inkSource>
+      <inkml:timestamp xml:id="ts0" timeString="2024-11-07T22:23:12.179"/>
+    </inkml:context>
+    <inkml:brush xml:id="br0">
+      <inkml:brushProperty name="width" value="0.05" units="cm"/>
+      <inkml:brushProperty name="height" value="0.05" units="cm"/>
+    </inkml:brush>
+  </inkml:definitions>
+  <inkml:trace contextRef="#ctx0" brushRef="#br0">3 1 10191 0 0,'0'0'784'0'0,"-2"17"3414"0"0,7 19-3993 0 0,-3-20-1109 0 0,1 25 0 0 0,-3-36-621 0 0,0 1 1 0 0,0-1-1 0 0,-1 1 1 0 0,-2 8-1 0 0</inkml:trace>
+</inkml:ink>
+</file>
+
+<file path=ppt/ink/ink85.xml><?xml version="1.0" encoding="utf-8"?>
+<inkml:ink xmlns:inkml="http://www.w3.org/2003/InkML">
+  <inkml:definitions>
+    <inkml:context xml:id="ctx0">
+      <inkml:inkSource xml:id="inkSrc0">
+        <inkml:traceFormat>
+          <inkml:channel name="X" type="integer" min="-2.14748E9" max="2.14748E9" units="cm"/>
+          <inkml:channel name="Y" type="integer" min="-2.14748E9" max="2.14748E9" units="cm"/>
+          <inkml:channel name="F" type="integer" max="32767" units="dev"/>
+          <inkml:channel name="OA" type="integer" max="360" units="deg"/>
+          <inkml:channel name="OE" type="integer" max="90" units="deg"/>
+        </inkml:traceFormat>
+        <inkml:channelProperties>
+          <inkml:channelProperty channel="X" name="resolution" value="1000" units="1/cm"/>
+          <inkml:channelProperty channel="Y" name="resolution" value="1000" units="1/cm"/>
+          <inkml:channelProperty channel="F" name="resolution" value="0" units="1/dev"/>
+          <inkml:channelProperty channel="OA" name="resolution" value="1000" units="1/deg"/>
+          <inkml:channelProperty channel="OE" name="resolution" value="1000" units="1/deg"/>
+        </inkml:channelProperties>
+      </inkml:inkSource>
+      <inkml:timestamp xml:id="ts0" timeString="2024-11-07T22:23:12.599"/>
+    </inkml:context>
+    <inkml:brush xml:id="br0">
+      <inkml:brushProperty name="width" value="0.05" units="cm"/>
+      <inkml:brushProperty name="height" value="0.05" units="cm"/>
+    </inkml:brush>
+  </inkml:definitions>
+  <inkml:trace contextRef="#ctx0" brushRef="#br0">0 1 7919 0 0,'6'50'6184'0'0,"-2"-19"-7465"0"0,6 42-4402 0 0,-10-70 4666 0 0,0-2 761 0 0,0-1 0 0 0,0 0 0 0 0,1 1 0 0 0,-1-1-1 0 0,0 1 1 0 0,0-1 0 0 0,0 1 0 0 0,0-1 0 0 0,0 1 0 0 0,0-1 0 0 0,-1 1 0 0 0,1-1-1 0 0,0 1 1 0 0,0-1 0 0 0,0 0 0 0 0,0 1 0 0 0,0-1 0 0 0,-1 1 0 0 0,1 0-1 0 0,-2 0-279 0 0</inkml:trace>
+</inkml:ink>
+</file>
+
+<file path=ppt/ink/ink9.xml><?xml version="1.0" encoding="utf-8"?>
+<inkml:ink xmlns:inkml="http://www.w3.org/2003/InkML">
+  <inkml:definitions>
+    <inkml:context xml:id="ctx0">
+      <inkml:inkSource xml:id="inkSrc0">
+        <inkml:traceFormat>
+          <inkml:channel name="X" type="integer" min="-2.14748E9" max="2.14748E9" units="cm"/>
+          <inkml:channel name="Y" type="integer" min="-2.14748E9" max="2.14748E9" units="cm"/>
+          <inkml:channel name="F" type="integer" max="32767" units="dev"/>
+          <inkml:channel name="OA" type="integer" max="360" units="deg"/>
+          <inkml:channel name="OE" type="integer" max="90" units="deg"/>
+        </inkml:traceFormat>
+        <inkml:channelProperties>
+          <inkml:channelProperty channel="X" name="resolution" value="1000" units="1/cm"/>
+          <inkml:channelProperty channel="Y" name="resolution" value="1000" units="1/cm"/>
+          <inkml:channelProperty channel="F" name="resolution" value="0" units="1/dev"/>
+          <inkml:channelProperty channel="OA" name="resolution" value="1000" units="1/deg"/>
+          <inkml:channelProperty channel="OE" name="resolution" value="1000" units="1/deg"/>
+        </inkml:channelProperties>
+      </inkml:inkSource>
+      <inkml:timestamp xml:id="ts0" timeString="2024-11-07T22:22:30.886"/>
+    </inkml:context>
+    <inkml:brush xml:id="br0">
+      <inkml:brushProperty name="width" value="0.05" units="cm"/>
+      <inkml:brushProperty name="height" value="0.05" units="cm"/>
+    </inkml:brush>
+  </inkml:definitions>
+  <inkml:trace contextRef="#ctx0" brushRef="#br0">1 5 9439 0 0,'0'0'728'0'0,"6"-1"3355"0"0,8-2-2868 0 0,7 3-846 0 0,-19 0-595 0 0,-1 0 0 0 0,0 0 0 0 0,0 0 0 0 0,1 0-1 0 0,-1 0 1 0 0,0 1 0 0 0,0-1 0 0 0,1 1 0 0 0,-1-1 0 0 0,0 1 0 0 0,0-1 0 0 0,0 1 0 0 0,2 1 0 0 0,-17 12-11980 0 0</inkml:trace>
+</inkml:ink>
 </file>
 
 <file path=ppt/slideLayouts/slideLayout1.xml><?xml version="1.0" encoding="utf-8"?>
@@ -380,7 +4101,7 @@
           <a:p>
             <a:fld id="{8F17B9F0-54C3-4533-BC47-CC5EFE9937D0}" type="datetimeFigureOut">
               <a:rPr lang="en-CA" smtClean="0"/>
-              <a:t>2024-11-03</a:t>
+              <a:t>2024-11-07</a:t>
             </a:fld>
             <a:endParaRPr lang="en-CA"/>
           </a:p>
@@ -580,7 +4301,7 @@
           <a:p>
             <a:fld id="{8F17B9F0-54C3-4533-BC47-CC5EFE9937D0}" type="datetimeFigureOut">
               <a:rPr lang="en-CA" smtClean="0"/>
-              <a:t>2024-11-03</a:t>
+              <a:t>2024-11-07</a:t>
             </a:fld>
             <a:endParaRPr lang="en-CA"/>
           </a:p>
@@ -790,7 +4511,7 @@
           <a:p>
             <a:fld id="{8F17B9F0-54C3-4533-BC47-CC5EFE9937D0}" type="datetimeFigureOut">
               <a:rPr lang="en-CA" smtClean="0"/>
-              <a:t>2024-11-03</a:t>
+              <a:t>2024-11-07</a:t>
             </a:fld>
             <a:endParaRPr lang="en-CA"/>
           </a:p>
@@ -990,7 +4711,7 @@
           <a:p>
             <a:fld id="{8F17B9F0-54C3-4533-BC47-CC5EFE9937D0}" type="datetimeFigureOut">
               <a:rPr lang="en-CA" smtClean="0"/>
-              <a:t>2024-11-03</a:t>
+              <a:t>2024-11-07</a:t>
             </a:fld>
             <a:endParaRPr lang="en-CA"/>
           </a:p>
@@ -1266,7 +4987,7 @@
           <a:p>
             <a:fld id="{8F17B9F0-54C3-4533-BC47-CC5EFE9937D0}" type="datetimeFigureOut">
               <a:rPr lang="en-CA" smtClean="0"/>
-              <a:t>2024-11-03</a:t>
+              <a:t>2024-11-07</a:t>
             </a:fld>
             <a:endParaRPr lang="en-CA"/>
           </a:p>
@@ -1534,7 +5255,7 @@
           <a:p>
             <a:fld id="{8F17B9F0-54C3-4533-BC47-CC5EFE9937D0}" type="datetimeFigureOut">
               <a:rPr lang="en-CA" smtClean="0"/>
-              <a:t>2024-11-03</a:t>
+              <a:t>2024-11-07</a:t>
             </a:fld>
             <a:endParaRPr lang="en-CA"/>
           </a:p>
@@ -1949,7 +5670,7 @@
           <a:p>
             <a:fld id="{8F17B9F0-54C3-4533-BC47-CC5EFE9937D0}" type="datetimeFigureOut">
               <a:rPr lang="en-CA" smtClean="0"/>
-              <a:t>2024-11-03</a:t>
+              <a:t>2024-11-07</a:t>
             </a:fld>
             <a:endParaRPr lang="en-CA"/>
           </a:p>
@@ -2091,7 +5812,7 @@
           <a:p>
             <a:fld id="{8F17B9F0-54C3-4533-BC47-CC5EFE9937D0}" type="datetimeFigureOut">
               <a:rPr lang="en-CA" smtClean="0"/>
-              <a:t>2024-11-03</a:t>
+              <a:t>2024-11-07</a:t>
             </a:fld>
             <a:endParaRPr lang="en-CA"/>
           </a:p>
@@ -2204,7 +5925,7 @@
           <a:p>
             <a:fld id="{8F17B9F0-54C3-4533-BC47-CC5EFE9937D0}" type="datetimeFigureOut">
               <a:rPr lang="en-CA" smtClean="0"/>
-              <a:t>2024-11-03</a:t>
+              <a:t>2024-11-07</a:t>
             </a:fld>
             <a:endParaRPr lang="en-CA"/>
           </a:p>
@@ -2517,7 +6238,7 @@
           <a:p>
             <a:fld id="{8F17B9F0-54C3-4533-BC47-CC5EFE9937D0}" type="datetimeFigureOut">
               <a:rPr lang="en-CA" smtClean="0"/>
-              <a:t>2024-11-03</a:t>
+              <a:t>2024-11-07</a:t>
             </a:fld>
             <a:endParaRPr lang="en-CA"/>
           </a:p>
@@ -2806,7 +6527,7 @@
           <a:p>
             <a:fld id="{8F17B9F0-54C3-4533-BC47-CC5EFE9937D0}" type="datetimeFigureOut">
               <a:rPr lang="en-CA" smtClean="0"/>
-              <a:t>2024-11-03</a:t>
+              <a:t>2024-11-07</a:t>
             </a:fld>
             <a:endParaRPr lang="en-CA"/>
           </a:p>
@@ -3121,7 +6842,7 @@
           <a:p>
             <a:fld id="{8F17B9F0-54C3-4533-BC47-CC5EFE9937D0}" type="datetimeFigureOut">
               <a:rPr lang="en-CA" smtClean="0"/>
-              <a:t>2024-11-03</a:t>
+              <a:t>2024-11-07</a:t>
             </a:fld>
             <a:endParaRPr lang="en-CA"/>
           </a:p>
@@ -3723,35 +7444,4513 @@
           <a:bodyPr/>
           <a:lstStyle/>
           <a:p>
-            <a:endParaRPr lang="en-CA"/>
+            <a:endParaRPr lang="en-CA" dirty="0"/>
           </a:p>
         </p:txBody>
       </p:sp>
-      <p:sp>
-        <p:nvSpPr>
-          <p:cNvPr id="3" name="Content Placeholder 2">
+      <p:grpSp>
+        <p:nvGrpSpPr>
+          <p:cNvPr id="53" name="Group 52">
             <a:extLst>
               <a:ext uri="{FF2B5EF4-FFF2-40B4-BE49-F238E27FC236}">
-                <a16:creationId xmlns:a16="http://schemas.microsoft.com/office/drawing/2014/main" id="{6199B0D6-BA64-4E0C-59D0-EC141D11F5DF}"/>
+                <a16:creationId xmlns:a16="http://schemas.microsoft.com/office/drawing/2014/main" id="{AD3BEB48-87C5-B1A9-CA1D-A7704D68827A}"/>
               </a:ext>
             </a:extLst>
           </p:cNvPr>
-          <p:cNvSpPr>
-            <a:spLocks noGrp="1"/>
-          </p:cNvSpPr>
-          <p:nvPr>
-            <p:ph idx="1"/>
-          </p:nvPr>
-        </p:nvSpPr>
-        <p:spPr/>
-        <p:txBody>
-          <a:bodyPr/>
-          <a:lstStyle/>
-          <a:p>
-            <a:endParaRPr lang="en-CA"/>
-          </a:p>
-        </p:txBody>
-      </p:sp>
+          <p:cNvGrpSpPr/>
+          <p:nvPr/>
+        </p:nvGrpSpPr>
+        <p:grpSpPr>
+          <a:xfrm>
+            <a:off x="5226003" y="4529252"/>
+            <a:ext cx="32040" cy="29520"/>
+            <a:chOff x="5226003" y="4529252"/>
+            <a:chExt cx="32040" cy="29520"/>
+          </a:xfrm>
+        </p:grpSpPr>
+        <mc:AlternateContent xmlns:mc="http://schemas.openxmlformats.org/markup-compatibility/2006">
+          <mc:Choice xmlns:p14="http://schemas.microsoft.com/office/powerpoint/2010/main" Requires="p14">
+            <p:contentPart p14:bwMode="auto" r:id="rId2">
+              <p14:nvContentPartPr>
+                <p14:cNvPr id="51" name="Ink 50">
+                  <a:extLst>
+                    <a:ext uri="{FF2B5EF4-FFF2-40B4-BE49-F238E27FC236}">
+                      <a16:creationId xmlns:a16="http://schemas.microsoft.com/office/drawing/2014/main" id="{0E1B4489-1E21-3D16-416B-F90F7CCF2623}"/>
+                    </a:ext>
+                  </a:extLst>
+                </p14:cNvPr>
+                <p14:cNvContentPartPr/>
+                <p14:nvPr/>
+              </p14:nvContentPartPr>
+              <p14:xfrm>
+                <a:off x="5226003" y="4529252"/>
+                <a:ext cx="21600" cy="2520"/>
+              </p14:xfrm>
+            </p:contentPart>
+          </mc:Choice>
+          <mc:Fallback>
+            <p:pic>
+              <p:nvPicPr>
+                <p:cNvPr id="51" name="Ink 50">
+                  <a:extLst>
+                    <a:ext uri="{FF2B5EF4-FFF2-40B4-BE49-F238E27FC236}">
+                      <a16:creationId xmlns:a16="http://schemas.microsoft.com/office/drawing/2014/main" id="{0E1B4489-1E21-3D16-416B-F90F7CCF2623}"/>
+                    </a:ext>
+                  </a:extLst>
+                </p:cNvPr>
+                <p:cNvPicPr/>
+                <p:nvPr/>
+              </p:nvPicPr>
+              <p:blipFill>
+                <a:blip r:embed="rId3"/>
+                <a:stretch>
+                  <a:fillRect/>
+                </a:stretch>
+              </p:blipFill>
+              <p:spPr>
+                <a:xfrm>
+                  <a:off x="5217003" y="4520252"/>
+                  <a:ext cx="39240" cy="20160"/>
+                </a:xfrm>
+                <a:prstGeom prst="rect">
+                  <a:avLst/>
+                </a:prstGeom>
+              </p:spPr>
+            </p:pic>
+          </mc:Fallback>
+        </mc:AlternateContent>
+        <mc:AlternateContent xmlns:mc="http://schemas.openxmlformats.org/markup-compatibility/2006">
+          <mc:Choice xmlns:p14="http://schemas.microsoft.com/office/powerpoint/2010/main" Requires="p14">
+            <p:contentPart p14:bwMode="auto" r:id="rId4">
+              <p14:nvContentPartPr>
+                <p14:cNvPr id="52" name="Ink 51">
+                  <a:extLst>
+                    <a:ext uri="{FF2B5EF4-FFF2-40B4-BE49-F238E27FC236}">
+                      <a16:creationId xmlns:a16="http://schemas.microsoft.com/office/drawing/2014/main" id="{83E35E79-4E88-0473-E8AA-C253EF5B6949}"/>
+                    </a:ext>
+                  </a:extLst>
+                </p14:cNvPr>
+                <p14:cNvContentPartPr/>
+                <p14:nvPr/>
+              </p14:nvContentPartPr>
+              <p14:xfrm>
+                <a:off x="5228523" y="4555892"/>
+                <a:ext cx="29520" cy="2880"/>
+              </p14:xfrm>
+            </p:contentPart>
+          </mc:Choice>
+          <mc:Fallback>
+            <p:pic>
+              <p:nvPicPr>
+                <p:cNvPr id="52" name="Ink 51">
+                  <a:extLst>
+                    <a:ext uri="{FF2B5EF4-FFF2-40B4-BE49-F238E27FC236}">
+                      <a16:creationId xmlns:a16="http://schemas.microsoft.com/office/drawing/2014/main" id="{83E35E79-4E88-0473-E8AA-C253EF5B6949}"/>
+                    </a:ext>
+                  </a:extLst>
+                </p:cNvPr>
+                <p:cNvPicPr/>
+                <p:nvPr/>
+              </p:nvPicPr>
+              <p:blipFill>
+                <a:blip r:embed="rId5"/>
+                <a:stretch>
+                  <a:fillRect/>
+                </a:stretch>
+              </p:blipFill>
+              <p:spPr>
+                <a:xfrm>
+                  <a:off x="5219523" y="4546892"/>
+                  <a:ext cx="47160" cy="20520"/>
+                </a:xfrm>
+                <a:prstGeom prst="rect">
+                  <a:avLst/>
+                </a:prstGeom>
+              </p:spPr>
+            </p:pic>
+          </mc:Fallback>
+        </mc:AlternateContent>
+      </p:grpSp>
+      <mc:AlternateContent xmlns:mc="http://schemas.openxmlformats.org/markup-compatibility/2006">
+        <mc:Choice xmlns:p14="http://schemas.microsoft.com/office/powerpoint/2010/main" Requires="p14">
+          <p:contentPart p14:bwMode="auto" r:id="rId6">
+            <p14:nvContentPartPr>
+              <p14:cNvPr id="55" name="Ink 54">
+                <a:extLst>
+                  <a:ext uri="{FF2B5EF4-FFF2-40B4-BE49-F238E27FC236}">
+                    <a16:creationId xmlns:a16="http://schemas.microsoft.com/office/drawing/2014/main" id="{09032088-F165-EE43-3D67-6383CB0934F4}"/>
+                  </a:ext>
+                </a:extLst>
+              </p14:cNvPr>
+              <p14:cNvContentPartPr/>
+              <p14:nvPr/>
+            </p14:nvContentPartPr>
+            <p14:xfrm>
+              <a:off x="5384763" y="4500812"/>
+              <a:ext cx="41760" cy="150480"/>
+            </p14:xfrm>
+          </p:contentPart>
+        </mc:Choice>
+        <mc:Fallback>
+          <p:pic>
+            <p:nvPicPr>
+              <p:cNvPr id="55" name="Ink 54">
+                <a:extLst>
+                  <a:ext uri="{FF2B5EF4-FFF2-40B4-BE49-F238E27FC236}">
+                    <a16:creationId xmlns:a16="http://schemas.microsoft.com/office/drawing/2014/main" id="{09032088-F165-EE43-3D67-6383CB0934F4}"/>
+                  </a:ext>
+                </a:extLst>
+              </p:cNvPr>
+              <p:cNvPicPr/>
+              <p:nvPr/>
+            </p:nvPicPr>
+            <p:blipFill>
+              <a:blip r:embed="rId7"/>
+              <a:stretch>
+                <a:fillRect/>
+              </a:stretch>
+            </p:blipFill>
+            <p:spPr>
+              <a:xfrm>
+                <a:off x="5375763" y="4492172"/>
+                <a:ext cx="59400" cy="168120"/>
+              </a:xfrm>
+              <a:prstGeom prst="rect">
+                <a:avLst/>
+              </a:prstGeom>
+            </p:spPr>
+          </p:pic>
+        </mc:Fallback>
+      </mc:AlternateContent>
+      <mc:AlternateContent xmlns:mc="http://schemas.openxmlformats.org/markup-compatibility/2006">
+        <mc:Choice xmlns:p14="http://schemas.microsoft.com/office/powerpoint/2010/main" Requires="p14">
+          <p:contentPart p14:bwMode="auto" r:id="rId8">
+            <p14:nvContentPartPr>
+              <p14:cNvPr id="76" name="Ink 75">
+                <a:extLst>
+                  <a:ext uri="{FF2B5EF4-FFF2-40B4-BE49-F238E27FC236}">
+                    <a16:creationId xmlns:a16="http://schemas.microsoft.com/office/drawing/2014/main" id="{1D21242F-042F-480C-C971-08B23A81A46F}"/>
+                  </a:ext>
+                </a:extLst>
+              </p14:cNvPr>
+              <p14:cNvContentPartPr/>
+              <p14:nvPr/>
+            </p14:nvContentPartPr>
+            <p14:xfrm>
+              <a:off x="6028443" y="4293452"/>
+              <a:ext cx="53640" cy="227880"/>
+            </p14:xfrm>
+          </p:contentPart>
+        </mc:Choice>
+        <mc:Fallback>
+          <p:pic>
+            <p:nvPicPr>
+              <p:cNvPr id="76" name="Ink 75">
+                <a:extLst>
+                  <a:ext uri="{FF2B5EF4-FFF2-40B4-BE49-F238E27FC236}">
+                    <a16:creationId xmlns:a16="http://schemas.microsoft.com/office/drawing/2014/main" id="{1D21242F-042F-480C-C971-08B23A81A46F}"/>
+                  </a:ext>
+                </a:extLst>
+              </p:cNvPr>
+              <p:cNvPicPr/>
+              <p:nvPr/>
+            </p:nvPicPr>
+            <p:blipFill>
+              <a:blip r:embed="rId9"/>
+              <a:stretch>
+                <a:fillRect/>
+              </a:stretch>
+            </p:blipFill>
+            <p:spPr>
+              <a:xfrm>
+                <a:off x="6019803" y="4284452"/>
+                <a:ext cx="71280" cy="245520"/>
+              </a:xfrm>
+              <a:prstGeom prst="rect">
+                <a:avLst/>
+              </a:prstGeom>
+            </p:spPr>
+          </p:pic>
+        </mc:Fallback>
+      </mc:AlternateContent>
+      <p:grpSp>
+        <p:nvGrpSpPr>
+          <p:cNvPr id="80" name="Group 79">
+            <a:extLst>
+              <a:ext uri="{FF2B5EF4-FFF2-40B4-BE49-F238E27FC236}">
+                <a16:creationId xmlns:a16="http://schemas.microsoft.com/office/drawing/2014/main" id="{6781624D-DEAB-E2E3-565A-1147566915EE}"/>
+              </a:ext>
+            </a:extLst>
+          </p:cNvPr>
+          <p:cNvGrpSpPr/>
+          <p:nvPr/>
+        </p:nvGrpSpPr>
+        <p:grpSpPr>
+          <a:xfrm>
+            <a:off x="5029443" y="4497932"/>
+            <a:ext cx="74160" cy="97200"/>
+            <a:chOff x="5029443" y="4497932"/>
+            <a:chExt cx="74160" cy="97200"/>
+          </a:xfrm>
+        </p:grpSpPr>
+        <mc:AlternateContent xmlns:mc="http://schemas.openxmlformats.org/markup-compatibility/2006">
+          <mc:Choice xmlns:p14="http://schemas.microsoft.com/office/powerpoint/2010/main" Requires="p14">
+            <p:contentPart p14:bwMode="auto" r:id="rId10">
+              <p14:nvContentPartPr>
+                <p14:cNvPr id="78" name="Ink 77">
+                  <a:extLst>
+                    <a:ext uri="{FF2B5EF4-FFF2-40B4-BE49-F238E27FC236}">
+                      <a16:creationId xmlns:a16="http://schemas.microsoft.com/office/drawing/2014/main" id="{993FBBA1-4131-42C3-C043-E9932A7E622B}"/>
+                    </a:ext>
+                  </a:extLst>
+                </p14:cNvPr>
+                <p14:cNvContentPartPr/>
+                <p14:nvPr/>
+              </p14:nvContentPartPr>
+              <p14:xfrm>
+                <a:off x="5029443" y="4546892"/>
+                <a:ext cx="74160" cy="48240"/>
+              </p14:xfrm>
+            </p:contentPart>
+          </mc:Choice>
+          <mc:Fallback>
+            <p:pic>
+              <p:nvPicPr>
+                <p:cNvPr id="78" name="Ink 77">
+                  <a:extLst>
+                    <a:ext uri="{FF2B5EF4-FFF2-40B4-BE49-F238E27FC236}">
+                      <a16:creationId xmlns:a16="http://schemas.microsoft.com/office/drawing/2014/main" id="{993FBBA1-4131-42C3-C043-E9932A7E622B}"/>
+                    </a:ext>
+                  </a:extLst>
+                </p:cNvPr>
+                <p:cNvPicPr/>
+                <p:nvPr/>
+              </p:nvPicPr>
+              <p:blipFill>
+                <a:blip r:embed="rId11"/>
+                <a:stretch>
+                  <a:fillRect/>
+                </a:stretch>
+              </p:blipFill>
+              <p:spPr>
+                <a:xfrm>
+                  <a:off x="5020803" y="4537892"/>
+                  <a:ext cx="91800" cy="65880"/>
+                </a:xfrm>
+                <a:prstGeom prst="rect">
+                  <a:avLst/>
+                </a:prstGeom>
+              </p:spPr>
+            </p:pic>
+          </mc:Fallback>
+        </mc:AlternateContent>
+        <mc:AlternateContent xmlns:mc="http://schemas.openxmlformats.org/markup-compatibility/2006">
+          <mc:Choice xmlns:p14="http://schemas.microsoft.com/office/powerpoint/2010/main" Requires="p14">
+            <p:contentPart p14:bwMode="auto" r:id="rId12">
+              <p14:nvContentPartPr>
+                <p14:cNvPr id="79" name="Ink 78">
+                  <a:extLst>
+                    <a:ext uri="{FF2B5EF4-FFF2-40B4-BE49-F238E27FC236}">
+                      <a16:creationId xmlns:a16="http://schemas.microsoft.com/office/drawing/2014/main" id="{324D9354-7FC4-3AC0-A934-491CA677365F}"/>
+                    </a:ext>
+                  </a:extLst>
+                </p14:cNvPr>
+                <p14:cNvContentPartPr/>
+                <p14:nvPr/>
+              </p14:nvContentPartPr>
+              <p14:xfrm>
+                <a:off x="5066163" y="4497932"/>
+                <a:ext cx="1800" cy="720"/>
+              </p14:xfrm>
+            </p:contentPart>
+          </mc:Choice>
+          <mc:Fallback>
+            <p:pic>
+              <p:nvPicPr>
+                <p:cNvPr id="79" name="Ink 78">
+                  <a:extLst>
+                    <a:ext uri="{FF2B5EF4-FFF2-40B4-BE49-F238E27FC236}">
+                      <a16:creationId xmlns:a16="http://schemas.microsoft.com/office/drawing/2014/main" id="{324D9354-7FC4-3AC0-A934-491CA677365F}"/>
+                    </a:ext>
+                  </a:extLst>
+                </p:cNvPr>
+                <p:cNvPicPr/>
+                <p:nvPr/>
+              </p:nvPicPr>
+              <p:blipFill>
+                <a:blip r:embed="rId13"/>
+                <a:stretch>
+                  <a:fillRect/>
+                </a:stretch>
+              </p:blipFill>
+              <p:spPr>
+                <a:xfrm>
+                  <a:off x="5057163" y="4488932"/>
+                  <a:ext cx="19440" cy="18360"/>
+                </a:xfrm>
+                <a:prstGeom prst="rect">
+                  <a:avLst/>
+                </a:prstGeom>
+              </p:spPr>
+            </p:pic>
+          </mc:Fallback>
+        </mc:AlternateContent>
+      </p:grpSp>
+      <p:grpSp>
+        <p:nvGrpSpPr>
+          <p:cNvPr id="105" name="Group 104">
+            <a:extLst>
+              <a:ext uri="{FF2B5EF4-FFF2-40B4-BE49-F238E27FC236}">
+                <a16:creationId xmlns:a16="http://schemas.microsoft.com/office/drawing/2014/main" id="{6E76583C-4AE5-10CA-E352-DCE899D0125E}"/>
+              </a:ext>
+            </a:extLst>
+          </p:cNvPr>
+          <p:cNvGrpSpPr/>
+          <p:nvPr/>
+        </p:nvGrpSpPr>
+        <p:grpSpPr>
+          <a:xfrm>
+            <a:off x="5572400" y="4845449"/>
+            <a:ext cx="211680" cy="159840"/>
+            <a:chOff x="5572400" y="4845449"/>
+            <a:chExt cx="211680" cy="159840"/>
+          </a:xfrm>
+        </p:grpSpPr>
+        <mc:AlternateContent xmlns:mc="http://schemas.openxmlformats.org/markup-compatibility/2006">
+          <mc:Choice xmlns:p14="http://schemas.microsoft.com/office/powerpoint/2010/main" Requires="p14">
+            <p:contentPart p14:bwMode="auto" r:id="rId14">
+              <p14:nvContentPartPr>
+                <p14:cNvPr id="81" name="Ink 80">
+                  <a:extLst>
+                    <a:ext uri="{FF2B5EF4-FFF2-40B4-BE49-F238E27FC236}">
+                      <a16:creationId xmlns:a16="http://schemas.microsoft.com/office/drawing/2014/main" id="{B33931D8-FF12-9DD8-705C-BF4E5C1D6969}"/>
+                    </a:ext>
+                  </a:extLst>
+                </p14:cNvPr>
+                <p14:cNvContentPartPr/>
+                <p14:nvPr/>
+              </p14:nvContentPartPr>
+              <p14:xfrm>
+                <a:off x="5572400" y="4858769"/>
+                <a:ext cx="27720" cy="146520"/>
+              </p14:xfrm>
+            </p:contentPart>
+          </mc:Choice>
+          <mc:Fallback>
+            <p:pic>
+              <p:nvPicPr>
+                <p:cNvPr id="81" name="Ink 80">
+                  <a:extLst>
+                    <a:ext uri="{FF2B5EF4-FFF2-40B4-BE49-F238E27FC236}">
+                      <a16:creationId xmlns:a16="http://schemas.microsoft.com/office/drawing/2014/main" id="{B33931D8-FF12-9DD8-705C-BF4E5C1D6969}"/>
+                    </a:ext>
+                  </a:extLst>
+                </p:cNvPr>
+                <p:cNvPicPr/>
+                <p:nvPr/>
+              </p:nvPicPr>
+              <p:blipFill>
+                <a:blip r:embed="rId15"/>
+                <a:stretch>
+                  <a:fillRect/>
+                </a:stretch>
+              </p:blipFill>
+              <p:spPr>
+                <a:xfrm>
+                  <a:off x="5563400" y="4849769"/>
+                  <a:ext cx="45360" cy="164160"/>
+                </a:xfrm>
+                <a:prstGeom prst="rect">
+                  <a:avLst/>
+                </a:prstGeom>
+              </p:spPr>
+            </p:pic>
+          </mc:Fallback>
+        </mc:AlternateContent>
+        <mc:AlternateContent xmlns:mc="http://schemas.openxmlformats.org/markup-compatibility/2006">
+          <mc:Choice xmlns:p14="http://schemas.microsoft.com/office/powerpoint/2010/main" Requires="p14">
+            <p:contentPart p14:bwMode="auto" r:id="rId16">
+              <p14:nvContentPartPr>
+                <p14:cNvPr id="82" name="Ink 81">
+                  <a:extLst>
+                    <a:ext uri="{FF2B5EF4-FFF2-40B4-BE49-F238E27FC236}">
+                      <a16:creationId xmlns:a16="http://schemas.microsoft.com/office/drawing/2014/main" id="{B1780C76-AAE8-7173-24C4-AD7A69681373}"/>
+                    </a:ext>
+                  </a:extLst>
+                </p14:cNvPr>
+                <p14:cNvContentPartPr/>
+                <p14:nvPr/>
+              </p14:nvContentPartPr>
+              <p14:xfrm>
+                <a:off x="5631440" y="4845449"/>
+                <a:ext cx="42840" cy="69120"/>
+              </p14:xfrm>
+            </p:contentPart>
+          </mc:Choice>
+          <mc:Fallback>
+            <p:pic>
+              <p:nvPicPr>
+                <p:cNvPr id="82" name="Ink 81">
+                  <a:extLst>
+                    <a:ext uri="{FF2B5EF4-FFF2-40B4-BE49-F238E27FC236}">
+                      <a16:creationId xmlns:a16="http://schemas.microsoft.com/office/drawing/2014/main" id="{B1780C76-AAE8-7173-24C4-AD7A69681373}"/>
+                    </a:ext>
+                  </a:extLst>
+                </p:cNvPr>
+                <p:cNvPicPr/>
+                <p:nvPr/>
+              </p:nvPicPr>
+              <p:blipFill>
+                <a:blip r:embed="rId17"/>
+                <a:stretch>
+                  <a:fillRect/>
+                </a:stretch>
+              </p:blipFill>
+              <p:spPr>
+                <a:xfrm>
+                  <a:off x="5622800" y="4836809"/>
+                  <a:ext cx="60480" cy="86760"/>
+                </a:xfrm>
+                <a:prstGeom prst="rect">
+                  <a:avLst/>
+                </a:prstGeom>
+              </p:spPr>
+            </p:pic>
+          </mc:Fallback>
+        </mc:AlternateContent>
+        <mc:AlternateContent xmlns:mc="http://schemas.openxmlformats.org/markup-compatibility/2006">
+          <mc:Choice xmlns:p14="http://schemas.microsoft.com/office/powerpoint/2010/main" Requires="p14">
+            <p:contentPart p14:bwMode="auto" r:id="rId18">
+              <p14:nvContentPartPr>
+                <p14:cNvPr id="83" name="Ink 82">
+                  <a:extLst>
+                    <a:ext uri="{FF2B5EF4-FFF2-40B4-BE49-F238E27FC236}">
+                      <a16:creationId xmlns:a16="http://schemas.microsoft.com/office/drawing/2014/main" id="{B8DEF441-E554-B312-A4C2-E63D775B5342}"/>
+                    </a:ext>
+                  </a:extLst>
+                </p14:cNvPr>
+                <p14:cNvContentPartPr/>
+                <p14:nvPr/>
+              </p14:nvContentPartPr>
+              <p14:xfrm>
+                <a:off x="5762120" y="4849409"/>
+                <a:ext cx="21960" cy="7560"/>
+              </p14:xfrm>
+            </p:contentPart>
+          </mc:Choice>
+          <mc:Fallback>
+            <p:pic>
+              <p:nvPicPr>
+                <p:cNvPr id="83" name="Ink 82">
+                  <a:extLst>
+                    <a:ext uri="{FF2B5EF4-FFF2-40B4-BE49-F238E27FC236}">
+                      <a16:creationId xmlns:a16="http://schemas.microsoft.com/office/drawing/2014/main" id="{B8DEF441-E554-B312-A4C2-E63D775B5342}"/>
+                    </a:ext>
+                  </a:extLst>
+                </p:cNvPr>
+                <p:cNvPicPr/>
+                <p:nvPr/>
+              </p:nvPicPr>
+              <p:blipFill>
+                <a:blip r:embed="rId19"/>
+                <a:stretch>
+                  <a:fillRect/>
+                </a:stretch>
+              </p:blipFill>
+              <p:spPr>
+                <a:xfrm>
+                  <a:off x="5753480" y="4840769"/>
+                  <a:ext cx="39600" cy="25200"/>
+                </a:xfrm>
+                <a:prstGeom prst="rect">
+                  <a:avLst/>
+                </a:prstGeom>
+              </p:spPr>
+            </p:pic>
+          </mc:Fallback>
+        </mc:AlternateContent>
+        <mc:AlternateContent xmlns:mc="http://schemas.openxmlformats.org/markup-compatibility/2006">
+          <mc:Choice xmlns:p14="http://schemas.microsoft.com/office/powerpoint/2010/main" Requires="p14">
+            <p:contentPart p14:bwMode="auto" r:id="rId20">
+              <p14:nvContentPartPr>
+                <p14:cNvPr id="84" name="Ink 83">
+                  <a:extLst>
+                    <a:ext uri="{FF2B5EF4-FFF2-40B4-BE49-F238E27FC236}">
+                      <a16:creationId xmlns:a16="http://schemas.microsoft.com/office/drawing/2014/main" id="{EAFBB09E-F7B2-5E88-C4E3-3891AAD11D93}"/>
+                    </a:ext>
+                  </a:extLst>
+                </p14:cNvPr>
+                <p14:cNvContentPartPr/>
+                <p14:nvPr/>
+              </p14:nvContentPartPr>
+              <p14:xfrm>
+                <a:off x="5755640" y="4873169"/>
+                <a:ext cx="27720" cy="1800"/>
+              </p14:xfrm>
+            </p:contentPart>
+          </mc:Choice>
+          <mc:Fallback>
+            <p:pic>
+              <p:nvPicPr>
+                <p:cNvPr id="84" name="Ink 83">
+                  <a:extLst>
+                    <a:ext uri="{FF2B5EF4-FFF2-40B4-BE49-F238E27FC236}">
+                      <a16:creationId xmlns:a16="http://schemas.microsoft.com/office/drawing/2014/main" id="{EAFBB09E-F7B2-5E88-C4E3-3891AAD11D93}"/>
+                    </a:ext>
+                  </a:extLst>
+                </p:cNvPr>
+                <p:cNvPicPr/>
+                <p:nvPr/>
+              </p:nvPicPr>
+              <p:blipFill>
+                <a:blip r:embed="rId21"/>
+                <a:stretch>
+                  <a:fillRect/>
+                </a:stretch>
+              </p:blipFill>
+              <p:spPr>
+                <a:xfrm>
+                  <a:off x="5746640" y="4864169"/>
+                  <a:ext cx="45360" cy="19440"/>
+                </a:xfrm>
+                <a:prstGeom prst="rect">
+                  <a:avLst/>
+                </a:prstGeom>
+              </p:spPr>
+            </p:pic>
+          </mc:Fallback>
+        </mc:AlternateContent>
+      </p:grpSp>
+      <p:grpSp>
+        <p:nvGrpSpPr>
+          <p:cNvPr id="103" name="Group 102">
+            <a:extLst>
+              <a:ext uri="{FF2B5EF4-FFF2-40B4-BE49-F238E27FC236}">
+                <a16:creationId xmlns:a16="http://schemas.microsoft.com/office/drawing/2014/main" id="{308EC627-A401-19D5-868D-BA1BEF925FAF}"/>
+              </a:ext>
+            </a:extLst>
+          </p:cNvPr>
+          <p:cNvGrpSpPr/>
+          <p:nvPr/>
+        </p:nvGrpSpPr>
+        <p:grpSpPr>
+          <a:xfrm>
+            <a:off x="6479240" y="4712969"/>
+            <a:ext cx="218880" cy="140400"/>
+            <a:chOff x="6479240" y="4712969"/>
+            <a:chExt cx="218880" cy="140400"/>
+          </a:xfrm>
+        </p:grpSpPr>
+        <mc:AlternateContent xmlns:mc="http://schemas.openxmlformats.org/markup-compatibility/2006">
+          <mc:Choice xmlns:p14="http://schemas.microsoft.com/office/powerpoint/2010/main" Requires="p14">
+            <p:contentPart p14:bwMode="auto" r:id="rId22">
+              <p14:nvContentPartPr>
+                <p14:cNvPr id="96" name="Ink 95">
+                  <a:extLst>
+                    <a:ext uri="{FF2B5EF4-FFF2-40B4-BE49-F238E27FC236}">
+                      <a16:creationId xmlns:a16="http://schemas.microsoft.com/office/drawing/2014/main" id="{C2FB5155-C5AF-E998-BFA8-CC18EADB311E}"/>
+                    </a:ext>
+                  </a:extLst>
+                </p14:cNvPr>
+                <p14:cNvContentPartPr/>
+                <p14:nvPr/>
+              </p14:nvContentPartPr>
+              <p14:xfrm>
+                <a:off x="6479240" y="4712969"/>
+                <a:ext cx="198360" cy="121680"/>
+              </p14:xfrm>
+            </p:contentPart>
+          </mc:Choice>
+          <mc:Fallback>
+            <p:pic>
+              <p:nvPicPr>
+                <p:cNvPr id="96" name="Ink 95">
+                  <a:extLst>
+                    <a:ext uri="{FF2B5EF4-FFF2-40B4-BE49-F238E27FC236}">
+                      <a16:creationId xmlns:a16="http://schemas.microsoft.com/office/drawing/2014/main" id="{C2FB5155-C5AF-E998-BFA8-CC18EADB311E}"/>
+                    </a:ext>
+                  </a:extLst>
+                </p:cNvPr>
+                <p:cNvPicPr/>
+                <p:nvPr/>
+              </p:nvPicPr>
+              <p:blipFill>
+                <a:blip r:embed="rId23"/>
+                <a:stretch>
+                  <a:fillRect/>
+                </a:stretch>
+              </p:blipFill>
+              <p:spPr>
+                <a:xfrm>
+                  <a:off x="6470240" y="4703969"/>
+                  <a:ext cx="216000" cy="139320"/>
+                </a:xfrm>
+                <a:prstGeom prst="rect">
+                  <a:avLst/>
+                </a:prstGeom>
+              </p:spPr>
+            </p:pic>
+          </mc:Fallback>
+        </mc:AlternateContent>
+        <mc:AlternateContent xmlns:mc="http://schemas.openxmlformats.org/markup-compatibility/2006">
+          <mc:Choice xmlns:p14="http://schemas.microsoft.com/office/powerpoint/2010/main" Requires="p14">
+            <p:contentPart p14:bwMode="auto" r:id="rId24">
+              <p14:nvContentPartPr>
+                <p14:cNvPr id="97" name="Ink 96">
+                  <a:extLst>
+                    <a:ext uri="{FF2B5EF4-FFF2-40B4-BE49-F238E27FC236}">
+                      <a16:creationId xmlns:a16="http://schemas.microsoft.com/office/drawing/2014/main" id="{72580A32-A1C7-83B4-E440-560528F46B27}"/>
+                    </a:ext>
+                  </a:extLst>
+                </p14:cNvPr>
+                <p14:cNvContentPartPr/>
+                <p14:nvPr/>
+              </p14:nvContentPartPr>
+              <p14:xfrm>
+                <a:off x="6686240" y="4823489"/>
+                <a:ext cx="11880" cy="29880"/>
+              </p14:xfrm>
+            </p:contentPart>
+          </mc:Choice>
+          <mc:Fallback>
+            <p:pic>
+              <p:nvPicPr>
+                <p:cNvPr id="97" name="Ink 96">
+                  <a:extLst>
+                    <a:ext uri="{FF2B5EF4-FFF2-40B4-BE49-F238E27FC236}">
+                      <a16:creationId xmlns:a16="http://schemas.microsoft.com/office/drawing/2014/main" id="{72580A32-A1C7-83B4-E440-560528F46B27}"/>
+                    </a:ext>
+                  </a:extLst>
+                </p:cNvPr>
+                <p:cNvPicPr/>
+                <p:nvPr/>
+              </p:nvPicPr>
+              <p:blipFill>
+                <a:blip r:embed="rId25"/>
+                <a:stretch>
+                  <a:fillRect/>
+                </a:stretch>
+              </p:blipFill>
+              <p:spPr>
+                <a:xfrm>
+                  <a:off x="6677240" y="4814489"/>
+                  <a:ext cx="29520" cy="47520"/>
+                </a:xfrm>
+                <a:prstGeom prst="rect">
+                  <a:avLst/>
+                </a:prstGeom>
+              </p:spPr>
+            </p:pic>
+          </mc:Fallback>
+        </mc:AlternateContent>
+      </p:grpSp>
+      <p:grpSp>
+        <p:nvGrpSpPr>
+          <p:cNvPr id="119" name="Group 118">
+            <a:extLst>
+              <a:ext uri="{FF2B5EF4-FFF2-40B4-BE49-F238E27FC236}">
+                <a16:creationId xmlns:a16="http://schemas.microsoft.com/office/drawing/2014/main" id="{818A9C6D-5F66-B07F-9C6D-41A4052C10AA}"/>
+              </a:ext>
+            </a:extLst>
+          </p:cNvPr>
+          <p:cNvGrpSpPr/>
+          <p:nvPr/>
+        </p:nvGrpSpPr>
+        <p:grpSpPr>
+          <a:xfrm>
+            <a:off x="6807920" y="4602449"/>
+            <a:ext cx="665397" cy="207360"/>
+            <a:chOff x="6807920" y="4602449"/>
+            <a:chExt cx="665397" cy="207360"/>
+          </a:xfrm>
+        </p:grpSpPr>
+        <mc:AlternateContent xmlns:mc="http://schemas.openxmlformats.org/markup-compatibility/2006">
+          <mc:Choice xmlns:p14="http://schemas.microsoft.com/office/powerpoint/2010/main" Requires="p14">
+            <p:contentPart p14:bwMode="auto" r:id="rId26">
+              <p14:nvContentPartPr>
+                <p14:cNvPr id="98" name="Ink 97">
+                  <a:extLst>
+                    <a:ext uri="{FF2B5EF4-FFF2-40B4-BE49-F238E27FC236}">
+                      <a16:creationId xmlns:a16="http://schemas.microsoft.com/office/drawing/2014/main" id="{DF7668DC-546D-8DD0-A196-3218FA48D2CE}"/>
+                    </a:ext>
+                  </a:extLst>
+                </p14:cNvPr>
+                <p14:cNvContentPartPr/>
+                <p14:nvPr/>
+              </p14:nvContentPartPr>
+              <p14:xfrm>
+                <a:off x="6807920" y="4712249"/>
+                <a:ext cx="65520" cy="57960"/>
+              </p14:xfrm>
+            </p:contentPart>
+          </mc:Choice>
+          <mc:Fallback>
+            <p:pic>
+              <p:nvPicPr>
+                <p:cNvPr id="98" name="Ink 97">
+                  <a:extLst>
+                    <a:ext uri="{FF2B5EF4-FFF2-40B4-BE49-F238E27FC236}">
+                      <a16:creationId xmlns:a16="http://schemas.microsoft.com/office/drawing/2014/main" id="{DF7668DC-546D-8DD0-A196-3218FA48D2CE}"/>
+                    </a:ext>
+                  </a:extLst>
+                </p:cNvPr>
+                <p:cNvPicPr/>
+                <p:nvPr/>
+              </p:nvPicPr>
+              <p:blipFill>
+                <a:blip r:embed="rId27"/>
+                <a:stretch>
+                  <a:fillRect/>
+                </a:stretch>
+              </p:blipFill>
+              <p:spPr>
+                <a:xfrm>
+                  <a:off x="6798920" y="4703609"/>
+                  <a:ext cx="83160" cy="75600"/>
+                </a:xfrm>
+                <a:prstGeom prst="rect">
+                  <a:avLst/>
+                </a:prstGeom>
+              </p:spPr>
+            </p:pic>
+          </mc:Fallback>
+        </mc:AlternateContent>
+        <mc:AlternateContent xmlns:mc="http://schemas.openxmlformats.org/markup-compatibility/2006">
+          <mc:Choice xmlns:p14="http://schemas.microsoft.com/office/powerpoint/2010/main" Requires="p14">
+            <p:contentPart p14:bwMode="auto" r:id="rId28">
+              <p14:nvContentPartPr>
+                <p14:cNvPr id="99" name="Ink 98">
+                  <a:extLst>
+                    <a:ext uri="{FF2B5EF4-FFF2-40B4-BE49-F238E27FC236}">
+                      <a16:creationId xmlns:a16="http://schemas.microsoft.com/office/drawing/2014/main" id="{A34DBAB2-1CCB-B9BA-639A-FAD5A76BE71C}"/>
+                    </a:ext>
+                  </a:extLst>
+                </p14:cNvPr>
+                <p14:cNvContentPartPr/>
+                <p14:nvPr/>
+              </p14:nvContentPartPr>
+              <p14:xfrm>
+                <a:off x="6894680" y="4718009"/>
+                <a:ext cx="52920" cy="37800"/>
+              </p14:xfrm>
+            </p:contentPart>
+          </mc:Choice>
+          <mc:Fallback>
+            <p:pic>
+              <p:nvPicPr>
+                <p:cNvPr id="99" name="Ink 98">
+                  <a:extLst>
+                    <a:ext uri="{FF2B5EF4-FFF2-40B4-BE49-F238E27FC236}">
+                      <a16:creationId xmlns:a16="http://schemas.microsoft.com/office/drawing/2014/main" id="{A34DBAB2-1CCB-B9BA-639A-FAD5A76BE71C}"/>
+                    </a:ext>
+                  </a:extLst>
+                </p:cNvPr>
+                <p:cNvPicPr/>
+                <p:nvPr/>
+              </p:nvPicPr>
+              <p:blipFill>
+                <a:blip r:embed="rId29"/>
+                <a:stretch>
+                  <a:fillRect/>
+                </a:stretch>
+              </p:blipFill>
+              <p:spPr>
+                <a:xfrm>
+                  <a:off x="6886040" y="4709009"/>
+                  <a:ext cx="70560" cy="55440"/>
+                </a:xfrm>
+                <a:prstGeom prst="rect">
+                  <a:avLst/>
+                </a:prstGeom>
+              </p:spPr>
+            </p:pic>
+          </mc:Fallback>
+        </mc:AlternateContent>
+        <mc:AlternateContent xmlns:mc="http://schemas.openxmlformats.org/markup-compatibility/2006">
+          <mc:Choice xmlns:p14="http://schemas.microsoft.com/office/powerpoint/2010/main" Requires="p14">
+            <p:contentPart p14:bwMode="auto" r:id="rId30">
+              <p14:nvContentPartPr>
+                <p14:cNvPr id="100" name="Ink 99">
+                  <a:extLst>
+                    <a:ext uri="{FF2B5EF4-FFF2-40B4-BE49-F238E27FC236}">
+                      <a16:creationId xmlns:a16="http://schemas.microsoft.com/office/drawing/2014/main" id="{293F4FBB-417F-1B2C-B186-0F0D6565EEDB}"/>
+                    </a:ext>
+                  </a:extLst>
+                </p14:cNvPr>
+                <p14:cNvContentPartPr/>
+                <p14:nvPr/>
+              </p14:nvContentPartPr>
+              <p14:xfrm>
+                <a:off x="6980720" y="4723409"/>
+                <a:ext cx="24480" cy="8640"/>
+              </p14:xfrm>
+            </p:contentPart>
+          </mc:Choice>
+          <mc:Fallback>
+            <p:pic>
+              <p:nvPicPr>
+                <p:cNvPr id="100" name="Ink 99">
+                  <a:extLst>
+                    <a:ext uri="{FF2B5EF4-FFF2-40B4-BE49-F238E27FC236}">
+                      <a16:creationId xmlns:a16="http://schemas.microsoft.com/office/drawing/2014/main" id="{293F4FBB-417F-1B2C-B186-0F0D6565EEDB}"/>
+                    </a:ext>
+                  </a:extLst>
+                </p:cNvPr>
+                <p:cNvPicPr/>
+                <p:nvPr/>
+              </p:nvPicPr>
+              <p:blipFill>
+                <a:blip r:embed="rId19"/>
+                <a:stretch>
+                  <a:fillRect/>
+                </a:stretch>
+              </p:blipFill>
+              <p:spPr>
+                <a:xfrm>
+                  <a:off x="6972080" y="4714769"/>
+                  <a:ext cx="42120" cy="26280"/>
+                </a:xfrm>
+                <a:prstGeom prst="rect">
+                  <a:avLst/>
+                </a:prstGeom>
+              </p:spPr>
+            </p:pic>
+          </mc:Fallback>
+        </mc:AlternateContent>
+        <mc:AlternateContent xmlns:mc="http://schemas.openxmlformats.org/markup-compatibility/2006">
+          <mc:Choice xmlns:p14="http://schemas.microsoft.com/office/powerpoint/2010/main" Requires="p14">
+            <p:contentPart p14:bwMode="auto" r:id="rId31">
+              <p14:nvContentPartPr>
+                <p14:cNvPr id="101" name="Ink 100">
+                  <a:extLst>
+                    <a:ext uri="{FF2B5EF4-FFF2-40B4-BE49-F238E27FC236}">
+                      <a16:creationId xmlns:a16="http://schemas.microsoft.com/office/drawing/2014/main" id="{0E37E8D0-5872-9F8F-8B13-B0008F25A200}"/>
+                    </a:ext>
+                  </a:extLst>
+                </p14:cNvPr>
+                <p14:cNvContentPartPr/>
+                <p14:nvPr/>
+              </p14:nvContentPartPr>
+              <p14:xfrm>
+                <a:off x="6982160" y="4747169"/>
+                <a:ext cx="20520" cy="1440"/>
+              </p14:xfrm>
+            </p:contentPart>
+          </mc:Choice>
+          <mc:Fallback>
+            <p:pic>
+              <p:nvPicPr>
+                <p:cNvPr id="101" name="Ink 100">
+                  <a:extLst>
+                    <a:ext uri="{FF2B5EF4-FFF2-40B4-BE49-F238E27FC236}">
+                      <a16:creationId xmlns:a16="http://schemas.microsoft.com/office/drawing/2014/main" id="{0E37E8D0-5872-9F8F-8B13-B0008F25A200}"/>
+                    </a:ext>
+                  </a:extLst>
+                </p:cNvPr>
+                <p:cNvPicPr/>
+                <p:nvPr/>
+              </p:nvPicPr>
+              <p:blipFill>
+                <a:blip r:embed="rId32"/>
+                <a:stretch>
+                  <a:fillRect/>
+                </a:stretch>
+              </p:blipFill>
+              <p:spPr>
+                <a:xfrm>
+                  <a:off x="6973160" y="4738169"/>
+                  <a:ext cx="38160" cy="19080"/>
+                </a:xfrm>
+                <a:prstGeom prst="rect">
+                  <a:avLst/>
+                </a:prstGeom>
+              </p:spPr>
+            </p:pic>
+          </mc:Fallback>
+        </mc:AlternateContent>
+        <mc:AlternateContent xmlns:mc="http://schemas.openxmlformats.org/markup-compatibility/2006">
+          <mc:Choice xmlns:p14="http://schemas.microsoft.com/office/powerpoint/2010/main" Requires="p14">
+            <p:contentPart p14:bwMode="auto" r:id="rId33">
+              <p14:nvContentPartPr>
+                <p14:cNvPr id="106" name="Ink 105">
+                  <a:extLst>
+                    <a:ext uri="{FF2B5EF4-FFF2-40B4-BE49-F238E27FC236}">
+                      <a16:creationId xmlns:a16="http://schemas.microsoft.com/office/drawing/2014/main" id="{DD26B155-D798-6527-033B-C0F189633E1C}"/>
+                    </a:ext>
+                  </a:extLst>
+                </p14:cNvPr>
+                <p14:cNvContentPartPr/>
+                <p14:nvPr/>
+              </p14:nvContentPartPr>
+              <p14:xfrm>
+                <a:off x="7069397" y="4602449"/>
+                <a:ext cx="41400" cy="67680"/>
+              </p14:xfrm>
+            </p:contentPart>
+          </mc:Choice>
+          <mc:Fallback>
+            <p:pic>
+              <p:nvPicPr>
+                <p:cNvPr id="106" name="Ink 105">
+                  <a:extLst>
+                    <a:ext uri="{FF2B5EF4-FFF2-40B4-BE49-F238E27FC236}">
+                      <a16:creationId xmlns:a16="http://schemas.microsoft.com/office/drawing/2014/main" id="{DD26B155-D798-6527-033B-C0F189633E1C}"/>
+                    </a:ext>
+                  </a:extLst>
+                </p:cNvPr>
+                <p:cNvPicPr/>
+                <p:nvPr/>
+              </p:nvPicPr>
+              <p:blipFill>
+                <a:blip r:embed="rId34"/>
+                <a:stretch>
+                  <a:fillRect/>
+                </a:stretch>
+              </p:blipFill>
+              <p:spPr>
+                <a:xfrm>
+                  <a:off x="7060757" y="4593809"/>
+                  <a:ext cx="59040" cy="85320"/>
+                </a:xfrm>
+                <a:prstGeom prst="rect">
+                  <a:avLst/>
+                </a:prstGeom>
+              </p:spPr>
+            </p:pic>
+          </mc:Fallback>
+        </mc:AlternateContent>
+        <mc:AlternateContent xmlns:mc="http://schemas.openxmlformats.org/markup-compatibility/2006">
+          <mc:Choice xmlns:p14="http://schemas.microsoft.com/office/powerpoint/2010/main" Requires="p14">
+            <p:contentPart p14:bwMode="auto" r:id="rId35">
+              <p14:nvContentPartPr>
+                <p14:cNvPr id="109" name="Ink 108">
+                  <a:extLst>
+                    <a:ext uri="{FF2B5EF4-FFF2-40B4-BE49-F238E27FC236}">
+                      <a16:creationId xmlns:a16="http://schemas.microsoft.com/office/drawing/2014/main" id="{66A7E189-7F4C-6917-5AC0-9C713418C958}"/>
+                    </a:ext>
+                  </a:extLst>
+                </p14:cNvPr>
+                <p14:cNvContentPartPr/>
+                <p14:nvPr/>
+              </p14:nvContentPartPr>
+              <p14:xfrm>
+                <a:off x="7138157" y="4630529"/>
+                <a:ext cx="12600" cy="69120"/>
+              </p14:xfrm>
+            </p:contentPart>
+          </mc:Choice>
+          <mc:Fallback>
+            <p:pic>
+              <p:nvPicPr>
+                <p:cNvPr id="109" name="Ink 108">
+                  <a:extLst>
+                    <a:ext uri="{FF2B5EF4-FFF2-40B4-BE49-F238E27FC236}">
+                      <a16:creationId xmlns:a16="http://schemas.microsoft.com/office/drawing/2014/main" id="{66A7E189-7F4C-6917-5AC0-9C713418C958}"/>
+                    </a:ext>
+                  </a:extLst>
+                </p:cNvPr>
+                <p:cNvPicPr/>
+                <p:nvPr/>
+              </p:nvPicPr>
+              <p:blipFill>
+                <a:blip r:embed="rId36"/>
+                <a:stretch>
+                  <a:fillRect/>
+                </a:stretch>
+              </p:blipFill>
+              <p:spPr>
+                <a:xfrm>
+                  <a:off x="7129157" y="4621889"/>
+                  <a:ext cx="30240" cy="86760"/>
+                </a:xfrm>
+                <a:prstGeom prst="rect">
+                  <a:avLst/>
+                </a:prstGeom>
+              </p:spPr>
+            </p:pic>
+          </mc:Fallback>
+        </mc:AlternateContent>
+        <mc:AlternateContent xmlns:mc="http://schemas.openxmlformats.org/markup-compatibility/2006">
+          <mc:Choice xmlns:p14="http://schemas.microsoft.com/office/powerpoint/2010/main" Requires="p14">
+            <p:contentPart p14:bwMode="auto" r:id="rId37">
+              <p14:nvContentPartPr>
+                <p14:cNvPr id="110" name="Ink 109">
+                  <a:extLst>
+                    <a:ext uri="{FF2B5EF4-FFF2-40B4-BE49-F238E27FC236}">
+                      <a16:creationId xmlns:a16="http://schemas.microsoft.com/office/drawing/2014/main" id="{27BA0F68-E1D4-0342-745B-5C393C97B129}"/>
+                    </a:ext>
+                  </a:extLst>
+                </p14:cNvPr>
+                <p14:cNvContentPartPr/>
+                <p14:nvPr/>
+              </p14:nvContentPartPr>
+              <p14:xfrm>
+                <a:off x="7133477" y="4659689"/>
+                <a:ext cx="43200" cy="31320"/>
+              </p14:xfrm>
+            </p:contentPart>
+          </mc:Choice>
+          <mc:Fallback>
+            <p:pic>
+              <p:nvPicPr>
+                <p:cNvPr id="110" name="Ink 109">
+                  <a:extLst>
+                    <a:ext uri="{FF2B5EF4-FFF2-40B4-BE49-F238E27FC236}">
+                      <a16:creationId xmlns:a16="http://schemas.microsoft.com/office/drawing/2014/main" id="{27BA0F68-E1D4-0342-745B-5C393C97B129}"/>
+                    </a:ext>
+                  </a:extLst>
+                </p:cNvPr>
+                <p:cNvPicPr/>
+                <p:nvPr/>
+              </p:nvPicPr>
+              <p:blipFill>
+                <a:blip r:embed="rId38"/>
+                <a:stretch>
+                  <a:fillRect/>
+                </a:stretch>
+              </p:blipFill>
+              <p:spPr>
+                <a:xfrm>
+                  <a:off x="7124837" y="4651049"/>
+                  <a:ext cx="60840" cy="48960"/>
+                </a:xfrm>
+                <a:prstGeom prst="rect">
+                  <a:avLst/>
+                </a:prstGeom>
+              </p:spPr>
+            </p:pic>
+          </mc:Fallback>
+        </mc:AlternateContent>
+        <mc:AlternateContent xmlns:mc="http://schemas.openxmlformats.org/markup-compatibility/2006">
+          <mc:Choice xmlns:p14="http://schemas.microsoft.com/office/powerpoint/2010/main" Requires="p14">
+            <p:contentPart p14:bwMode="auto" r:id="rId39">
+              <p14:nvContentPartPr>
+                <p14:cNvPr id="111" name="Ink 110">
+                  <a:extLst>
+                    <a:ext uri="{FF2B5EF4-FFF2-40B4-BE49-F238E27FC236}">
+                      <a16:creationId xmlns:a16="http://schemas.microsoft.com/office/drawing/2014/main" id="{4B0445D8-4CFB-6B8A-52D9-DE3F33C99DDB}"/>
+                    </a:ext>
+                  </a:extLst>
+                </p14:cNvPr>
+                <p14:cNvContentPartPr/>
+                <p14:nvPr/>
+              </p14:nvContentPartPr>
+              <p14:xfrm>
+                <a:off x="7185677" y="4661489"/>
+                <a:ext cx="23040" cy="60120"/>
+              </p14:xfrm>
+            </p:contentPart>
+          </mc:Choice>
+          <mc:Fallback>
+            <p:pic>
+              <p:nvPicPr>
+                <p:cNvPr id="111" name="Ink 110">
+                  <a:extLst>
+                    <a:ext uri="{FF2B5EF4-FFF2-40B4-BE49-F238E27FC236}">
+                      <a16:creationId xmlns:a16="http://schemas.microsoft.com/office/drawing/2014/main" id="{4B0445D8-4CFB-6B8A-52D9-DE3F33C99DDB}"/>
+                    </a:ext>
+                  </a:extLst>
+                </p:cNvPr>
+                <p:cNvPicPr/>
+                <p:nvPr/>
+              </p:nvPicPr>
+              <p:blipFill>
+                <a:blip r:embed="rId40"/>
+                <a:stretch>
+                  <a:fillRect/>
+                </a:stretch>
+              </p:blipFill>
+              <p:spPr>
+                <a:xfrm>
+                  <a:off x="7176677" y="4652489"/>
+                  <a:ext cx="40680" cy="77760"/>
+                </a:xfrm>
+                <a:prstGeom prst="rect">
+                  <a:avLst/>
+                </a:prstGeom>
+              </p:spPr>
+            </p:pic>
+          </mc:Fallback>
+        </mc:AlternateContent>
+        <mc:AlternateContent xmlns:mc="http://schemas.openxmlformats.org/markup-compatibility/2006">
+          <mc:Choice xmlns:p14="http://schemas.microsoft.com/office/powerpoint/2010/main" Requires="p14">
+            <p:contentPart p14:bwMode="auto" r:id="rId41">
+              <p14:nvContentPartPr>
+                <p14:cNvPr id="112" name="Ink 111">
+                  <a:extLst>
+                    <a:ext uri="{FF2B5EF4-FFF2-40B4-BE49-F238E27FC236}">
+                      <a16:creationId xmlns:a16="http://schemas.microsoft.com/office/drawing/2014/main" id="{B1A16508-F3AE-6995-55EB-DF3EB1E1AF2F}"/>
+                    </a:ext>
+                  </a:extLst>
+                </p14:cNvPr>
+                <p14:cNvContentPartPr/>
+                <p14:nvPr/>
+              </p14:nvContentPartPr>
+              <p14:xfrm>
+                <a:off x="7245077" y="4648169"/>
+                <a:ext cx="37800" cy="2160"/>
+              </p14:xfrm>
+            </p:contentPart>
+          </mc:Choice>
+          <mc:Fallback>
+            <p:pic>
+              <p:nvPicPr>
+                <p:cNvPr id="112" name="Ink 111">
+                  <a:extLst>
+                    <a:ext uri="{FF2B5EF4-FFF2-40B4-BE49-F238E27FC236}">
+                      <a16:creationId xmlns:a16="http://schemas.microsoft.com/office/drawing/2014/main" id="{B1A16508-F3AE-6995-55EB-DF3EB1E1AF2F}"/>
+                    </a:ext>
+                  </a:extLst>
+                </p:cNvPr>
+                <p:cNvPicPr/>
+                <p:nvPr/>
+              </p:nvPicPr>
+              <p:blipFill>
+                <a:blip r:embed="rId42"/>
+                <a:stretch>
+                  <a:fillRect/>
+                </a:stretch>
+              </p:blipFill>
+              <p:spPr>
+                <a:xfrm>
+                  <a:off x="7236437" y="4639169"/>
+                  <a:ext cx="55440" cy="19800"/>
+                </a:xfrm>
+                <a:prstGeom prst="rect">
+                  <a:avLst/>
+                </a:prstGeom>
+              </p:spPr>
+            </p:pic>
+          </mc:Fallback>
+        </mc:AlternateContent>
+        <mc:AlternateContent xmlns:mc="http://schemas.openxmlformats.org/markup-compatibility/2006">
+          <mc:Choice xmlns:p14="http://schemas.microsoft.com/office/powerpoint/2010/main" Requires="p14">
+            <p:contentPart p14:bwMode="auto" r:id="rId43">
+              <p14:nvContentPartPr>
+                <p14:cNvPr id="113" name="Ink 112">
+                  <a:extLst>
+                    <a:ext uri="{FF2B5EF4-FFF2-40B4-BE49-F238E27FC236}">
+                      <a16:creationId xmlns:a16="http://schemas.microsoft.com/office/drawing/2014/main" id="{147F8953-5CA1-BEAA-E996-981F34CF8221}"/>
+                    </a:ext>
+                  </a:extLst>
+                </p14:cNvPr>
+                <p14:cNvContentPartPr/>
+                <p14:nvPr/>
+              </p14:nvContentPartPr>
+              <p14:xfrm>
+                <a:off x="7313837" y="4609649"/>
+                <a:ext cx="35280" cy="46800"/>
+              </p14:xfrm>
+            </p:contentPart>
+          </mc:Choice>
+          <mc:Fallback>
+            <p:pic>
+              <p:nvPicPr>
+                <p:cNvPr id="113" name="Ink 112">
+                  <a:extLst>
+                    <a:ext uri="{FF2B5EF4-FFF2-40B4-BE49-F238E27FC236}">
+                      <a16:creationId xmlns:a16="http://schemas.microsoft.com/office/drawing/2014/main" id="{147F8953-5CA1-BEAA-E996-981F34CF8221}"/>
+                    </a:ext>
+                  </a:extLst>
+                </p:cNvPr>
+                <p:cNvPicPr/>
+                <p:nvPr/>
+              </p:nvPicPr>
+              <p:blipFill>
+                <a:blip r:embed="rId44"/>
+                <a:stretch>
+                  <a:fillRect/>
+                </a:stretch>
+              </p:blipFill>
+              <p:spPr>
+                <a:xfrm>
+                  <a:off x="7304837" y="4601009"/>
+                  <a:ext cx="52920" cy="64440"/>
+                </a:xfrm>
+                <a:prstGeom prst="rect">
+                  <a:avLst/>
+                </a:prstGeom>
+              </p:spPr>
+            </p:pic>
+          </mc:Fallback>
+        </mc:AlternateContent>
+        <mc:AlternateContent xmlns:mc="http://schemas.openxmlformats.org/markup-compatibility/2006">
+          <mc:Choice xmlns:p14="http://schemas.microsoft.com/office/powerpoint/2010/main" Requires="p14">
+            <p:contentPart p14:bwMode="auto" r:id="rId45">
+              <p14:nvContentPartPr>
+                <p14:cNvPr id="114" name="Ink 113">
+                  <a:extLst>
+                    <a:ext uri="{FF2B5EF4-FFF2-40B4-BE49-F238E27FC236}">
+                      <a16:creationId xmlns:a16="http://schemas.microsoft.com/office/drawing/2014/main" id="{9F33C9C7-C56E-51EB-995D-0E6E937E07CA}"/>
+                    </a:ext>
+                  </a:extLst>
+                </p14:cNvPr>
+                <p14:cNvContentPartPr/>
+                <p14:nvPr/>
+              </p14:nvContentPartPr>
+              <p14:xfrm>
+                <a:off x="7355237" y="4618289"/>
+                <a:ext cx="40680" cy="48600"/>
+              </p14:xfrm>
+            </p:contentPart>
+          </mc:Choice>
+          <mc:Fallback>
+            <p:pic>
+              <p:nvPicPr>
+                <p:cNvPr id="114" name="Ink 113">
+                  <a:extLst>
+                    <a:ext uri="{FF2B5EF4-FFF2-40B4-BE49-F238E27FC236}">
+                      <a16:creationId xmlns:a16="http://schemas.microsoft.com/office/drawing/2014/main" id="{9F33C9C7-C56E-51EB-995D-0E6E937E07CA}"/>
+                    </a:ext>
+                  </a:extLst>
+                </p:cNvPr>
+                <p:cNvPicPr/>
+                <p:nvPr/>
+              </p:nvPicPr>
+              <p:blipFill>
+                <a:blip r:embed="rId46"/>
+                <a:stretch>
+                  <a:fillRect/>
+                </a:stretch>
+              </p:blipFill>
+              <p:spPr>
+                <a:xfrm>
+                  <a:off x="7346237" y="4609649"/>
+                  <a:ext cx="58320" cy="66240"/>
+                </a:xfrm>
+                <a:prstGeom prst="rect">
+                  <a:avLst/>
+                </a:prstGeom>
+              </p:spPr>
+            </p:pic>
+          </mc:Fallback>
+        </mc:AlternateContent>
+        <mc:AlternateContent xmlns:mc="http://schemas.openxmlformats.org/markup-compatibility/2006">
+          <mc:Choice xmlns:p14="http://schemas.microsoft.com/office/powerpoint/2010/main" Requires="p14">
+            <p:contentPart p14:bwMode="auto" r:id="rId47">
+              <p14:nvContentPartPr>
+                <p14:cNvPr id="115" name="Ink 114">
+                  <a:extLst>
+                    <a:ext uri="{FF2B5EF4-FFF2-40B4-BE49-F238E27FC236}">
+                      <a16:creationId xmlns:a16="http://schemas.microsoft.com/office/drawing/2014/main" id="{A40B3315-C1E3-E4DF-8A19-F53BD20E0C70}"/>
+                    </a:ext>
+                  </a:extLst>
+                </p14:cNvPr>
+                <p14:cNvContentPartPr/>
+                <p14:nvPr/>
+              </p14:nvContentPartPr>
+              <p14:xfrm>
+                <a:off x="7402757" y="4647449"/>
+                <a:ext cx="33480" cy="25560"/>
+              </p14:xfrm>
+            </p:contentPart>
+          </mc:Choice>
+          <mc:Fallback>
+            <p:pic>
+              <p:nvPicPr>
+                <p:cNvPr id="115" name="Ink 114">
+                  <a:extLst>
+                    <a:ext uri="{FF2B5EF4-FFF2-40B4-BE49-F238E27FC236}">
+                      <a16:creationId xmlns:a16="http://schemas.microsoft.com/office/drawing/2014/main" id="{A40B3315-C1E3-E4DF-8A19-F53BD20E0C70}"/>
+                    </a:ext>
+                  </a:extLst>
+                </p:cNvPr>
+                <p:cNvPicPr/>
+                <p:nvPr/>
+              </p:nvPicPr>
+              <p:blipFill>
+                <a:blip r:embed="rId48"/>
+                <a:stretch>
+                  <a:fillRect/>
+                </a:stretch>
+              </p:blipFill>
+              <p:spPr>
+                <a:xfrm>
+                  <a:off x="7394117" y="4638809"/>
+                  <a:ext cx="51120" cy="43200"/>
+                </a:xfrm>
+                <a:prstGeom prst="rect">
+                  <a:avLst/>
+                </a:prstGeom>
+              </p:spPr>
+            </p:pic>
+          </mc:Fallback>
+        </mc:AlternateContent>
+        <mc:AlternateContent xmlns:mc="http://schemas.openxmlformats.org/markup-compatibility/2006">
+          <mc:Choice xmlns:p14="http://schemas.microsoft.com/office/powerpoint/2010/main" Requires="p14">
+            <p:contentPart p14:bwMode="auto" r:id="rId49">
+              <p14:nvContentPartPr>
+                <p14:cNvPr id="116" name="Ink 115">
+                  <a:extLst>
+                    <a:ext uri="{FF2B5EF4-FFF2-40B4-BE49-F238E27FC236}">
+                      <a16:creationId xmlns:a16="http://schemas.microsoft.com/office/drawing/2014/main" id="{00DEF256-D446-E837-FD90-F4F77376E52C}"/>
+                    </a:ext>
+                  </a:extLst>
+                </p14:cNvPr>
+                <p14:cNvContentPartPr/>
+                <p14:nvPr/>
+              </p14:nvContentPartPr>
+              <p14:xfrm>
+                <a:off x="7436597" y="4625489"/>
+                <a:ext cx="36720" cy="49680"/>
+              </p14:xfrm>
+            </p:contentPart>
+          </mc:Choice>
+          <mc:Fallback>
+            <p:pic>
+              <p:nvPicPr>
+                <p:cNvPr id="116" name="Ink 115">
+                  <a:extLst>
+                    <a:ext uri="{FF2B5EF4-FFF2-40B4-BE49-F238E27FC236}">
+                      <a16:creationId xmlns:a16="http://schemas.microsoft.com/office/drawing/2014/main" id="{00DEF256-D446-E837-FD90-F4F77376E52C}"/>
+                    </a:ext>
+                  </a:extLst>
+                </p:cNvPr>
+                <p:cNvPicPr/>
+                <p:nvPr/>
+              </p:nvPicPr>
+              <p:blipFill>
+                <a:blip r:embed="rId50"/>
+                <a:stretch>
+                  <a:fillRect/>
+                </a:stretch>
+              </p:blipFill>
+              <p:spPr>
+                <a:xfrm>
+                  <a:off x="7427597" y="4616489"/>
+                  <a:ext cx="54360" cy="67320"/>
+                </a:xfrm>
+                <a:prstGeom prst="rect">
+                  <a:avLst/>
+                </a:prstGeom>
+              </p:spPr>
+            </p:pic>
+          </mc:Fallback>
+        </mc:AlternateContent>
+        <mc:AlternateContent xmlns:mc="http://schemas.openxmlformats.org/markup-compatibility/2006">
+          <mc:Choice xmlns:p14="http://schemas.microsoft.com/office/powerpoint/2010/main" Requires="p14">
+            <p:contentPart p14:bwMode="auto" r:id="rId51">
+              <p14:nvContentPartPr>
+                <p14:cNvPr id="117" name="Ink 116">
+                  <a:extLst>
+                    <a:ext uri="{FF2B5EF4-FFF2-40B4-BE49-F238E27FC236}">
+                      <a16:creationId xmlns:a16="http://schemas.microsoft.com/office/drawing/2014/main" id="{046D6F3C-15AC-8E96-EDF2-3E6C49EED600}"/>
+                    </a:ext>
+                  </a:extLst>
+                </p14:cNvPr>
+                <p14:cNvContentPartPr/>
+                <p14:nvPr/>
+              </p14:nvContentPartPr>
+              <p14:xfrm>
+                <a:off x="7076957" y="4694969"/>
+                <a:ext cx="351360" cy="22680"/>
+              </p14:xfrm>
+            </p:contentPart>
+          </mc:Choice>
+          <mc:Fallback>
+            <p:pic>
+              <p:nvPicPr>
+                <p:cNvPr id="117" name="Ink 116">
+                  <a:extLst>
+                    <a:ext uri="{FF2B5EF4-FFF2-40B4-BE49-F238E27FC236}">
+                      <a16:creationId xmlns:a16="http://schemas.microsoft.com/office/drawing/2014/main" id="{046D6F3C-15AC-8E96-EDF2-3E6C49EED600}"/>
+                    </a:ext>
+                  </a:extLst>
+                </p:cNvPr>
+                <p:cNvPicPr/>
+                <p:nvPr/>
+              </p:nvPicPr>
+              <p:blipFill>
+                <a:blip r:embed="rId52"/>
+                <a:stretch>
+                  <a:fillRect/>
+                </a:stretch>
+              </p:blipFill>
+              <p:spPr>
+                <a:xfrm>
+                  <a:off x="7067957" y="4686329"/>
+                  <a:ext cx="369000" cy="40320"/>
+                </a:xfrm>
+                <a:prstGeom prst="rect">
+                  <a:avLst/>
+                </a:prstGeom>
+              </p:spPr>
+            </p:pic>
+          </mc:Fallback>
+        </mc:AlternateContent>
+        <mc:AlternateContent xmlns:mc="http://schemas.openxmlformats.org/markup-compatibility/2006">
+          <mc:Choice xmlns:p14="http://schemas.microsoft.com/office/powerpoint/2010/main" Requires="p14">
+            <p:contentPart p14:bwMode="auto" r:id="rId53">
+              <p14:nvContentPartPr>
+                <p14:cNvPr id="118" name="Ink 117">
+                  <a:extLst>
+                    <a:ext uri="{FF2B5EF4-FFF2-40B4-BE49-F238E27FC236}">
+                      <a16:creationId xmlns:a16="http://schemas.microsoft.com/office/drawing/2014/main" id="{F959A14B-D323-29D6-BE16-AD5FCE050CF7}"/>
+                    </a:ext>
+                  </a:extLst>
+                </p14:cNvPr>
+                <p14:cNvContentPartPr/>
+                <p14:nvPr/>
+              </p14:nvContentPartPr>
+              <p14:xfrm>
+                <a:off x="7266317" y="4768769"/>
+                <a:ext cx="56520" cy="41040"/>
+              </p14:xfrm>
+            </p:contentPart>
+          </mc:Choice>
+          <mc:Fallback>
+            <p:pic>
+              <p:nvPicPr>
+                <p:cNvPr id="118" name="Ink 117">
+                  <a:extLst>
+                    <a:ext uri="{FF2B5EF4-FFF2-40B4-BE49-F238E27FC236}">
+                      <a16:creationId xmlns:a16="http://schemas.microsoft.com/office/drawing/2014/main" id="{F959A14B-D323-29D6-BE16-AD5FCE050CF7}"/>
+                    </a:ext>
+                  </a:extLst>
+                </p:cNvPr>
+                <p:cNvPicPr/>
+                <p:nvPr/>
+              </p:nvPicPr>
+              <p:blipFill>
+                <a:blip r:embed="rId54"/>
+                <a:stretch>
+                  <a:fillRect/>
+                </a:stretch>
+              </p:blipFill>
+              <p:spPr>
+                <a:xfrm>
+                  <a:off x="7257317" y="4759769"/>
+                  <a:ext cx="74160" cy="58680"/>
+                </a:xfrm>
+                <a:prstGeom prst="rect">
+                  <a:avLst/>
+                </a:prstGeom>
+              </p:spPr>
+            </p:pic>
+          </mc:Fallback>
+        </mc:AlternateContent>
+      </p:grpSp>
+      <p:grpSp>
+        <p:nvGrpSpPr>
+          <p:cNvPr id="131" name="Group 130">
+            <a:extLst>
+              <a:ext uri="{FF2B5EF4-FFF2-40B4-BE49-F238E27FC236}">
+                <a16:creationId xmlns:a16="http://schemas.microsoft.com/office/drawing/2014/main" id="{592CAD23-C770-DBE9-CF61-F6F5367C23D9}"/>
+              </a:ext>
+            </a:extLst>
+          </p:cNvPr>
+          <p:cNvGrpSpPr/>
+          <p:nvPr/>
+        </p:nvGrpSpPr>
+        <p:grpSpPr>
+          <a:xfrm>
+            <a:off x="4894673" y="3687047"/>
+            <a:ext cx="1728850" cy="590400"/>
+            <a:chOff x="4894673" y="3687047"/>
+            <a:chExt cx="1728850" cy="590400"/>
+          </a:xfrm>
+        </p:grpSpPr>
+        <mc:AlternateContent xmlns:mc="http://schemas.openxmlformats.org/markup-compatibility/2006">
+          <mc:Choice xmlns:p14="http://schemas.microsoft.com/office/powerpoint/2010/main" Requires="p14">
+            <p:contentPart p14:bwMode="auto" r:id="rId55">
+              <p14:nvContentPartPr>
+                <p14:cNvPr id="4" name="Ink 3">
+                  <a:extLst>
+                    <a:ext uri="{FF2B5EF4-FFF2-40B4-BE49-F238E27FC236}">
+                      <a16:creationId xmlns:a16="http://schemas.microsoft.com/office/drawing/2014/main" id="{EAD2D98C-FC84-52C5-4CCF-9CB718EF65C1}"/>
+                    </a:ext>
+                  </a:extLst>
+                </p14:cNvPr>
+                <p14:cNvContentPartPr/>
+                <p14:nvPr/>
+              </p14:nvContentPartPr>
+              <p14:xfrm>
+                <a:off x="4894673" y="3748967"/>
+                <a:ext cx="104400" cy="92880"/>
+              </p14:xfrm>
+            </p:contentPart>
+          </mc:Choice>
+          <mc:Fallback>
+            <p:pic>
+              <p:nvPicPr>
+                <p:cNvPr id="4" name="Ink 3">
+                  <a:extLst>
+                    <a:ext uri="{FF2B5EF4-FFF2-40B4-BE49-F238E27FC236}">
+                      <a16:creationId xmlns:a16="http://schemas.microsoft.com/office/drawing/2014/main" id="{EAD2D98C-FC84-52C5-4CCF-9CB718EF65C1}"/>
+                    </a:ext>
+                  </a:extLst>
+                </p:cNvPr>
+                <p:cNvPicPr/>
+                <p:nvPr/>
+              </p:nvPicPr>
+              <p:blipFill>
+                <a:blip r:embed="rId56"/>
+                <a:stretch>
+                  <a:fillRect/>
+                </a:stretch>
+              </p:blipFill>
+              <p:spPr>
+                <a:xfrm>
+                  <a:off x="4886033" y="3739967"/>
+                  <a:ext cx="122040" cy="110520"/>
+                </a:xfrm>
+                <a:prstGeom prst="rect">
+                  <a:avLst/>
+                </a:prstGeom>
+              </p:spPr>
+            </p:pic>
+          </mc:Fallback>
+        </mc:AlternateContent>
+        <mc:AlternateContent xmlns:mc="http://schemas.openxmlformats.org/markup-compatibility/2006">
+          <mc:Choice xmlns:p14="http://schemas.microsoft.com/office/powerpoint/2010/main" Requires="p14">
+            <p:contentPart p14:bwMode="auto" r:id="rId57">
+              <p14:nvContentPartPr>
+                <p14:cNvPr id="5" name="Ink 4">
+                  <a:extLst>
+                    <a:ext uri="{FF2B5EF4-FFF2-40B4-BE49-F238E27FC236}">
+                      <a16:creationId xmlns:a16="http://schemas.microsoft.com/office/drawing/2014/main" id="{0CFB0E64-0856-6B3E-CF60-AFCCEE00C811}"/>
+                    </a:ext>
+                  </a:extLst>
+                </p14:cNvPr>
+                <p14:cNvContentPartPr/>
+                <p14:nvPr/>
+              </p14:nvContentPartPr>
+              <p14:xfrm>
+                <a:off x="4932473" y="3702167"/>
+                <a:ext cx="11160" cy="5040"/>
+              </p14:xfrm>
+            </p:contentPart>
+          </mc:Choice>
+          <mc:Fallback>
+            <p:pic>
+              <p:nvPicPr>
+                <p:cNvPr id="5" name="Ink 4">
+                  <a:extLst>
+                    <a:ext uri="{FF2B5EF4-FFF2-40B4-BE49-F238E27FC236}">
+                      <a16:creationId xmlns:a16="http://schemas.microsoft.com/office/drawing/2014/main" id="{0CFB0E64-0856-6B3E-CF60-AFCCEE00C811}"/>
+                    </a:ext>
+                  </a:extLst>
+                </p:cNvPr>
+                <p:cNvPicPr/>
+                <p:nvPr/>
+              </p:nvPicPr>
+              <p:blipFill>
+                <a:blip r:embed="rId58"/>
+                <a:stretch>
+                  <a:fillRect/>
+                </a:stretch>
+              </p:blipFill>
+              <p:spPr>
+                <a:xfrm>
+                  <a:off x="4923473" y="3693527"/>
+                  <a:ext cx="28800" cy="22680"/>
+                </a:xfrm>
+                <a:prstGeom prst="rect">
+                  <a:avLst/>
+                </a:prstGeom>
+              </p:spPr>
+            </p:pic>
+          </mc:Fallback>
+        </mc:AlternateContent>
+        <mc:AlternateContent xmlns:mc="http://schemas.openxmlformats.org/markup-compatibility/2006">
+          <mc:Choice xmlns:p14="http://schemas.microsoft.com/office/powerpoint/2010/main" Requires="p14">
+            <p:contentPart p14:bwMode="auto" r:id="rId59">
+              <p14:nvContentPartPr>
+                <p14:cNvPr id="6" name="Ink 5">
+                  <a:extLst>
+                    <a:ext uri="{FF2B5EF4-FFF2-40B4-BE49-F238E27FC236}">
+                      <a16:creationId xmlns:a16="http://schemas.microsoft.com/office/drawing/2014/main" id="{8043DD79-F349-67FB-538B-FFC4C79BCD58}"/>
+                    </a:ext>
+                  </a:extLst>
+                </p14:cNvPr>
+                <p14:cNvContentPartPr/>
+                <p14:nvPr/>
+              </p14:nvContentPartPr>
+              <p14:xfrm>
+                <a:off x="5066033" y="3770207"/>
+                <a:ext cx="38520" cy="4320"/>
+              </p14:xfrm>
+            </p:contentPart>
+          </mc:Choice>
+          <mc:Fallback>
+            <p:pic>
+              <p:nvPicPr>
+                <p:cNvPr id="6" name="Ink 5">
+                  <a:extLst>
+                    <a:ext uri="{FF2B5EF4-FFF2-40B4-BE49-F238E27FC236}">
+                      <a16:creationId xmlns:a16="http://schemas.microsoft.com/office/drawing/2014/main" id="{8043DD79-F349-67FB-538B-FFC4C79BCD58}"/>
+                    </a:ext>
+                  </a:extLst>
+                </p:cNvPr>
+                <p:cNvPicPr/>
+                <p:nvPr/>
+              </p:nvPicPr>
+              <p:blipFill>
+                <a:blip r:embed="rId60"/>
+                <a:stretch>
+                  <a:fillRect/>
+                </a:stretch>
+              </p:blipFill>
+              <p:spPr>
+                <a:xfrm>
+                  <a:off x="5057033" y="3761207"/>
+                  <a:ext cx="56160" cy="21960"/>
+                </a:xfrm>
+                <a:prstGeom prst="rect">
+                  <a:avLst/>
+                </a:prstGeom>
+              </p:spPr>
+            </p:pic>
+          </mc:Fallback>
+        </mc:AlternateContent>
+        <mc:AlternateContent xmlns:mc="http://schemas.openxmlformats.org/markup-compatibility/2006">
+          <mc:Choice xmlns:p14="http://schemas.microsoft.com/office/powerpoint/2010/main" Requires="p14">
+            <p:contentPart p14:bwMode="auto" r:id="rId61">
+              <p14:nvContentPartPr>
+                <p14:cNvPr id="7" name="Ink 6">
+                  <a:extLst>
+                    <a:ext uri="{FF2B5EF4-FFF2-40B4-BE49-F238E27FC236}">
+                      <a16:creationId xmlns:a16="http://schemas.microsoft.com/office/drawing/2014/main" id="{BEC4D083-E180-0FAA-7F69-3AE524731590}"/>
+                    </a:ext>
+                  </a:extLst>
+                </p14:cNvPr>
+                <p14:cNvContentPartPr/>
+                <p14:nvPr/>
+              </p14:nvContentPartPr>
+              <p14:xfrm>
+                <a:off x="5077553" y="3801167"/>
+                <a:ext cx="41760" cy="9000"/>
+              </p14:xfrm>
+            </p:contentPart>
+          </mc:Choice>
+          <mc:Fallback>
+            <p:pic>
+              <p:nvPicPr>
+                <p:cNvPr id="7" name="Ink 6">
+                  <a:extLst>
+                    <a:ext uri="{FF2B5EF4-FFF2-40B4-BE49-F238E27FC236}">
+                      <a16:creationId xmlns:a16="http://schemas.microsoft.com/office/drawing/2014/main" id="{BEC4D083-E180-0FAA-7F69-3AE524731590}"/>
+                    </a:ext>
+                  </a:extLst>
+                </p:cNvPr>
+                <p:cNvPicPr/>
+                <p:nvPr/>
+              </p:nvPicPr>
+              <p:blipFill>
+                <a:blip r:embed="rId62"/>
+                <a:stretch>
+                  <a:fillRect/>
+                </a:stretch>
+              </p:blipFill>
+              <p:spPr>
+                <a:xfrm>
+                  <a:off x="5068553" y="3792527"/>
+                  <a:ext cx="59400" cy="26640"/>
+                </a:xfrm>
+                <a:prstGeom prst="rect">
+                  <a:avLst/>
+                </a:prstGeom>
+              </p:spPr>
+            </p:pic>
+          </mc:Fallback>
+        </mc:AlternateContent>
+        <mc:AlternateContent xmlns:mc="http://schemas.openxmlformats.org/markup-compatibility/2006">
+          <mc:Choice xmlns:p14="http://schemas.microsoft.com/office/powerpoint/2010/main" Requires="p14">
+            <p:contentPart p14:bwMode="auto" r:id="rId63">
+              <p14:nvContentPartPr>
+                <p14:cNvPr id="10" name="Ink 9">
+                  <a:extLst>
+                    <a:ext uri="{FF2B5EF4-FFF2-40B4-BE49-F238E27FC236}">
+                      <a16:creationId xmlns:a16="http://schemas.microsoft.com/office/drawing/2014/main" id="{74C7FAD3-929A-590A-F4E0-02CD47B84701}"/>
+                    </a:ext>
+                  </a:extLst>
+                </p14:cNvPr>
+                <p14:cNvContentPartPr/>
+                <p14:nvPr/>
+              </p14:nvContentPartPr>
+              <p14:xfrm>
+                <a:off x="5340713" y="3687047"/>
+                <a:ext cx="64800" cy="108720"/>
+              </p14:xfrm>
+            </p:contentPart>
+          </mc:Choice>
+          <mc:Fallback>
+            <p:pic>
+              <p:nvPicPr>
+                <p:cNvPr id="10" name="Ink 9">
+                  <a:extLst>
+                    <a:ext uri="{FF2B5EF4-FFF2-40B4-BE49-F238E27FC236}">
+                      <a16:creationId xmlns:a16="http://schemas.microsoft.com/office/drawing/2014/main" id="{74C7FAD3-929A-590A-F4E0-02CD47B84701}"/>
+                    </a:ext>
+                  </a:extLst>
+                </p:cNvPr>
+                <p:cNvPicPr/>
+                <p:nvPr/>
+              </p:nvPicPr>
+              <p:blipFill>
+                <a:blip r:embed="rId64"/>
+                <a:stretch>
+                  <a:fillRect/>
+                </a:stretch>
+              </p:blipFill>
+              <p:spPr>
+                <a:xfrm>
+                  <a:off x="5331713" y="3678047"/>
+                  <a:ext cx="82440" cy="126360"/>
+                </a:xfrm>
+                <a:prstGeom prst="rect">
+                  <a:avLst/>
+                </a:prstGeom>
+              </p:spPr>
+            </p:pic>
+          </mc:Fallback>
+        </mc:AlternateContent>
+        <mc:AlternateContent xmlns:mc="http://schemas.openxmlformats.org/markup-compatibility/2006">
+          <mc:Choice xmlns:p14="http://schemas.microsoft.com/office/powerpoint/2010/main" Requires="p14">
+            <p:contentPart p14:bwMode="auto" r:id="rId65">
+              <p14:nvContentPartPr>
+                <p14:cNvPr id="11" name="Ink 10">
+                  <a:extLst>
+                    <a:ext uri="{FF2B5EF4-FFF2-40B4-BE49-F238E27FC236}">
+                      <a16:creationId xmlns:a16="http://schemas.microsoft.com/office/drawing/2014/main" id="{C12DB50E-DA18-284A-F1E4-14C4573A54A0}"/>
+                    </a:ext>
+                  </a:extLst>
+                </p14:cNvPr>
+                <p14:cNvContentPartPr/>
+                <p14:nvPr/>
+              </p14:nvContentPartPr>
+              <p14:xfrm>
+                <a:off x="5352953" y="3755087"/>
+                <a:ext cx="36000" cy="4320"/>
+              </p14:xfrm>
+            </p:contentPart>
+          </mc:Choice>
+          <mc:Fallback>
+            <p:pic>
+              <p:nvPicPr>
+                <p:cNvPr id="11" name="Ink 10">
+                  <a:extLst>
+                    <a:ext uri="{FF2B5EF4-FFF2-40B4-BE49-F238E27FC236}">
+                      <a16:creationId xmlns:a16="http://schemas.microsoft.com/office/drawing/2014/main" id="{C12DB50E-DA18-284A-F1E4-14C4573A54A0}"/>
+                    </a:ext>
+                  </a:extLst>
+                </p:cNvPr>
+                <p:cNvPicPr/>
+                <p:nvPr/>
+              </p:nvPicPr>
+              <p:blipFill>
+                <a:blip r:embed="rId42"/>
+                <a:stretch>
+                  <a:fillRect/>
+                </a:stretch>
+              </p:blipFill>
+              <p:spPr>
+                <a:xfrm>
+                  <a:off x="5343953" y="3746447"/>
+                  <a:ext cx="53640" cy="21960"/>
+                </a:xfrm>
+                <a:prstGeom prst="rect">
+                  <a:avLst/>
+                </a:prstGeom>
+              </p:spPr>
+            </p:pic>
+          </mc:Fallback>
+        </mc:AlternateContent>
+        <mc:AlternateContent xmlns:mc="http://schemas.openxmlformats.org/markup-compatibility/2006">
+          <mc:Choice xmlns:p14="http://schemas.microsoft.com/office/powerpoint/2010/main" Requires="p14">
+            <p:contentPart p14:bwMode="auto" r:id="rId66">
+              <p14:nvContentPartPr>
+                <p14:cNvPr id="12" name="Ink 11">
+                  <a:extLst>
+                    <a:ext uri="{FF2B5EF4-FFF2-40B4-BE49-F238E27FC236}">
+                      <a16:creationId xmlns:a16="http://schemas.microsoft.com/office/drawing/2014/main" id="{C9C1D872-E997-EE39-61B8-76300C685680}"/>
+                    </a:ext>
+                  </a:extLst>
+                </p14:cNvPr>
+                <p14:cNvContentPartPr/>
+                <p14:nvPr/>
+              </p14:nvContentPartPr>
+              <p14:xfrm>
+                <a:off x="5094473" y="4135967"/>
+                <a:ext cx="38160" cy="7920"/>
+              </p14:xfrm>
+            </p:contentPart>
+          </mc:Choice>
+          <mc:Fallback>
+            <p:pic>
+              <p:nvPicPr>
+                <p:cNvPr id="12" name="Ink 11">
+                  <a:extLst>
+                    <a:ext uri="{FF2B5EF4-FFF2-40B4-BE49-F238E27FC236}">
+                      <a16:creationId xmlns:a16="http://schemas.microsoft.com/office/drawing/2014/main" id="{C9C1D872-E997-EE39-61B8-76300C685680}"/>
+                    </a:ext>
+                  </a:extLst>
+                </p:cNvPr>
+                <p:cNvPicPr/>
+                <p:nvPr/>
+              </p:nvPicPr>
+              <p:blipFill>
+                <a:blip r:embed="rId67"/>
+                <a:stretch>
+                  <a:fillRect/>
+                </a:stretch>
+              </p:blipFill>
+              <p:spPr>
+                <a:xfrm>
+                  <a:off x="5085833" y="4127327"/>
+                  <a:ext cx="55800" cy="25560"/>
+                </a:xfrm>
+                <a:prstGeom prst="rect">
+                  <a:avLst/>
+                </a:prstGeom>
+              </p:spPr>
+            </p:pic>
+          </mc:Fallback>
+        </mc:AlternateContent>
+        <mc:AlternateContent xmlns:mc="http://schemas.openxmlformats.org/markup-compatibility/2006">
+          <mc:Choice xmlns:p14="http://schemas.microsoft.com/office/powerpoint/2010/main" Requires="p14">
+            <p:contentPart p14:bwMode="auto" r:id="rId68">
+              <p14:nvContentPartPr>
+                <p14:cNvPr id="13" name="Ink 12">
+                  <a:extLst>
+                    <a:ext uri="{FF2B5EF4-FFF2-40B4-BE49-F238E27FC236}">
+                      <a16:creationId xmlns:a16="http://schemas.microsoft.com/office/drawing/2014/main" id="{0E452B23-0E0B-8995-D668-5025CFBA9114}"/>
+                    </a:ext>
+                  </a:extLst>
+                </p14:cNvPr>
+                <p14:cNvContentPartPr/>
+                <p14:nvPr/>
+              </p14:nvContentPartPr>
+              <p14:xfrm>
+                <a:off x="5100233" y="4156127"/>
+                <a:ext cx="48960" cy="7200"/>
+              </p14:xfrm>
+            </p:contentPart>
+          </mc:Choice>
+          <mc:Fallback>
+            <p:pic>
+              <p:nvPicPr>
+                <p:cNvPr id="13" name="Ink 12">
+                  <a:extLst>
+                    <a:ext uri="{FF2B5EF4-FFF2-40B4-BE49-F238E27FC236}">
+                      <a16:creationId xmlns:a16="http://schemas.microsoft.com/office/drawing/2014/main" id="{0E452B23-0E0B-8995-D668-5025CFBA9114}"/>
+                    </a:ext>
+                  </a:extLst>
+                </p:cNvPr>
+                <p:cNvPicPr/>
+                <p:nvPr/>
+              </p:nvPicPr>
+              <p:blipFill>
+                <a:blip r:embed="rId69"/>
+                <a:stretch>
+                  <a:fillRect/>
+                </a:stretch>
+              </p:blipFill>
+              <p:spPr>
+                <a:xfrm>
+                  <a:off x="5091233" y="4147127"/>
+                  <a:ext cx="66600" cy="24840"/>
+                </a:xfrm>
+                <a:prstGeom prst="rect">
+                  <a:avLst/>
+                </a:prstGeom>
+              </p:spPr>
+            </p:pic>
+          </mc:Fallback>
+        </mc:AlternateContent>
+        <mc:AlternateContent xmlns:mc="http://schemas.openxmlformats.org/markup-compatibility/2006">
+          <mc:Choice xmlns:p14="http://schemas.microsoft.com/office/powerpoint/2010/main" Requires="p14">
+            <p:contentPart p14:bwMode="auto" r:id="rId70">
+              <p14:nvContentPartPr>
+                <p14:cNvPr id="14" name="Ink 13">
+                  <a:extLst>
+                    <a:ext uri="{FF2B5EF4-FFF2-40B4-BE49-F238E27FC236}">
+                      <a16:creationId xmlns:a16="http://schemas.microsoft.com/office/drawing/2014/main" id="{E0854EDA-2A17-0711-484A-449AFE7C8F02}"/>
+                    </a:ext>
+                  </a:extLst>
+                </p14:cNvPr>
+                <p14:cNvContentPartPr/>
+                <p14:nvPr/>
+              </p14:nvContentPartPr>
+              <p14:xfrm>
+                <a:off x="5233433" y="4113647"/>
+                <a:ext cx="29160" cy="163800"/>
+              </p14:xfrm>
+            </p:contentPart>
+          </mc:Choice>
+          <mc:Fallback>
+            <p:pic>
+              <p:nvPicPr>
+                <p:cNvPr id="14" name="Ink 13">
+                  <a:extLst>
+                    <a:ext uri="{FF2B5EF4-FFF2-40B4-BE49-F238E27FC236}">
+                      <a16:creationId xmlns:a16="http://schemas.microsoft.com/office/drawing/2014/main" id="{E0854EDA-2A17-0711-484A-449AFE7C8F02}"/>
+                    </a:ext>
+                  </a:extLst>
+                </p:cNvPr>
+                <p:cNvPicPr/>
+                <p:nvPr/>
+              </p:nvPicPr>
+              <p:blipFill>
+                <a:blip r:embed="rId71"/>
+                <a:stretch>
+                  <a:fillRect/>
+                </a:stretch>
+              </p:blipFill>
+              <p:spPr>
+                <a:xfrm>
+                  <a:off x="5224793" y="4105007"/>
+                  <a:ext cx="46800" cy="181440"/>
+                </a:xfrm>
+                <a:prstGeom prst="rect">
+                  <a:avLst/>
+                </a:prstGeom>
+              </p:spPr>
+            </p:pic>
+          </mc:Fallback>
+        </mc:AlternateContent>
+        <mc:AlternateContent xmlns:mc="http://schemas.openxmlformats.org/markup-compatibility/2006">
+          <mc:Choice xmlns:p14="http://schemas.microsoft.com/office/powerpoint/2010/main" Requires="p14">
+            <p:contentPart p14:bwMode="auto" r:id="rId72">
+              <p14:nvContentPartPr>
+                <p14:cNvPr id="21" name="Ink 20">
+                  <a:extLst>
+                    <a:ext uri="{FF2B5EF4-FFF2-40B4-BE49-F238E27FC236}">
+                      <a16:creationId xmlns:a16="http://schemas.microsoft.com/office/drawing/2014/main" id="{AAAC3991-D87F-B98E-246B-063997037F75}"/>
+                    </a:ext>
+                  </a:extLst>
+                </p14:cNvPr>
+                <p14:cNvContentPartPr/>
+                <p14:nvPr/>
+              </p14:nvContentPartPr>
+              <p14:xfrm>
+                <a:off x="5432153" y="3769847"/>
+                <a:ext cx="33840" cy="48240"/>
+              </p14:xfrm>
+            </p:contentPart>
+          </mc:Choice>
+          <mc:Fallback>
+            <p:pic>
+              <p:nvPicPr>
+                <p:cNvPr id="21" name="Ink 20">
+                  <a:extLst>
+                    <a:ext uri="{FF2B5EF4-FFF2-40B4-BE49-F238E27FC236}">
+                      <a16:creationId xmlns:a16="http://schemas.microsoft.com/office/drawing/2014/main" id="{AAAC3991-D87F-B98E-246B-063997037F75}"/>
+                    </a:ext>
+                  </a:extLst>
+                </p:cNvPr>
+                <p:cNvPicPr/>
+                <p:nvPr/>
+              </p:nvPicPr>
+              <p:blipFill>
+                <a:blip r:embed="rId73"/>
+                <a:stretch>
+                  <a:fillRect/>
+                </a:stretch>
+              </p:blipFill>
+              <p:spPr>
+                <a:xfrm>
+                  <a:off x="5423513" y="3760847"/>
+                  <a:ext cx="51480" cy="65880"/>
+                </a:xfrm>
+                <a:prstGeom prst="rect">
+                  <a:avLst/>
+                </a:prstGeom>
+              </p:spPr>
+            </p:pic>
+          </mc:Fallback>
+        </mc:AlternateContent>
+        <mc:AlternateContent xmlns:mc="http://schemas.openxmlformats.org/markup-compatibility/2006">
+          <mc:Choice xmlns:p14="http://schemas.microsoft.com/office/powerpoint/2010/main" Requires="p14">
+            <p:contentPart p14:bwMode="auto" r:id="rId74">
+              <p14:nvContentPartPr>
+                <p14:cNvPr id="22" name="Ink 21">
+                  <a:extLst>
+                    <a:ext uri="{FF2B5EF4-FFF2-40B4-BE49-F238E27FC236}">
+                      <a16:creationId xmlns:a16="http://schemas.microsoft.com/office/drawing/2014/main" id="{420784F4-CFD2-CF61-4C04-0F6AF7E119B1}"/>
+                    </a:ext>
+                  </a:extLst>
+                </p14:cNvPr>
+                <p14:cNvContentPartPr/>
+                <p14:nvPr/>
+              </p14:nvContentPartPr>
+              <p14:xfrm>
+                <a:off x="5470673" y="3770567"/>
+                <a:ext cx="25200" cy="43920"/>
+              </p14:xfrm>
+            </p:contentPart>
+          </mc:Choice>
+          <mc:Fallback>
+            <p:pic>
+              <p:nvPicPr>
+                <p:cNvPr id="22" name="Ink 21">
+                  <a:extLst>
+                    <a:ext uri="{FF2B5EF4-FFF2-40B4-BE49-F238E27FC236}">
+                      <a16:creationId xmlns:a16="http://schemas.microsoft.com/office/drawing/2014/main" id="{420784F4-CFD2-CF61-4C04-0F6AF7E119B1}"/>
+                    </a:ext>
+                  </a:extLst>
+                </p:cNvPr>
+                <p:cNvPicPr/>
+                <p:nvPr/>
+              </p:nvPicPr>
+              <p:blipFill>
+                <a:blip r:embed="rId75"/>
+                <a:stretch>
+                  <a:fillRect/>
+                </a:stretch>
+              </p:blipFill>
+              <p:spPr>
+                <a:xfrm>
+                  <a:off x="5462033" y="3761567"/>
+                  <a:ext cx="42840" cy="61560"/>
+                </a:xfrm>
+                <a:prstGeom prst="rect">
+                  <a:avLst/>
+                </a:prstGeom>
+              </p:spPr>
+            </p:pic>
+          </mc:Fallback>
+        </mc:AlternateContent>
+        <mc:AlternateContent xmlns:mc="http://schemas.openxmlformats.org/markup-compatibility/2006">
+          <mc:Choice xmlns:p14="http://schemas.microsoft.com/office/powerpoint/2010/main" Requires="p14">
+            <p:contentPart p14:bwMode="auto" r:id="rId76">
+              <p14:nvContentPartPr>
+                <p14:cNvPr id="45" name="Ink 44">
+                  <a:extLst>
+                    <a:ext uri="{FF2B5EF4-FFF2-40B4-BE49-F238E27FC236}">
+                      <a16:creationId xmlns:a16="http://schemas.microsoft.com/office/drawing/2014/main" id="{0975F728-3FC5-1429-BE29-452469A190ED}"/>
+                    </a:ext>
+                  </a:extLst>
+                </p14:cNvPr>
+                <p14:cNvContentPartPr/>
+                <p14:nvPr/>
+              </p14:nvContentPartPr>
+              <p14:xfrm>
+                <a:off x="6448923" y="3923732"/>
+                <a:ext cx="66600" cy="161280"/>
+              </p14:xfrm>
+            </p:contentPart>
+          </mc:Choice>
+          <mc:Fallback>
+            <p:pic>
+              <p:nvPicPr>
+                <p:cNvPr id="45" name="Ink 44">
+                  <a:extLst>
+                    <a:ext uri="{FF2B5EF4-FFF2-40B4-BE49-F238E27FC236}">
+                      <a16:creationId xmlns:a16="http://schemas.microsoft.com/office/drawing/2014/main" id="{0975F728-3FC5-1429-BE29-452469A190ED}"/>
+                    </a:ext>
+                  </a:extLst>
+                </p:cNvPr>
+                <p:cNvPicPr/>
+                <p:nvPr/>
+              </p:nvPicPr>
+              <p:blipFill>
+                <a:blip r:embed="rId77"/>
+                <a:stretch>
+                  <a:fillRect/>
+                </a:stretch>
+              </p:blipFill>
+              <p:spPr>
+                <a:xfrm>
+                  <a:off x="6439923" y="3914732"/>
+                  <a:ext cx="84240" cy="178920"/>
+                </a:xfrm>
+                <a:prstGeom prst="rect">
+                  <a:avLst/>
+                </a:prstGeom>
+              </p:spPr>
+            </p:pic>
+          </mc:Fallback>
+        </mc:AlternateContent>
+        <mc:AlternateContent xmlns:mc="http://schemas.openxmlformats.org/markup-compatibility/2006">
+          <mc:Choice xmlns:p14="http://schemas.microsoft.com/office/powerpoint/2010/main" Requires="p14">
+            <p:contentPart p14:bwMode="auto" r:id="rId78">
+              <p14:nvContentPartPr>
+                <p14:cNvPr id="46" name="Ink 45">
+                  <a:extLst>
+                    <a:ext uri="{FF2B5EF4-FFF2-40B4-BE49-F238E27FC236}">
+                      <a16:creationId xmlns:a16="http://schemas.microsoft.com/office/drawing/2014/main" id="{31FE078F-88FB-D5C6-7E7E-B772F03BF06B}"/>
+                    </a:ext>
+                  </a:extLst>
+                </p14:cNvPr>
+                <p14:cNvContentPartPr/>
+                <p14:nvPr/>
+              </p14:nvContentPartPr>
+              <p14:xfrm>
+                <a:off x="6514083" y="3871532"/>
+                <a:ext cx="25920" cy="48240"/>
+              </p14:xfrm>
+            </p:contentPart>
+          </mc:Choice>
+          <mc:Fallback>
+            <p:pic>
+              <p:nvPicPr>
+                <p:cNvPr id="46" name="Ink 45">
+                  <a:extLst>
+                    <a:ext uri="{FF2B5EF4-FFF2-40B4-BE49-F238E27FC236}">
+                      <a16:creationId xmlns:a16="http://schemas.microsoft.com/office/drawing/2014/main" id="{31FE078F-88FB-D5C6-7E7E-B772F03BF06B}"/>
+                    </a:ext>
+                  </a:extLst>
+                </p:cNvPr>
+                <p:cNvPicPr/>
+                <p:nvPr/>
+              </p:nvPicPr>
+              <p:blipFill>
+                <a:blip r:embed="rId79"/>
+                <a:stretch>
+                  <a:fillRect/>
+                </a:stretch>
+              </p:blipFill>
+              <p:spPr>
+                <a:xfrm>
+                  <a:off x="6505083" y="3862532"/>
+                  <a:ext cx="43560" cy="65880"/>
+                </a:xfrm>
+                <a:prstGeom prst="rect">
+                  <a:avLst/>
+                </a:prstGeom>
+              </p:spPr>
+            </p:pic>
+          </mc:Fallback>
+        </mc:AlternateContent>
+        <mc:AlternateContent xmlns:mc="http://schemas.openxmlformats.org/markup-compatibility/2006">
+          <mc:Choice xmlns:p14="http://schemas.microsoft.com/office/powerpoint/2010/main" Requires="p14">
+            <p:contentPart p14:bwMode="auto" r:id="rId80">
+              <p14:nvContentPartPr>
+                <p14:cNvPr id="48" name="Ink 47">
+                  <a:extLst>
+                    <a:ext uri="{FF2B5EF4-FFF2-40B4-BE49-F238E27FC236}">
+                      <a16:creationId xmlns:a16="http://schemas.microsoft.com/office/drawing/2014/main" id="{7A581DF9-B124-7769-D13D-C80C265AD3E0}"/>
+                    </a:ext>
+                  </a:extLst>
+                </p14:cNvPr>
+                <p14:cNvContentPartPr/>
+                <p14:nvPr/>
+              </p14:nvContentPartPr>
+              <p14:xfrm>
+                <a:off x="6578163" y="3877292"/>
+                <a:ext cx="45360" cy="222120"/>
+              </p14:xfrm>
+            </p:contentPart>
+          </mc:Choice>
+          <mc:Fallback>
+            <p:pic>
+              <p:nvPicPr>
+                <p:cNvPr id="48" name="Ink 47">
+                  <a:extLst>
+                    <a:ext uri="{FF2B5EF4-FFF2-40B4-BE49-F238E27FC236}">
+                      <a16:creationId xmlns:a16="http://schemas.microsoft.com/office/drawing/2014/main" id="{7A581DF9-B124-7769-D13D-C80C265AD3E0}"/>
+                    </a:ext>
+                  </a:extLst>
+                </p:cNvPr>
+                <p:cNvPicPr/>
+                <p:nvPr/>
+              </p:nvPicPr>
+              <p:blipFill>
+                <a:blip r:embed="rId81"/>
+                <a:stretch>
+                  <a:fillRect/>
+                </a:stretch>
+              </p:blipFill>
+              <p:spPr>
+                <a:xfrm>
+                  <a:off x="6569523" y="3868652"/>
+                  <a:ext cx="63000" cy="239760"/>
+                </a:xfrm>
+                <a:prstGeom prst="rect">
+                  <a:avLst/>
+                </a:prstGeom>
+              </p:spPr>
+            </p:pic>
+          </mc:Fallback>
+        </mc:AlternateContent>
+        <mc:AlternateContent xmlns:mc="http://schemas.openxmlformats.org/markup-compatibility/2006">
+          <mc:Choice xmlns:p14="http://schemas.microsoft.com/office/powerpoint/2010/main" Requires="p14">
+            <p:contentPart p14:bwMode="auto" r:id="rId82">
+              <p14:nvContentPartPr>
+                <p14:cNvPr id="50" name="Ink 49">
+                  <a:extLst>
+                    <a:ext uri="{FF2B5EF4-FFF2-40B4-BE49-F238E27FC236}">
+                      <a16:creationId xmlns:a16="http://schemas.microsoft.com/office/drawing/2014/main" id="{9FCAE6F9-3121-9956-73AA-74AB278CFE1F}"/>
+                    </a:ext>
+                  </a:extLst>
+                </p14:cNvPr>
+                <p14:cNvContentPartPr/>
+                <p14:nvPr/>
+              </p14:nvContentPartPr>
+              <p14:xfrm>
+                <a:off x="5411763" y="3944972"/>
+                <a:ext cx="47160" cy="254520"/>
+              </p14:xfrm>
+            </p:contentPart>
+          </mc:Choice>
+          <mc:Fallback>
+            <p:pic>
+              <p:nvPicPr>
+                <p:cNvPr id="50" name="Ink 49">
+                  <a:extLst>
+                    <a:ext uri="{FF2B5EF4-FFF2-40B4-BE49-F238E27FC236}">
+                      <a16:creationId xmlns:a16="http://schemas.microsoft.com/office/drawing/2014/main" id="{9FCAE6F9-3121-9956-73AA-74AB278CFE1F}"/>
+                    </a:ext>
+                  </a:extLst>
+                </p:cNvPr>
+                <p:cNvPicPr/>
+                <p:nvPr/>
+              </p:nvPicPr>
+              <p:blipFill>
+                <a:blip r:embed="rId83"/>
+                <a:stretch>
+                  <a:fillRect/>
+                </a:stretch>
+              </p:blipFill>
+              <p:spPr>
+                <a:xfrm>
+                  <a:off x="5403123" y="3936332"/>
+                  <a:ext cx="64800" cy="272160"/>
+                </a:xfrm>
+                <a:prstGeom prst="rect">
+                  <a:avLst/>
+                </a:prstGeom>
+              </p:spPr>
+            </p:pic>
+          </mc:Fallback>
+        </mc:AlternateContent>
+        <mc:AlternateContent xmlns:mc="http://schemas.openxmlformats.org/markup-compatibility/2006">
+          <mc:Choice xmlns:p14="http://schemas.microsoft.com/office/powerpoint/2010/main" Requires="p14">
+            <p:contentPart p14:bwMode="auto" r:id="rId84">
+              <p14:nvContentPartPr>
+                <p14:cNvPr id="56" name="Ink 55">
+                  <a:extLst>
+                    <a:ext uri="{FF2B5EF4-FFF2-40B4-BE49-F238E27FC236}">
+                      <a16:creationId xmlns:a16="http://schemas.microsoft.com/office/drawing/2014/main" id="{43D345C1-B714-DB4B-4DF0-B6ACE354B538}"/>
+                    </a:ext>
+                  </a:extLst>
+                </p14:cNvPr>
+                <p14:cNvContentPartPr/>
+                <p14:nvPr/>
+              </p14:nvContentPartPr>
+              <p14:xfrm>
+                <a:off x="5207643" y="3770732"/>
+                <a:ext cx="29880" cy="143640"/>
+              </p14:xfrm>
+            </p:contentPart>
+          </mc:Choice>
+          <mc:Fallback>
+            <p:pic>
+              <p:nvPicPr>
+                <p:cNvPr id="56" name="Ink 55">
+                  <a:extLst>
+                    <a:ext uri="{FF2B5EF4-FFF2-40B4-BE49-F238E27FC236}">
+                      <a16:creationId xmlns:a16="http://schemas.microsoft.com/office/drawing/2014/main" id="{43D345C1-B714-DB4B-4DF0-B6ACE354B538}"/>
+                    </a:ext>
+                  </a:extLst>
+                </p:cNvPr>
+                <p:cNvPicPr/>
+                <p:nvPr/>
+              </p:nvPicPr>
+              <p:blipFill>
+                <a:blip r:embed="rId85"/>
+                <a:stretch>
+                  <a:fillRect/>
+                </a:stretch>
+              </p:blipFill>
+              <p:spPr>
+                <a:xfrm>
+                  <a:off x="5198643" y="3762092"/>
+                  <a:ext cx="47520" cy="161280"/>
+                </a:xfrm>
+                <a:prstGeom prst="rect">
+                  <a:avLst/>
+                </a:prstGeom>
+              </p:spPr>
+            </p:pic>
+          </mc:Fallback>
+        </mc:AlternateContent>
+        <mc:AlternateContent xmlns:mc="http://schemas.openxmlformats.org/markup-compatibility/2006">
+          <mc:Choice xmlns:p14="http://schemas.microsoft.com/office/powerpoint/2010/main" Requires="p14">
+            <p:contentPart p14:bwMode="auto" r:id="rId86">
+              <p14:nvContentPartPr>
+                <p14:cNvPr id="57" name="Ink 56">
+                  <a:extLst>
+                    <a:ext uri="{FF2B5EF4-FFF2-40B4-BE49-F238E27FC236}">
+                      <a16:creationId xmlns:a16="http://schemas.microsoft.com/office/drawing/2014/main" id="{C30E3CDE-A955-9753-44E3-10101E1990BE}"/>
+                    </a:ext>
+                  </a:extLst>
+                </p14:cNvPr>
+                <p14:cNvContentPartPr/>
+                <p14:nvPr/>
+              </p14:nvContentPartPr>
+              <p14:xfrm>
+                <a:off x="5256243" y="3760652"/>
+                <a:ext cx="42480" cy="72000"/>
+              </p14:xfrm>
+            </p:contentPart>
+          </mc:Choice>
+          <mc:Fallback>
+            <p:pic>
+              <p:nvPicPr>
+                <p:cNvPr id="57" name="Ink 56">
+                  <a:extLst>
+                    <a:ext uri="{FF2B5EF4-FFF2-40B4-BE49-F238E27FC236}">
+                      <a16:creationId xmlns:a16="http://schemas.microsoft.com/office/drawing/2014/main" id="{C30E3CDE-A955-9753-44E3-10101E1990BE}"/>
+                    </a:ext>
+                  </a:extLst>
+                </p:cNvPr>
+                <p:cNvPicPr/>
+                <p:nvPr/>
+              </p:nvPicPr>
+              <p:blipFill>
+                <a:blip r:embed="rId87"/>
+                <a:stretch>
+                  <a:fillRect/>
+                </a:stretch>
+              </p:blipFill>
+              <p:spPr>
+                <a:xfrm>
+                  <a:off x="5247603" y="3752012"/>
+                  <a:ext cx="60120" cy="89640"/>
+                </a:xfrm>
+                <a:prstGeom prst="rect">
+                  <a:avLst/>
+                </a:prstGeom>
+              </p:spPr>
+            </p:pic>
+          </mc:Fallback>
+        </mc:AlternateContent>
+        <mc:AlternateContent xmlns:mc="http://schemas.openxmlformats.org/markup-compatibility/2006">
+          <mc:Choice xmlns:p14="http://schemas.microsoft.com/office/powerpoint/2010/main" Requires="p14">
+            <p:contentPart p14:bwMode="auto" r:id="rId88">
+              <p14:nvContentPartPr>
+                <p14:cNvPr id="59" name="Ink 58">
+                  <a:extLst>
+                    <a:ext uri="{FF2B5EF4-FFF2-40B4-BE49-F238E27FC236}">
+                      <a16:creationId xmlns:a16="http://schemas.microsoft.com/office/drawing/2014/main" id="{703333F0-2615-1B06-DD55-9E78E95E88CF}"/>
+                    </a:ext>
+                  </a:extLst>
+                </p14:cNvPr>
+                <p14:cNvContentPartPr/>
+                <p14:nvPr/>
+              </p14:nvContentPartPr>
+              <p14:xfrm>
+                <a:off x="5305203" y="4082132"/>
+                <a:ext cx="49320" cy="62640"/>
+              </p14:xfrm>
+            </p:contentPart>
+          </mc:Choice>
+          <mc:Fallback>
+            <p:pic>
+              <p:nvPicPr>
+                <p:cNvPr id="59" name="Ink 58">
+                  <a:extLst>
+                    <a:ext uri="{FF2B5EF4-FFF2-40B4-BE49-F238E27FC236}">
+                      <a16:creationId xmlns:a16="http://schemas.microsoft.com/office/drawing/2014/main" id="{703333F0-2615-1B06-DD55-9E78E95E88CF}"/>
+                    </a:ext>
+                  </a:extLst>
+                </p:cNvPr>
+                <p:cNvPicPr/>
+                <p:nvPr/>
+              </p:nvPicPr>
+              <p:blipFill>
+                <a:blip r:embed="rId89"/>
+                <a:stretch>
+                  <a:fillRect/>
+                </a:stretch>
+              </p:blipFill>
+              <p:spPr>
+                <a:xfrm>
+                  <a:off x="5296203" y="4073132"/>
+                  <a:ext cx="66960" cy="80280"/>
+                </a:xfrm>
+                <a:prstGeom prst="rect">
+                  <a:avLst/>
+                </a:prstGeom>
+              </p:spPr>
+            </p:pic>
+          </mc:Fallback>
+        </mc:AlternateContent>
+        <mc:AlternateContent xmlns:mc="http://schemas.openxmlformats.org/markup-compatibility/2006">
+          <mc:Choice xmlns:p14="http://schemas.microsoft.com/office/powerpoint/2010/main" Requires="p14">
+            <p:contentPart p14:bwMode="auto" r:id="rId90">
+              <p14:nvContentPartPr>
+                <p14:cNvPr id="17" name="Ink 16">
+                  <a:extLst>
+                    <a:ext uri="{FF2B5EF4-FFF2-40B4-BE49-F238E27FC236}">
+                      <a16:creationId xmlns:a16="http://schemas.microsoft.com/office/drawing/2014/main" id="{F2E1B5F9-3A37-1EDB-C3FE-99966706F404}"/>
+                    </a:ext>
+                  </a:extLst>
+                </p14:cNvPr>
+                <p14:cNvContentPartPr/>
+                <p14:nvPr/>
+              </p14:nvContentPartPr>
+              <p14:xfrm>
+                <a:off x="5470673" y="4054607"/>
+                <a:ext cx="54720" cy="1800"/>
+              </p14:xfrm>
+            </p:contentPart>
+          </mc:Choice>
+          <mc:Fallback>
+            <p:pic>
+              <p:nvPicPr>
+                <p:cNvPr id="17" name="Ink 16">
+                  <a:extLst>
+                    <a:ext uri="{FF2B5EF4-FFF2-40B4-BE49-F238E27FC236}">
+                      <a16:creationId xmlns:a16="http://schemas.microsoft.com/office/drawing/2014/main" id="{F2E1B5F9-3A37-1EDB-C3FE-99966706F404}"/>
+                    </a:ext>
+                  </a:extLst>
+                </p:cNvPr>
+                <p:cNvPicPr/>
+                <p:nvPr/>
+              </p:nvPicPr>
+              <p:blipFill>
+                <a:blip r:embed="rId91"/>
+                <a:stretch>
+                  <a:fillRect/>
+                </a:stretch>
+              </p:blipFill>
+              <p:spPr>
+                <a:xfrm>
+                  <a:off x="5462033" y="4045967"/>
+                  <a:ext cx="72360" cy="19440"/>
+                </a:xfrm>
+                <a:prstGeom prst="rect">
+                  <a:avLst/>
+                </a:prstGeom>
+              </p:spPr>
+            </p:pic>
+          </mc:Fallback>
+        </mc:AlternateContent>
+        <mc:AlternateContent xmlns:mc="http://schemas.openxmlformats.org/markup-compatibility/2006">
+          <mc:Choice xmlns:p14="http://schemas.microsoft.com/office/powerpoint/2010/main" Requires="p14">
+            <p:contentPart p14:bwMode="auto" r:id="rId92">
+              <p14:nvContentPartPr>
+                <p14:cNvPr id="18" name="Ink 17">
+                  <a:extLst>
+                    <a:ext uri="{FF2B5EF4-FFF2-40B4-BE49-F238E27FC236}">
+                      <a16:creationId xmlns:a16="http://schemas.microsoft.com/office/drawing/2014/main" id="{C32DA845-1C5A-CA31-9EDF-BB7F81CF4233}"/>
+                    </a:ext>
+                  </a:extLst>
+                </p14:cNvPr>
+                <p14:cNvContentPartPr/>
+                <p14:nvPr/>
+              </p14:nvContentPartPr>
+              <p14:xfrm>
+                <a:off x="5480393" y="4064327"/>
+                <a:ext cx="2520" cy="60120"/>
+              </p14:xfrm>
+            </p:contentPart>
+          </mc:Choice>
+          <mc:Fallback>
+            <p:pic>
+              <p:nvPicPr>
+                <p:cNvPr id="18" name="Ink 17">
+                  <a:extLst>
+                    <a:ext uri="{FF2B5EF4-FFF2-40B4-BE49-F238E27FC236}">
+                      <a16:creationId xmlns:a16="http://schemas.microsoft.com/office/drawing/2014/main" id="{C32DA845-1C5A-CA31-9EDF-BB7F81CF4233}"/>
+                    </a:ext>
+                  </a:extLst>
+                </p:cNvPr>
+                <p:cNvPicPr/>
+                <p:nvPr/>
+              </p:nvPicPr>
+              <p:blipFill>
+                <a:blip r:embed="rId93"/>
+                <a:stretch>
+                  <a:fillRect/>
+                </a:stretch>
+              </p:blipFill>
+              <p:spPr>
+                <a:xfrm>
+                  <a:off x="5471393" y="4055327"/>
+                  <a:ext cx="20160" cy="77760"/>
+                </a:xfrm>
+                <a:prstGeom prst="rect">
+                  <a:avLst/>
+                </a:prstGeom>
+              </p:spPr>
+            </p:pic>
+          </mc:Fallback>
+        </mc:AlternateContent>
+        <mc:AlternateContent xmlns:mc="http://schemas.openxmlformats.org/markup-compatibility/2006">
+          <mc:Choice xmlns:p14="http://schemas.microsoft.com/office/powerpoint/2010/main" Requires="p14">
+            <p:contentPart p14:bwMode="auto" r:id="rId94">
+              <p14:nvContentPartPr>
+                <p14:cNvPr id="19" name="Ink 18">
+                  <a:extLst>
+                    <a:ext uri="{FF2B5EF4-FFF2-40B4-BE49-F238E27FC236}">
+                      <a16:creationId xmlns:a16="http://schemas.microsoft.com/office/drawing/2014/main" id="{51E69AEA-3263-428E-4857-3C3F946634DC}"/>
+                    </a:ext>
+                  </a:extLst>
+                </p14:cNvPr>
+                <p14:cNvContentPartPr/>
+                <p14:nvPr/>
+              </p14:nvContentPartPr>
+              <p14:xfrm>
+                <a:off x="5503433" y="4064327"/>
+                <a:ext cx="12960" cy="64080"/>
+              </p14:xfrm>
+            </p:contentPart>
+          </mc:Choice>
+          <mc:Fallback>
+            <p:pic>
+              <p:nvPicPr>
+                <p:cNvPr id="19" name="Ink 18">
+                  <a:extLst>
+                    <a:ext uri="{FF2B5EF4-FFF2-40B4-BE49-F238E27FC236}">
+                      <a16:creationId xmlns:a16="http://schemas.microsoft.com/office/drawing/2014/main" id="{51E69AEA-3263-428E-4857-3C3F946634DC}"/>
+                    </a:ext>
+                  </a:extLst>
+                </p:cNvPr>
+                <p:cNvPicPr/>
+                <p:nvPr/>
+              </p:nvPicPr>
+              <p:blipFill>
+                <a:blip r:embed="rId95"/>
+                <a:stretch>
+                  <a:fillRect/>
+                </a:stretch>
+              </p:blipFill>
+              <p:spPr>
+                <a:xfrm>
+                  <a:off x="5494793" y="4055327"/>
+                  <a:ext cx="30600" cy="81720"/>
+                </a:xfrm>
+                <a:prstGeom prst="rect">
+                  <a:avLst/>
+                </a:prstGeom>
+              </p:spPr>
+            </p:pic>
+          </mc:Fallback>
+        </mc:AlternateContent>
+        <mc:AlternateContent xmlns:mc="http://schemas.openxmlformats.org/markup-compatibility/2006">
+          <mc:Choice xmlns:p14="http://schemas.microsoft.com/office/powerpoint/2010/main" Requires="p14">
+            <p:contentPart p14:bwMode="auto" r:id="rId96">
+              <p14:nvContentPartPr>
+                <p14:cNvPr id="24" name="Ink 23">
+                  <a:extLst>
+                    <a:ext uri="{FF2B5EF4-FFF2-40B4-BE49-F238E27FC236}">
+                      <a16:creationId xmlns:a16="http://schemas.microsoft.com/office/drawing/2014/main" id="{988E0A06-41A7-70BD-3B70-262F5FC14A28}"/>
+                    </a:ext>
+                  </a:extLst>
+                </p14:cNvPr>
+                <p14:cNvContentPartPr/>
+                <p14:nvPr/>
+              </p14:nvContentPartPr>
+              <p14:xfrm>
+                <a:off x="5568953" y="3933647"/>
+                <a:ext cx="79200" cy="251640"/>
+              </p14:xfrm>
+            </p:contentPart>
+          </mc:Choice>
+          <mc:Fallback>
+            <p:pic>
+              <p:nvPicPr>
+                <p:cNvPr id="24" name="Ink 23">
+                  <a:extLst>
+                    <a:ext uri="{FF2B5EF4-FFF2-40B4-BE49-F238E27FC236}">
+                      <a16:creationId xmlns:a16="http://schemas.microsoft.com/office/drawing/2014/main" id="{988E0A06-41A7-70BD-3B70-262F5FC14A28}"/>
+                    </a:ext>
+                  </a:extLst>
+                </p:cNvPr>
+                <p:cNvPicPr/>
+                <p:nvPr/>
+              </p:nvPicPr>
+              <p:blipFill>
+                <a:blip r:embed="rId97"/>
+                <a:stretch>
+                  <a:fillRect/>
+                </a:stretch>
+              </p:blipFill>
+              <p:spPr>
+                <a:xfrm>
+                  <a:off x="5559953" y="3925007"/>
+                  <a:ext cx="96840" cy="269280"/>
+                </a:xfrm>
+                <a:prstGeom prst="rect">
+                  <a:avLst/>
+                </a:prstGeom>
+              </p:spPr>
+            </p:pic>
+          </mc:Fallback>
+        </mc:AlternateContent>
+        <mc:AlternateContent xmlns:mc="http://schemas.openxmlformats.org/markup-compatibility/2006">
+          <mc:Choice xmlns:p14="http://schemas.microsoft.com/office/powerpoint/2010/main" Requires="p14">
+            <p:contentPart p14:bwMode="auto" r:id="rId98">
+              <p14:nvContentPartPr>
+                <p14:cNvPr id="25" name="Ink 24">
+                  <a:extLst>
+                    <a:ext uri="{FF2B5EF4-FFF2-40B4-BE49-F238E27FC236}">
+                      <a16:creationId xmlns:a16="http://schemas.microsoft.com/office/drawing/2014/main" id="{AE8BEC32-D0A6-4F5C-9DA2-4CC8B0F26EB0}"/>
+                    </a:ext>
+                  </a:extLst>
+                </p14:cNvPr>
+                <p14:cNvContentPartPr/>
+                <p14:nvPr/>
+              </p14:nvContentPartPr>
+              <p14:xfrm>
+                <a:off x="5661473" y="4035527"/>
+                <a:ext cx="47880" cy="74160"/>
+              </p14:xfrm>
+            </p:contentPart>
+          </mc:Choice>
+          <mc:Fallback>
+            <p:pic>
+              <p:nvPicPr>
+                <p:cNvPr id="25" name="Ink 24">
+                  <a:extLst>
+                    <a:ext uri="{FF2B5EF4-FFF2-40B4-BE49-F238E27FC236}">
+                      <a16:creationId xmlns:a16="http://schemas.microsoft.com/office/drawing/2014/main" id="{AE8BEC32-D0A6-4F5C-9DA2-4CC8B0F26EB0}"/>
+                    </a:ext>
+                  </a:extLst>
+                </p:cNvPr>
+                <p:cNvPicPr/>
+                <p:nvPr/>
+              </p:nvPicPr>
+              <p:blipFill>
+                <a:blip r:embed="rId99"/>
+                <a:stretch>
+                  <a:fillRect/>
+                </a:stretch>
+              </p:blipFill>
+              <p:spPr>
+                <a:xfrm>
+                  <a:off x="5652473" y="4026527"/>
+                  <a:ext cx="65520" cy="91800"/>
+                </a:xfrm>
+                <a:prstGeom prst="rect">
+                  <a:avLst/>
+                </a:prstGeom>
+              </p:spPr>
+            </p:pic>
+          </mc:Fallback>
+        </mc:AlternateContent>
+        <mc:AlternateContent xmlns:mc="http://schemas.openxmlformats.org/markup-compatibility/2006">
+          <mc:Choice xmlns:p14="http://schemas.microsoft.com/office/powerpoint/2010/main" Requires="p14">
+            <p:contentPart p14:bwMode="auto" r:id="rId100">
+              <p14:nvContentPartPr>
+                <p14:cNvPr id="26" name="Ink 25">
+                  <a:extLst>
+                    <a:ext uri="{FF2B5EF4-FFF2-40B4-BE49-F238E27FC236}">
+                      <a16:creationId xmlns:a16="http://schemas.microsoft.com/office/drawing/2014/main" id="{F40A3ACB-E318-FB82-EB39-A5C5DE2C6A2E}"/>
+                    </a:ext>
+                  </a:extLst>
+                </p14:cNvPr>
+                <p14:cNvContentPartPr/>
+                <p14:nvPr/>
+              </p14:nvContentPartPr>
+              <p14:xfrm>
+                <a:off x="5727353" y="4052087"/>
+                <a:ext cx="32760" cy="3960"/>
+              </p14:xfrm>
+            </p:contentPart>
+          </mc:Choice>
+          <mc:Fallback>
+            <p:pic>
+              <p:nvPicPr>
+                <p:cNvPr id="26" name="Ink 25">
+                  <a:extLst>
+                    <a:ext uri="{FF2B5EF4-FFF2-40B4-BE49-F238E27FC236}">
+                      <a16:creationId xmlns:a16="http://schemas.microsoft.com/office/drawing/2014/main" id="{F40A3ACB-E318-FB82-EB39-A5C5DE2C6A2E}"/>
+                    </a:ext>
+                  </a:extLst>
+                </p:cNvPr>
+                <p:cNvPicPr/>
+                <p:nvPr/>
+              </p:nvPicPr>
+              <p:blipFill>
+                <a:blip r:embed="rId101"/>
+                <a:stretch>
+                  <a:fillRect/>
+                </a:stretch>
+              </p:blipFill>
+              <p:spPr>
+                <a:xfrm>
+                  <a:off x="5718353" y="4043087"/>
+                  <a:ext cx="50400" cy="21600"/>
+                </a:xfrm>
+                <a:prstGeom prst="rect">
+                  <a:avLst/>
+                </a:prstGeom>
+              </p:spPr>
+            </p:pic>
+          </mc:Fallback>
+        </mc:AlternateContent>
+        <mc:AlternateContent xmlns:mc="http://schemas.openxmlformats.org/markup-compatibility/2006">
+          <mc:Choice xmlns:p14="http://schemas.microsoft.com/office/powerpoint/2010/main" Requires="p14">
+            <p:contentPart p14:bwMode="auto" r:id="rId102">
+              <p14:nvContentPartPr>
+                <p14:cNvPr id="34" name="Ink 33">
+                  <a:extLst>
+                    <a:ext uri="{FF2B5EF4-FFF2-40B4-BE49-F238E27FC236}">
+                      <a16:creationId xmlns:a16="http://schemas.microsoft.com/office/drawing/2014/main" id="{87969345-84EE-121B-0771-6921C17EF09B}"/>
+                    </a:ext>
+                  </a:extLst>
+                </p14:cNvPr>
+                <p14:cNvContentPartPr/>
+                <p14:nvPr/>
+              </p14:nvContentPartPr>
+              <p14:xfrm>
+                <a:off x="5742963" y="4031012"/>
+                <a:ext cx="7920" cy="43560"/>
+              </p14:xfrm>
+            </p:contentPart>
+          </mc:Choice>
+          <mc:Fallback>
+            <p:pic>
+              <p:nvPicPr>
+                <p:cNvPr id="34" name="Ink 33">
+                  <a:extLst>
+                    <a:ext uri="{FF2B5EF4-FFF2-40B4-BE49-F238E27FC236}">
+                      <a16:creationId xmlns:a16="http://schemas.microsoft.com/office/drawing/2014/main" id="{87969345-84EE-121B-0771-6921C17EF09B}"/>
+                    </a:ext>
+                  </a:extLst>
+                </p:cNvPr>
+                <p:cNvPicPr/>
+                <p:nvPr/>
+              </p:nvPicPr>
+              <p:blipFill>
+                <a:blip r:embed="rId103"/>
+                <a:stretch>
+                  <a:fillRect/>
+                </a:stretch>
+              </p:blipFill>
+              <p:spPr>
+                <a:xfrm>
+                  <a:off x="5733963" y="4022012"/>
+                  <a:ext cx="25560" cy="61200"/>
+                </a:xfrm>
+                <a:prstGeom prst="rect">
+                  <a:avLst/>
+                </a:prstGeom>
+              </p:spPr>
+            </p:pic>
+          </mc:Fallback>
+        </mc:AlternateContent>
+        <mc:AlternateContent xmlns:mc="http://schemas.openxmlformats.org/markup-compatibility/2006">
+          <mc:Choice xmlns:p14="http://schemas.microsoft.com/office/powerpoint/2010/main" Requires="p14">
+            <p:contentPart p14:bwMode="auto" r:id="rId104">
+              <p14:nvContentPartPr>
+                <p14:cNvPr id="37" name="Ink 36">
+                  <a:extLst>
+                    <a:ext uri="{FF2B5EF4-FFF2-40B4-BE49-F238E27FC236}">
+                      <a16:creationId xmlns:a16="http://schemas.microsoft.com/office/drawing/2014/main" id="{501A9CA9-A736-8C66-2274-CAB9F3C61388}"/>
+                    </a:ext>
+                  </a:extLst>
+                </p14:cNvPr>
+                <p14:cNvContentPartPr/>
+                <p14:nvPr/>
+              </p14:nvContentPartPr>
+              <p14:xfrm>
+                <a:off x="5907843" y="3937772"/>
+                <a:ext cx="69840" cy="225720"/>
+              </p14:xfrm>
+            </p:contentPart>
+          </mc:Choice>
+          <mc:Fallback>
+            <p:pic>
+              <p:nvPicPr>
+                <p:cNvPr id="37" name="Ink 36">
+                  <a:extLst>
+                    <a:ext uri="{FF2B5EF4-FFF2-40B4-BE49-F238E27FC236}">
+                      <a16:creationId xmlns:a16="http://schemas.microsoft.com/office/drawing/2014/main" id="{501A9CA9-A736-8C66-2274-CAB9F3C61388}"/>
+                    </a:ext>
+                  </a:extLst>
+                </p:cNvPr>
+                <p:cNvPicPr/>
+                <p:nvPr/>
+              </p:nvPicPr>
+              <p:blipFill>
+                <a:blip r:embed="rId105"/>
+                <a:stretch>
+                  <a:fillRect/>
+                </a:stretch>
+              </p:blipFill>
+              <p:spPr>
+                <a:xfrm>
+                  <a:off x="5899203" y="3928772"/>
+                  <a:ext cx="87480" cy="243360"/>
+                </a:xfrm>
+                <a:prstGeom prst="rect">
+                  <a:avLst/>
+                </a:prstGeom>
+              </p:spPr>
+            </p:pic>
+          </mc:Fallback>
+        </mc:AlternateContent>
+        <mc:AlternateContent xmlns:mc="http://schemas.openxmlformats.org/markup-compatibility/2006">
+          <mc:Choice xmlns:p14="http://schemas.microsoft.com/office/powerpoint/2010/main" Requires="p14">
+            <p:contentPart p14:bwMode="auto" r:id="rId106">
+              <p14:nvContentPartPr>
+                <p14:cNvPr id="38" name="Ink 37">
+                  <a:extLst>
+                    <a:ext uri="{FF2B5EF4-FFF2-40B4-BE49-F238E27FC236}">
+                      <a16:creationId xmlns:a16="http://schemas.microsoft.com/office/drawing/2014/main" id="{A9123779-227F-081B-63A3-D701D70D0F55}"/>
+                    </a:ext>
+                  </a:extLst>
+                </p14:cNvPr>
+                <p14:cNvContentPartPr/>
+                <p14:nvPr/>
+              </p14:nvContentPartPr>
+              <p14:xfrm>
+                <a:off x="5967963" y="3910412"/>
+                <a:ext cx="40320" cy="39960"/>
+              </p14:xfrm>
+            </p:contentPart>
+          </mc:Choice>
+          <mc:Fallback>
+            <p:pic>
+              <p:nvPicPr>
+                <p:cNvPr id="38" name="Ink 37">
+                  <a:extLst>
+                    <a:ext uri="{FF2B5EF4-FFF2-40B4-BE49-F238E27FC236}">
+                      <a16:creationId xmlns:a16="http://schemas.microsoft.com/office/drawing/2014/main" id="{A9123779-227F-081B-63A3-D701D70D0F55}"/>
+                    </a:ext>
+                  </a:extLst>
+                </p:cNvPr>
+                <p:cNvPicPr/>
+                <p:nvPr/>
+              </p:nvPicPr>
+              <p:blipFill>
+                <a:blip r:embed="rId107"/>
+                <a:stretch>
+                  <a:fillRect/>
+                </a:stretch>
+              </p:blipFill>
+              <p:spPr>
+                <a:xfrm>
+                  <a:off x="5959323" y="3901412"/>
+                  <a:ext cx="57960" cy="57600"/>
+                </a:xfrm>
+                <a:prstGeom prst="rect">
+                  <a:avLst/>
+                </a:prstGeom>
+              </p:spPr>
+            </p:pic>
+          </mc:Fallback>
+        </mc:AlternateContent>
+        <mc:AlternateContent xmlns:mc="http://schemas.openxmlformats.org/markup-compatibility/2006">
+          <mc:Choice xmlns:p14="http://schemas.microsoft.com/office/powerpoint/2010/main" Requires="p14">
+            <p:contentPart p14:bwMode="auto" r:id="rId108">
+              <p14:nvContentPartPr>
+                <p14:cNvPr id="39" name="Ink 38">
+                  <a:extLst>
+                    <a:ext uri="{FF2B5EF4-FFF2-40B4-BE49-F238E27FC236}">
+                      <a16:creationId xmlns:a16="http://schemas.microsoft.com/office/drawing/2014/main" id="{F9F4B104-9212-4FF9-71AD-4E02737E1FDE}"/>
+                    </a:ext>
+                  </a:extLst>
+                </p14:cNvPr>
+                <p14:cNvContentPartPr/>
+                <p14:nvPr/>
+              </p14:nvContentPartPr>
+              <p14:xfrm>
+                <a:off x="6060123" y="4036772"/>
+                <a:ext cx="54000" cy="7200"/>
+              </p14:xfrm>
+            </p:contentPart>
+          </mc:Choice>
+          <mc:Fallback>
+            <p:pic>
+              <p:nvPicPr>
+                <p:cNvPr id="39" name="Ink 38">
+                  <a:extLst>
+                    <a:ext uri="{FF2B5EF4-FFF2-40B4-BE49-F238E27FC236}">
+                      <a16:creationId xmlns:a16="http://schemas.microsoft.com/office/drawing/2014/main" id="{F9F4B104-9212-4FF9-71AD-4E02737E1FDE}"/>
+                    </a:ext>
+                  </a:extLst>
+                </p:cNvPr>
+                <p:cNvPicPr/>
+                <p:nvPr/>
+              </p:nvPicPr>
+              <p:blipFill>
+                <a:blip r:embed="rId109"/>
+                <a:stretch>
+                  <a:fillRect/>
+                </a:stretch>
+              </p:blipFill>
+              <p:spPr>
+                <a:xfrm>
+                  <a:off x="6051123" y="4028132"/>
+                  <a:ext cx="71640" cy="24840"/>
+                </a:xfrm>
+                <a:prstGeom prst="rect">
+                  <a:avLst/>
+                </a:prstGeom>
+              </p:spPr>
+            </p:pic>
+          </mc:Fallback>
+        </mc:AlternateContent>
+        <mc:AlternateContent xmlns:mc="http://schemas.openxmlformats.org/markup-compatibility/2006">
+          <mc:Choice xmlns:p14="http://schemas.microsoft.com/office/powerpoint/2010/main" Requires="p14">
+            <p:contentPart p14:bwMode="auto" r:id="rId110">
+              <p14:nvContentPartPr>
+                <p14:cNvPr id="40" name="Ink 39">
+                  <a:extLst>
+                    <a:ext uri="{FF2B5EF4-FFF2-40B4-BE49-F238E27FC236}">
+                      <a16:creationId xmlns:a16="http://schemas.microsoft.com/office/drawing/2014/main" id="{A843EBEB-AB26-4578-5AF4-26FC60DBEB0F}"/>
+                    </a:ext>
+                  </a:extLst>
+                </p14:cNvPr>
+                <p14:cNvContentPartPr/>
+                <p14:nvPr/>
+              </p14:nvContentPartPr>
+              <p14:xfrm>
+                <a:off x="6153363" y="3926972"/>
+                <a:ext cx="55440" cy="179280"/>
+              </p14:xfrm>
+            </p:contentPart>
+          </mc:Choice>
+          <mc:Fallback>
+            <p:pic>
+              <p:nvPicPr>
+                <p:cNvPr id="40" name="Ink 39">
+                  <a:extLst>
+                    <a:ext uri="{FF2B5EF4-FFF2-40B4-BE49-F238E27FC236}">
+                      <a16:creationId xmlns:a16="http://schemas.microsoft.com/office/drawing/2014/main" id="{A843EBEB-AB26-4578-5AF4-26FC60DBEB0F}"/>
+                    </a:ext>
+                  </a:extLst>
+                </p:cNvPr>
+                <p:cNvPicPr/>
+                <p:nvPr/>
+              </p:nvPicPr>
+              <p:blipFill>
+                <a:blip r:embed="rId111"/>
+                <a:stretch>
+                  <a:fillRect/>
+                </a:stretch>
+              </p:blipFill>
+              <p:spPr>
+                <a:xfrm>
+                  <a:off x="6144363" y="3918332"/>
+                  <a:ext cx="73080" cy="196920"/>
+                </a:xfrm>
+                <a:prstGeom prst="rect">
+                  <a:avLst/>
+                </a:prstGeom>
+              </p:spPr>
+            </p:pic>
+          </mc:Fallback>
+        </mc:AlternateContent>
+        <mc:AlternateContent xmlns:mc="http://schemas.openxmlformats.org/markup-compatibility/2006">
+          <mc:Choice xmlns:p14="http://schemas.microsoft.com/office/powerpoint/2010/main" Requires="p14">
+            <p:contentPart p14:bwMode="auto" r:id="rId112">
+              <p14:nvContentPartPr>
+                <p14:cNvPr id="41" name="Ink 40">
+                  <a:extLst>
+                    <a:ext uri="{FF2B5EF4-FFF2-40B4-BE49-F238E27FC236}">
+                      <a16:creationId xmlns:a16="http://schemas.microsoft.com/office/drawing/2014/main" id="{9949B114-0972-E088-195E-204C59574A21}"/>
+                    </a:ext>
+                  </a:extLst>
+                </p14:cNvPr>
+                <p14:cNvContentPartPr/>
+                <p14:nvPr/>
+              </p14:nvContentPartPr>
+              <p14:xfrm>
+                <a:off x="6220323" y="4025972"/>
+                <a:ext cx="35640" cy="52920"/>
+              </p14:xfrm>
+            </p:contentPart>
+          </mc:Choice>
+          <mc:Fallback>
+            <p:pic>
+              <p:nvPicPr>
+                <p:cNvPr id="41" name="Ink 40">
+                  <a:extLst>
+                    <a:ext uri="{FF2B5EF4-FFF2-40B4-BE49-F238E27FC236}">
+                      <a16:creationId xmlns:a16="http://schemas.microsoft.com/office/drawing/2014/main" id="{9949B114-0972-E088-195E-204C59574A21}"/>
+                    </a:ext>
+                  </a:extLst>
+                </p:cNvPr>
+                <p:cNvPicPr/>
+                <p:nvPr/>
+              </p:nvPicPr>
+              <p:blipFill>
+                <a:blip r:embed="rId113"/>
+                <a:stretch>
+                  <a:fillRect/>
+                </a:stretch>
+              </p:blipFill>
+              <p:spPr>
+                <a:xfrm>
+                  <a:off x="6211323" y="4016972"/>
+                  <a:ext cx="53280" cy="70560"/>
+                </a:xfrm>
+                <a:prstGeom prst="rect">
+                  <a:avLst/>
+                </a:prstGeom>
+              </p:spPr>
+            </p:pic>
+          </mc:Fallback>
+        </mc:AlternateContent>
+        <mc:AlternateContent xmlns:mc="http://schemas.openxmlformats.org/markup-compatibility/2006">
+          <mc:Choice xmlns:p14="http://schemas.microsoft.com/office/powerpoint/2010/main" Requires="p14">
+            <p:contentPart p14:bwMode="auto" r:id="rId114">
+              <p14:nvContentPartPr>
+                <p14:cNvPr id="42" name="Ink 41">
+                  <a:extLst>
+                    <a:ext uri="{FF2B5EF4-FFF2-40B4-BE49-F238E27FC236}">
+                      <a16:creationId xmlns:a16="http://schemas.microsoft.com/office/drawing/2014/main" id="{19126109-5D51-39AD-378C-AA5ADFC1A4DE}"/>
+                    </a:ext>
+                  </a:extLst>
+                </p14:cNvPr>
+                <p14:cNvContentPartPr/>
+                <p14:nvPr/>
+              </p14:nvContentPartPr>
+              <p14:xfrm>
+                <a:off x="6284043" y="4036772"/>
+                <a:ext cx="30600" cy="2160"/>
+              </p14:xfrm>
+            </p:contentPart>
+          </mc:Choice>
+          <mc:Fallback>
+            <p:pic>
+              <p:nvPicPr>
+                <p:cNvPr id="42" name="Ink 41">
+                  <a:extLst>
+                    <a:ext uri="{FF2B5EF4-FFF2-40B4-BE49-F238E27FC236}">
+                      <a16:creationId xmlns:a16="http://schemas.microsoft.com/office/drawing/2014/main" id="{19126109-5D51-39AD-378C-AA5ADFC1A4DE}"/>
+                    </a:ext>
+                  </a:extLst>
+                </p:cNvPr>
+                <p:cNvPicPr/>
+                <p:nvPr/>
+              </p:nvPicPr>
+              <p:blipFill>
+                <a:blip r:embed="rId5"/>
+                <a:stretch>
+                  <a:fillRect/>
+                </a:stretch>
+              </p:blipFill>
+              <p:spPr>
+                <a:xfrm>
+                  <a:off x="6275043" y="4027772"/>
+                  <a:ext cx="48240" cy="19800"/>
+                </a:xfrm>
+                <a:prstGeom prst="rect">
+                  <a:avLst/>
+                </a:prstGeom>
+              </p:spPr>
+            </p:pic>
+          </mc:Fallback>
+        </mc:AlternateContent>
+        <mc:AlternateContent xmlns:mc="http://schemas.openxmlformats.org/markup-compatibility/2006">
+          <mc:Choice xmlns:p14="http://schemas.microsoft.com/office/powerpoint/2010/main" Requires="p14">
+            <p:contentPart p14:bwMode="auto" r:id="rId115">
+              <p14:nvContentPartPr>
+                <p14:cNvPr id="120" name="Ink 119">
+                  <a:extLst>
+                    <a:ext uri="{FF2B5EF4-FFF2-40B4-BE49-F238E27FC236}">
+                      <a16:creationId xmlns:a16="http://schemas.microsoft.com/office/drawing/2014/main" id="{41EB815C-DBBA-23B9-1D0D-154D15222DC7}"/>
+                    </a:ext>
+                  </a:extLst>
+                </p14:cNvPr>
+                <p14:cNvContentPartPr/>
+                <p14:nvPr/>
+              </p14:nvContentPartPr>
+              <p14:xfrm>
+                <a:off x="5815157" y="3997289"/>
+                <a:ext cx="42120" cy="31320"/>
+              </p14:xfrm>
+            </p:contentPart>
+          </mc:Choice>
+          <mc:Fallback>
+            <p:pic>
+              <p:nvPicPr>
+                <p:cNvPr id="120" name="Ink 119">
+                  <a:extLst>
+                    <a:ext uri="{FF2B5EF4-FFF2-40B4-BE49-F238E27FC236}">
+                      <a16:creationId xmlns:a16="http://schemas.microsoft.com/office/drawing/2014/main" id="{41EB815C-DBBA-23B9-1D0D-154D15222DC7}"/>
+                    </a:ext>
+                  </a:extLst>
+                </p:cNvPr>
+                <p:cNvPicPr/>
+                <p:nvPr/>
+              </p:nvPicPr>
+              <p:blipFill>
+                <a:blip r:embed="rId116"/>
+                <a:stretch>
+                  <a:fillRect/>
+                </a:stretch>
+              </p:blipFill>
+              <p:spPr>
+                <a:xfrm>
+                  <a:off x="5806157" y="3988649"/>
+                  <a:ext cx="59760" cy="48960"/>
+                </a:xfrm>
+                <a:prstGeom prst="rect">
+                  <a:avLst/>
+                </a:prstGeom>
+              </p:spPr>
+            </p:pic>
+          </mc:Fallback>
+        </mc:AlternateContent>
+        <mc:AlternateContent xmlns:mc="http://schemas.openxmlformats.org/markup-compatibility/2006">
+          <mc:Choice xmlns:p14="http://schemas.microsoft.com/office/powerpoint/2010/main" Requires="p14">
+            <p:contentPart p14:bwMode="auto" r:id="rId117">
+              <p14:nvContentPartPr>
+                <p14:cNvPr id="121" name="Ink 120">
+                  <a:extLst>
+                    <a:ext uri="{FF2B5EF4-FFF2-40B4-BE49-F238E27FC236}">
+                      <a16:creationId xmlns:a16="http://schemas.microsoft.com/office/drawing/2014/main" id="{F7E38CFB-5514-0383-63F6-94636391B80A}"/>
+                    </a:ext>
+                  </a:extLst>
+                </p14:cNvPr>
+                <p14:cNvContentPartPr/>
+                <p14:nvPr/>
+              </p14:nvContentPartPr>
+              <p14:xfrm>
+                <a:off x="5871677" y="3985049"/>
+                <a:ext cx="38520" cy="33480"/>
+              </p14:xfrm>
+            </p:contentPart>
+          </mc:Choice>
+          <mc:Fallback>
+            <p:pic>
+              <p:nvPicPr>
+                <p:cNvPr id="121" name="Ink 120">
+                  <a:extLst>
+                    <a:ext uri="{FF2B5EF4-FFF2-40B4-BE49-F238E27FC236}">
+                      <a16:creationId xmlns:a16="http://schemas.microsoft.com/office/drawing/2014/main" id="{F7E38CFB-5514-0383-63F6-94636391B80A}"/>
+                    </a:ext>
+                  </a:extLst>
+                </p:cNvPr>
+                <p:cNvPicPr/>
+                <p:nvPr/>
+              </p:nvPicPr>
+              <p:blipFill>
+                <a:blip r:embed="rId118"/>
+                <a:stretch>
+                  <a:fillRect/>
+                </a:stretch>
+              </p:blipFill>
+              <p:spPr>
+                <a:xfrm>
+                  <a:off x="5862677" y="3976049"/>
+                  <a:ext cx="56160" cy="51120"/>
+                </a:xfrm>
+                <a:prstGeom prst="rect">
+                  <a:avLst/>
+                </a:prstGeom>
+              </p:spPr>
+            </p:pic>
+          </mc:Fallback>
+        </mc:AlternateContent>
+        <mc:AlternateContent xmlns:mc="http://schemas.openxmlformats.org/markup-compatibility/2006">
+          <mc:Choice xmlns:p14="http://schemas.microsoft.com/office/powerpoint/2010/main" Requires="p14">
+            <p:contentPart p14:bwMode="auto" r:id="rId119">
+              <p14:nvContentPartPr>
+                <p14:cNvPr id="122" name="Ink 121">
+                  <a:extLst>
+                    <a:ext uri="{FF2B5EF4-FFF2-40B4-BE49-F238E27FC236}">
+                      <a16:creationId xmlns:a16="http://schemas.microsoft.com/office/drawing/2014/main" id="{4EFF5007-F7F9-EAC3-2D85-AB41FF275066}"/>
+                    </a:ext>
+                  </a:extLst>
+                </p14:cNvPr>
+                <p14:cNvContentPartPr/>
+                <p14:nvPr/>
+              </p14:nvContentPartPr>
+              <p14:xfrm>
+                <a:off x="5814077" y="4052369"/>
+                <a:ext cx="84600" cy="14040"/>
+              </p14:xfrm>
+            </p:contentPart>
+          </mc:Choice>
+          <mc:Fallback>
+            <p:pic>
+              <p:nvPicPr>
+                <p:cNvPr id="122" name="Ink 121">
+                  <a:extLst>
+                    <a:ext uri="{FF2B5EF4-FFF2-40B4-BE49-F238E27FC236}">
+                      <a16:creationId xmlns:a16="http://schemas.microsoft.com/office/drawing/2014/main" id="{4EFF5007-F7F9-EAC3-2D85-AB41FF275066}"/>
+                    </a:ext>
+                  </a:extLst>
+                </p:cNvPr>
+                <p:cNvPicPr/>
+                <p:nvPr/>
+              </p:nvPicPr>
+              <p:blipFill>
+                <a:blip r:embed="rId120"/>
+                <a:stretch>
+                  <a:fillRect/>
+                </a:stretch>
+              </p:blipFill>
+              <p:spPr>
+                <a:xfrm>
+                  <a:off x="5805437" y="4043729"/>
+                  <a:ext cx="102240" cy="31680"/>
+                </a:xfrm>
+                <a:prstGeom prst="rect">
+                  <a:avLst/>
+                </a:prstGeom>
+              </p:spPr>
+            </p:pic>
+          </mc:Fallback>
+        </mc:AlternateContent>
+        <mc:AlternateContent xmlns:mc="http://schemas.openxmlformats.org/markup-compatibility/2006">
+          <mc:Choice xmlns:p14="http://schemas.microsoft.com/office/powerpoint/2010/main" Requires="p14">
+            <p:contentPart p14:bwMode="auto" r:id="rId121">
+              <p14:nvContentPartPr>
+                <p14:cNvPr id="123" name="Ink 122">
+                  <a:extLst>
+                    <a:ext uri="{FF2B5EF4-FFF2-40B4-BE49-F238E27FC236}">
+                      <a16:creationId xmlns:a16="http://schemas.microsoft.com/office/drawing/2014/main" id="{E496131B-0840-09AB-3372-9B48CCC30730}"/>
+                    </a:ext>
+                  </a:extLst>
+                </p14:cNvPr>
+                <p14:cNvContentPartPr/>
+                <p14:nvPr/>
+              </p14:nvContentPartPr>
+              <p14:xfrm>
+                <a:off x="5855837" y="4083329"/>
+                <a:ext cx="53640" cy="57240"/>
+              </p14:xfrm>
+            </p:contentPart>
+          </mc:Choice>
+          <mc:Fallback>
+            <p:pic>
+              <p:nvPicPr>
+                <p:cNvPr id="123" name="Ink 122">
+                  <a:extLst>
+                    <a:ext uri="{FF2B5EF4-FFF2-40B4-BE49-F238E27FC236}">
+                      <a16:creationId xmlns:a16="http://schemas.microsoft.com/office/drawing/2014/main" id="{E496131B-0840-09AB-3372-9B48CCC30730}"/>
+                    </a:ext>
+                  </a:extLst>
+                </p:cNvPr>
+                <p:cNvPicPr/>
+                <p:nvPr/>
+              </p:nvPicPr>
+              <p:blipFill>
+                <a:blip r:embed="rId122"/>
+                <a:stretch>
+                  <a:fillRect/>
+                </a:stretch>
+              </p:blipFill>
+              <p:spPr>
+                <a:xfrm>
+                  <a:off x="5847197" y="4074329"/>
+                  <a:ext cx="71280" cy="74880"/>
+                </a:xfrm>
+                <a:prstGeom prst="rect">
+                  <a:avLst/>
+                </a:prstGeom>
+              </p:spPr>
+            </p:pic>
+          </mc:Fallback>
+        </mc:AlternateContent>
+        <mc:AlternateContent xmlns:mc="http://schemas.openxmlformats.org/markup-compatibility/2006">
+          <mc:Choice xmlns:p14="http://schemas.microsoft.com/office/powerpoint/2010/main" Requires="p14">
+            <p:contentPart p14:bwMode="auto" r:id="rId123">
+              <p14:nvContentPartPr>
+                <p14:cNvPr id="125" name="Ink 124">
+                  <a:extLst>
+                    <a:ext uri="{FF2B5EF4-FFF2-40B4-BE49-F238E27FC236}">
+                      <a16:creationId xmlns:a16="http://schemas.microsoft.com/office/drawing/2014/main" id="{434DC551-5D09-215F-A72D-11EBFB1BD5F4}"/>
+                    </a:ext>
+                  </a:extLst>
+                </p14:cNvPr>
+                <p14:cNvContentPartPr/>
+                <p14:nvPr/>
+              </p14:nvContentPartPr>
+              <p14:xfrm>
+                <a:off x="6347957" y="3940769"/>
+                <a:ext cx="46440" cy="46080"/>
+              </p14:xfrm>
+            </p:contentPart>
+          </mc:Choice>
+          <mc:Fallback>
+            <p:pic>
+              <p:nvPicPr>
+                <p:cNvPr id="125" name="Ink 124">
+                  <a:extLst>
+                    <a:ext uri="{FF2B5EF4-FFF2-40B4-BE49-F238E27FC236}">
+                      <a16:creationId xmlns:a16="http://schemas.microsoft.com/office/drawing/2014/main" id="{434DC551-5D09-215F-A72D-11EBFB1BD5F4}"/>
+                    </a:ext>
+                  </a:extLst>
+                </p:cNvPr>
+                <p:cNvPicPr/>
+                <p:nvPr/>
+              </p:nvPicPr>
+              <p:blipFill>
+                <a:blip r:embed="rId124"/>
+                <a:stretch>
+                  <a:fillRect/>
+                </a:stretch>
+              </p:blipFill>
+              <p:spPr>
+                <a:xfrm>
+                  <a:off x="6339317" y="3931769"/>
+                  <a:ext cx="64080" cy="63720"/>
+                </a:xfrm>
+                <a:prstGeom prst="rect">
+                  <a:avLst/>
+                </a:prstGeom>
+              </p:spPr>
+            </p:pic>
+          </mc:Fallback>
+        </mc:AlternateContent>
+        <mc:AlternateContent xmlns:mc="http://schemas.openxmlformats.org/markup-compatibility/2006">
+          <mc:Choice xmlns:p14="http://schemas.microsoft.com/office/powerpoint/2010/main" Requires="p14">
+            <p:contentPart p14:bwMode="auto" r:id="rId125">
+              <p14:nvContentPartPr>
+                <p14:cNvPr id="126" name="Ink 125">
+                  <a:extLst>
+                    <a:ext uri="{FF2B5EF4-FFF2-40B4-BE49-F238E27FC236}">
+                      <a16:creationId xmlns:a16="http://schemas.microsoft.com/office/drawing/2014/main" id="{C4F272DC-5797-7A98-B127-6755FBF65925}"/>
+                    </a:ext>
+                  </a:extLst>
+                </p14:cNvPr>
+                <p14:cNvContentPartPr/>
+                <p14:nvPr/>
+              </p14:nvContentPartPr>
+              <p14:xfrm>
+                <a:off x="6402677" y="3945089"/>
+                <a:ext cx="42840" cy="29160"/>
+              </p14:xfrm>
+            </p:contentPart>
+          </mc:Choice>
+          <mc:Fallback>
+            <p:pic>
+              <p:nvPicPr>
+                <p:cNvPr id="126" name="Ink 125">
+                  <a:extLst>
+                    <a:ext uri="{FF2B5EF4-FFF2-40B4-BE49-F238E27FC236}">
+                      <a16:creationId xmlns:a16="http://schemas.microsoft.com/office/drawing/2014/main" id="{C4F272DC-5797-7A98-B127-6755FBF65925}"/>
+                    </a:ext>
+                  </a:extLst>
+                </p:cNvPr>
+                <p:cNvPicPr/>
+                <p:nvPr/>
+              </p:nvPicPr>
+              <p:blipFill>
+                <a:blip r:embed="rId126"/>
+                <a:stretch>
+                  <a:fillRect/>
+                </a:stretch>
+              </p:blipFill>
+              <p:spPr>
+                <a:xfrm>
+                  <a:off x="6394037" y="3936449"/>
+                  <a:ext cx="60480" cy="46800"/>
+                </a:xfrm>
+                <a:prstGeom prst="rect">
+                  <a:avLst/>
+                </a:prstGeom>
+              </p:spPr>
+            </p:pic>
+          </mc:Fallback>
+        </mc:AlternateContent>
+        <mc:AlternateContent xmlns:mc="http://schemas.openxmlformats.org/markup-compatibility/2006">
+          <mc:Choice xmlns:p14="http://schemas.microsoft.com/office/powerpoint/2010/main" Requires="p14">
+            <p:contentPart p14:bwMode="auto" r:id="rId127">
+              <p14:nvContentPartPr>
+                <p14:cNvPr id="127" name="Ink 126">
+                  <a:extLst>
+                    <a:ext uri="{FF2B5EF4-FFF2-40B4-BE49-F238E27FC236}">
+                      <a16:creationId xmlns:a16="http://schemas.microsoft.com/office/drawing/2014/main" id="{802B5F5F-D92E-E9ED-6D92-F4FCF0F6306C}"/>
+                    </a:ext>
+                  </a:extLst>
+                </p14:cNvPr>
+                <p14:cNvContentPartPr/>
+                <p14:nvPr/>
+              </p14:nvContentPartPr>
+              <p14:xfrm>
+                <a:off x="6358757" y="4009169"/>
+                <a:ext cx="87480" cy="6480"/>
+              </p14:xfrm>
+            </p:contentPart>
+          </mc:Choice>
+          <mc:Fallback>
+            <p:pic>
+              <p:nvPicPr>
+                <p:cNvPr id="127" name="Ink 126">
+                  <a:extLst>
+                    <a:ext uri="{FF2B5EF4-FFF2-40B4-BE49-F238E27FC236}">
+                      <a16:creationId xmlns:a16="http://schemas.microsoft.com/office/drawing/2014/main" id="{802B5F5F-D92E-E9ED-6D92-F4FCF0F6306C}"/>
+                    </a:ext>
+                  </a:extLst>
+                </p:cNvPr>
+                <p:cNvPicPr/>
+                <p:nvPr/>
+              </p:nvPicPr>
+              <p:blipFill>
+                <a:blip r:embed="rId128"/>
+                <a:stretch>
+                  <a:fillRect/>
+                </a:stretch>
+              </p:blipFill>
+              <p:spPr>
+                <a:xfrm>
+                  <a:off x="6349757" y="4000169"/>
+                  <a:ext cx="105120" cy="24120"/>
+                </a:xfrm>
+                <a:prstGeom prst="rect">
+                  <a:avLst/>
+                </a:prstGeom>
+              </p:spPr>
+            </p:pic>
+          </mc:Fallback>
+        </mc:AlternateContent>
+        <mc:AlternateContent xmlns:mc="http://schemas.openxmlformats.org/markup-compatibility/2006">
+          <mc:Choice xmlns:p14="http://schemas.microsoft.com/office/powerpoint/2010/main" Requires="p14">
+            <p:contentPart p14:bwMode="auto" r:id="rId129">
+              <p14:nvContentPartPr>
+                <p14:cNvPr id="128" name="Ink 127">
+                  <a:extLst>
+                    <a:ext uri="{FF2B5EF4-FFF2-40B4-BE49-F238E27FC236}">
+                      <a16:creationId xmlns:a16="http://schemas.microsoft.com/office/drawing/2014/main" id="{AB449AC1-6CCA-B7B5-27C5-81094943D8DB}"/>
+                    </a:ext>
+                  </a:extLst>
+                </p14:cNvPr>
+                <p14:cNvContentPartPr/>
+                <p14:nvPr/>
+              </p14:nvContentPartPr>
+              <p14:xfrm>
+                <a:off x="6388997" y="4042289"/>
+                <a:ext cx="39960" cy="60840"/>
+              </p14:xfrm>
+            </p:contentPart>
+          </mc:Choice>
+          <mc:Fallback>
+            <p:pic>
+              <p:nvPicPr>
+                <p:cNvPr id="128" name="Ink 127">
+                  <a:extLst>
+                    <a:ext uri="{FF2B5EF4-FFF2-40B4-BE49-F238E27FC236}">
+                      <a16:creationId xmlns:a16="http://schemas.microsoft.com/office/drawing/2014/main" id="{AB449AC1-6CCA-B7B5-27C5-81094943D8DB}"/>
+                    </a:ext>
+                  </a:extLst>
+                </p:cNvPr>
+                <p:cNvPicPr/>
+                <p:nvPr/>
+              </p:nvPicPr>
+              <p:blipFill>
+                <a:blip r:embed="rId130"/>
+                <a:stretch>
+                  <a:fillRect/>
+                </a:stretch>
+              </p:blipFill>
+              <p:spPr>
+                <a:xfrm>
+                  <a:off x="6379997" y="4033289"/>
+                  <a:ext cx="57600" cy="78480"/>
+                </a:xfrm>
+                <a:prstGeom prst="rect">
+                  <a:avLst/>
+                </a:prstGeom>
+              </p:spPr>
+            </p:pic>
+          </mc:Fallback>
+        </mc:AlternateContent>
+      </p:grpSp>
+      <p:grpSp>
+        <p:nvGrpSpPr>
+          <p:cNvPr id="130" name="Group 129">
+            <a:extLst>
+              <a:ext uri="{FF2B5EF4-FFF2-40B4-BE49-F238E27FC236}">
+                <a16:creationId xmlns:a16="http://schemas.microsoft.com/office/drawing/2014/main" id="{CDD5CD16-C5B3-0EF9-B542-606D4307BB79}"/>
+              </a:ext>
+            </a:extLst>
+          </p:cNvPr>
+          <p:cNvGrpSpPr/>
+          <p:nvPr/>
+        </p:nvGrpSpPr>
+        <p:grpSpPr>
+          <a:xfrm>
+            <a:off x="5477283" y="4353212"/>
+            <a:ext cx="511200" cy="222120"/>
+            <a:chOff x="5477283" y="4353212"/>
+            <a:chExt cx="511200" cy="222120"/>
+          </a:xfrm>
+        </p:grpSpPr>
+        <mc:AlternateContent xmlns:mc="http://schemas.openxmlformats.org/markup-compatibility/2006">
+          <mc:Choice xmlns:p14="http://schemas.microsoft.com/office/powerpoint/2010/main" Requires="p14">
+            <p:contentPart p14:bwMode="auto" r:id="rId131">
+              <p14:nvContentPartPr>
+                <p14:cNvPr id="69" name="Ink 68">
+                  <a:extLst>
+                    <a:ext uri="{FF2B5EF4-FFF2-40B4-BE49-F238E27FC236}">
+                      <a16:creationId xmlns:a16="http://schemas.microsoft.com/office/drawing/2014/main" id="{1D0383C3-91F6-F5C3-C4AA-B7926EF554D9}"/>
+                    </a:ext>
+                  </a:extLst>
+                </p14:cNvPr>
+                <p14:cNvContentPartPr/>
+                <p14:nvPr/>
+              </p14:nvContentPartPr>
+              <p14:xfrm>
+                <a:off x="5801283" y="4422332"/>
+                <a:ext cx="45720" cy="56520"/>
+              </p14:xfrm>
+            </p:contentPart>
+          </mc:Choice>
+          <mc:Fallback>
+            <p:pic>
+              <p:nvPicPr>
+                <p:cNvPr id="69" name="Ink 68">
+                  <a:extLst>
+                    <a:ext uri="{FF2B5EF4-FFF2-40B4-BE49-F238E27FC236}">
+                      <a16:creationId xmlns:a16="http://schemas.microsoft.com/office/drawing/2014/main" id="{1D0383C3-91F6-F5C3-C4AA-B7926EF554D9}"/>
+                    </a:ext>
+                  </a:extLst>
+                </p:cNvPr>
+                <p:cNvPicPr/>
+                <p:nvPr/>
+              </p:nvPicPr>
+              <p:blipFill>
+                <a:blip r:embed="rId132"/>
+                <a:stretch>
+                  <a:fillRect/>
+                </a:stretch>
+              </p:blipFill>
+              <p:spPr>
+                <a:xfrm>
+                  <a:off x="5792283" y="4413332"/>
+                  <a:ext cx="63360" cy="74160"/>
+                </a:xfrm>
+                <a:prstGeom prst="rect">
+                  <a:avLst/>
+                </a:prstGeom>
+              </p:spPr>
+            </p:pic>
+          </mc:Fallback>
+        </mc:AlternateContent>
+        <mc:AlternateContent xmlns:mc="http://schemas.openxmlformats.org/markup-compatibility/2006">
+          <mc:Choice xmlns:p14="http://schemas.microsoft.com/office/powerpoint/2010/main" Requires="p14">
+            <p:contentPart p14:bwMode="auto" r:id="rId133">
+              <p14:nvContentPartPr>
+                <p14:cNvPr id="70" name="Ink 69">
+                  <a:extLst>
+                    <a:ext uri="{FF2B5EF4-FFF2-40B4-BE49-F238E27FC236}">
+                      <a16:creationId xmlns:a16="http://schemas.microsoft.com/office/drawing/2014/main" id="{875D7534-A755-29ED-1145-5557C3AB2D3E}"/>
+                    </a:ext>
+                  </a:extLst>
+                </p14:cNvPr>
+                <p14:cNvContentPartPr/>
+                <p14:nvPr/>
+              </p14:nvContentPartPr>
+              <p14:xfrm>
+                <a:off x="5880123" y="4422692"/>
+                <a:ext cx="51840" cy="38880"/>
+              </p14:xfrm>
+            </p:contentPart>
+          </mc:Choice>
+          <mc:Fallback>
+            <p:pic>
+              <p:nvPicPr>
+                <p:cNvPr id="70" name="Ink 69">
+                  <a:extLst>
+                    <a:ext uri="{FF2B5EF4-FFF2-40B4-BE49-F238E27FC236}">
+                      <a16:creationId xmlns:a16="http://schemas.microsoft.com/office/drawing/2014/main" id="{875D7534-A755-29ED-1145-5557C3AB2D3E}"/>
+                    </a:ext>
+                  </a:extLst>
+                </p:cNvPr>
+                <p:cNvPicPr/>
+                <p:nvPr/>
+              </p:nvPicPr>
+              <p:blipFill>
+                <a:blip r:embed="rId134"/>
+                <a:stretch>
+                  <a:fillRect/>
+                </a:stretch>
+              </p:blipFill>
+              <p:spPr>
+                <a:xfrm>
+                  <a:off x="5871123" y="4414052"/>
+                  <a:ext cx="69480" cy="56520"/>
+                </a:xfrm>
+                <a:prstGeom prst="rect">
+                  <a:avLst/>
+                </a:prstGeom>
+              </p:spPr>
+            </p:pic>
+          </mc:Fallback>
+        </mc:AlternateContent>
+        <mc:AlternateContent xmlns:mc="http://schemas.openxmlformats.org/markup-compatibility/2006">
+          <mc:Choice xmlns:p14="http://schemas.microsoft.com/office/powerpoint/2010/main" Requires="p14">
+            <p:contentPart p14:bwMode="auto" r:id="rId135">
+              <p14:nvContentPartPr>
+                <p14:cNvPr id="71" name="Ink 70">
+                  <a:extLst>
+                    <a:ext uri="{FF2B5EF4-FFF2-40B4-BE49-F238E27FC236}">
+                      <a16:creationId xmlns:a16="http://schemas.microsoft.com/office/drawing/2014/main" id="{864B2C74-AE28-D820-AAAB-8739BDEE3AF9}"/>
+                    </a:ext>
+                  </a:extLst>
+                </p14:cNvPr>
+                <p14:cNvContentPartPr/>
+                <p14:nvPr/>
+              </p14:nvContentPartPr>
+              <p14:xfrm>
+                <a:off x="5944923" y="4408292"/>
+                <a:ext cx="43560" cy="46800"/>
+              </p14:xfrm>
+            </p:contentPart>
+          </mc:Choice>
+          <mc:Fallback>
+            <p:pic>
+              <p:nvPicPr>
+                <p:cNvPr id="71" name="Ink 70">
+                  <a:extLst>
+                    <a:ext uri="{FF2B5EF4-FFF2-40B4-BE49-F238E27FC236}">
+                      <a16:creationId xmlns:a16="http://schemas.microsoft.com/office/drawing/2014/main" id="{864B2C74-AE28-D820-AAAB-8739BDEE3AF9}"/>
+                    </a:ext>
+                  </a:extLst>
+                </p:cNvPr>
+                <p:cNvPicPr/>
+                <p:nvPr/>
+              </p:nvPicPr>
+              <p:blipFill>
+                <a:blip r:embed="rId136"/>
+                <a:stretch>
+                  <a:fillRect/>
+                </a:stretch>
+              </p:blipFill>
+              <p:spPr>
+                <a:xfrm>
+                  <a:off x="5936283" y="4399652"/>
+                  <a:ext cx="61200" cy="64440"/>
+                </a:xfrm>
+                <a:prstGeom prst="rect">
+                  <a:avLst/>
+                </a:prstGeom>
+              </p:spPr>
+            </p:pic>
+          </mc:Fallback>
+        </mc:AlternateContent>
+        <mc:AlternateContent xmlns:mc="http://schemas.openxmlformats.org/markup-compatibility/2006">
+          <mc:Choice xmlns:p14="http://schemas.microsoft.com/office/powerpoint/2010/main" Requires="p14">
+            <p:contentPart p14:bwMode="auto" r:id="rId137">
+              <p14:nvContentPartPr>
+                <p14:cNvPr id="60" name="Ink 59">
+                  <a:extLst>
+                    <a:ext uri="{FF2B5EF4-FFF2-40B4-BE49-F238E27FC236}">
+                      <a16:creationId xmlns:a16="http://schemas.microsoft.com/office/drawing/2014/main" id="{883730EE-EAA6-E76D-CC76-A572CA819F52}"/>
+                    </a:ext>
+                  </a:extLst>
+                </p14:cNvPr>
+                <p14:cNvContentPartPr/>
+                <p14:nvPr/>
+              </p14:nvContentPartPr>
+              <p14:xfrm>
+                <a:off x="5477283" y="4480652"/>
+                <a:ext cx="48240" cy="66600"/>
+              </p14:xfrm>
+            </p:contentPart>
+          </mc:Choice>
+          <mc:Fallback>
+            <p:pic>
+              <p:nvPicPr>
+                <p:cNvPr id="60" name="Ink 59">
+                  <a:extLst>
+                    <a:ext uri="{FF2B5EF4-FFF2-40B4-BE49-F238E27FC236}">
+                      <a16:creationId xmlns:a16="http://schemas.microsoft.com/office/drawing/2014/main" id="{883730EE-EAA6-E76D-CC76-A572CA819F52}"/>
+                    </a:ext>
+                  </a:extLst>
+                </p:cNvPr>
+                <p:cNvPicPr/>
+                <p:nvPr/>
+              </p:nvPicPr>
+              <p:blipFill>
+                <a:blip r:embed="rId138"/>
+                <a:stretch>
+                  <a:fillRect/>
+                </a:stretch>
+              </p:blipFill>
+              <p:spPr>
+                <a:xfrm>
+                  <a:off x="5468643" y="4471652"/>
+                  <a:ext cx="65880" cy="84240"/>
+                </a:xfrm>
+                <a:prstGeom prst="rect">
+                  <a:avLst/>
+                </a:prstGeom>
+              </p:spPr>
+            </p:pic>
+          </mc:Fallback>
+        </mc:AlternateContent>
+        <mc:AlternateContent xmlns:mc="http://schemas.openxmlformats.org/markup-compatibility/2006">
+          <mc:Choice xmlns:p14="http://schemas.microsoft.com/office/powerpoint/2010/main" Requires="p14">
+            <p:contentPart p14:bwMode="auto" r:id="rId139">
+              <p14:nvContentPartPr>
+                <p14:cNvPr id="61" name="Ink 60">
+                  <a:extLst>
+                    <a:ext uri="{FF2B5EF4-FFF2-40B4-BE49-F238E27FC236}">
+                      <a16:creationId xmlns:a16="http://schemas.microsoft.com/office/drawing/2014/main" id="{0F55B53E-126B-BF42-EF82-4168632E05FC}"/>
+                    </a:ext>
+                  </a:extLst>
+                </p14:cNvPr>
+                <p14:cNvContentPartPr/>
+                <p14:nvPr/>
+              </p14:nvContentPartPr>
+              <p14:xfrm>
+                <a:off x="5569083" y="4353212"/>
+                <a:ext cx="61920" cy="222120"/>
+              </p14:xfrm>
+            </p:contentPart>
+          </mc:Choice>
+          <mc:Fallback>
+            <p:pic>
+              <p:nvPicPr>
+                <p:cNvPr id="61" name="Ink 60">
+                  <a:extLst>
+                    <a:ext uri="{FF2B5EF4-FFF2-40B4-BE49-F238E27FC236}">
+                      <a16:creationId xmlns:a16="http://schemas.microsoft.com/office/drawing/2014/main" id="{0F55B53E-126B-BF42-EF82-4168632E05FC}"/>
+                    </a:ext>
+                  </a:extLst>
+                </p:cNvPr>
+                <p:cNvPicPr/>
+                <p:nvPr/>
+              </p:nvPicPr>
+              <p:blipFill>
+                <a:blip r:embed="rId140"/>
+                <a:stretch>
+                  <a:fillRect/>
+                </a:stretch>
+              </p:blipFill>
+              <p:spPr>
+                <a:xfrm>
+                  <a:off x="5560083" y="4344572"/>
+                  <a:ext cx="79560" cy="239760"/>
+                </a:xfrm>
+                <a:prstGeom prst="rect">
+                  <a:avLst/>
+                </a:prstGeom>
+              </p:spPr>
+            </p:pic>
+          </mc:Fallback>
+        </mc:AlternateContent>
+        <mc:AlternateContent xmlns:mc="http://schemas.openxmlformats.org/markup-compatibility/2006">
+          <mc:Choice xmlns:p14="http://schemas.microsoft.com/office/powerpoint/2010/main" Requires="p14">
+            <p:contentPart p14:bwMode="auto" r:id="rId141">
+              <p14:nvContentPartPr>
+                <p14:cNvPr id="62" name="Ink 61">
+                  <a:extLst>
+                    <a:ext uri="{FF2B5EF4-FFF2-40B4-BE49-F238E27FC236}">
+                      <a16:creationId xmlns:a16="http://schemas.microsoft.com/office/drawing/2014/main" id="{55983117-A742-9582-377A-D0E4340E1147}"/>
+                    </a:ext>
+                  </a:extLst>
+                </p14:cNvPr>
+                <p14:cNvContentPartPr/>
+                <p14:nvPr/>
+              </p14:nvContentPartPr>
+              <p14:xfrm>
+                <a:off x="5629203" y="4446812"/>
+                <a:ext cx="42840" cy="5400"/>
+              </p14:xfrm>
+            </p:contentPart>
+          </mc:Choice>
+          <mc:Fallback>
+            <p:pic>
+              <p:nvPicPr>
+                <p:cNvPr id="62" name="Ink 61">
+                  <a:extLst>
+                    <a:ext uri="{FF2B5EF4-FFF2-40B4-BE49-F238E27FC236}">
+                      <a16:creationId xmlns:a16="http://schemas.microsoft.com/office/drawing/2014/main" id="{55983117-A742-9582-377A-D0E4340E1147}"/>
+                    </a:ext>
+                  </a:extLst>
+                </p:cNvPr>
+                <p:cNvPicPr/>
+                <p:nvPr/>
+              </p:nvPicPr>
+              <p:blipFill>
+                <a:blip r:embed="rId142"/>
+                <a:stretch>
+                  <a:fillRect/>
+                </a:stretch>
+              </p:blipFill>
+              <p:spPr>
+                <a:xfrm>
+                  <a:off x="5620203" y="4438172"/>
+                  <a:ext cx="60480" cy="23040"/>
+                </a:xfrm>
+                <a:prstGeom prst="rect">
+                  <a:avLst/>
+                </a:prstGeom>
+              </p:spPr>
+            </p:pic>
+          </mc:Fallback>
+        </mc:AlternateContent>
+        <mc:AlternateContent xmlns:mc="http://schemas.openxmlformats.org/markup-compatibility/2006">
+          <mc:Choice xmlns:p14="http://schemas.microsoft.com/office/powerpoint/2010/main" Requires="p14">
+            <p:contentPart p14:bwMode="auto" r:id="rId143">
+              <p14:nvContentPartPr>
+                <p14:cNvPr id="63" name="Ink 62">
+                  <a:extLst>
+                    <a:ext uri="{FF2B5EF4-FFF2-40B4-BE49-F238E27FC236}">
+                      <a16:creationId xmlns:a16="http://schemas.microsoft.com/office/drawing/2014/main" id="{06463A6A-7D42-CA03-EE2D-37C7638FBDC4}"/>
+                    </a:ext>
+                  </a:extLst>
+                </p14:cNvPr>
+                <p14:cNvContentPartPr/>
+                <p14:nvPr/>
+              </p14:nvContentPartPr>
+              <p14:xfrm>
+                <a:off x="5642163" y="4455812"/>
+                <a:ext cx="5760" cy="47520"/>
+              </p14:xfrm>
+            </p:contentPart>
+          </mc:Choice>
+          <mc:Fallback>
+            <p:pic>
+              <p:nvPicPr>
+                <p:cNvPr id="63" name="Ink 62">
+                  <a:extLst>
+                    <a:ext uri="{FF2B5EF4-FFF2-40B4-BE49-F238E27FC236}">
+                      <a16:creationId xmlns:a16="http://schemas.microsoft.com/office/drawing/2014/main" id="{06463A6A-7D42-CA03-EE2D-37C7638FBDC4}"/>
+                    </a:ext>
+                  </a:extLst>
+                </p:cNvPr>
+                <p:cNvPicPr/>
+                <p:nvPr/>
+              </p:nvPicPr>
+              <p:blipFill>
+                <a:blip r:embed="rId144"/>
+                <a:stretch>
+                  <a:fillRect/>
+                </a:stretch>
+              </p:blipFill>
+              <p:spPr>
+                <a:xfrm>
+                  <a:off x="5633523" y="4447172"/>
+                  <a:ext cx="23400" cy="65160"/>
+                </a:xfrm>
+                <a:prstGeom prst="rect">
+                  <a:avLst/>
+                </a:prstGeom>
+              </p:spPr>
+            </p:pic>
+          </mc:Fallback>
+        </mc:AlternateContent>
+        <mc:AlternateContent xmlns:mc="http://schemas.openxmlformats.org/markup-compatibility/2006">
+          <mc:Choice xmlns:p14="http://schemas.microsoft.com/office/powerpoint/2010/main" Requires="p14">
+            <p:contentPart p14:bwMode="auto" r:id="rId145">
+              <p14:nvContentPartPr>
+                <p14:cNvPr id="64" name="Ink 63">
+                  <a:extLst>
+                    <a:ext uri="{FF2B5EF4-FFF2-40B4-BE49-F238E27FC236}">
+                      <a16:creationId xmlns:a16="http://schemas.microsoft.com/office/drawing/2014/main" id="{F183A206-1C59-98B3-ECC5-6E67562C0EF2}"/>
+                    </a:ext>
+                  </a:extLst>
+                </p14:cNvPr>
+                <p14:cNvContentPartPr/>
+                <p14:nvPr/>
+              </p14:nvContentPartPr>
+              <p14:xfrm>
+                <a:off x="5668803" y="4454732"/>
+                <a:ext cx="12240" cy="52920"/>
+              </p14:xfrm>
+            </p:contentPart>
+          </mc:Choice>
+          <mc:Fallback>
+            <p:pic>
+              <p:nvPicPr>
+                <p:cNvPr id="64" name="Ink 63">
+                  <a:extLst>
+                    <a:ext uri="{FF2B5EF4-FFF2-40B4-BE49-F238E27FC236}">
+                      <a16:creationId xmlns:a16="http://schemas.microsoft.com/office/drawing/2014/main" id="{F183A206-1C59-98B3-ECC5-6E67562C0EF2}"/>
+                    </a:ext>
+                  </a:extLst>
+                </p:cNvPr>
+                <p:cNvPicPr/>
+                <p:nvPr/>
+              </p:nvPicPr>
+              <p:blipFill>
+                <a:blip r:embed="rId146"/>
+                <a:stretch>
+                  <a:fillRect/>
+                </a:stretch>
+              </p:blipFill>
+              <p:spPr>
+                <a:xfrm>
+                  <a:off x="5659803" y="4446092"/>
+                  <a:ext cx="29880" cy="70560"/>
+                </a:xfrm>
+                <a:prstGeom prst="rect">
+                  <a:avLst/>
+                </a:prstGeom>
+              </p:spPr>
+            </p:pic>
+          </mc:Fallback>
+        </mc:AlternateContent>
+        <mc:AlternateContent xmlns:mc="http://schemas.openxmlformats.org/markup-compatibility/2006">
+          <mc:Choice xmlns:p14="http://schemas.microsoft.com/office/powerpoint/2010/main" Requires="p14">
+            <p:contentPart p14:bwMode="auto" r:id="rId147">
+              <p14:nvContentPartPr>
+                <p14:cNvPr id="129" name="Ink 128">
+                  <a:extLst>
+                    <a:ext uri="{FF2B5EF4-FFF2-40B4-BE49-F238E27FC236}">
+                      <a16:creationId xmlns:a16="http://schemas.microsoft.com/office/drawing/2014/main" id="{F60D3747-C3A4-3226-EF87-A9D90D1AA8BD}"/>
+                    </a:ext>
+                  </a:extLst>
+                </p14:cNvPr>
+                <p14:cNvContentPartPr/>
+                <p14:nvPr/>
+              </p14:nvContentPartPr>
+              <p14:xfrm>
+                <a:off x="5733797" y="4402649"/>
+                <a:ext cx="53640" cy="79560"/>
+              </p14:xfrm>
+            </p:contentPart>
+          </mc:Choice>
+          <mc:Fallback>
+            <p:pic>
+              <p:nvPicPr>
+                <p:cNvPr id="129" name="Ink 128">
+                  <a:extLst>
+                    <a:ext uri="{FF2B5EF4-FFF2-40B4-BE49-F238E27FC236}">
+                      <a16:creationId xmlns:a16="http://schemas.microsoft.com/office/drawing/2014/main" id="{F60D3747-C3A4-3226-EF87-A9D90D1AA8BD}"/>
+                    </a:ext>
+                  </a:extLst>
+                </p:cNvPr>
+                <p:cNvPicPr/>
+                <p:nvPr/>
+              </p:nvPicPr>
+              <p:blipFill>
+                <a:blip r:embed="rId148"/>
+                <a:stretch>
+                  <a:fillRect/>
+                </a:stretch>
+              </p:blipFill>
+              <p:spPr>
+                <a:xfrm>
+                  <a:off x="5724797" y="4393649"/>
+                  <a:ext cx="71280" cy="97200"/>
+                </a:xfrm>
+                <a:prstGeom prst="rect">
+                  <a:avLst/>
+                </a:prstGeom>
+              </p:spPr>
+            </p:pic>
+          </mc:Fallback>
+        </mc:AlternateContent>
+      </p:grpSp>
+      <p:grpSp>
+        <p:nvGrpSpPr>
+          <p:cNvPr id="135" name="Group 134">
+            <a:extLst>
+              <a:ext uri="{FF2B5EF4-FFF2-40B4-BE49-F238E27FC236}">
+                <a16:creationId xmlns:a16="http://schemas.microsoft.com/office/drawing/2014/main" id="{5C8F52CF-BFAD-ECB5-A1E0-F933F177CF51}"/>
+              </a:ext>
+            </a:extLst>
+          </p:cNvPr>
+          <p:cNvGrpSpPr/>
+          <p:nvPr/>
+        </p:nvGrpSpPr>
+        <p:grpSpPr>
+          <a:xfrm>
+            <a:off x="5908280" y="4686689"/>
+            <a:ext cx="350640" cy="293760"/>
+            <a:chOff x="5908280" y="4686689"/>
+            <a:chExt cx="350640" cy="293760"/>
+          </a:xfrm>
+        </p:grpSpPr>
+        <mc:AlternateContent xmlns:mc="http://schemas.openxmlformats.org/markup-compatibility/2006">
+          <mc:Choice xmlns:p14="http://schemas.microsoft.com/office/powerpoint/2010/main" Requires="p14">
+            <p:contentPart p14:bwMode="auto" r:id="rId149">
+              <p14:nvContentPartPr>
+                <p14:cNvPr id="85" name="Ink 84">
+                  <a:extLst>
+                    <a:ext uri="{FF2B5EF4-FFF2-40B4-BE49-F238E27FC236}">
+                      <a16:creationId xmlns:a16="http://schemas.microsoft.com/office/drawing/2014/main" id="{8E3665BA-7141-F4D1-F104-BD16953CDB3C}"/>
+                    </a:ext>
+                  </a:extLst>
+                </p14:cNvPr>
+                <p14:cNvContentPartPr/>
+                <p14:nvPr/>
+              </p14:nvContentPartPr>
+              <p14:xfrm>
+                <a:off x="6002960" y="4717649"/>
+                <a:ext cx="83160" cy="50400"/>
+              </p14:xfrm>
+            </p:contentPart>
+          </mc:Choice>
+          <mc:Fallback>
+            <p:pic>
+              <p:nvPicPr>
+                <p:cNvPr id="85" name="Ink 84">
+                  <a:extLst>
+                    <a:ext uri="{FF2B5EF4-FFF2-40B4-BE49-F238E27FC236}">
+                      <a16:creationId xmlns:a16="http://schemas.microsoft.com/office/drawing/2014/main" id="{8E3665BA-7141-F4D1-F104-BD16953CDB3C}"/>
+                    </a:ext>
+                  </a:extLst>
+                </p:cNvPr>
+                <p:cNvPicPr/>
+                <p:nvPr/>
+              </p:nvPicPr>
+              <p:blipFill>
+                <a:blip r:embed="rId150"/>
+                <a:stretch>
+                  <a:fillRect/>
+                </a:stretch>
+              </p:blipFill>
+              <p:spPr>
+                <a:xfrm>
+                  <a:off x="5994320" y="4708649"/>
+                  <a:ext cx="100800" cy="68040"/>
+                </a:xfrm>
+                <a:prstGeom prst="rect">
+                  <a:avLst/>
+                </a:prstGeom>
+              </p:spPr>
+            </p:pic>
+          </mc:Fallback>
+        </mc:AlternateContent>
+        <mc:AlternateContent xmlns:mc="http://schemas.openxmlformats.org/markup-compatibility/2006">
+          <mc:Choice xmlns:p14="http://schemas.microsoft.com/office/powerpoint/2010/main" Requires="p14">
+            <p:contentPart p14:bwMode="auto" r:id="rId151">
+              <p14:nvContentPartPr>
+                <p14:cNvPr id="86" name="Ink 85">
+                  <a:extLst>
+                    <a:ext uri="{FF2B5EF4-FFF2-40B4-BE49-F238E27FC236}">
+                      <a16:creationId xmlns:a16="http://schemas.microsoft.com/office/drawing/2014/main" id="{76B9CE21-C27F-F922-BC6B-7C121B57984A}"/>
+                    </a:ext>
+                  </a:extLst>
+                </p14:cNvPr>
+                <p14:cNvContentPartPr/>
+                <p14:nvPr/>
+              </p14:nvContentPartPr>
+              <p14:xfrm>
+                <a:off x="6046880" y="4686689"/>
+                <a:ext cx="6480" cy="14400"/>
+              </p14:xfrm>
+            </p:contentPart>
+          </mc:Choice>
+          <mc:Fallback>
+            <p:pic>
+              <p:nvPicPr>
+                <p:cNvPr id="86" name="Ink 85">
+                  <a:extLst>
+                    <a:ext uri="{FF2B5EF4-FFF2-40B4-BE49-F238E27FC236}">
+                      <a16:creationId xmlns:a16="http://schemas.microsoft.com/office/drawing/2014/main" id="{76B9CE21-C27F-F922-BC6B-7C121B57984A}"/>
+                    </a:ext>
+                  </a:extLst>
+                </p:cNvPr>
+                <p:cNvPicPr/>
+                <p:nvPr/>
+              </p:nvPicPr>
+              <p:blipFill>
+                <a:blip r:embed="rId152"/>
+                <a:stretch>
+                  <a:fillRect/>
+                </a:stretch>
+              </p:blipFill>
+              <p:spPr>
+                <a:xfrm>
+                  <a:off x="6037880" y="4678049"/>
+                  <a:ext cx="24120" cy="32040"/>
+                </a:xfrm>
+                <a:prstGeom prst="rect">
+                  <a:avLst/>
+                </a:prstGeom>
+              </p:spPr>
+            </p:pic>
+          </mc:Fallback>
+        </mc:AlternateContent>
+        <mc:AlternateContent xmlns:mc="http://schemas.openxmlformats.org/markup-compatibility/2006">
+          <mc:Choice xmlns:p14="http://schemas.microsoft.com/office/powerpoint/2010/main" Requires="p14">
+            <p:contentPart p14:bwMode="auto" r:id="rId153">
+              <p14:nvContentPartPr>
+                <p14:cNvPr id="87" name="Ink 86">
+                  <a:extLst>
+                    <a:ext uri="{FF2B5EF4-FFF2-40B4-BE49-F238E27FC236}">
+                      <a16:creationId xmlns:a16="http://schemas.microsoft.com/office/drawing/2014/main" id="{52348F14-1218-F75C-5A2D-A3A10B871988}"/>
+                    </a:ext>
+                  </a:extLst>
+                </p14:cNvPr>
+                <p14:cNvContentPartPr/>
+                <p14:nvPr/>
+              </p14:nvContentPartPr>
+              <p14:xfrm>
+                <a:off x="5920880" y="4816289"/>
+                <a:ext cx="247320" cy="36000"/>
+              </p14:xfrm>
+            </p:contentPart>
+          </mc:Choice>
+          <mc:Fallback>
+            <p:pic>
+              <p:nvPicPr>
+                <p:cNvPr id="87" name="Ink 86">
+                  <a:extLst>
+                    <a:ext uri="{FF2B5EF4-FFF2-40B4-BE49-F238E27FC236}">
+                      <a16:creationId xmlns:a16="http://schemas.microsoft.com/office/drawing/2014/main" id="{52348F14-1218-F75C-5A2D-A3A10B871988}"/>
+                    </a:ext>
+                  </a:extLst>
+                </p:cNvPr>
+                <p:cNvPicPr/>
+                <p:nvPr/>
+              </p:nvPicPr>
+              <p:blipFill>
+                <a:blip r:embed="rId154"/>
+                <a:stretch>
+                  <a:fillRect/>
+                </a:stretch>
+              </p:blipFill>
+              <p:spPr>
+                <a:xfrm>
+                  <a:off x="5911880" y="4807649"/>
+                  <a:ext cx="264960" cy="53640"/>
+                </a:xfrm>
+                <a:prstGeom prst="rect">
+                  <a:avLst/>
+                </a:prstGeom>
+              </p:spPr>
+            </p:pic>
+          </mc:Fallback>
+        </mc:AlternateContent>
+        <mc:AlternateContent xmlns:mc="http://schemas.openxmlformats.org/markup-compatibility/2006">
+          <mc:Choice xmlns:p14="http://schemas.microsoft.com/office/powerpoint/2010/main" Requires="p14">
+            <p:contentPart p14:bwMode="auto" r:id="rId155">
+              <p14:nvContentPartPr>
+                <p14:cNvPr id="88" name="Ink 87">
+                  <a:extLst>
+                    <a:ext uri="{FF2B5EF4-FFF2-40B4-BE49-F238E27FC236}">
+                      <a16:creationId xmlns:a16="http://schemas.microsoft.com/office/drawing/2014/main" id="{587C2AF8-0B2F-B3CE-C4CE-00A4443709B1}"/>
+                    </a:ext>
+                  </a:extLst>
+                </p14:cNvPr>
+                <p14:cNvContentPartPr/>
+                <p14:nvPr/>
+              </p14:nvContentPartPr>
+              <p14:xfrm>
+                <a:off x="5908280" y="4918889"/>
+                <a:ext cx="58320" cy="1440"/>
+              </p14:xfrm>
+            </p:contentPart>
+          </mc:Choice>
+          <mc:Fallback>
+            <p:pic>
+              <p:nvPicPr>
+                <p:cNvPr id="88" name="Ink 87">
+                  <a:extLst>
+                    <a:ext uri="{FF2B5EF4-FFF2-40B4-BE49-F238E27FC236}">
+                      <a16:creationId xmlns:a16="http://schemas.microsoft.com/office/drawing/2014/main" id="{587C2AF8-0B2F-B3CE-C4CE-00A4443709B1}"/>
+                    </a:ext>
+                  </a:extLst>
+                </p:cNvPr>
+                <p:cNvPicPr/>
+                <p:nvPr/>
+              </p:nvPicPr>
+              <p:blipFill>
+                <a:blip r:embed="rId156"/>
+                <a:stretch>
+                  <a:fillRect/>
+                </a:stretch>
+              </p:blipFill>
+              <p:spPr>
+                <a:xfrm>
+                  <a:off x="5899280" y="4909889"/>
+                  <a:ext cx="75960" cy="19080"/>
+                </a:xfrm>
+                <a:prstGeom prst="rect">
+                  <a:avLst/>
+                </a:prstGeom>
+              </p:spPr>
+            </p:pic>
+          </mc:Fallback>
+        </mc:AlternateContent>
+        <mc:AlternateContent xmlns:mc="http://schemas.openxmlformats.org/markup-compatibility/2006">
+          <mc:Choice xmlns:p14="http://schemas.microsoft.com/office/powerpoint/2010/main" Requires="p14">
+            <p:contentPart p14:bwMode="auto" r:id="rId157">
+              <p14:nvContentPartPr>
+                <p14:cNvPr id="93" name="Ink 92">
+                  <a:extLst>
+                    <a:ext uri="{FF2B5EF4-FFF2-40B4-BE49-F238E27FC236}">
+                      <a16:creationId xmlns:a16="http://schemas.microsoft.com/office/drawing/2014/main" id="{9240E31E-AF31-DA06-57A6-BD88F58D17FA}"/>
+                    </a:ext>
+                  </a:extLst>
+                </p14:cNvPr>
+                <p14:cNvContentPartPr/>
+                <p14:nvPr/>
+              </p14:nvContentPartPr>
+              <p14:xfrm>
+                <a:off x="6076760" y="4928609"/>
+                <a:ext cx="35640" cy="35280"/>
+              </p14:xfrm>
+            </p:contentPart>
+          </mc:Choice>
+          <mc:Fallback>
+            <p:pic>
+              <p:nvPicPr>
+                <p:cNvPr id="93" name="Ink 92">
+                  <a:extLst>
+                    <a:ext uri="{FF2B5EF4-FFF2-40B4-BE49-F238E27FC236}">
+                      <a16:creationId xmlns:a16="http://schemas.microsoft.com/office/drawing/2014/main" id="{9240E31E-AF31-DA06-57A6-BD88F58D17FA}"/>
+                    </a:ext>
+                  </a:extLst>
+                </p:cNvPr>
+                <p:cNvPicPr/>
+                <p:nvPr/>
+              </p:nvPicPr>
+              <p:blipFill>
+                <a:blip r:embed="rId158"/>
+                <a:stretch>
+                  <a:fillRect/>
+                </a:stretch>
+              </p:blipFill>
+              <p:spPr>
+                <a:xfrm>
+                  <a:off x="6068120" y="4919969"/>
+                  <a:ext cx="53280" cy="52920"/>
+                </a:xfrm>
+                <a:prstGeom prst="rect">
+                  <a:avLst/>
+                </a:prstGeom>
+              </p:spPr>
+            </p:pic>
+          </mc:Fallback>
+        </mc:AlternateContent>
+        <mc:AlternateContent xmlns:mc="http://schemas.openxmlformats.org/markup-compatibility/2006">
+          <mc:Choice xmlns:p14="http://schemas.microsoft.com/office/powerpoint/2010/main" Requires="p14">
+            <p:contentPart p14:bwMode="auto" r:id="rId159">
+              <p14:nvContentPartPr>
+                <p14:cNvPr id="94" name="Ink 93">
+                  <a:extLst>
+                    <a:ext uri="{FF2B5EF4-FFF2-40B4-BE49-F238E27FC236}">
+                      <a16:creationId xmlns:a16="http://schemas.microsoft.com/office/drawing/2014/main" id="{FA52457D-E662-A3BF-2AD2-FBC7125E1708}"/>
+                    </a:ext>
+                  </a:extLst>
+                </p14:cNvPr>
+                <p14:cNvContentPartPr/>
+                <p14:nvPr/>
+              </p14:nvContentPartPr>
+              <p14:xfrm>
+                <a:off x="6147320" y="4915649"/>
+                <a:ext cx="52200" cy="40320"/>
+              </p14:xfrm>
+            </p:contentPart>
+          </mc:Choice>
+          <mc:Fallback>
+            <p:pic>
+              <p:nvPicPr>
+                <p:cNvPr id="94" name="Ink 93">
+                  <a:extLst>
+                    <a:ext uri="{FF2B5EF4-FFF2-40B4-BE49-F238E27FC236}">
+                      <a16:creationId xmlns:a16="http://schemas.microsoft.com/office/drawing/2014/main" id="{FA52457D-E662-A3BF-2AD2-FBC7125E1708}"/>
+                    </a:ext>
+                  </a:extLst>
+                </p:cNvPr>
+                <p:cNvPicPr/>
+                <p:nvPr/>
+              </p:nvPicPr>
+              <p:blipFill>
+                <a:blip r:embed="rId160"/>
+                <a:stretch>
+                  <a:fillRect/>
+                </a:stretch>
+              </p:blipFill>
+              <p:spPr>
+                <a:xfrm>
+                  <a:off x="6138320" y="4907009"/>
+                  <a:ext cx="69840" cy="57960"/>
+                </a:xfrm>
+                <a:prstGeom prst="rect">
+                  <a:avLst/>
+                </a:prstGeom>
+              </p:spPr>
+            </p:pic>
+          </mc:Fallback>
+        </mc:AlternateContent>
+        <mc:AlternateContent xmlns:mc="http://schemas.openxmlformats.org/markup-compatibility/2006">
+          <mc:Choice xmlns:p14="http://schemas.microsoft.com/office/powerpoint/2010/main" Requires="p14">
+            <p:contentPart p14:bwMode="auto" r:id="rId161">
+              <p14:nvContentPartPr>
+                <p14:cNvPr id="95" name="Ink 94">
+                  <a:extLst>
+                    <a:ext uri="{FF2B5EF4-FFF2-40B4-BE49-F238E27FC236}">
+                      <a16:creationId xmlns:a16="http://schemas.microsoft.com/office/drawing/2014/main" id="{80EB6B4C-9E85-FA10-3CF1-31416F6B96DD}"/>
+                    </a:ext>
+                  </a:extLst>
+                </p14:cNvPr>
+                <p14:cNvContentPartPr/>
+                <p14:nvPr/>
+              </p14:nvContentPartPr>
+              <p14:xfrm>
+                <a:off x="6206720" y="4899089"/>
+                <a:ext cx="52200" cy="46800"/>
+              </p14:xfrm>
+            </p:contentPart>
+          </mc:Choice>
+          <mc:Fallback>
+            <p:pic>
+              <p:nvPicPr>
+                <p:cNvPr id="95" name="Ink 94">
+                  <a:extLst>
+                    <a:ext uri="{FF2B5EF4-FFF2-40B4-BE49-F238E27FC236}">
+                      <a16:creationId xmlns:a16="http://schemas.microsoft.com/office/drawing/2014/main" id="{80EB6B4C-9E85-FA10-3CF1-31416F6B96DD}"/>
+                    </a:ext>
+                  </a:extLst>
+                </p:cNvPr>
+                <p:cNvPicPr/>
+                <p:nvPr/>
+              </p:nvPicPr>
+              <p:blipFill>
+                <a:blip r:embed="rId162"/>
+                <a:stretch>
+                  <a:fillRect/>
+                </a:stretch>
+              </p:blipFill>
+              <p:spPr>
+                <a:xfrm>
+                  <a:off x="6197720" y="4890089"/>
+                  <a:ext cx="69840" cy="64440"/>
+                </a:xfrm>
+                <a:prstGeom prst="rect">
+                  <a:avLst/>
+                </a:prstGeom>
+              </p:spPr>
+            </p:pic>
+          </mc:Fallback>
+        </mc:AlternateContent>
+        <mc:AlternateContent xmlns:mc="http://schemas.openxmlformats.org/markup-compatibility/2006">
+          <mc:Choice xmlns:p14="http://schemas.microsoft.com/office/powerpoint/2010/main" Requires="p14">
+            <p:contentPart p14:bwMode="auto" r:id="rId163">
+              <p14:nvContentPartPr>
+                <p14:cNvPr id="132" name="Ink 131">
+                  <a:extLst>
+                    <a:ext uri="{FF2B5EF4-FFF2-40B4-BE49-F238E27FC236}">
+                      <a16:creationId xmlns:a16="http://schemas.microsoft.com/office/drawing/2014/main" id="{409A5317-1E85-2646-7CAE-974235F1055D}"/>
+                    </a:ext>
+                  </a:extLst>
+                </p14:cNvPr>
+                <p14:cNvContentPartPr/>
+                <p14:nvPr/>
+              </p14:nvContentPartPr>
+              <p14:xfrm>
+                <a:off x="6003077" y="4886489"/>
+                <a:ext cx="39960" cy="73800"/>
+              </p14:xfrm>
+            </p:contentPart>
+          </mc:Choice>
+          <mc:Fallback>
+            <p:pic>
+              <p:nvPicPr>
+                <p:cNvPr id="132" name="Ink 131">
+                  <a:extLst>
+                    <a:ext uri="{FF2B5EF4-FFF2-40B4-BE49-F238E27FC236}">
+                      <a16:creationId xmlns:a16="http://schemas.microsoft.com/office/drawing/2014/main" id="{409A5317-1E85-2646-7CAE-974235F1055D}"/>
+                    </a:ext>
+                  </a:extLst>
+                </p:cNvPr>
+                <p:cNvPicPr/>
+                <p:nvPr/>
+              </p:nvPicPr>
+              <p:blipFill>
+                <a:blip r:embed="rId164"/>
+                <a:stretch>
+                  <a:fillRect/>
+                </a:stretch>
+              </p:blipFill>
+              <p:spPr>
+                <a:xfrm>
+                  <a:off x="5994077" y="4877849"/>
+                  <a:ext cx="57600" cy="91440"/>
+                </a:xfrm>
+                <a:prstGeom prst="rect">
+                  <a:avLst/>
+                </a:prstGeom>
+              </p:spPr>
+            </p:pic>
+          </mc:Fallback>
+        </mc:AlternateContent>
+        <mc:AlternateContent xmlns:mc="http://schemas.openxmlformats.org/markup-compatibility/2006">
+          <mc:Choice xmlns:p14="http://schemas.microsoft.com/office/powerpoint/2010/main" Requires="p14">
+            <p:contentPart p14:bwMode="auto" r:id="rId165">
+              <p14:nvContentPartPr>
+                <p14:cNvPr id="133" name="Ink 132">
+                  <a:extLst>
+                    <a:ext uri="{FF2B5EF4-FFF2-40B4-BE49-F238E27FC236}">
+                      <a16:creationId xmlns:a16="http://schemas.microsoft.com/office/drawing/2014/main" id="{832EB50A-E4A1-7502-3FD4-4C2BE92E4C40}"/>
+                    </a:ext>
+                  </a:extLst>
+                </p14:cNvPr>
+                <p14:cNvContentPartPr/>
+                <p14:nvPr/>
+              </p14:nvContentPartPr>
+              <p14:xfrm>
+                <a:off x="5927477" y="4923569"/>
+                <a:ext cx="4320" cy="52920"/>
+              </p14:xfrm>
+            </p:contentPart>
+          </mc:Choice>
+          <mc:Fallback>
+            <p:pic>
+              <p:nvPicPr>
+                <p:cNvPr id="133" name="Ink 132">
+                  <a:extLst>
+                    <a:ext uri="{FF2B5EF4-FFF2-40B4-BE49-F238E27FC236}">
+                      <a16:creationId xmlns:a16="http://schemas.microsoft.com/office/drawing/2014/main" id="{832EB50A-E4A1-7502-3FD4-4C2BE92E4C40}"/>
+                    </a:ext>
+                  </a:extLst>
+                </p:cNvPr>
+                <p:cNvPicPr/>
+                <p:nvPr/>
+              </p:nvPicPr>
+              <p:blipFill>
+                <a:blip r:embed="rId166"/>
+                <a:stretch>
+                  <a:fillRect/>
+                </a:stretch>
+              </p:blipFill>
+              <p:spPr>
+                <a:xfrm>
+                  <a:off x="5918837" y="4914929"/>
+                  <a:ext cx="21960" cy="70560"/>
+                </a:xfrm>
+                <a:prstGeom prst="rect">
+                  <a:avLst/>
+                </a:prstGeom>
+              </p:spPr>
+            </p:pic>
+          </mc:Fallback>
+        </mc:AlternateContent>
+        <mc:AlternateContent xmlns:mc="http://schemas.openxmlformats.org/markup-compatibility/2006">
+          <mc:Choice xmlns:p14="http://schemas.microsoft.com/office/powerpoint/2010/main" Requires="p14">
+            <p:contentPart p14:bwMode="auto" r:id="rId167">
+              <p14:nvContentPartPr>
+                <p14:cNvPr id="134" name="Ink 133">
+                  <a:extLst>
+                    <a:ext uri="{FF2B5EF4-FFF2-40B4-BE49-F238E27FC236}">
+                      <a16:creationId xmlns:a16="http://schemas.microsoft.com/office/drawing/2014/main" id="{ECBF88D6-3D1A-205A-8D35-033D01056582}"/>
+                    </a:ext>
+                  </a:extLst>
+                </p14:cNvPr>
+                <p14:cNvContentPartPr/>
+                <p14:nvPr/>
+              </p14:nvContentPartPr>
+              <p14:xfrm>
+                <a:off x="5951237" y="4919609"/>
+                <a:ext cx="7560" cy="60840"/>
+              </p14:xfrm>
+            </p:contentPart>
+          </mc:Choice>
+          <mc:Fallback>
+            <p:pic>
+              <p:nvPicPr>
+                <p:cNvPr id="134" name="Ink 133">
+                  <a:extLst>
+                    <a:ext uri="{FF2B5EF4-FFF2-40B4-BE49-F238E27FC236}">
+                      <a16:creationId xmlns:a16="http://schemas.microsoft.com/office/drawing/2014/main" id="{ECBF88D6-3D1A-205A-8D35-033D01056582}"/>
+                    </a:ext>
+                  </a:extLst>
+                </p:cNvPr>
+                <p:cNvPicPr/>
+                <p:nvPr/>
+              </p:nvPicPr>
+              <p:blipFill>
+                <a:blip r:embed="rId168"/>
+                <a:stretch>
+                  <a:fillRect/>
+                </a:stretch>
+              </p:blipFill>
+              <p:spPr>
+                <a:xfrm>
+                  <a:off x="5942237" y="4910969"/>
+                  <a:ext cx="25200" cy="78480"/>
+                </a:xfrm>
+                <a:prstGeom prst="rect">
+                  <a:avLst/>
+                </a:prstGeom>
+              </p:spPr>
+            </p:pic>
+          </mc:Fallback>
+        </mc:AlternateContent>
+      </p:grpSp>
     </p:spTree>
     <p:extLst>
       <p:ext uri="{BB962C8B-B14F-4D97-AF65-F5344CB8AC3E}">
